--- a/Sec-svm-demonstration.pptx
+++ b/Sec-svm-demonstration.pptx
@@ -16,6 +16,15 @@
     <p:sldId id="265" r:id="rId10"/>
     <p:sldId id="266" r:id="rId11"/>
     <p:sldId id="267" r:id="rId12"/>
+    <p:sldId id="270" r:id="rId13"/>
+    <p:sldId id="272" r:id="rId14"/>
+    <p:sldId id="273" r:id="rId15"/>
+    <p:sldId id="274" r:id="rId16"/>
+    <p:sldId id="275" r:id="rId17"/>
+    <p:sldId id="271" r:id="rId18"/>
+    <p:sldId id="276" r:id="rId19"/>
+    <p:sldId id="277" r:id="rId20"/>
+    <p:sldId id="278" r:id="rId21"/>
   </p:sldIdLst>
   <p:sldSz cx="12192000" cy="6858000"/>
   <p:notesSz cx="6858000" cy="9144000"/>
@@ -114,6 +123,11 @@
       </a:defRPr>
     </a:lvl9pPr>
   </p:defaultTextStyle>
+  <p:extLst>
+    <p:ext uri="{EFAFB233-063F-42B5-8137-9DF3F51BA10A}">
+      <p15:sldGuideLst xmlns:p15="http://schemas.microsoft.com/office/powerpoint/2012/main"/>
+    </p:ext>
+  </p:extLst>
 </p:presentation>
 </file>
 
@@ -839,7 +853,7 @@
           <a:p>
             <a:fld id="{69E40285-7897-458D-9016-AEB729139BF7}" type="datetimeFigureOut">
               <a:rPr lang="he-IL" smtClean="0"/>
-              <a:t>ט"ז/אלול/תשפ"א</a:t>
+              <a:t>י"ז/אלול/תשפ"א</a:t>
             </a:fld>
             <a:endParaRPr lang="he-IL"/>
           </a:p>
@@ -1090,7 +1104,7 @@
           <a:p>
             <a:fld id="{69E40285-7897-458D-9016-AEB729139BF7}" type="datetimeFigureOut">
               <a:rPr lang="he-IL" smtClean="0"/>
-              <a:t>ט"ז/אלול/תשפ"א</a:t>
+              <a:t>י"ז/אלול/תשפ"א</a:t>
             </a:fld>
             <a:endParaRPr lang="he-IL"/>
           </a:p>
@@ -1404,7 +1418,7 @@
           <a:p>
             <a:fld id="{69E40285-7897-458D-9016-AEB729139BF7}" type="datetimeFigureOut">
               <a:rPr lang="he-IL" smtClean="0"/>
-              <a:t>ט"ז/אלול/תשפ"א</a:t>
+              <a:t>י"ז/אלול/תשפ"א</a:t>
             </a:fld>
             <a:endParaRPr lang="he-IL"/>
           </a:p>
@@ -1745,7 +1759,7 @@
           <a:p>
             <a:fld id="{69E40285-7897-458D-9016-AEB729139BF7}" type="datetimeFigureOut">
               <a:rPr lang="he-IL" smtClean="0"/>
-              <a:t>ט"ז/אלול/תשפ"א</a:t>
+              <a:t>י"ז/אלול/תשפ"א</a:t>
             </a:fld>
             <a:endParaRPr lang="he-IL"/>
           </a:p>
@@ -2059,7 +2073,7 @@
           <a:p>
             <a:fld id="{69E40285-7897-458D-9016-AEB729139BF7}" type="datetimeFigureOut">
               <a:rPr lang="he-IL" smtClean="0"/>
-              <a:t>ט"ז/אלול/תשפ"א</a:t>
+              <a:t>י"ז/אלול/תשפ"א</a:t>
             </a:fld>
             <a:endParaRPr lang="he-IL"/>
           </a:p>
@@ -2452,7 +2466,7 @@
           <a:p>
             <a:fld id="{69E40285-7897-458D-9016-AEB729139BF7}" type="datetimeFigureOut">
               <a:rPr lang="he-IL" smtClean="0"/>
-              <a:t>ט"ז/אלול/תשפ"א</a:t>
+              <a:t>י"ז/אלול/תשפ"א</a:t>
             </a:fld>
             <a:endParaRPr lang="he-IL"/>
           </a:p>
@@ -2622,7 +2636,7 @@
           <a:p>
             <a:fld id="{69E40285-7897-458D-9016-AEB729139BF7}" type="datetimeFigureOut">
               <a:rPr lang="he-IL" smtClean="0"/>
-              <a:t>ט"ז/אלול/תשפ"א</a:t>
+              <a:t>י"ז/אלול/תשפ"א</a:t>
             </a:fld>
             <a:endParaRPr lang="he-IL"/>
           </a:p>
@@ -2802,7 +2816,7 @@
           <a:p>
             <a:fld id="{69E40285-7897-458D-9016-AEB729139BF7}" type="datetimeFigureOut">
               <a:rPr lang="he-IL" smtClean="0"/>
-              <a:t>ט"ז/אלול/תשפ"א</a:t>
+              <a:t>י"ז/אלול/תשפ"א</a:t>
             </a:fld>
             <a:endParaRPr lang="he-IL"/>
           </a:p>
@@ -2978,7 +2992,7 @@
           <a:p>
             <a:fld id="{69E40285-7897-458D-9016-AEB729139BF7}" type="datetimeFigureOut">
               <a:rPr lang="he-IL" smtClean="0"/>
-              <a:t>ט"ז/אלול/תשפ"א</a:t>
+              <a:t>י"ז/אלול/תשפ"א</a:t>
             </a:fld>
             <a:endParaRPr lang="he-IL"/>
           </a:p>
@@ -3225,7 +3239,7 @@
           <a:p>
             <a:fld id="{69E40285-7897-458D-9016-AEB729139BF7}" type="datetimeFigureOut">
               <a:rPr lang="he-IL" smtClean="0"/>
-              <a:t>ט"ז/אלול/תשפ"א</a:t>
+              <a:t>י"ז/אלול/תשפ"א</a:t>
             </a:fld>
             <a:endParaRPr lang="he-IL"/>
           </a:p>
@@ -3457,7 +3471,7 @@
           <a:p>
             <a:fld id="{69E40285-7897-458D-9016-AEB729139BF7}" type="datetimeFigureOut">
               <a:rPr lang="he-IL" smtClean="0"/>
-              <a:t>ט"ז/אלול/תשפ"א</a:t>
+              <a:t>י"ז/אלול/תשפ"א</a:t>
             </a:fld>
             <a:endParaRPr lang="he-IL"/>
           </a:p>
@@ -3831,7 +3845,7 @@
           <a:p>
             <a:fld id="{69E40285-7897-458D-9016-AEB729139BF7}" type="datetimeFigureOut">
               <a:rPr lang="he-IL" smtClean="0"/>
-              <a:t>ט"ז/אלול/תשפ"א</a:t>
+              <a:t>י"ז/אלול/תשפ"א</a:t>
             </a:fld>
             <a:endParaRPr lang="he-IL"/>
           </a:p>
@@ -3954,7 +3968,7 @@
           <a:p>
             <a:fld id="{69E40285-7897-458D-9016-AEB729139BF7}" type="datetimeFigureOut">
               <a:rPr lang="he-IL" smtClean="0"/>
-              <a:t>ט"ז/אלול/תשפ"א</a:t>
+              <a:t>י"ז/אלול/תשפ"א</a:t>
             </a:fld>
             <a:endParaRPr lang="he-IL"/>
           </a:p>
@@ -4049,7 +4063,7 @@
           <a:p>
             <a:fld id="{69E40285-7897-458D-9016-AEB729139BF7}" type="datetimeFigureOut">
               <a:rPr lang="he-IL" smtClean="0"/>
-              <a:t>ט"ז/אלול/תשפ"א</a:t>
+              <a:t>י"ז/אלול/תשפ"א</a:t>
             </a:fld>
             <a:endParaRPr lang="he-IL"/>
           </a:p>
@@ -4304,7 +4318,7 @@
           <a:p>
             <a:fld id="{69E40285-7897-458D-9016-AEB729139BF7}" type="datetimeFigureOut">
               <a:rPr lang="he-IL" smtClean="0"/>
-              <a:t>ט"ז/אלול/תשפ"א</a:t>
+              <a:t>י"ז/אלול/תשפ"א</a:t>
             </a:fld>
             <a:endParaRPr lang="he-IL"/>
           </a:p>
@@ -4567,7 +4581,7 @@
           <a:p>
             <a:fld id="{69E40285-7897-458D-9016-AEB729139BF7}" type="datetimeFigureOut">
               <a:rPr lang="he-IL" smtClean="0"/>
-              <a:t>ט"ז/אלול/תשפ"א</a:t>
+              <a:t>י"ז/אלול/תשפ"א</a:t>
             </a:fld>
             <a:endParaRPr lang="he-IL"/>
           </a:p>
@@ -5310,7 +5324,7 @@
           <a:p>
             <a:fld id="{69E40285-7897-458D-9016-AEB729139BF7}" type="datetimeFigureOut">
               <a:rPr lang="he-IL" smtClean="0"/>
-              <a:t>ט"ז/אלול/תשפ"א</a:t>
+              <a:t>י"ז/אלול/תשפ"א</a:t>
             </a:fld>
             <a:endParaRPr lang="he-IL"/>
           </a:p>
@@ -7757,7 +7771,7 @@
         <p:spPr>
           <a:xfrm>
             <a:off x="677334" y="2160589"/>
-            <a:ext cx="8596668" cy="3880773"/>
+            <a:ext cx="8596668" cy="4287836"/>
           </a:xfrm>
         </p:spPr>
         <p:txBody>
@@ -7813,6 +7827,9 @@
               </a:rPr>
               <a:t>decodes the app, execute scan_and_replace.py and finally - build and sign the application afterwards.</a:t>
             </a:r>
+          </a:p>
+          <a:p>
+            <a:pPr algn="l" rtl="0"/>
             <a:endParaRPr lang="en-US" b="1" dirty="0"/>
           </a:p>
         </p:txBody>
@@ -8662,8 +8679,8 @@
         </p:nvSpPr>
         <p:spPr>
           <a:xfrm>
-            <a:off x="677334" y="2160589"/>
-            <a:ext cx="8596668" cy="3880773"/>
+            <a:off x="677334" y="1600200"/>
+            <a:ext cx="8596668" cy="4962525"/>
           </a:xfrm>
         </p:spPr>
         <p:txBody>
@@ -8708,12 +8725,7918 @@
               <a:t> – This script uses the new json file that we got from previous script and then scanning the new test label places of 1’s and replaces respectively a feature from our new json instead a malware feature in the new test dataset. After all the replacement we want to run Sec-svm again on the new created dataset, so we replace the train and test old json’s with the newly created json’s.</a:t>
             </a:r>
           </a:p>
+          <a:p>
+            <a:pPr algn="l" rtl="0"/>
+            <a:r>
+              <a:rPr lang="en-US" b="1" dirty="0"/>
+              <a:t>only_mal.py</a:t>
+            </a:r>
+            <a:r>
+              <a:rPr lang="en-US" dirty="0"/>
+              <a:t> – This script behaves like replace_mal.py but without the feature replacement at the end and taking only malicious app from test dataset.</a:t>
+            </a:r>
+          </a:p>
+          <a:p>
+            <a:pPr algn="l" rtl="0"/>
+            <a:r>
+              <a:rPr lang="en-US" b="1" dirty="0"/>
+              <a:t>only_mal_with_attack.py</a:t>
+            </a:r>
+            <a:r>
+              <a:rPr lang="en-US" dirty="0"/>
+              <a:t> – This script behaves like replace_mal.py with feature replacement but taking only malicious app from test dataset.</a:t>
+            </a:r>
+          </a:p>
         </p:txBody>
       </p:sp>
     </p:spTree>
     <p:extLst>
       <p:ext uri="{BB962C8B-B14F-4D97-AF65-F5344CB8AC3E}">
         <p14:creationId xmlns:p14="http://schemas.microsoft.com/office/powerpoint/2010/main" val="140977772"/>
+      </p:ext>
+    </p:extLst>
+  </p:cSld>
+  <p:clrMapOvr>
+    <a:overrideClrMapping bg1="dk1" tx1="lt1" bg2="dk2" tx2="lt2" accent1="accent1" accent2="accent2" accent3="accent3" accent4="accent4" accent5="accent5" accent6="accent6" hlink="hlink" folHlink="folHlink"/>
+  </p:clrMapOvr>
+</p:sld>
+</file>
+
+<file path=ppt/slides/slide12.xml><?xml version="1.0" encoding="utf-8"?>
+<p:sld xmlns:a="http://schemas.openxmlformats.org/drawingml/2006/main" xmlns:r="http://schemas.openxmlformats.org/officeDocument/2006/relationships" xmlns:p="http://schemas.openxmlformats.org/presentationml/2006/main">
+  <p:cSld>
+    <p:bg>
+      <p:bgPr>
+        <a:solidFill>
+          <a:schemeClr val="bg2"/>
+        </a:solidFill>
+        <a:effectLst/>
+      </p:bgPr>
+    </p:bg>
+    <p:spTree>
+      <p:nvGrpSpPr>
+        <p:cNvPr id="1" name=""/>
+        <p:cNvGrpSpPr/>
+        <p:nvPr/>
+      </p:nvGrpSpPr>
+      <p:grpSpPr>
+        <a:xfrm>
+          <a:off x="0" y="0"/>
+          <a:ext cx="0" cy="0"/>
+          <a:chOff x="0" y="0"/>
+          <a:chExt cx="0" cy="0"/>
+        </a:xfrm>
+      </p:grpSpPr>
+      <p:sp useBgFill="1">
+        <p:nvSpPr>
+          <p:cNvPr id="8" name="Rectangle 7">
+            <a:extLst>
+              <a:ext uri="{FF2B5EF4-FFF2-40B4-BE49-F238E27FC236}">
+                <a16:creationId xmlns:a16="http://schemas.microsoft.com/office/drawing/2014/main" id="{86C16C40-7C29-4ACC-B851-7E08E459B596}"/>
+              </a:ext>
+              <a:ext uri="{C183D7F6-B498-43B3-948B-1728B52AA6E4}">
+                <adec:decorative xmlns:adec="http://schemas.microsoft.com/office/drawing/2017/decorative" val="1"/>
+              </a:ext>
+            </a:extLst>
+          </p:cNvPr>
+          <p:cNvSpPr>
+            <a:spLocks noGrp="1" noRot="1" noChangeAspect="1" noMove="1" noResize="1" noEditPoints="1" noAdjustHandles="1" noChangeArrowheads="1" noChangeShapeType="1" noTextEdit="1"/>
+          </p:cNvSpPr>
+          <p:nvPr>
+            <p:extLst>
+              <p:ext uri="{386F3935-93C4-4BCD-93E2-E3B085C9AB24}">
+                <p16:designElem xmlns:p16="http://schemas.microsoft.com/office/powerpoint/2015/main" val="1"/>
+              </p:ext>
+            </p:extLst>
+          </p:nvPr>
+        </p:nvSpPr>
+        <p:spPr>
+          <a:xfrm>
+            <a:off x="0" y="0"/>
+            <a:ext cx="12192000" cy="6858000"/>
+          </a:xfrm>
+          <a:prstGeom prst="rect">
+            <a:avLst/>
+          </a:prstGeom>
+          <a:ln>
+            <a:noFill/>
+          </a:ln>
+        </p:spPr>
+        <p:style>
+          <a:lnRef idx="2">
+            <a:schemeClr val="accent1">
+              <a:shade val="50000"/>
+            </a:schemeClr>
+          </a:lnRef>
+          <a:fillRef idx="1">
+            <a:schemeClr val="accent1"/>
+          </a:fillRef>
+          <a:effectRef idx="0">
+            <a:schemeClr val="accent1"/>
+          </a:effectRef>
+          <a:fontRef idx="minor">
+            <a:schemeClr val="lt1"/>
+          </a:fontRef>
+        </p:style>
+        <p:txBody>
+          <a:bodyPr rtlCol="0" anchor="ctr"/>
+          <a:lstStyle/>
+          <a:p>
+            <a:pPr algn="ctr"/>
+            <a:endParaRPr lang="en-US"/>
+          </a:p>
+        </p:txBody>
+      </p:sp>
+      <p:grpSp>
+        <p:nvGrpSpPr>
+          <p:cNvPr id="10" name="Group 9">
+            <a:extLst>
+              <a:ext uri="{FF2B5EF4-FFF2-40B4-BE49-F238E27FC236}">
+                <a16:creationId xmlns:a16="http://schemas.microsoft.com/office/drawing/2014/main" id="{CDD733AE-DD5E-4C77-8BCD-72BF12A06BB1}"/>
+              </a:ext>
+              <a:ext uri="{C183D7F6-B498-43B3-948B-1728B52AA6E4}">
+                <adec:decorative xmlns:adec="http://schemas.microsoft.com/office/drawing/2017/decorative" val="1"/>
+              </a:ext>
+            </a:extLst>
+          </p:cNvPr>
+          <p:cNvGrpSpPr>
+            <a:grpSpLocks noGrp="1" noUngrp="1" noRot="1" noChangeAspect="1" noMove="1" noResize="1"/>
+          </p:cNvGrpSpPr>
+          <p:nvPr>
+            <p:extLst>
+              <p:ext uri="{386F3935-93C4-4BCD-93E2-E3B085C9AB24}">
+                <p16:designElem xmlns:p16="http://schemas.microsoft.com/office/powerpoint/2015/main" val="1"/>
+              </p:ext>
+            </p:extLst>
+          </p:nvPr>
+        </p:nvGrpSpPr>
+        <p:grpSpPr>
+          <a:xfrm>
+            <a:off x="0" y="-8467"/>
+            <a:ext cx="12192000" cy="6866467"/>
+            <a:chOff x="0" y="-8467"/>
+            <a:chExt cx="12192000" cy="6866467"/>
+          </a:xfrm>
+        </p:grpSpPr>
+        <p:cxnSp>
+          <p:nvCxnSpPr>
+            <p:cNvPr id="11" name="Straight Connector 10">
+              <a:extLst>
+                <a:ext uri="{FF2B5EF4-FFF2-40B4-BE49-F238E27FC236}">
+                  <a16:creationId xmlns:a16="http://schemas.microsoft.com/office/drawing/2014/main" id="{51DE90A4-932E-4370-BA07-30F43254C01B}"/>
+                </a:ext>
+                <a:ext uri="{C183D7F6-B498-43B3-948B-1728B52AA6E4}">
+                  <adec:decorative xmlns:adec="http://schemas.microsoft.com/office/drawing/2017/decorative" val="1"/>
+                </a:ext>
+              </a:extLst>
+            </p:cNvPr>
+            <p:cNvCxnSpPr/>
+            <p:nvPr>
+              <p:extLst>
+                <p:ext uri="{386F3935-93C4-4BCD-93E2-E3B085C9AB24}">
+                  <p16:designElem xmlns:p16="http://schemas.microsoft.com/office/powerpoint/2015/main" val="1"/>
+                </p:ext>
+              </p:extLst>
+            </p:nvPr>
+          </p:nvCxnSpPr>
+          <p:spPr>
+            <a:xfrm>
+              <a:off x="9371012" y="0"/>
+              <a:ext cx="1219200" cy="6858000"/>
+            </a:xfrm>
+            <a:prstGeom prst="line">
+              <a:avLst/>
+            </a:prstGeom>
+            <a:ln w="9525">
+              <a:solidFill>
+                <a:srgbClr val="FFFFFF"/>
+              </a:solidFill>
+            </a:ln>
+          </p:spPr>
+          <p:style>
+            <a:lnRef idx="2">
+              <a:schemeClr val="accent1"/>
+            </a:lnRef>
+            <a:fillRef idx="0">
+              <a:schemeClr val="accent1"/>
+            </a:fillRef>
+            <a:effectRef idx="1">
+              <a:schemeClr val="accent1"/>
+            </a:effectRef>
+            <a:fontRef idx="minor">
+              <a:schemeClr val="tx1"/>
+            </a:fontRef>
+          </p:style>
+        </p:cxnSp>
+        <p:cxnSp>
+          <p:nvCxnSpPr>
+            <p:cNvPr id="12" name="Straight Connector 11">
+              <a:extLst>
+                <a:ext uri="{FF2B5EF4-FFF2-40B4-BE49-F238E27FC236}">
+                  <a16:creationId xmlns:a16="http://schemas.microsoft.com/office/drawing/2014/main" id="{6A19CA4A-B208-452A-8BE4-BC6940D33D40}"/>
+                </a:ext>
+                <a:ext uri="{C183D7F6-B498-43B3-948B-1728B52AA6E4}">
+                  <adec:decorative xmlns:adec="http://schemas.microsoft.com/office/drawing/2017/decorative" val="1"/>
+                </a:ext>
+              </a:extLst>
+            </p:cNvPr>
+            <p:cNvCxnSpPr/>
+            <p:nvPr>
+              <p:extLst>
+                <p:ext uri="{386F3935-93C4-4BCD-93E2-E3B085C9AB24}">
+                  <p16:designElem xmlns:p16="http://schemas.microsoft.com/office/powerpoint/2015/main" val="1"/>
+                </p:ext>
+              </p:extLst>
+            </p:nvPr>
+          </p:nvCxnSpPr>
+          <p:spPr>
+            <a:xfrm flipH="1">
+              <a:off x="7425267" y="3681413"/>
+              <a:ext cx="4763558" cy="3176587"/>
+            </a:xfrm>
+            <a:prstGeom prst="line">
+              <a:avLst/>
+            </a:prstGeom>
+            <a:ln w="9525">
+              <a:solidFill>
+                <a:srgbClr val="FFFFFF"/>
+              </a:solidFill>
+            </a:ln>
+          </p:spPr>
+          <p:style>
+            <a:lnRef idx="2">
+              <a:schemeClr val="accent1"/>
+            </a:lnRef>
+            <a:fillRef idx="0">
+              <a:schemeClr val="accent1"/>
+            </a:fillRef>
+            <a:effectRef idx="1">
+              <a:schemeClr val="accent1"/>
+            </a:effectRef>
+            <a:fontRef idx="minor">
+              <a:schemeClr val="tx1"/>
+            </a:fontRef>
+          </p:style>
+        </p:cxnSp>
+        <p:sp>
+          <p:nvSpPr>
+            <p:cNvPr id="13" name="Rectangle 23">
+              <a:extLst>
+                <a:ext uri="{FF2B5EF4-FFF2-40B4-BE49-F238E27FC236}">
+                  <a16:creationId xmlns:a16="http://schemas.microsoft.com/office/drawing/2014/main" id="{B74F8D3E-E618-4DE3-A0CC-B4904BB5D5AB}"/>
+                </a:ext>
+                <a:ext uri="{C183D7F6-B498-43B3-948B-1728B52AA6E4}">
+                  <adec:decorative xmlns:adec="http://schemas.microsoft.com/office/drawing/2017/decorative" val="1"/>
+                </a:ext>
+              </a:extLst>
+            </p:cNvPr>
+            <p:cNvSpPr/>
+            <p:nvPr>
+              <p:extLst>
+                <p:ext uri="{386F3935-93C4-4BCD-93E2-E3B085C9AB24}">
+                  <p16:designElem xmlns:p16="http://schemas.microsoft.com/office/powerpoint/2015/main" val="1"/>
+                </p:ext>
+              </p:extLst>
+            </p:nvPr>
+          </p:nvSpPr>
+          <p:spPr>
+            <a:xfrm>
+              <a:off x="9181476" y="-8467"/>
+              <a:ext cx="3007349" cy="6866467"/>
+            </a:xfrm>
+            <a:custGeom>
+              <a:avLst/>
+              <a:gdLst/>
+              <a:ahLst/>
+              <a:cxnLst/>
+              <a:rect l="l" t="t" r="r" b="b"/>
+              <a:pathLst>
+                <a:path w="3007349" h="6866467">
+                  <a:moveTo>
+                    <a:pt x="2045532" y="0"/>
+                  </a:moveTo>
+                  <a:lnTo>
+                    <a:pt x="3007349" y="0"/>
+                  </a:lnTo>
+                  <a:lnTo>
+                    <a:pt x="3007349" y="6866467"/>
+                  </a:lnTo>
+                  <a:lnTo>
+                    <a:pt x="0" y="6866467"/>
+                  </a:lnTo>
+                  <a:lnTo>
+                    <a:pt x="2045532" y="0"/>
+                  </a:lnTo>
+                  <a:close/>
+                </a:path>
+              </a:pathLst>
+            </a:custGeom>
+            <a:solidFill>
+              <a:schemeClr val="accent1">
+                <a:alpha val="30000"/>
+              </a:schemeClr>
+            </a:solidFill>
+            <a:ln>
+              <a:noFill/>
+            </a:ln>
+            <a:effectLst/>
+          </p:spPr>
+          <p:style>
+            <a:lnRef idx="1">
+              <a:schemeClr val="accent1"/>
+            </a:lnRef>
+            <a:fillRef idx="3">
+              <a:schemeClr val="accent1"/>
+            </a:fillRef>
+            <a:effectRef idx="2">
+              <a:schemeClr val="accent1"/>
+            </a:effectRef>
+            <a:fontRef idx="minor">
+              <a:schemeClr val="lt1"/>
+            </a:fontRef>
+          </p:style>
+        </p:sp>
+        <p:sp>
+          <p:nvSpPr>
+            <p:cNvPr id="14" name="Rectangle 25">
+              <a:extLst>
+                <a:ext uri="{FF2B5EF4-FFF2-40B4-BE49-F238E27FC236}">
+                  <a16:creationId xmlns:a16="http://schemas.microsoft.com/office/drawing/2014/main" id="{299DA406-C54B-4E31-867D-FAF8DCE7045F}"/>
+                </a:ext>
+                <a:ext uri="{C183D7F6-B498-43B3-948B-1728B52AA6E4}">
+                  <adec:decorative xmlns:adec="http://schemas.microsoft.com/office/drawing/2017/decorative" val="1"/>
+                </a:ext>
+              </a:extLst>
+            </p:cNvPr>
+            <p:cNvSpPr/>
+            <p:nvPr>
+              <p:extLst>
+                <p:ext uri="{386F3935-93C4-4BCD-93E2-E3B085C9AB24}">
+                  <p16:designElem xmlns:p16="http://schemas.microsoft.com/office/powerpoint/2015/main" val="1"/>
+                </p:ext>
+              </p:extLst>
+            </p:nvPr>
+          </p:nvSpPr>
+          <p:spPr>
+            <a:xfrm>
+              <a:off x="9603442" y="-8467"/>
+              <a:ext cx="2588558" cy="6866467"/>
+            </a:xfrm>
+            <a:custGeom>
+              <a:avLst/>
+              <a:gdLst/>
+              <a:ahLst/>
+              <a:cxnLst/>
+              <a:rect l="l" t="t" r="r" b="b"/>
+              <a:pathLst>
+                <a:path w="2573311" h="6866467">
+                  <a:moveTo>
+                    <a:pt x="0" y="0"/>
+                  </a:moveTo>
+                  <a:lnTo>
+                    <a:pt x="2573311" y="0"/>
+                  </a:lnTo>
+                  <a:lnTo>
+                    <a:pt x="2573311" y="6866467"/>
+                  </a:lnTo>
+                  <a:lnTo>
+                    <a:pt x="1202336" y="6866467"/>
+                  </a:lnTo>
+                  <a:lnTo>
+                    <a:pt x="0" y="0"/>
+                  </a:lnTo>
+                  <a:close/>
+                </a:path>
+              </a:pathLst>
+            </a:custGeom>
+            <a:solidFill>
+              <a:schemeClr val="accent1">
+                <a:alpha val="20000"/>
+              </a:schemeClr>
+            </a:solidFill>
+            <a:ln>
+              <a:noFill/>
+            </a:ln>
+            <a:effectLst/>
+          </p:spPr>
+          <p:style>
+            <a:lnRef idx="1">
+              <a:schemeClr val="accent1"/>
+            </a:lnRef>
+            <a:fillRef idx="3">
+              <a:schemeClr val="accent1"/>
+            </a:fillRef>
+            <a:effectRef idx="2">
+              <a:schemeClr val="accent1"/>
+            </a:effectRef>
+            <a:fontRef idx="minor">
+              <a:schemeClr val="lt1"/>
+            </a:fontRef>
+          </p:style>
+        </p:sp>
+        <p:sp>
+          <p:nvSpPr>
+            <p:cNvPr id="15" name="Isosceles Triangle 14">
+              <a:extLst>
+                <a:ext uri="{FF2B5EF4-FFF2-40B4-BE49-F238E27FC236}">
+                  <a16:creationId xmlns:a16="http://schemas.microsoft.com/office/drawing/2014/main" id="{A1E16883-5140-47C4-A9AD-AD6598AC3EE6}"/>
+                </a:ext>
+                <a:ext uri="{C183D7F6-B498-43B3-948B-1728B52AA6E4}">
+                  <adec:decorative xmlns:adec="http://schemas.microsoft.com/office/drawing/2017/decorative" val="1"/>
+                </a:ext>
+              </a:extLst>
+            </p:cNvPr>
+            <p:cNvSpPr/>
+            <p:nvPr>
+              <p:extLst>
+                <p:ext uri="{386F3935-93C4-4BCD-93E2-E3B085C9AB24}">
+                  <p16:designElem xmlns:p16="http://schemas.microsoft.com/office/powerpoint/2015/main" val="1"/>
+                </p:ext>
+              </p:extLst>
+            </p:nvPr>
+          </p:nvSpPr>
+          <p:spPr>
+            <a:xfrm>
+              <a:off x="8932333" y="3048000"/>
+              <a:ext cx="3259667" cy="3810000"/>
+            </a:xfrm>
+            <a:prstGeom prst="triangle">
+              <a:avLst>
+                <a:gd name="adj" fmla="val 100000"/>
+              </a:avLst>
+            </a:prstGeom>
+            <a:solidFill>
+              <a:schemeClr val="accent2">
+                <a:alpha val="72000"/>
+              </a:schemeClr>
+            </a:solidFill>
+            <a:ln>
+              <a:noFill/>
+            </a:ln>
+            <a:effectLst/>
+          </p:spPr>
+          <p:style>
+            <a:lnRef idx="1">
+              <a:schemeClr val="accent1"/>
+            </a:lnRef>
+            <a:fillRef idx="3">
+              <a:schemeClr val="accent1"/>
+            </a:fillRef>
+            <a:effectRef idx="2">
+              <a:schemeClr val="accent1"/>
+            </a:effectRef>
+            <a:fontRef idx="minor">
+              <a:schemeClr val="lt1"/>
+            </a:fontRef>
+          </p:style>
+        </p:sp>
+        <p:sp>
+          <p:nvSpPr>
+            <p:cNvPr id="16" name="Rectangle 27">
+              <a:extLst>
+                <a:ext uri="{FF2B5EF4-FFF2-40B4-BE49-F238E27FC236}">
+                  <a16:creationId xmlns:a16="http://schemas.microsoft.com/office/drawing/2014/main" id="{4CD848DC-8A2A-4093-9BDD-7AF4B6A27814}"/>
+                </a:ext>
+                <a:ext uri="{C183D7F6-B498-43B3-948B-1728B52AA6E4}">
+                  <adec:decorative xmlns:adec="http://schemas.microsoft.com/office/drawing/2017/decorative" val="1"/>
+                </a:ext>
+              </a:extLst>
+            </p:cNvPr>
+            <p:cNvSpPr/>
+            <p:nvPr>
+              <p:extLst>
+                <p:ext uri="{386F3935-93C4-4BCD-93E2-E3B085C9AB24}">
+                  <p16:designElem xmlns:p16="http://schemas.microsoft.com/office/powerpoint/2015/main" val="1"/>
+                </p:ext>
+              </p:extLst>
+            </p:nvPr>
+          </p:nvSpPr>
+          <p:spPr>
+            <a:xfrm>
+              <a:off x="9334500" y="-8467"/>
+              <a:ext cx="2854326" cy="6866467"/>
+            </a:xfrm>
+            <a:custGeom>
+              <a:avLst/>
+              <a:gdLst/>
+              <a:ahLst/>
+              <a:cxnLst/>
+              <a:rect l="l" t="t" r="r" b="b"/>
+              <a:pathLst>
+                <a:path w="2858013" h="6866467">
+                  <a:moveTo>
+                    <a:pt x="0" y="0"/>
+                  </a:moveTo>
+                  <a:lnTo>
+                    <a:pt x="2858013" y="0"/>
+                  </a:lnTo>
+                  <a:lnTo>
+                    <a:pt x="2858013" y="6866467"/>
+                  </a:lnTo>
+                  <a:lnTo>
+                    <a:pt x="2473942" y="6866467"/>
+                  </a:lnTo>
+                  <a:lnTo>
+                    <a:pt x="0" y="0"/>
+                  </a:lnTo>
+                  <a:close/>
+                </a:path>
+              </a:pathLst>
+            </a:custGeom>
+            <a:solidFill>
+              <a:schemeClr val="accent2">
+                <a:lumMod val="75000"/>
+                <a:alpha val="70000"/>
+              </a:schemeClr>
+            </a:solidFill>
+            <a:ln>
+              <a:noFill/>
+            </a:ln>
+            <a:effectLst/>
+          </p:spPr>
+          <p:style>
+            <a:lnRef idx="1">
+              <a:schemeClr val="accent1"/>
+            </a:lnRef>
+            <a:fillRef idx="3">
+              <a:schemeClr val="accent1"/>
+            </a:fillRef>
+            <a:effectRef idx="2">
+              <a:schemeClr val="accent1"/>
+            </a:effectRef>
+            <a:fontRef idx="minor">
+              <a:schemeClr val="lt1"/>
+            </a:fontRef>
+          </p:style>
+        </p:sp>
+        <p:sp>
+          <p:nvSpPr>
+            <p:cNvPr id="17" name="Rectangle 28">
+              <a:extLst>
+                <a:ext uri="{FF2B5EF4-FFF2-40B4-BE49-F238E27FC236}">
+                  <a16:creationId xmlns:a16="http://schemas.microsoft.com/office/drawing/2014/main" id="{34635A4D-E9CE-4B78-912A-479EA4512B14}"/>
+                </a:ext>
+                <a:ext uri="{C183D7F6-B498-43B3-948B-1728B52AA6E4}">
+                  <adec:decorative xmlns:adec="http://schemas.microsoft.com/office/drawing/2017/decorative" val="1"/>
+                </a:ext>
+              </a:extLst>
+            </p:cNvPr>
+            <p:cNvSpPr/>
+            <p:nvPr>
+              <p:extLst>
+                <p:ext uri="{386F3935-93C4-4BCD-93E2-E3B085C9AB24}">
+                  <p16:designElem xmlns:p16="http://schemas.microsoft.com/office/powerpoint/2015/main" val="1"/>
+                </p:ext>
+              </p:extLst>
+            </p:nvPr>
+          </p:nvSpPr>
+          <p:spPr>
+            <a:xfrm>
+              <a:off x="10898730" y="-8467"/>
+              <a:ext cx="1290094" cy="6866467"/>
+            </a:xfrm>
+            <a:custGeom>
+              <a:avLst/>
+              <a:gdLst/>
+              <a:ahLst/>
+              <a:cxnLst/>
+              <a:rect l="l" t="t" r="r" b="b"/>
+              <a:pathLst>
+                <a:path w="1290094" h="6858000">
+                  <a:moveTo>
+                    <a:pt x="1019735" y="0"/>
+                  </a:moveTo>
+                  <a:lnTo>
+                    <a:pt x="1290094" y="0"/>
+                  </a:lnTo>
+                  <a:lnTo>
+                    <a:pt x="1290094" y="6858000"/>
+                  </a:lnTo>
+                  <a:lnTo>
+                    <a:pt x="0" y="6858000"/>
+                  </a:lnTo>
+                  <a:lnTo>
+                    <a:pt x="1019735" y="0"/>
+                  </a:lnTo>
+                  <a:close/>
+                </a:path>
+              </a:pathLst>
+            </a:custGeom>
+            <a:solidFill>
+              <a:schemeClr val="accent1">
+                <a:lumMod val="60000"/>
+                <a:lumOff val="40000"/>
+                <a:alpha val="70000"/>
+              </a:schemeClr>
+            </a:solidFill>
+            <a:ln>
+              <a:noFill/>
+            </a:ln>
+            <a:effectLst/>
+          </p:spPr>
+          <p:style>
+            <a:lnRef idx="1">
+              <a:schemeClr val="accent1"/>
+            </a:lnRef>
+            <a:fillRef idx="3">
+              <a:schemeClr val="accent1"/>
+            </a:fillRef>
+            <a:effectRef idx="2">
+              <a:schemeClr val="accent1"/>
+            </a:effectRef>
+            <a:fontRef idx="minor">
+              <a:schemeClr val="lt1"/>
+            </a:fontRef>
+          </p:style>
+        </p:sp>
+        <p:sp>
+          <p:nvSpPr>
+            <p:cNvPr id="18" name="Rectangle 29">
+              <a:extLst>
+                <a:ext uri="{FF2B5EF4-FFF2-40B4-BE49-F238E27FC236}">
+                  <a16:creationId xmlns:a16="http://schemas.microsoft.com/office/drawing/2014/main" id="{D663A5EE-5581-44F3-8F98-688755F63EA2}"/>
+                </a:ext>
+                <a:ext uri="{C183D7F6-B498-43B3-948B-1728B52AA6E4}">
+                  <adec:decorative xmlns:adec="http://schemas.microsoft.com/office/drawing/2017/decorative" val="1"/>
+                </a:ext>
+              </a:extLst>
+            </p:cNvPr>
+            <p:cNvSpPr/>
+            <p:nvPr>
+              <p:extLst>
+                <p:ext uri="{386F3935-93C4-4BCD-93E2-E3B085C9AB24}">
+                  <p16:designElem xmlns:p16="http://schemas.microsoft.com/office/powerpoint/2015/main" val="1"/>
+                </p:ext>
+              </p:extLst>
+            </p:nvPr>
+          </p:nvSpPr>
+          <p:spPr>
+            <a:xfrm>
+              <a:off x="10938999" y="-8467"/>
+              <a:ext cx="1249825" cy="6866467"/>
+            </a:xfrm>
+            <a:custGeom>
+              <a:avLst/>
+              <a:gdLst/>
+              <a:ahLst/>
+              <a:cxnLst/>
+              <a:rect l="l" t="t" r="r" b="b"/>
+              <a:pathLst>
+                <a:path w="1249825" h="6858000">
+                  <a:moveTo>
+                    <a:pt x="0" y="0"/>
+                  </a:moveTo>
+                  <a:lnTo>
+                    <a:pt x="1249825" y="0"/>
+                  </a:lnTo>
+                  <a:lnTo>
+                    <a:pt x="1249825" y="6858000"/>
+                  </a:lnTo>
+                  <a:lnTo>
+                    <a:pt x="1109382" y="6858000"/>
+                  </a:lnTo>
+                  <a:lnTo>
+                    <a:pt x="0" y="0"/>
+                  </a:lnTo>
+                  <a:close/>
+                </a:path>
+              </a:pathLst>
+            </a:custGeom>
+            <a:solidFill>
+              <a:schemeClr val="accent1">
+                <a:alpha val="65000"/>
+              </a:schemeClr>
+            </a:solidFill>
+            <a:ln>
+              <a:noFill/>
+            </a:ln>
+            <a:effectLst/>
+          </p:spPr>
+          <p:style>
+            <a:lnRef idx="1">
+              <a:schemeClr val="accent1"/>
+            </a:lnRef>
+            <a:fillRef idx="3">
+              <a:schemeClr val="accent1"/>
+            </a:fillRef>
+            <a:effectRef idx="2">
+              <a:schemeClr val="accent1"/>
+            </a:effectRef>
+            <a:fontRef idx="minor">
+              <a:schemeClr val="lt1"/>
+            </a:fontRef>
+          </p:style>
+        </p:sp>
+        <p:sp>
+          <p:nvSpPr>
+            <p:cNvPr id="19" name="Isosceles Triangle 18">
+              <a:extLst>
+                <a:ext uri="{FF2B5EF4-FFF2-40B4-BE49-F238E27FC236}">
+                  <a16:creationId xmlns:a16="http://schemas.microsoft.com/office/drawing/2014/main" id="{B1E84E6A-F5AE-4F4D-98F2-82FE4FCC2656}"/>
+                </a:ext>
+                <a:ext uri="{C183D7F6-B498-43B3-948B-1728B52AA6E4}">
+                  <adec:decorative xmlns:adec="http://schemas.microsoft.com/office/drawing/2017/decorative" val="1"/>
+                </a:ext>
+              </a:extLst>
+            </p:cNvPr>
+            <p:cNvSpPr/>
+            <p:nvPr>
+              <p:extLst>
+                <p:ext uri="{386F3935-93C4-4BCD-93E2-E3B085C9AB24}">
+                  <p16:designElem xmlns:p16="http://schemas.microsoft.com/office/powerpoint/2015/main" val="1"/>
+                </p:ext>
+              </p:extLst>
+            </p:nvPr>
+          </p:nvSpPr>
+          <p:spPr>
+            <a:xfrm>
+              <a:off x="10371666" y="3589867"/>
+              <a:ext cx="1817159" cy="3268133"/>
+            </a:xfrm>
+            <a:prstGeom prst="triangle">
+              <a:avLst>
+                <a:gd name="adj" fmla="val 100000"/>
+              </a:avLst>
+            </a:prstGeom>
+            <a:solidFill>
+              <a:schemeClr val="accent1">
+                <a:alpha val="80000"/>
+              </a:schemeClr>
+            </a:solidFill>
+            <a:ln>
+              <a:noFill/>
+            </a:ln>
+            <a:effectLst/>
+          </p:spPr>
+          <p:style>
+            <a:lnRef idx="1">
+              <a:schemeClr val="accent1"/>
+            </a:lnRef>
+            <a:fillRef idx="3">
+              <a:schemeClr val="accent1"/>
+            </a:fillRef>
+            <a:effectRef idx="2">
+              <a:schemeClr val="accent1"/>
+            </a:effectRef>
+            <a:fontRef idx="minor">
+              <a:schemeClr val="lt1"/>
+            </a:fontRef>
+          </p:style>
+        </p:sp>
+        <p:sp>
+          <p:nvSpPr>
+            <p:cNvPr id="20" name="Isosceles Triangle 19">
+              <a:extLst>
+                <a:ext uri="{FF2B5EF4-FFF2-40B4-BE49-F238E27FC236}">
+                  <a16:creationId xmlns:a16="http://schemas.microsoft.com/office/drawing/2014/main" id="{DDE7DDC9-17D4-4686-833D-48F8733B49EE}"/>
+                </a:ext>
+                <a:ext uri="{C183D7F6-B498-43B3-948B-1728B52AA6E4}">
+                  <adec:decorative xmlns:adec="http://schemas.microsoft.com/office/drawing/2017/decorative" val="1"/>
+                </a:ext>
+              </a:extLst>
+            </p:cNvPr>
+            <p:cNvSpPr/>
+            <p:nvPr>
+              <p:extLst>
+                <p:ext uri="{386F3935-93C4-4BCD-93E2-E3B085C9AB24}">
+                  <p16:designElem xmlns:p16="http://schemas.microsoft.com/office/powerpoint/2015/main" val="1"/>
+                </p:ext>
+              </p:extLst>
+            </p:nvPr>
+          </p:nvSpPr>
+          <p:spPr>
+            <a:xfrm>
+              <a:off x="0" y="4013200"/>
+              <a:ext cx="448733" cy="2844800"/>
+            </a:xfrm>
+            <a:prstGeom prst="triangle">
+              <a:avLst>
+                <a:gd name="adj" fmla="val 0"/>
+              </a:avLst>
+            </a:prstGeom>
+            <a:solidFill>
+              <a:schemeClr val="accent1">
+                <a:alpha val="85000"/>
+              </a:schemeClr>
+            </a:solidFill>
+            <a:ln>
+              <a:noFill/>
+            </a:ln>
+            <a:effectLst/>
+          </p:spPr>
+          <p:style>
+            <a:lnRef idx="1">
+              <a:schemeClr val="accent1"/>
+            </a:lnRef>
+            <a:fillRef idx="3">
+              <a:schemeClr val="accent1"/>
+            </a:fillRef>
+            <a:effectRef idx="2">
+              <a:schemeClr val="accent1"/>
+            </a:effectRef>
+            <a:fontRef idx="minor">
+              <a:schemeClr val="lt1"/>
+            </a:fontRef>
+          </p:style>
+        </p:sp>
+      </p:grpSp>
+      <p:sp>
+        <p:nvSpPr>
+          <p:cNvPr id="2" name="כותרת 1">
+            <a:extLst>
+              <a:ext uri="{FF2B5EF4-FFF2-40B4-BE49-F238E27FC236}">
+                <a16:creationId xmlns:a16="http://schemas.microsoft.com/office/drawing/2014/main" id="{42F357A3-B4F5-4866-B980-B4E968CAC593}"/>
+              </a:ext>
+            </a:extLst>
+          </p:cNvPr>
+          <p:cNvSpPr>
+            <a:spLocks noGrp="1"/>
+          </p:cNvSpPr>
+          <p:nvPr>
+            <p:ph type="title"/>
+          </p:nvPr>
+        </p:nvSpPr>
+        <p:spPr>
+          <a:xfrm>
+            <a:off x="677334" y="609600"/>
+            <a:ext cx="8596668" cy="1320800"/>
+          </a:xfrm>
+        </p:spPr>
+        <p:txBody>
+          <a:bodyPr>
+            <a:normAutofit/>
+          </a:bodyPr>
+          <a:lstStyle/>
+          <a:p>
+            <a:r>
+              <a:rPr lang="en-US" dirty="0"/>
+              <a:t>Results</a:t>
+            </a:r>
+            <a:endParaRPr lang="he-IL" dirty="0"/>
+          </a:p>
+        </p:txBody>
+      </p:sp>
+      <p:sp>
+        <p:nvSpPr>
+          <p:cNvPr id="3" name="מציין מיקום תוכן 2">
+            <a:extLst>
+              <a:ext uri="{FF2B5EF4-FFF2-40B4-BE49-F238E27FC236}">
+                <a16:creationId xmlns:a16="http://schemas.microsoft.com/office/drawing/2014/main" id="{C3BCF87B-952F-4EBA-941C-C9EE44501386}"/>
+              </a:ext>
+            </a:extLst>
+          </p:cNvPr>
+          <p:cNvSpPr>
+            <a:spLocks noGrp="1"/>
+          </p:cNvSpPr>
+          <p:nvPr>
+            <p:ph idx="1"/>
+          </p:nvPr>
+        </p:nvSpPr>
+        <p:spPr>
+          <a:xfrm>
+            <a:off x="677334" y="1600200"/>
+            <a:ext cx="8596668" cy="4962525"/>
+          </a:xfrm>
+        </p:spPr>
+        <p:txBody>
+          <a:bodyPr>
+            <a:normAutofit/>
+          </a:bodyPr>
+          <a:lstStyle/>
+          <a:p>
+            <a:pPr algn="l" rtl="0"/>
+            <a:r>
+              <a:rPr lang="en-US" dirty="0"/>
+              <a:t>For reliable model accuracy results, we were asked to do several types of model runs, with 5-loop runs and splitting the train and test dataset in a random way on each loop iteration. The types that we worked on are:</a:t>
+            </a:r>
+          </a:p>
+          <a:p>
+            <a:pPr lvl="1" algn="l" rtl="0">
+              <a:buFont typeface="+mj-lt"/>
+              <a:buAutoNum type="arabicPeriod"/>
+            </a:pPr>
+            <a:r>
+              <a:rPr lang="en-US" dirty="0"/>
+              <a:t>Original feature extraction and before attack (shuffled train-test dataset)</a:t>
+            </a:r>
+          </a:p>
+          <a:p>
+            <a:pPr lvl="1" algn="l" rtl="0">
+              <a:buFont typeface="+mj-lt"/>
+              <a:buAutoNum type="arabicPeriod"/>
+            </a:pPr>
+            <a:r>
+              <a:rPr lang="en-US" dirty="0"/>
+              <a:t>Original feature extraction and after attack (shuffled train-test dataset)</a:t>
+            </a:r>
+          </a:p>
+          <a:p>
+            <a:pPr lvl="1" algn="l" rtl="0">
+              <a:buFont typeface="+mj-lt"/>
+              <a:buAutoNum type="arabicPeriod"/>
+            </a:pPr>
+            <a:r>
+              <a:rPr lang="en-US" dirty="0"/>
+              <a:t>Original feature extraction and before attack (20% test-malicious, 80% train-shuffled)</a:t>
+            </a:r>
+          </a:p>
+          <a:p>
+            <a:pPr lvl="1" algn="l" rtl="0">
+              <a:buFont typeface="+mj-lt"/>
+              <a:buAutoNum type="arabicPeriod"/>
+            </a:pPr>
+            <a:r>
+              <a:rPr lang="en-US" dirty="0"/>
+              <a:t>Original feature extraction and after attack (20% test-malicious, 80% train-shuffled)</a:t>
+            </a:r>
+          </a:p>
+          <a:p>
+            <a:pPr lvl="1" algn="l" rtl="0">
+              <a:buFont typeface="+mj-lt"/>
+              <a:buAutoNum type="arabicPeriod"/>
+            </a:pPr>
+            <a:r>
+              <a:rPr lang="en-US" dirty="0"/>
+              <a:t>Improvement feature extraction and after attack (shuffled train-test dataset)</a:t>
+            </a:r>
+          </a:p>
+          <a:p>
+            <a:pPr lvl="1" algn="l" rtl="0">
+              <a:buFont typeface="+mj-lt"/>
+              <a:buAutoNum type="arabicPeriod"/>
+            </a:pPr>
+            <a:r>
+              <a:rPr lang="en-US" dirty="0"/>
+              <a:t>Improvement feature extraction and after attack (20% test-malicious, 80% train-shuffled)</a:t>
+            </a:r>
+          </a:p>
+          <a:p>
+            <a:pPr indent="-285750" algn="l" rtl="0"/>
+            <a:r>
+              <a:rPr lang="en-US" dirty="0"/>
+              <a:t>In the next slides we will present each type of run with 5 results.</a:t>
+            </a:r>
+          </a:p>
+          <a:p>
+            <a:pPr lvl="1" algn="l" rtl="0">
+              <a:buFont typeface="+mj-lt"/>
+              <a:buAutoNum type="arabicPeriod"/>
+            </a:pPr>
+            <a:endParaRPr lang="en-US" dirty="0"/>
+          </a:p>
+        </p:txBody>
+      </p:sp>
+    </p:spTree>
+    <p:extLst>
+      <p:ext uri="{BB962C8B-B14F-4D97-AF65-F5344CB8AC3E}">
+        <p14:creationId xmlns:p14="http://schemas.microsoft.com/office/powerpoint/2010/main" val="1440310695"/>
+      </p:ext>
+    </p:extLst>
+  </p:cSld>
+  <p:clrMapOvr>
+    <a:overrideClrMapping bg1="dk1" tx1="lt1" bg2="dk2" tx2="lt2" accent1="accent1" accent2="accent2" accent3="accent3" accent4="accent4" accent5="accent5" accent6="accent6" hlink="hlink" folHlink="folHlink"/>
+  </p:clrMapOvr>
+</p:sld>
+</file>
+
+<file path=ppt/slides/slide13.xml><?xml version="1.0" encoding="utf-8"?>
+<p:sld xmlns:a="http://schemas.openxmlformats.org/drawingml/2006/main" xmlns:r="http://schemas.openxmlformats.org/officeDocument/2006/relationships" xmlns:p="http://schemas.openxmlformats.org/presentationml/2006/main">
+  <p:cSld>
+    <p:bg>
+      <p:bgPr>
+        <a:solidFill>
+          <a:schemeClr val="bg2"/>
+        </a:solidFill>
+        <a:effectLst/>
+      </p:bgPr>
+    </p:bg>
+    <p:spTree>
+      <p:nvGrpSpPr>
+        <p:cNvPr id="1" name=""/>
+        <p:cNvGrpSpPr/>
+        <p:nvPr/>
+      </p:nvGrpSpPr>
+      <p:grpSpPr>
+        <a:xfrm>
+          <a:off x="0" y="0"/>
+          <a:ext cx="0" cy="0"/>
+          <a:chOff x="0" y="0"/>
+          <a:chExt cx="0" cy="0"/>
+        </a:xfrm>
+      </p:grpSpPr>
+      <p:sp useBgFill="1">
+        <p:nvSpPr>
+          <p:cNvPr id="8" name="Rectangle 7">
+            <a:extLst>
+              <a:ext uri="{FF2B5EF4-FFF2-40B4-BE49-F238E27FC236}">
+                <a16:creationId xmlns:a16="http://schemas.microsoft.com/office/drawing/2014/main" id="{86C16C40-7C29-4ACC-B851-7E08E459B596}"/>
+              </a:ext>
+              <a:ext uri="{C183D7F6-B498-43B3-948B-1728B52AA6E4}">
+                <adec:decorative xmlns:adec="http://schemas.microsoft.com/office/drawing/2017/decorative" val="1"/>
+              </a:ext>
+            </a:extLst>
+          </p:cNvPr>
+          <p:cNvSpPr>
+            <a:spLocks noGrp="1" noRot="1" noChangeAspect="1" noMove="1" noResize="1" noEditPoints="1" noAdjustHandles="1" noChangeArrowheads="1" noChangeShapeType="1" noTextEdit="1"/>
+          </p:cNvSpPr>
+          <p:nvPr>
+            <p:extLst>
+              <p:ext uri="{386F3935-93C4-4BCD-93E2-E3B085C9AB24}">
+                <p16:designElem xmlns:p16="http://schemas.microsoft.com/office/powerpoint/2015/main" val="1"/>
+              </p:ext>
+            </p:extLst>
+          </p:nvPr>
+        </p:nvSpPr>
+        <p:spPr>
+          <a:xfrm>
+            <a:off x="0" y="0"/>
+            <a:ext cx="12192000" cy="6858000"/>
+          </a:xfrm>
+          <a:prstGeom prst="rect">
+            <a:avLst/>
+          </a:prstGeom>
+          <a:ln>
+            <a:noFill/>
+          </a:ln>
+        </p:spPr>
+        <p:style>
+          <a:lnRef idx="2">
+            <a:schemeClr val="accent1">
+              <a:shade val="50000"/>
+            </a:schemeClr>
+          </a:lnRef>
+          <a:fillRef idx="1">
+            <a:schemeClr val="accent1"/>
+          </a:fillRef>
+          <a:effectRef idx="0">
+            <a:schemeClr val="accent1"/>
+          </a:effectRef>
+          <a:fontRef idx="minor">
+            <a:schemeClr val="lt1"/>
+          </a:fontRef>
+        </p:style>
+        <p:txBody>
+          <a:bodyPr rtlCol="0" anchor="ctr"/>
+          <a:lstStyle/>
+          <a:p>
+            <a:pPr algn="ctr"/>
+            <a:endParaRPr lang="en-US"/>
+          </a:p>
+        </p:txBody>
+      </p:sp>
+      <p:grpSp>
+        <p:nvGrpSpPr>
+          <p:cNvPr id="10" name="Group 9">
+            <a:extLst>
+              <a:ext uri="{FF2B5EF4-FFF2-40B4-BE49-F238E27FC236}">
+                <a16:creationId xmlns:a16="http://schemas.microsoft.com/office/drawing/2014/main" id="{CDD733AE-DD5E-4C77-8BCD-72BF12A06BB1}"/>
+              </a:ext>
+              <a:ext uri="{C183D7F6-B498-43B3-948B-1728B52AA6E4}">
+                <adec:decorative xmlns:adec="http://schemas.microsoft.com/office/drawing/2017/decorative" val="1"/>
+              </a:ext>
+            </a:extLst>
+          </p:cNvPr>
+          <p:cNvGrpSpPr>
+            <a:grpSpLocks noGrp="1" noUngrp="1" noRot="1" noChangeAspect="1" noMove="1" noResize="1"/>
+          </p:cNvGrpSpPr>
+          <p:nvPr>
+            <p:extLst>
+              <p:ext uri="{386F3935-93C4-4BCD-93E2-E3B085C9AB24}">
+                <p16:designElem xmlns:p16="http://schemas.microsoft.com/office/powerpoint/2015/main" val="1"/>
+              </p:ext>
+            </p:extLst>
+          </p:nvPr>
+        </p:nvGrpSpPr>
+        <p:grpSpPr>
+          <a:xfrm>
+            <a:off x="0" y="-8467"/>
+            <a:ext cx="12192000" cy="6866467"/>
+            <a:chOff x="0" y="-8467"/>
+            <a:chExt cx="12192000" cy="6866467"/>
+          </a:xfrm>
+        </p:grpSpPr>
+        <p:cxnSp>
+          <p:nvCxnSpPr>
+            <p:cNvPr id="11" name="Straight Connector 10">
+              <a:extLst>
+                <a:ext uri="{FF2B5EF4-FFF2-40B4-BE49-F238E27FC236}">
+                  <a16:creationId xmlns:a16="http://schemas.microsoft.com/office/drawing/2014/main" id="{51DE90A4-932E-4370-BA07-30F43254C01B}"/>
+                </a:ext>
+                <a:ext uri="{C183D7F6-B498-43B3-948B-1728B52AA6E4}">
+                  <adec:decorative xmlns:adec="http://schemas.microsoft.com/office/drawing/2017/decorative" val="1"/>
+                </a:ext>
+              </a:extLst>
+            </p:cNvPr>
+            <p:cNvCxnSpPr/>
+            <p:nvPr>
+              <p:extLst>
+                <p:ext uri="{386F3935-93C4-4BCD-93E2-E3B085C9AB24}">
+                  <p16:designElem xmlns:p16="http://schemas.microsoft.com/office/powerpoint/2015/main" val="1"/>
+                </p:ext>
+              </p:extLst>
+            </p:nvPr>
+          </p:nvCxnSpPr>
+          <p:spPr>
+            <a:xfrm>
+              <a:off x="9371012" y="0"/>
+              <a:ext cx="1219200" cy="6858000"/>
+            </a:xfrm>
+            <a:prstGeom prst="line">
+              <a:avLst/>
+            </a:prstGeom>
+            <a:ln w="9525">
+              <a:solidFill>
+                <a:srgbClr val="FFFFFF"/>
+              </a:solidFill>
+            </a:ln>
+          </p:spPr>
+          <p:style>
+            <a:lnRef idx="2">
+              <a:schemeClr val="accent1"/>
+            </a:lnRef>
+            <a:fillRef idx="0">
+              <a:schemeClr val="accent1"/>
+            </a:fillRef>
+            <a:effectRef idx="1">
+              <a:schemeClr val="accent1"/>
+            </a:effectRef>
+            <a:fontRef idx="minor">
+              <a:schemeClr val="tx1"/>
+            </a:fontRef>
+          </p:style>
+        </p:cxnSp>
+        <p:cxnSp>
+          <p:nvCxnSpPr>
+            <p:cNvPr id="12" name="Straight Connector 11">
+              <a:extLst>
+                <a:ext uri="{FF2B5EF4-FFF2-40B4-BE49-F238E27FC236}">
+                  <a16:creationId xmlns:a16="http://schemas.microsoft.com/office/drawing/2014/main" id="{6A19CA4A-B208-452A-8BE4-BC6940D33D40}"/>
+                </a:ext>
+                <a:ext uri="{C183D7F6-B498-43B3-948B-1728B52AA6E4}">
+                  <adec:decorative xmlns:adec="http://schemas.microsoft.com/office/drawing/2017/decorative" val="1"/>
+                </a:ext>
+              </a:extLst>
+            </p:cNvPr>
+            <p:cNvCxnSpPr/>
+            <p:nvPr>
+              <p:extLst>
+                <p:ext uri="{386F3935-93C4-4BCD-93E2-E3B085C9AB24}">
+                  <p16:designElem xmlns:p16="http://schemas.microsoft.com/office/powerpoint/2015/main" val="1"/>
+                </p:ext>
+              </p:extLst>
+            </p:nvPr>
+          </p:nvCxnSpPr>
+          <p:spPr>
+            <a:xfrm flipH="1">
+              <a:off x="7425267" y="3681413"/>
+              <a:ext cx="4763558" cy="3176587"/>
+            </a:xfrm>
+            <a:prstGeom prst="line">
+              <a:avLst/>
+            </a:prstGeom>
+            <a:ln w="9525">
+              <a:solidFill>
+                <a:srgbClr val="FFFFFF"/>
+              </a:solidFill>
+            </a:ln>
+          </p:spPr>
+          <p:style>
+            <a:lnRef idx="2">
+              <a:schemeClr val="accent1"/>
+            </a:lnRef>
+            <a:fillRef idx="0">
+              <a:schemeClr val="accent1"/>
+            </a:fillRef>
+            <a:effectRef idx="1">
+              <a:schemeClr val="accent1"/>
+            </a:effectRef>
+            <a:fontRef idx="minor">
+              <a:schemeClr val="tx1"/>
+            </a:fontRef>
+          </p:style>
+        </p:cxnSp>
+        <p:sp>
+          <p:nvSpPr>
+            <p:cNvPr id="13" name="Rectangle 23">
+              <a:extLst>
+                <a:ext uri="{FF2B5EF4-FFF2-40B4-BE49-F238E27FC236}">
+                  <a16:creationId xmlns:a16="http://schemas.microsoft.com/office/drawing/2014/main" id="{B74F8D3E-E618-4DE3-A0CC-B4904BB5D5AB}"/>
+                </a:ext>
+                <a:ext uri="{C183D7F6-B498-43B3-948B-1728B52AA6E4}">
+                  <adec:decorative xmlns:adec="http://schemas.microsoft.com/office/drawing/2017/decorative" val="1"/>
+                </a:ext>
+              </a:extLst>
+            </p:cNvPr>
+            <p:cNvSpPr/>
+            <p:nvPr>
+              <p:extLst>
+                <p:ext uri="{386F3935-93C4-4BCD-93E2-E3B085C9AB24}">
+                  <p16:designElem xmlns:p16="http://schemas.microsoft.com/office/powerpoint/2015/main" val="1"/>
+                </p:ext>
+              </p:extLst>
+            </p:nvPr>
+          </p:nvSpPr>
+          <p:spPr>
+            <a:xfrm>
+              <a:off x="9181476" y="-8467"/>
+              <a:ext cx="3007349" cy="6866467"/>
+            </a:xfrm>
+            <a:custGeom>
+              <a:avLst/>
+              <a:gdLst/>
+              <a:ahLst/>
+              <a:cxnLst/>
+              <a:rect l="l" t="t" r="r" b="b"/>
+              <a:pathLst>
+                <a:path w="3007349" h="6866467">
+                  <a:moveTo>
+                    <a:pt x="2045532" y="0"/>
+                  </a:moveTo>
+                  <a:lnTo>
+                    <a:pt x="3007349" y="0"/>
+                  </a:lnTo>
+                  <a:lnTo>
+                    <a:pt x="3007349" y="6866467"/>
+                  </a:lnTo>
+                  <a:lnTo>
+                    <a:pt x="0" y="6866467"/>
+                  </a:lnTo>
+                  <a:lnTo>
+                    <a:pt x="2045532" y="0"/>
+                  </a:lnTo>
+                  <a:close/>
+                </a:path>
+              </a:pathLst>
+            </a:custGeom>
+            <a:solidFill>
+              <a:schemeClr val="accent1">
+                <a:alpha val="30000"/>
+              </a:schemeClr>
+            </a:solidFill>
+            <a:ln>
+              <a:noFill/>
+            </a:ln>
+            <a:effectLst/>
+          </p:spPr>
+          <p:style>
+            <a:lnRef idx="1">
+              <a:schemeClr val="accent1"/>
+            </a:lnRef>
+            <a:fillRef idx="3">
+              <a:schemeClr val="accent1"/>
+            </a:fillRef>
+            <a:effectRef idx="2">
+              <a:schemeClr val="accent1"/>
+            </a:effectRef>
+            <a:fontRef idx="minor">
+              <a:schemeClr val="lt1"/>
+            </a:fontRef>
+          </p:style>
+        </p:sp>
+        <p:sp>
+          <p:nvSpPr>
+            <p:cNvPr id="14" name="Rectangle 25">
+              <a:extLst>
+                <a:ext uri="{FF2B5EF4-FFF2-40B4-BE49-F238E27FC236}">
+                  <a16:creationId xmlns:a16="http://schemas.microsoft.com/office/drawing/2014/main" id="{299DA406-C54B-4E31-867D-FAF8DCE7045F}"/>
+                </a:ext>
+                <a:ext uri="{C183D7F6-B498-43B3-948B-1728B52AA6E4}">
+                  <adec:decorative xmlns:adec="http://schemas.microsoft.com/office/drawing/2017/decorative" val="1"/>
+                </a:ext>
+              </a:extLst>
+            </p:cNvPr>
+            <p:cNvSpPr/>
+            <p:nvPr>
+              <p:extLst>
+                <p:ext uri="{386F3935-93C4-4BCD-93E2-E3B085C9AB24}">
+                  <p16:designElem xmlns:p16="http://schemas.microsoft.com/office/powerpoint/2015/main" val="1"/>
+                </p:ext>
+              </p:extLst>
+            </p:nvPr>
+          </p:nvSpPr>
+          <p:spPr>
+            <a:xfrm>
+              <a:off x="9603442" y="-8467"/>
+              <a:ext cx="2588558" cy="6866467"/>
+            </a:xfrm>
+            <a:custGeom>
+              <a:avLst/>
+              <a:gdLst/>
+              <a:ahLst/>
+              <a:cxnLst/>
+              <a:rect l="l" t="t" r="r" b="b"/>
+              <a:pathLst>
+                <a:path w="2573311" h="6866467">
+                  <a:moveTo>
+                    <a:pt x="0" y="0"/>
+                  </a:moveTo>
+                  <a:lnTo>
+                    <a:pt x="2573311" y="0"/>
+                  </a:lnTo>
+                  <a:lnTo>
+                    <a:pt x="2573311" y="6866467"/>
+                  </a:lnTo>
+                  <a:lnTo>
+                    <a:pt x="1202336" y="6866467"/>
+                  </a:lnTo>
+                  <a:lnTo>
+                    <a:pt x="0" y="0"/>
+                  </a:lnTo>
+                  <a:close/>
+                </a:path>
+              </a:pathLst>
+            </a:custGeom>
+            <a:solidFill>
+              <a:schemeClr val="accent1">
+                <a:alpha val="20000"/>
+              </a:schemeClr>
+            </a:solidFill>
+            <a:ln>
+              <a:noFill/>
+            </a:ln>
+            <a:effectLst/>
+          </p:spPr>
+          <p:style>
+            <a:lnRef idx="1">
+              <a:schemeClr val="accent1"/>
+            </a:lnRef>
+            <a:fillRef idx="3">
+              <a:schemeClr val="accent1"/>
+            </a:fillRef>
+            <a:effectRef idx="2">
+              <a:schemeClr val="accent1"/>
+            </a:effectRef>
+            <a:fontRef idx="minor">
+              <a:schemeClr val="lt1"/>
+            </a:fontRef>
+          </p:style>
+        </p:sp>
+        <p:sp>
+          <p:nvSpPr>
+            <p:cNvPr id="15" name="Isosceles Triangle 14">
+              <a:extLst>
+                <a:ext uri="{FF2B5EF4-FFF2-40B4-BE49-F238E27FC236}">
+                  <a16:creationId xmlns:a16="http://schemas.microsoft.com/office/drawing/2014/main" id="{A1E16883-5140-47C4-A9AD-AD6598AC3EE6}"/>
+                </a:ext>
+                <a:ext uri="{C183D7F6-B498-43B3-948B-1728B52AA6E4}">
+                  <adec:decorative xmlns:adec="http://schemas.microsoft.com/office/drawing/2017/decorative" val="1"/>
+                </a:ext>
+              </a:extLst>
+            </p:cNvPr>
+            <p:cNvSpPr/>
+            <p:nvPr>
+              <p:extLst>
+                <p:ext uri="{386F3935-93C4-4BCD-93E2-E3B085C9AB24}">
+                  <p16:designElem xmlns:p16="http://schemas.microsoft.com/office/powerpoint/2015/main" val="1"/>
+                </p:ext>
+              </p:extLst>
+            </p:nvPr>
+          </p:nvSpPr>
+          <p:spPr>
+            <a:xfrm>
+              <a:off x="8932333" y="3048000"/>
+              <a:ext cx="3259667" cy="3810000"/>
+            </a:xfrm>
+            <a:prstGeom prst="triangle">
+              <a:avLst>
+                <a:gd name="adj" fmla="val 100000"/>
+              </a:avLst>
+            </a:prstGeom>
+            <a:solidFill>
+              <a:schemeClr val="accent2">
+                <a:alpha val="72000"/>
+              </a:schemeClr>
+            </a:solidFill>
+            <a:ln>
+              <a:noFill/>
+            </a:ln>
+            <a:effectLst/>
+          </p:spPr>
+          <p:style>
+            <a:lnRef idx="1">
+              <a:schemeClr val="accent1"/>
+            </a:lnRef>
+            <a:fillRef idx="3">
+              <a:schemeClr val="accent1"/>
+            </a:fillRef>
+            <a:effectRef idx="2">
+              <a:schemeClr val="accent1"/>
+            </a:effectRef>
+            <a:fontRef idx="minor">
+              <a:schemeClr val="lt1"/>
+            </a:fontRef>
+          </p:style>
+        </p:sp>
+        <p:sp>
+          <p:nvSpPr>
+            <p:cNvPr id="16" name="Rectangle 27">
+              <a:extLst>
+                <a:ext uri="{FF2B5EF4-FFF2-40B4-BE49-F238E27FC236}">
+                  <a16:creationId xmlns:a16="http://schemas.microsoft.com/office/drawing/2014/main" id="{4CD848DC-8A2A-4093-9BDD-7AF4B6A27814}"/>
+                </a:ext>
+                <a:ext uri="{C183D7F6-B498-43B3-948B-1728B52AA6E4}">
+                  <adec:decorative xmlns:adec="http://schemas.microsoft.com/office/drawing/2017/decorative" val="1"/>
+                </a:ext>
+              </a:extLst>
+            </p:cNvPr>
+            <p:cNvSpPr/>
+            <p:nvPr>
+              <p:extLst>
+                <p:ext uri="{386F3935-93C4-4BCD-93E2-E3B085C9AB24}">
+                  <p16:designElem xmlns:p16="http://schemas.microsoft.com/office/powerpoint/2015/main" val="1"/>
+                </p:ext>
+              </p:extLst>
+            </p:nvPr>
+          </p:nvSpPr>
+          <p:spPr>
+            <a:xfrm>
+              <a:off x="9334500" y="-8467"/>
+              <a:ext cx="2854326" cy="6866467"/>
+            </a:xfrm>
+            <a:custGeom>
+              <a:avLst/>
+              <a:gdLst/>
+              <a:ahLst/>
+              <a:cxnLst/>
+              <a:rect l="l" t="t" r="r" b="b"/>
+              <a:pathLst>
+                <a:path w="2858013" h="6866467">
+                  <a:moveTo>
+                    <a:pt x="0" y="0"/>
+                  </a:moveTo>
+                  <a:lnTo>
+                    <a:pt x="2858013" y="0"/>
+                  </a:lnTo>
+                  <a:lnTo>
+                    <a:pt x="2858013" y="6866467"/>
+                  </a:lnTo>
+                  <a:lnTo>
+                    <a:pt x="2473942" y="6866467"/>
+                  </a:lnTo>
+                  <a:lnTo>
+                    <a:pt x="0" y="0"/>
+                  </a:lnTo>
+                  <a:close/>
+                </a:path>
+              </a:pathLst>
+            </a:custGeom>
+            <a:solidFill>
+              <a:schemeClr val="accent2">
+                <a:lumMod val="75000"/>
+                <a:alpha val="70000"/>
+              </a:schemeClr>
+            </a:solidFill>
+            <a:ln>
+              <a:noFill/>
+            </a:ln>
+            <a:effectLst/>
+          </p:spPr>
+          <p:style>
+            <a:lnRef idx="1">
+              <a:schemeClr val="accent1"/>
+            </a:lnRef>
+            <a:fillRef idx="3">
+              <a:schemeClr val="accent1"/>
+            </a:fillRef>
+            <a:effectRef idx="2">
+              <a:schemeClr val="accent1"/>
+            </a:effectRef>
+            <a:fontRef idx="minor">
+              <a:schemeClr val="lt1"/>
+            </a:fontRef>
+          </p:style>
+        </p:sp>
+        <p:sp>
+          <p:nvSpPr>
+            <p:cNvPr id="17" name="Rectangle 28">
+              <a:extLst>
+                <a:ext uri="{FF2B5EF4-FFF2-40B4-BE49-F238E27FC236}">
+                  <a16:creationId xmlns:a16="http://schemas.microsoft.com/office/drawing/2014/main" id="{34635A4D-E9CE-4B78-912A-479EA4512B14}"/>
+                </a:ext>
+                <a:ext uri="{C183D7F6-B498-43B3-948B-1728B52AA6E4}">
+                  <adec:decorative xmlns:adec="http://schemas.microsoft.com/office/drawing/2017/decorative" val="1"/>
+                </a:ext>
+              </a:extLst>
+            </p:cNvPr>
+            <p:cNvSpPr/>
+            <p:nvPr>
+              <p:extLst>
+                <p:ext uri="{386F3935-93C4-4BCD-93E2-E3B085C9AB24}">
+                  <p16:designElem xmlns:p16="http://schemas.microsoft.com/office/powerpoint/2015/main" val="1"/>
+                </p:ext>
+              </p:extLst>
+            </p:nvPr>
+          </p:nvSpPr>
+          <p:spPr>
+            <a:xfrm>
+              <a:off x="10898730" y="-8467"/>
+              <a:ext cx="1290094" cy="6866467"/>
+            </a:xfrm>
+            <a:custGeom>
+              <a:avLst/>
+              <a:gdLst/>
+              <a:ahLst/>
+              <a:cxnLst/>
+              <a:rect l="l" t="t" r="r" b="b"/>
+              <a:pathLst>
+                <a:path w="1290094" h="6858000">
+                  <a:moveTo>
+                    <a:pt x="1019735" y="0"/>
+                  </a:moveTo>
+                  <a:lnTo>
+                    <a:pt x="1290094" y="0"/>
+                  </a:lnTo>
+                  <a:lnTo>
+                    <a:pt x="1290094" y="6858000"/>
+                  </a:lnTo>
+                  <a:lnTo>
+                    <a:pt x="0" y="6858000"/>
+                  </a:lnTo>
+                  <a:lnTo>
+                    <a:pt x="1019735" y="0"/>
+                  </a:lnTo>
+                  <a:close/>
+                </a:path>
+              </a:pathLst>
+            </a:custGeom>
+            <a:solidFill>
+              <a:schemeClr val="accent1">
+                <a:lumMod val="60000"/>
+                <a:lumOff val="40000"/>
+                <a:alpha val="70000"/>
+              </a:schemeClr>
+            </a:solidFill>
+            <a:ln>
+              <a:noFill/>
+            </a:ln>
+            <a:effectLst/>
+          </p:spPr>
+          <p:style>
+            <a:lnRef idx="1">
+              <a:schemeClr val="accent1"/>
+            </a:lnRef>
+            <a:fillRef idx="3">
+              <a:schemeClr val="accent1"/>
+            </a:fillRef>
+            <a:effectRef idx="2">
+              <a:schemeClr val="accent1"/>
+            </a:effectRef>
+            <a:fontRef idx="minor">
+              <a:schemeClr val="lt1"/>
+            </a:fontRef>
+          </p:style>
+        </p:sp>
+        <p:sp>
+          <p:nvSpPr>
+            <p:cNvPr id="18" name="Rectangle 29">
+              <a:extLst>
+                <a:ext uri="{FF2B5EF4-FFF2-40B4-BE49-F238E27FC236}">
+                  <a16:creationId xmlns:a16="http://schemas.microsoft.com/office/drawing/2014/main" id="{D663A5EE-5581-44F3-8F98-688755F63EA2}"/>
+                </a:ext>
+                <a:ext uri="{C183D7F6-B498-43B3-948B-1728B52AA6E4}">
+                  <adec:decorative xmlns:adec="http://schemas.microsoft.com/office/drawing/2017/decorative" val="1"/>
+                </a:ext>
+              </a:extLst>
+            </p:cNvPr>
+            <p:cNvSpPr/>
+            <p:nvPr>
+              <p:extLst>
+                <p:ext uri="{386F3935-93C4-4BCD-93E2-E3B085C9AB24}">
+                  <p16:designElem xmlns:p16="http://schemas.microsoft.com/office/powerpoint/2015/main" val="1"/>
+                </p:ext>
+              </p:extLst>
+            </p:nvPr>
+          </p:nvSpPr>
+          <p:spPr>
+            <a:xfrm>
+              <a:off x="10938999" y="-8467"/>
+              <a:ext cx="1249825" cy="6866467"/>
+            </a:xfrm>
+            <a:custGeom>
+              <a:avLst/>
+              <a:gdLst/>
+              <a:ahLst/>
+              <a:cxnLst/>
+              <a:rect l="l" t="t" r="r" b="b"/>
+              <a:pathLst>
+                <a:path w="1249825" h="6858000">
+                  <a:moveTo>
+                    <a:pt x="0" y="0"/>
+                  </a:moveTo>
+                  <a:lnTo>
+                    <a:pt x="1249825" y="0"/>
+                  </a:lnTo>
+                  <a:lnTo>
+                    <a:pt x="1249825" y="6858000"/>
+                  </a:lnTo>
+                  <a:lnTo>
+                    <a:pt x="1109382" y="6858000"/>
+                  </a:lnTo>
+                  <a:lnTo>
+                    <a:pt x="0" y="0"/>
+                  </a:lnTo>
+                  <a:close/>
+                </a:path>
+              </a:pathLst>
+            </a:custGeom>
+            <a:solidFill>
+              <a:schemeClr val="accent1">
+                <a:alpha val="65000"/>
+              </a:schemeClr>
+            </a:solidFill>
+            <a:ln>
+              <a:noFill/>
+            </a:ln>
+            <a:effectLst/>
+          </p:spPr>
+          <p:style>
+            <a:lnRef idx="1">
+              <a:schemeClr val="accent1"/>
+            </a:lnRef>
+            <a:fillRef idx="3">
+              <a:schemeClr val="accent1"/>
+            </a:fillRef>
+            <a:effectRef idx="2">
+              <a:schemeClr val="accent1"/>
+            </a:effectRef>
+            <a:fontRef idx="minor">
+              <a:schemeClr val="lt1"/>
+            </a:fontRef>
+          </p:style>
+        </p:sp>
+        <p:sp>
+          <p:nvSpPr>
+            <p:cNvPr id="19" name="Isosceles Triangle 18">
+              <a:extLst>
+                <a:ext uri="{FF2B5EF4-FFF2-40B4-BE49-F238E27FC236}">
+                  <a16:creationId xmlns:a16="http://schemas.microsoft.com/office/drawing/2014/main" id="{B1E84E6A-F5AE-4F4D-98F2-82FE4FCC2656}"/>
+                </a:ext>
+                <a:ext uri="{C183D7F6-B498-43B3-948B-1728B52AA6E4}">
+                  <adec:decorative xmlns:adec="http://schemas.microsoft.com/office/drawing/2017/decorative" val="1"/>
+                </a:ext>
+              </a:extLst>
+            </p:cNvPr>
+            <p:cNvSpPr/>
+            <p:nvPr>
+              <p:extLst>
+                <p:ext uri="{386F3935-93C4-4BCD-93E2-E3B085C9AB24}">
+                  <p16:designElem xmlns:p16="http://schemas.microsoft.com/office/powerpoint/2015/main" val="1"/>
+                </p:ext>
+              </p:extLst>
+            </p:nvPr>
+          </p:nvSpPr>
+          <p:spPr>
+            <a:xfrm>
+              <a:off x="10371666" y="3589867"/>
+              <a:ext cx="1817159" cy="3268133"/>
+            </a:xfrm>
+            <a:prstGeom prst="triangle">
+              <a:avLst>
+                <a:gd name="adj" fmla="val 100000"/>
+              </a:avLst>
+            </a:prstGeom>
+            <a:solidFill>
+              <a:schemeClr val="accent1">
+                <a:alpha val="80000"/>
+              </a:schemeClr>
+            </a:solidFill>
+            <a:ln>
+              <a:noFill/>
+            </a:ln>
+            <a:effectLst/>
+          </p:spPr>
+          <p:style>
+            <a:lnRef idx="1">
+              <a:schemeClr val="accent1"/>
+            </a:lnRef>
+            <a:fillRef idx="3">
+              <a:schemeClr val="accent1"/>
+            </a:fillRef>
+            <a:effectRef idx="2">
+              <a:schemeClr val="accent1"/>
+            </a:effectRef>
+            <a:fontRef idx="minor">
+              <a:schemeClr val="lt1"/>
+            </a:fontRef>
+          </p:style>
+        </p:sp>
+        <p:sp>
+          <p:nvSpPr>
+            <p:cNvPr id="20" name="Isosceles Triangle 19">
+              <a:extLst>
+                <a:ext uri="{FF2B5EF4-FFF2-40B4-BE49-F238E27FC236}">
+                  <a16:creationId xmlns:a16="http://schemas.microsoft.com/office/drawing/2014/main" id="{DDE7DDC9-17D4-4686-833D-48F8733B49EE}"/>
+                </a:ext>
+                <a:ext uri="{C183D7F6-B498-43B3-948B-1728B52AA6E4}">
+                  <adec:decorative xmlns:adec="http://schemas.microsoft.com/office/drawing/2017/decorative" val="1"/>
+                </a:ext>
+              </a:extLst>
+            </p:cNvPr>
+            <p:cNvSpPr/>
+            <p:nvPr>
+              <p:extLst>
+                <p:ext uri="{386F3935-93C4-4BCD-93E2-E3B085C9AB24}">
+                  <p16:designElem xmlns:p16="http://schemas.microsoft.com/office/powerpoint/2015/main" val="1"/>
+                </p:ext>
+              </p:extLst>
+            </p:nvPr>
+          </p:nvSpPr>
+          <p:spPr>
+            <a:xfrm>
+              <a:off x="0" y="4013200"/>
+              <a:ext cx="448733" cy="2844800"/>
+            </a:xfrm>
+            <a:prstGeom prst="triangle">
+              <a:avLst>
+                <a:gd name="adj" fmla="val 0"/>
+              </a:avLst>
+            </a:prstGeom>
+            <a:solidFill>
+              <a:schemeClr val="accent1">
+                <a:alpha val="85000"/>
+              </a:schemeClr>
+            </a:solidFill>
+            <a:ln>
+              <a:noFill/>
+            </a:ln>
+            <a:effectLst/>
+          </p:spPr>
+          <p:style>
+            <a:lnRef idx="1">
+              <a:schemeClr val="accent1"/>
+            </a:lnRef>
+            <a:fillRef idx="3">
+              <a:schemeClr val="accent1"/>
+            </a:fillRef>
+            <a:effectRef idx="2">
+              <a:schemeClr val="accent1"/>
+            </a:effectRef>
+            <a:fontRef idx="minor">
+              <a:schemeClr val="lt1"/>
+            </a:fontRef>
+          </p:style>
+        </p:sp>
+      </p:grpSp>
+      <p:sp>
+        <p:nvSpPr>
+          <p:cNvPr id="2" name="כותרת 1">
+            <a:extLst>
+              <a:ext uri="{FF2B5EF4-FFF2-40B4-BE49-F238E27FC236}">
+                <a16:creationId xmlns:a16="http://schemas.microsoft.com/office/drawing/2014/main" id="{42F357A3-B4F5-4866-B980-B4E968CAC593}"/>
+              </a:ext>
+            </a:extLst>
+          </p:cNvPr>
+          <p:cNvSpPr>
+            <a:spLocks noGrp="1"/>
+          </p:cNvSpPr>
+          <p:nvPr>
+            <p:ph type="title"/>
+          </p:nvPr>
+        </p:nvSpPr>
+        <p:spPr>
+          <a:xfrm>
+            <a:off x="199808" y="266700"/>
+            <a:ext cx="9838266" cy="1320800"/>
+          </a:xfrm>
+        </p:spPr>
+        <p:txBody>
+          <a:bodyPr>
+            <a:normAutofit fontScale="90000"/>
+          </a:bodyPr>
+          <a:lstStyle/>
+          <a:p>
+            <a:r>
+              <a:rPr lang="en-US" dirty="0"/>
+              <a:t>Original feature extraction and before attack (shuffled train-test dataset)</a:t>
+            </a:r>
+            <a:br>
+              <a:rPr lang="en-US" dirty="0"/>
+            </a:br>
+            <a:br>
+              <a:rPr lang="en-US" dirty="0"/>
+            </a:br>
+            <a:br>
+              <a:rPr lang="en-US" dirty="0"/>
+            </a:br>
+            <a:endParaRPr lang="he-IL" dirty="0"/>
+          </a:p>
+        </p:txBody>
+      </p:sp>
+      <p:sp>
+        <p:nvSpPr>
+          <p:cNvPr id="3" name="מציין מיקום תוכן 2">
+            <a:extLst>
+              <a:ext uri="{FF2B5EF4-FFF2-40B4-BE49-F238E27FC236}">
+                <a16:creationId xmlns:a16="http://schemas.microsoft.com/office/drawing/2014/main" id="{C3BCF87B-952F-4EBA-941C-C9EE44501386}"/>
+              </a:ext>
+            </a:extLst>
+          </p:cNvPr>
+          <p:cNvSpPr>
+            <a:spLocks noGrp="1"/>
+          </p:cNvSpPr>
+          <p:nvPr>
+            <p:ph idx="1"/>
+          </p:nvPr>
+        </p:nvSpPr>
+        <p:spPr>
+          <a:xfrm>
+            <a:off x="677334" y="1600200"/>
+            <a:ext cx="8596668" cy="4962525"/>
+          </a:xfrm>
+        </p:spPr>
+        <p:txBody>
+          <a:bodyPr>
+            <a:normAutofit/>
+          </a:bodyPr>
+          <a:lstStyle/>
+          <a:p>
+            <a:pPr marL="400050" algn="l" rtl="0">
+              <a:buFont typeface="+mj-lt"/>
+              <a:buAutoNum type="arabicPeriod"/>
+            </a:pPr>
+            <a:r>
+              <a:rPr lang="en-US" dirty="0" err="1"/>
+              <a:t>accuracy_score</a:t>
+            </a:r>
+            <a:r>
+              <a:rPr lang="en-US" dirty="0"/>
+              <a:t> 0.9806325850468465</a:t>
+            </a:r>
+            <a:br>
+              <a:rPr lang="en-US" dirty="0"/>
+            </a:br>
+            <a:r>
+              <a:rPr lang="en-US" dirty="0"/>
+              <a:t>processing time is  21.198532104492188  seconds</a:t>
+            </a:r>
+          </a:p>
+          <a:p>
+            <a:pPr marL="400050" algn="l" rtl="0">
+              <a:buFont typeface="+mj-lt"/>
+              <a:buAutoNum type="arabicPeriod"/>
+            </a:pPr>
+            <a:r>
+              <a:rPr lang="en-US" dirty="0" err="1"/>
+              <a:t>accuracy_score</a:t>
+            </a:r>
+            <a:r>
+              <a:rPr lang="en-US" dirty="0"/>
+              <a:t> 0.9822674966987361</a:t>
+            </a:r>
+            <a:br>
+              <a:rPr lang="en-US" dirty="0"/>
+            </a:br>
+            <a:r>
+              <a:rPr lang="en-US" dirty="0"/>
+              <a:t>processing time is  21.743186473846436  seconds</a:t>
+            </a:r>
+          </a:p>
+          <a:p>
+            <a:pPr marL="400050" algn="l" rtl="0">
+              <a:buFont typeface="+mj-lt"/>
+              <a:buAutoNum type="arabicPeriod"/>
+            </a:pPr>
+            <a:r>
+              <a:rPr lang="en-US" dirty="0" err="1"/>
+              <a:t>accuracy_score</a:t>
+            </a:r>
+            <a:r>
+              <a:rPr lang="en-US" dirty="0"/>
+              <a:t> 0.9828456214528467</a:t>
+            </a:r>
+            <a:br>
+              <a:rPr lang="en-US" dirty="0"/>
+            </a:br>
+            <a:r>
+              <a:rPr lang="en-US" dirty="0"/>
+              <a:t>processing time is  20.32513451576233  seconds</a:t>
+            </a:r>
+          </a:p>
+          <a:p>
+            <a:pPr marL="400050" algn="l" rtl="0">
+              <a:buFont typeface="+mj-lt"/>
+              <a:buAutoNum type="arabicPeriod"/>
+            </a:pPr>
+            <a:r>
+              <a:rPr lang="en-US" dirty="0" err="1"/>
+              <a:t>accuracy_score</a:t>
+            </a:r>
+            <a:r>
+              <a:rPr lang="en-US" dirty="0"/>
+              <a:t> 0.9817015657423128</a:t>
+            </a:r>
+            <a:br>
+              <a:rPr lang="en-US" dirty="0"/>
+            </a:br>
+            <a:r>
+              <a:rPr lang="en-US" dirty="0"/>
+              <a:t>processing time is  21.39283776283264  seconds</a:t>
+            </a:r>
+          </a:p>
+          <a:p>
+            <a:pPr marL="400050" algn="l" rtl="0">
+              <a:buFont typeface="+mj-lt"/>
+              <a:buAutoNum type="arabicPeriod"/>
+            </a:pPr>
+            <a:r>
+              <a:rPr lang="en-US" dirty="0" err="1"/>
+              <a:t>accuracy_score</a:t>
+            </a:r>
+            <a:r>
+              <a:rPr lang="en-US" dirty="0"/>
+              <a:t> 0.9812613972206502</a:t>
+            </a:r>
+            <a:br>
+              <a:rPr lang="en-US" dirty="0"/>
+            </a:br>
+            <a:r>
+              <a:rPr lang="en-US" dirty="0"/>
+              <a:t>processing time is  20.686962127685547  seconds</a:t>
+            </a:r>
+          </a:p>
+          <a:p>
+            <a:pPr marL="57150" indent="0" algn="l" rtl="0">
+              <a:buNone/>
+            </a:pPr>
+            <a:endParaRPr lang="en-US" dirty="0"/>
+          </a:p>
+          <a:p>
+            <a:pPr marL="400050" algn="l" rtl="0"/>
+            <a:r>
+              <a:rPr lang="en-US" sz="2400" dirty="0"/>
+              <a:t>AVG: 0.9817417332322785 </a:t>
+            </a:r>
+            <a:r>
+              <a:rPr lang="en-US" sz="2400" dirty="0" err="1"/>
+              <a:t>acc_score</a:t>
+            </a:r>
+            <a:endParaRPr lang="en-US" sz="2400" dirty="0"/>
+          </a:p>
+        </p:txBody>
+      </p:sp>
+    </p:spTree>
+    <p:extLst>
+      <p:ext uri="{BB962C8B-B14F-4D97-AF65-F5344CB8AC3E}">
+        <p14:creationId xmlns:p14="http://schemas.microsoft.com/office/powerpoint/2010/main" val="1574589536"/>
+      </p:ext>
+    </p:extLst>
+  </p:cSld>
+  <p:clrMapOvr>
+    <a:overrideClrMapping bg1="dk1" tx1="lt1" bg2="dk2" tx2="lt2" accent1="accent1" accent2="accent2" accent3="accent3" accent4="accent4" accent5="accent5" accent6="accent6" hlink="hlink" folHlink="folHlink"/>
+  </p:clrMapOvr>
+</p:sld>
+</file>
+
+<file path=ppt/slides/slide14.xml><?xml version="1.0" encoding="utf-8"?>
+<p:sld xmlns:a="http://schemas.openxmlformats.org/drawingml/2006/main" xmlns:r="http://schemas.openxmlformats.org/officeDocument/2006/relationships" xmlns:p="http://schemas.openxmlformats.org/presentationml/2006/main">
+  <p:cSld>
+    <p:bg>
+      <p:bgPr>
+        <a:solidFill>
+          <a:schemeClr val="bg2"/>
+        </a:solidFill>
+        <a:effectLst/>
+      </p:bgPr>
+    </p:bg>
+    <p:spTree>
+      <p:nvGrpSpPr>
+        <p:cNvPr id="1" name=""/>
+        <p:cNvGrpSpPr/>
+        <p:nvPr/>
+      </p:nvGrpSpPr>
+      <p:grpSpPr>
+        <a:xfrm>
+          <a:off x="0" y="0"/>
+          <a:ext cx="0" cy="0"/>
+          <a:chOff x="0" y="0"/>
+          <a:chExt cx="0" cy="0"/>
+        </a:xfrm>
+      </p:grpSpPr>
+      <p:sp useBgFill="1">
+        <p:nvSpPr>
+          <p:cNvPr id="8" name="Rectangle 7">
+            <a:extLst>
+              <a:ext uri="{FF2B5EF4-FFF2-40B4-BE49-F238E27FC236}">
+                <a16:creationId xmlns:a16="http://schemas.microsoft.com/office/drawing/2014/main" id="{86C16C40-7C29-4ACC-B851-7E08E459B596}"/>
+              </a:ext>
+              <a:ext uri="{C183D7F6-B498-43B3-948B-1728B52AA6E4}">
+                <adec:decorative xmlns:adec="http://schemas.microsoft.com/office/drawing/2017/decorative" val="1"/>
+              </a:ext>
+            </a:extLst>
+          </p:cNvPr>
+          <p:cNvSpPr>
+            <a:spLocks noGrp="1" noRot="1" noChangeAspect="1" noMove="1" noResize="1" noEditPoints="1" noAdjustHandles="1" noChangeArrowheads="1" noChangeShapeType="1" noTextEdit="1"/>
+          </p:cNvSpPr>
+          <p:nvPr>
+            <p:extLst>
+              <p:ext uri="{386F3935-93C4-4BCD-93E2-E3B085C9AB24}">
+                <p16:designElem xmlns:p16="http://schemas.microsoft.com/office/powerpoint/2015/main" val="1"/>
+              </p:ext>
+            </p:extLst>
+          </p:nvPr>
+        </p:nvSpPr>
+        <p:spPr>
+          <a:xfrm>
+            <a:off x="0" y="0"/>
+            <a:ext cx="12192000" cy="6858000"/>
+          </a:xfrm>
+          <a:prstGeom prst="rect">
+            <a:avLst/>
+          </a:prstGeom>
+          <a:ln>
+            <a:noFill/>
+          </a:ln>
+        </p:spPr>
+        <p:style>
+          <a:lnRef idx="2">
+            <a:schemeClr val="accent1">
+              <a:shade val="50000"/>
+            </a:schemeClr>
+          </a:lnRef>
+          <a:fillRef idx="1">
+            <a:schemeClr val="accent1"/>
+          </a:fillRef>
+          <a:effectRef idx="0">
+            <a:schemeClr val="accent1"/>
+          </a:effectRef>
+          <a:fontRef idx="minor">
+            <a:schemeClr val="lt1"/>
+          </a:fontRef>
+        </p:style>
+        <p:txBody>
+          <a:bodyPr rtlCol="0" anchor="ctr"/>
+          <a:lstStyle/>
+          <a:p>
+            <a:pPr algn="ctr"/>
+            <a:endParaRPr lang="en-US"/>
+          </a:p>
+        </p:txBody>
+      </p:sp>
+      <p:grpSp>
+        <p:nvGrpSpPr>
+          <p:cNvPr id="10" name="Group 9">
+            <a:extLst>
+              <a:ext uri="{FF2B5EF4-FFF2-40B4-BE49-F238E27FC236}">
+                <a16:creationId xmlns:a16="http://schemas.microsoft.com/office/drawing/2014/main" id="{CDD733AE-DD5E-4C77-8BCD-72BF12A06BB1}"/>
+              </a:ext>
+              <a:ext uri="{C183D7F6-B498-43B3-948B-1728B52AA6E4}">
+                <adec:decorative xmlns:adec="http://schemas.microsoft.com/office/drawing/2017/decorative" val="1"/>
+              </a:ext>
+            </a:extLst>
+          </p:cNvPr>
+          <p:cNvGrpSpPr>
+            <a:grpSpLocks noGrp="1" noUngrp="1" noRot="1" noChangeAspect="1" noMove="1" noResize="1"/>
+          </p:cNvGrpSpPr>
+          <p:nvPr>
+            <p:extLst>
+              <p:ext uri="{386F3935-93C4-4BCD-93E2-E3B085C9AB24}">
+                <p16:designElem xmlns:p16="http://schemas.microsoft.com/office/powerpoint/2015/main" val="1"/>
+              </p:ext>
+            </p:extLst>
+          </p:nvPr>
+        </p:nvGrpSpPr>
+        <p:grpSpPr>
+          <a:xfrm>
+            <a:off x="0" y="-8467"/>
+            <a:ext cx="12192000" cy="6866467"/>
+            <a:chOff x="0" y="-8467"/>
+            <a:chExt cx="12192000" cy="6866467"/>
+          </a:xfrm>
+        </p:grpSpPr>
+        <p:cxnSp>
+          <p:nvCxnSpPr>
+            <p:cNvPr id="11" name="Straight Connector 10">
+              <a:extLst>
+                <a:ext uri="{FF2B5EF4-FFF2-40B4-BE49-F238E27FC236}">
+                  <a16:creationId xmlns:a16="http://schemas.microsoft.com/office/drawing/2014/main" id="{51DE90A4-932E-4370-BA07-30F43254C01B}"/>
+                </a:ext>
+                <a:ext uri="{C183D7F6-B498-43B3-948B-1728B52AA6E4}">
+                  <adec:decorative xmlns:adec="http://schemas.microsoft.com/office/drawing/2017/decorative" val="1"/>
+                </a:ext>
+              </a:extLst>
+            </p:cNvPr>
+            <p:cNvCxnSpPr/>
+            <p:nvPr>
+              <p:extLst>
+                <p:ext uri="{386F3935-93C4-4BCD-93E2-E3B085C9AB24}">
+                  <p16:designElem xmlns:p16="http://schemas.microsoft.com/office/powerpoint/2015/main" val="1"/>
+                </p:ext>
+              </p:extLst>
+            </p:nvPr>
+          </p:nvCxnSpPr>
+          <p:spPr>
+            <a:xfrm>
+              <a:off x="9371012" y="0"/>
+              <a:ext cx="1219200" cy="6858000"/>
+            </a:xfrm>
+            <a:prstGeom prst="line">
+              <a:avLst/>
+            </a:prstGeom>
+            <a:ln w="9525">
+              <a:solidFill>
+                <a:srgbClr val="FFFFFF"/>
+              </a:solidFill>
+            </a:ln>
+          </p:spPr>
+          <p:style>
+            <a:lnRef idx="2">
+              <a:schemeClr val="accent1"/>
+            </a:lnRef>
+            <a:fillRef idx="0">
+              <a:schemeClr val="accent1"/>
+            </a:fillRef>
+            <a:effectRef idx="1">
+              <a:schemeClr val="accent1"/>
+            </a:effectRef>
+            <a:fontRef idx="minor">
+              <a:schemeClr val="tx1"/>
+            </a:fontRef>
+          </p:style>
+        </p:cxnSp>
+        <p:cxnSp>
+          <p:nvCxnSpPr>
+            <p:cNvPr id="12" name="Straight Connector 11">
+              <a:extLst>
+                <a:ext uri="{FF2B5EF4-FFF2-40B4-BE49-F238E27FC236}">
+                  <a16:creationId xmlns:a16="http://schemas.microsoft.com/office/drawing/2014/main" id="{6A19CA4A-B208-452A-8BE4-BC6940D33D40}"/>
+                </a:ext>
+                <a:ext uri="{C183D7F6-B498-43B3-948B-1728B52AA6E4}">
+                  <adec:decorative xmlns:adec="http://schemas.microsoft.com/office/drawing/2017/decorative" val="1"/>
+                </a:ext>
+              </a:extLst>
+            </p:cNvPr>
+            <p:cNvCxnSpPr/>
+            <p:nvPr>
+              <p:extLst>
+                <p:ext uri="{386F3935-93C4-4BCD-93E2-E3B085C9AB24}">
+                  <p16:designElem xmlns:p16="http://schemas.microsoft.com/office/powerpoint/2015/main" val="1"/>
+                </p:ext>
+              </p:extLst>
+            </p:nvPr>
+          </p:nvCxnSpPr>
+          <p:spPr>
+            <a:xfrm flipH="1">
+              <a:off x="7425267" y="3681413"/>
+              <a:ext cx="4763558" cy="3176587"/>
+            </a:xfrm>
+            <a:prstGeom prst="line">
+              <a:avLst/>
+            </a:prstGeom>
+            <a:ln w="9525">
+              <a:solidFill>
+                <a:srgbClr val="FFFFFF"/>
+              </a:solidFill>
+            </a:ln>
+          </p:spPr>
+          <p:style>
+            <a:lnRef idx="2">
+              <a:schemeClr val="accent1"/>
+            </a:lnRef>
+            <a:fillRef idx="0">
+              <a:schemeClr val="accent1"/>
+            </a:fillRef>
+            <a:effectRef idx="1">
+              <a:schemeClr val="accent1"/>
+            </a:effectRef>
+            <a:fontRef idx="minor">
+              <a:schemeClr val="tx1"/>
+            </a:fontRef>
+          </p:style>
+        </p:cxnSp>
+        <p:sp>
+          <p:nvSpPr>
+            <p:cNvPr id="13" name="Rectangle 23">
+              <a:extLst>
+                <a:ext uri="{FF2B5EF4-FFF2-40B4-BE49-F238E27FC236}">
+                  <a16:creationId xmlns:a16="http://schemas.microsoft.com/office/drawing/2014/main" id="{B74F8D3E-E618-4DE3-A0CC-B4904BB5D5AB}"/>
+                </a:ext>
+                <a:ext uri="{C183D7F6-B498-43B3-948B-1728B52AA6E4}">
+                  <adec:decorative xmlns:adec="http://schemas.microsoft.com/office/drawing/2017/decorative" val="1"/>
+                </a:ext>
+              </a:extLst>
+            </p:cNvPr>
+            <p:cNvSpPr/>
+            <p:nvPr>
+              <p:extLst>
+                <p:ext uri="{386F3935-93C4-4BCD-93E2-E3B085C9AB24}">
+                  <p16:designElem xmlns:p16="http://schemas.microsoft.com/office/powerpoint/2015/main" val="1"/>
+                </p:ext>
+              </p:extLst>
+            </p:nvPr>
+          </p:nvSpPr>
+          <p:spPr>
+            <a:xfrm>
+              <a:off x="9181476" y="-8467"/>
+              <a:ext cx="3007349" cy="6866467"/>
+            </a:xfrm>
+            <a:custGeom>
+              <a:avLst/>
+              <a:gdLst/>
+              <a:ahLst/>
+              <a:cxnLst/>
+              <a:rect l="l" t="t" r="r" b="b"/>
+              <a:pathLst>
+                <a:path w="3007349" h="6866467">
+                  <a:moveTo>
+                    <a:pt x="2045532" y="0"/>
+                  </a:moveTo>
+                  <a:lnTo>
+                    <a:pt x="3007349" y="0"/>
+                  </a:lnTo>
+                  <a:lnTo>
+                    <a:pt x="3007349" y="6866467"/>
+                  </a:lnTo>
+                  <a:lnTo>
+                    <a:pt x="0" y="6866467"/>
+                  </a:lnTo>
+                  <a:lnTo>
+                    <a:pt x="2045532" y="0"/>
+                  </a:lnTo>
+                  <a:close/>
+                </a:path>
+              </a:pathLst>
+            </a:custGeom>
+            <a:solidFill>
+              <a:schemeClr val="accent1">
+                <a:alpha val="30000"/>
+              </a:schemeClr>
+            </a:solidFill>
+            <a:ln>
+              <a:noFill/>
+            </a:ln>
+            <a:effectLst/>
+          </p:spPr>
+          <p:style>
+            <a:lnRef idx="1">
+              <a:schemeClr val="accent1"/>
+            </a:lnRef>
+            <a:fillRef idx="3">
+              <a:schemeClr val="accent1"/>
+            </a:fillRef>
+            <a:effectRef idx="2">
+              <a:schemeClr val="accent1"/>
+            </a:effectRef>
+            <a:fontRef idx="minor">
+              <a:schemeClr val="lt1"/>
+            </a:fontRef>
+          </p:style>
+        </p:sp>
+        <p:sp>
+          <p:nvSpPr>
+            <p:cNvPr id="14" name="Rectangle 25">
+              <a:extLst>
+                <a:ext uri="{FF2B5EF4-FFF2-40B4-BE49-F238E27FC236}">
+                  <a16:creationId xmlns:a16="http://schemas.microsoft.com/office/drawing/2014/main" id="{299DA406-C54B-4E31-867D-FAF8DCE7045F}"/>
+                </a:ext>
+                <a:ext uri="{C183D7F6-B498-43B3-948B-1728B52AA6E4}">
+                  <adec:decorative xmlns:adec="http://schemas.microsoft.com/office/drawing/2017/decorative" val="1"/>
+                </a:ext>
+              </a:extLst>
+            </p:cNvPr>
+            <p:cNvSpPr/>
+            <p:nvPr>
+              <p:extLst>
+                <p:ext uri="{386F3935-93C4-4BCD-93E2-E3B085C9AB24}">
+                  <p16:designElem xmlns:p16="http://schemas.microsoft.com/office/powerpoint/2015/main" val="1"/>
+                </p:ext>
+              </p:extLst>
+            </p:nvPr>
+          </p:nvSpPr>
+          <p:spPr>
+            <a:xfrm>
+              <a:off x="9603442" y="-8467"/>
+              <a:ext cx="2588558" cy="6866467"/>
+            </a:xfrm>
+            <a:custGeom>
+              <a:avLst/>
+              <a:gdLst/>
+              <a:ahLst/>
+              <a:cxnLst/>
+              <a:rect l="l" t="t" r="r" b="b"/>
+              <a:pathLst>
+                <a:path w="2573311" h="6866467">
+                  <a:moveTo>
+                    <a:pt x="0" y="0"/>
+                  </a:moveTo>
+                  <a:lnTo>
+                    <a:pt x="2573311" y="0"/>
+                  </a:lnTo>
+                  <a:lnTo>
+                    <a:pt x="2573311" y="6866467"/>
+                  </a:lnTo>
+                  <a:lnTo>
+                    <a:pt x="1202336" y="6866467"/>
+                  </a:lnTo>
+                  <a:lnTo>
+                    <a:pt x="0" y="0"/>
+                  </a:lnTo>
+                  <a:close/>
+                </a:path>
+              </a:pathLst>
+            </a:custGeom>
+            <a:solidFill>
+              <a:schemeClr val="accent1">
+                <a:alpha val="20000"/>
+              </a:schemeClr>
+            </a:solidFill>
+            <a:ln>
+              <a:noFill/>
+            </a:ln>
+            <a:effectLst/>
+          </p:spPr>
+          <p:style>
+            <a:lnRef idx="1">
+              <a:schemeClr val="accent1"/>
+            </a:lnRef>
+            <a:fillRef idx="3">
+              <a:schemeClr val="accent1"/>
+            </a:fillRef>
+            <a:effectRef idx="2">
+              <a:schemeClr val="accent1"/>
+            </a:effectRef>
+            <a:fontRef idx="minor">
+              <a:schemeClr val="lt1"/>
+            </a:fontRef>
+          </p:style>
+        </p:sp>
+        <p:sp>
+          <p:nvSpPr>
+            <p:cNvPr id="15" name="Isosceles Triangle 14">
+              <a:extLst>
+                <a:ext uri="{FF2B5EF4-FFF2-40B4-BE49-F238E27FC236}">
+                  <a16:creationId xmlns:a16="http://schemas.microsoft.com/office/drawing/2014/main" id="{A1E16883-5140-47C4-A9AD-AD6598AC3EE6}"/>
+                </a:ext>
+                <a:ext uri="{C183D7F6-B498-43B3-948B-1728B52AA6E4}">
+                  <adec:decorative xmlns:adec="http://schemas.microsoft.com/office/drawing/2017/decorative" val="1"/>
+                </a:ext>
+              </a:extLst>
+            </p:cNvPr>
+            <p:cNvSpPr/>
+            <p:nvPr>
+              <p:extLst>
+                <p:ext uri="{386F3935-93C4-4BCD-93E2-E3B085C9AB24}">
+                  <p16:designElem xmlns:p16="http://schemas.microsoft.com/office/powerpoint/2015/main" val="1"/>
+                </p:ext>
+              </p:extLst>
+            </p:nvPr>
+          </p:nvSpPr>
+          <p:spPr>
+            <a:xfrm>
+              <a:off x="8932333" y="3048000"/>
+              <a:ext cx="3259667" cy="3810000"/>
+            </a:xfrm>
+            <a:prstGeom prst="triangle">
+              <a:avLst>
+                <a:gd name="adj" fmla="val 100000"/>
+              </a:avLst>
+            </a:prstGeom>
+            <a:solidFill>
+              <a:schemeClr val="accent2">
+                <a:alpha val="72000"/>
+              </a:schemeClr>
+            </a:solidFill>
+            <a:ln>
+              <a:noFill/>
+            </a:ln>
+            <a:effectLst/>
+          </p:spPr>
+          <p:style>
+            <a:lnRef idx="1">
+              <a:schemeClr val="accent1"/>
+            </a:lnRef>
+            <a:fillRef idx="3">
+              <a:schemeClr val="accent1"/>
+            </a:fillRef>
+            <a:effectRef idx="2">
+              <a:schemeClr val="accent1"/>
+            </a:effectRef>
+            <a:fontRef idx="minor">
+              <a:schemeClr val="lt1"/>
+            </a:fontRef>
+          </p:style>
+        </p:sp>
+        <p:sp>
+          <p:nvSpPr>
+            <p:cNvPr id="16" name="Rectangle 27">
+              <a:extLst>
+                <a:ext uri="{FF2B5EF4-FFF2-40B4-BE49-F238E27FC236}">
+                  <a16:creationId xmlns:a16="http://schemas.microsoft.com/office/drawing/2014/main" id="{4CD848DC-8A2A-4093-9BDD-7AF4B6A27814}"/>
+                </a:ext>
+                <a:ext uri="{C183D7F6-B498-43B3-948B-1728B52AA6E4}">
+                  <adec:decorative xmlns:adec="http://schemas.microsoft.com/office/drawing/2017/decorative" val="1"/>
+                </a:ext>
+              </a:extLst>
+            </p:cNvPr>
+            <p:cNvSpPr/>
+            <p:nvPr>
+              <p:extLst>
+                <p:ext uri="{386F3935-93C4-4BCD-93E2-E3B085C9AB24}">
+                  <p16:designElem xmlns:p16="http://schemas.microsoft.com/office/powerpoint/2015/main" val="1"/>
+                </p:ext>
+              </p:extLst>
+            </p:nvPr>
+          </p:nvSpPr>
+          <p:spPr>
+            <a:xfrm>
+              <a:off x="9334500" y="-8467"/>
+              <a:ext cx="2854326" cy="6866467"/>
+            </a:xfrm>
+            <a:custGeom>
+              <a:avLst/>
+              <a:gdLst/>
+              <a:ahLst/>
+              <a:cxnLst/>
+              <a:rect l="l" t="t" r="r" b="b"/>
+              <a:pathLst>
+                <a:path w="2858013" h="6866467">
+                  <a:moveTo>
+                    <a:pt x="0" y="0"/>
+                  </a:moveTo>
+                  <a:lnTo>
+                    <a:pt x="2858013" y="0"/>
+                  </a:lnTo>
+                  <a:lnTo>
+                    <a:pt x="2858013" y="6866467"/>
+                  </a:lnTo>
+                  <a:lnTo>
+                    <a:pt x="2473942" y="6866467"/>
+                  </a:lnTo>
+                  <a:lnTo>
+                    <a:pt x="0" y="0"/>
+                  </a:lnTo>
+                  <a:close/>
+                </a:path>
+              </a:pathLst>
+            </a:custGeom>
+            <a:solidFill>
+              <a:schemeClr val="accent2">
+                <a:lumMod val="75000"/>
+                <a:alpha val="70000"/>
+              </a:schemeClr>
+            </a:solidFill>
+            <a:ln>
+              <a:noFill/>
+            </a:ln>
+            <a:effectLst/>
+          </p:spPr>
+          <p:style>
+            <a:lnRef idx="1">
+              <a:schemeClr val="accent1"/>
+            </a:lnRef>
+            <a:fillRef idx="3">
+              <a:schemeClr val="accent1"/>
+            </a:fillRef>
+            <a:effectRef idx="2">
+              <a:schemeClr val="accent1"/>
+            </a:effectRef>
+            <a:fontRef idx="minor">
+              <a:schemeClr val="lt1"/>
+            </a:fontRef>
+          </p:style>
+        </p:sp>
+        <p:sp>
+          <p:nvSpPr>
+            <p:cNvPr id="17" name="Rectangle 28">
+              <a:extLst>
+                <a:ext uri="{FF2B5EF4-FFF2-40B4-BE49-F238E27FC236}">
+                  <a16:creationId xmlns:a16="http://schemas.microsoft.com/office/drawing/2014/main" id="{34635A4D-E9CE-4B78-912A-479EA4512B14}"/>
+                </a:ext>
+                <a:ext uri="{C183D7F6-B498-43B3-948B-1728B52AA6E4}">
+                  <adec:decorative xmlns:adec="http://schemas.microsoft.com/office/drawing/2017/decorative" val="1"/>
+                </a:ext>
+              </a:extLst>
+            </p:cNvPr>
+            <p:cNvSpPr/>
+            <p:nvPr>
+              <p:extLst>
+                <p:ext uri="{386F3935-93C4-4BCD-93E2-E3B085C9AB24}">
+                  <p16:designElem xmlns:p16="http://schemas.microsoft.com/office/powerpoint/2015/main" val="1"/>
+                </p:ext>
+              </p:extLst>
+            </p:nvPr>
+          </p:nvSpPr>
+          <p:spPr>
+            <a:xfrm>
+              <a:off x="10898730" y="-8467"/>
+              <a:ext cx="1290094" cy="6866467"/>
+            </a:xfrm>
+            <a:custGeom>
+              <a:avLst/>
+              <a:gdLst/>
+              <a:ahLst/>
+              <a:cxnLst/>
+              <a:rect l="l" t="t" r="r" b="b"/>
+              <a:pathLst>
+                <a:path w="1290094" h="6858000">
+                  <a:moveTo>
+                    <a:pt x="1019735" y="0"/>
+                  </a:moveTo>
+                  <a:lnTo>
+                    <a:pt x="1290094" y="0"/>
+                  </a:lnTo>
+                  <a:lnTo>
+                    <a:pt x="1290094" y="6858000"/>
+                  </a:lnTo>
+                  <a:lnTo>
+                    <a:pt x="0" y="6858000"/>
+                  </a:lnTo>
+                  <a:lnTo>
+                    <a:pt x="1019735" y="0"/>
+                  </a:lnTo>
+                  <a:close/>
+                </a:path>
+              </a:pathLst>
+            </a:custGeom>
+            <a:solidFill>
+              <a:schemeClr val="accent1">
+                <a:lumMod val="60000"/>
+                <a:lumOff val="40000"/>
+                <a:alpha val="70000"/>
+              </a:schemeClr>
+            </a:solidFill>
+            <a:ln>
+              <a:noFill/>
+            </a:ln>
+            <a:effectLst/>
+          </p:spPr>
+          <p:style>
+            <a:lnRef idx="1">
+              <a:schemeClr val="accent1"/>
+            </a:lnRef>
+            <a:fillRef idx="3">
+              <a:schemeClr val="accent1"/>
+            </a:fillRef>
+            <a:effectRef idx="2">
+              <a:schemeClr val="accent1"/>
+            </a:effectRef>
+            <a:fontRef idx="minor">
+              <a:schemeClr val="lt1"/>
+            </a:fontRef>
+          </p:style>
+        </p:sp>
+        <p:sp>
+          <p:nvSpPr>
+            <p:cNvPr id="18" name="Rectangle 29">
+              <a:extLst>
+                <a:ext uri="{FF2B5EF4-FFF2-40B4-BE49-F238E27FC236}">
+                  <a16:creationId xmlns:a16="http://schemas.microsoft.com/office/drawing/2014/main" id="{D663A5EE-5581-44F3-8F98-688755F63EA2}"/>
+                </a:ext>
+                <a:ext uri="{C183D7F6-B498-43B3-948B-1728B52AA6E4}">
+                  <adec:decorative xmlns:adec="http://schemas.microsoft.com/office/drawing/2017/decorative" val="1"/>
+                </a:ext>
+              </a:extLst>
+            </p:cNvPr>
+            <p:cNvSpPr/>
+            <p:nvPr>
+              <p:extLst>
+                <p:ext uri="{386F3935-93C4-4BCD-93E2-E3B085C9AB24}">
+                  <p16:designElem xmlns:p16="http://schemas.microsoft.com/office/powerpoint/2015/main" val="1"/>
+                </p:ext>
+              </p:extLst>
+            </p:nvPr>
+          </p:nvSpPr>
+          <p:spPr>
+            <a:xfrm>
+              <a:off x="10938999" y="-8467"/>
+              <a:ext cx="1249825" cy="6866467"/>
+            </a:xfrm>
+            <a:custGeom>
+              <a:avLst/>
+              <a:gdLst/>
+              <a:ahLst/>
+              <a:cxnLst/>
+              <a:rect l="l" t="t" r="r" b="b"/>
+              <a:pathLst>
+                <a:path w="1249825" h="6858000">
+                  <a:moveTo>
+                    <a:pt x="0" y="0"/>
+                  </a:moveTo>
+                  <a:lnTo>
+                    <a:pt x="1249825" y="0"/>
+                  </a:lnTo>
+                  <a:lnTo>
+                    <a:pt x="1249825" y="6858000"/>
+                  </a:lnTo>
+                  <a:lnTo>
+                    <a:pt x="1109382" y="6858000"/>
+                  </a:lnTo>
+                  <a:lnTo>
+                    <a:pt x="0" y="0"/>
+                  </a:lnTo>
+                  <a:close/>
+                </a:path>
+              </a:pathLst>
+            </a:custGeom>
+            <a:solidFill>
+              <a:schemeClr val="accent1">
+                <a:alpha val="65000"/>
+              </a:schemeClr>
+            </a:solidFill>
+            <a:ln>
+              <a:noFill/>
+            </a:ln>
+            <a:effectLst/>
+          </p:spPr>
+          <p:style>
+            <a:lnRef idx="1">
+              <a:schemeClr val="accent1"/>
+            </a:lnRef>
+            <a:fillRef idx="3">
+              <a:schemeClr val="accent1"/>
+            </a:fillRef>
+            <a:effectRef idx="2">
+              <a:schemeClr val="accent1"/>
+            </a:effectRef>
+            <a:fontRef idx="minor">
+              <a:schemeClr val="lt1"/>
+            </a:fontRef>
+          </p:style>
+        </p:sp>
+        <p:sp>
+          <p:nvSpPr>
+            <p:cNvPr id="19" name="Isosceles Triangle 18">
+              <a:extLst>
+                <a:ext uri="{FF2B5EF4-FFF2-40B4-BE49-F238E27FC236}">
+                  <a16:creationId xmlns:a16="http://schemas.microsoft.com/office/drawing/2014/main" id="{B1E84E6A-F5AE-4F4D-98F2-82FE4FCC2656}"/>
+                </a:ext>
+                <a:ext uri="{C183D7F6-B498-43B3-948B-1728B52AA6E4}">
+                  <adec:decorative xmlns:adec="http://schemas.microsoft.com/office/drawing/2017/decorative" val="1"/>
+                </a:ext>
+              </a:extLst>
+            </p:cNvPr>
+            <p:cNvSpPr/>
+            <p:nvPr>
+              <p:extLst>
+                <p:ext uri="{386F3935-93C4-4BCD-93E2-E3B085C9AB24}">
+                  <p16:designElem xmlns:p16="http://schemas.microsoft.com/office/powerpoint/2015/main" val="1"/>
+                </p:ext>
+              </p:extLst>
+            </p:nvPr>
+          </p:nvSpPr>
+          <p:spPr>
+            <a:xfrm>
+              <a:off x="10371666" y="3589867"/>
+              <a:ext cx="1817159" cy="3268133"/>
+            </a:xfrm>
+            <a:prstGeom prst="triangle">
+              <a:avLst>
+                <a:gd name="adj" fmla="val 100000"/>
+              </a:avLst>
+            </a:prstGeom>
+            <a:solidFill>
+              <a:schemeClr val="accent1">
+                <a:alpha val="80000"/>
+              </a:schemeClr>
+            </a:solidFill>
+            <a:ln>
+              <a:noFill/>
+            </a:ln>
+            <a:effectLst/>
+          </p:spPr>
+          <p:style>
+            <a:lnRef idx="1">
+              <a:schemeClr val="accent1"/>
+            </a:lnRef>
+            <a:fillRef idx="3">
+              <a:schemeClr val="accent1"/>
+            </a:fillRef>
+            <a:effectRef idx="2">
+              <a:schemeClr val="accent1"/>
+            </a:effectRef>
+            <a:fontRef idx="minor">
+              <a:schemeClr val="lt1"/>
+            </a:fontRef>
+          </p:style>
+        </p:sp>
+        <p:sp>
+          <p:nvSpPr>
+            <p:cNvPr id="20" name="Isosceles Triangle 19">
+              <a:extLst>
+                <a:ext uri="{FF2B5EF4-FFF2-40B4-BE49-F238E27FC236}">
+                  <a16:creationId xmlns:a16="http://schemas.microsoft.com/office/drawing/2014/main" id="{DDE7DDC9-17D4-4686-833D-48F8733B49EE}"/>
+                </a:ext>
+                <a:ext uri="{C183D7F6-B498-43B3-948B-1728B52AA6E4}">
+                  <adec:decorative xmlns:adec="http://schemas.microsoft.com/office/drawing/2017/decorative" val="1"/>
+                </a:ext>
+              </a:extLst>
+            </p:cNvPr>
+            <p:cNvSpPr/>
+            <p:nvPr>
+              <p:extLst>
+                <p:ext uri="{386F3935-93C4-4BCD-93E2-E3B085C9AB24}">
+                  <p16:designElem xmlns:p16="http://schemas.microsoft.com/office/powerpoint/2015/main" val="1"/>
+                </p:ext>
+              </p:extLst>
+            </p:nvPr>
+          </p:nvSpPr>
+          <p:spPr>
+            <a:xfrm>
+              <a:off x="0" y="4013200"/>
+              <a:ext cx="448733" cy="2844800"/>
+            </a:xfrm>
+            <a:prstGeom prst="triangle">
+              <a:avLst>
+                <a:gd name="adj" fmla="val 0"/>
+              </a:avLst>
+            </a:prstGeom>
+            <a:solidFill>
+              <a:schemeClr val="accent1">
+                <a:alpha val="85000"/>
+              </a:schemeClr>
+            </a:solidFill>
+            <a:ln>
+              <a:noFill/>
+            </a:ln>
+            <a:effectLst/>
+          </p:spPr>
+          <p:style>
+            <a:lnRef idx="1">
+              <a:schemeClr val="accent1"/>
+            </a:lnRef>
+            <a:fillRef idx="3">
+              <a:schemeClr val="accent1"/>
+            </a:fillRef>
+            <a:effectRef idx="2">
+              <a:schemeClr val="accent1"/>
+            </a:effectRef>
+            <a:fontRef idx="minor">
+              <a:schemeClr val="lt1"/>
+            </a:fontRef>
+          </p:style>
+        </p:sp>
+      </p:grpSp>
+      <p:sp>
+        <p:nvSpPr>
+          <p:cNvPr id="2" name="כותרת 1">
+            <a:extLst>
+              <a:ext uri="{FF2B5EF4-FFF2-40B4-BE49-F238E27FC236}">
+                <a16:creationId xmlns:a16="http://schemas.microsoft.com/office/drawing/2014/main" id="{42F357A3-B4F5-4866-B980-B4E968CAC593}"/>
+              </a:ext>
+            </a:extLst>
+          </p:cNvPr>
+          <p:cNvSpPr>
+            <a:spLocks noGrp="1"/>
+          </p:cNvSpPr>
+          <p:nvPr>
+            <p:ph type="title"/>
+          </p:nvPr>
+        </p:nvSpPr>
+        <p:spPr>
+          <a:xfrm>
+            <a:off x="199808" y="266700"/>
+            <a:ext cx="9838266" cy="1320800"/>
+          </a:xfrm>
+        </p:spPr>
+        <p:txBody>
+          <a:bodyPr>
+            <a:normAutofit fontScale="90000"/>
+          </a:bodyPr>
+          <a:lstStyle/>
+          <a:p>
+            <a:r>
+              <a:rPr lang="en-US" dirty="0"/>
+              <a:t>Original feature extraction and after attack (shuffled train-test dataset)</a:t>
+            </a:r>
+            <a:br>
+              <a:rPr lang="en-US" dirty="0"/>
+            </a:br>
+            <a:br>
+              <a:rPr lang="en-US" dirty="0"/>
+            </a:br>
+            <a:br>
+              <a:rPr lang="en-US" dirty="0"/>
+            </a:br>
+            <a:br>
+              <a:rPr lang="en-US" dirty="0"/>
+            </a:br>
+            <a:endParaRPr lang="he-IL" dirty="0"/>
+          </a:p>
+        </p:txBody>
+      </p:sp>
+      <p:sp>
+        <p:nvSpPr>
+          <p:cNvPr id="3" name="מציין מיקום תוכן 2">
+            <a:extLst>
+              <a:ext uri="{FF2B5EF4-FFF2-40B4-BE49-F238E27FC236}">
+                <a16:creationId xmlns:a16="http://schemas.microsoft.com/office/drawing/2014/main" id="{C3BCF87B-952F-4EBA-941C-C9EE44501386}"/>
+              </a:ext>
+            </a:extLst>
+          </p:cNvPr>
+          <p:cNvSpPr>
+            <a:spLocks noGrp="1"/>
+          </p:cNvSpPr>
+          <p:nvPr>
+            <p:ph idx="1"/>
+          </p:nvPr>
+        </p:nvSpPr>
+        <p:spPr>
+          <a:xfrm>
+            <a:off x="677334" y="1600200"/>
+            <a:ext cx="8596668" cy="4962525"/>
+          </a:xfrm>
+        </p:spPr>
+        <p:txBody>
+          <a:bodyPr>
+            <a:normAutofit/>
+          </a:bodyPr>
+          <a:lstStyle/>
+          <a:p>
+            <a:pPr marL="400050" algn="l" rtl="0">
+              <a:buFont typeface="+mj-lt"/>
+              <a:buAutoNum type="arabicPeriod"/>
+            </a:pPr>
+            <a:r>
+              <a:rPr lang="en-US" dirty="0" err="1"/>
+              <a:t>accuracy_score</a:t>
+            </a:r>
+            <a:r>
+              <a:rPr lang="en-US" dirty="0"/>
+              <a:t> 0.9080734406438632</a:t>
+            </a:r>
+            <a:br>
+              <a:rPr lang="en-US" dirty="0"/>
+            </a:br>
+            <a:r>
+              <a:rPr lang="en-US" dirty="0"/>
+              <a:t>processing time is  37.82743859291077  seconds</a:t>
+            </a:r>
+          </a:p>
+          <a:p>
+            <a:pPr marL="400050" algn="l" rtl="0">
+              <a:buFont typeface="+mj-lt"/>
+              <a:buAutoNum type="arabicPeriod"/>
+            </a:pPr>
+            <a:r>
+              <a:rPr lang="en-US" dirty="0" err="1"/>
+              <a:t>accuracy_score</a:t>
+            </a:r>
+            <a:r>
+              <a:rPr lang="en-US" dirty="0"/>
+              <a:t> 0.9507042253521126</a:t>
+            </a:r>
+            <a:br>
+              <a:rPr lang="en-US" dirty="0"/>
+            </a:br>
+            <a:r>
+              <a:rPr lang="en-US" dirty="0"/>
+              <a:t>processing time is  22.61952781677246  seconds</a:t>
+            </a:r>
+          </a:p>
+          <a:p>
+            <a:pPr marL="400050" algn="l" rtl="0">
+              <a:buFont typeface="+mj-lt"/>
+              <a:buAutoNum type="arabicPeriod"/>
+            </a:pPr>
+            <a:r>
+              <a:rPr lang="en-US" dirty="0" err="1"/>
+              <a:t>accuracy_score</a:t>
+            </a:r>
+            <a:r>
+              <a:rPr lang="en-US" dirty="0"/>
+              <a:t> 0.9368712273641852</a:t>
+            </a:r>
+            <a:br>
+              <a:rPr lang="en-US" dirty="0"/>
+            </a:br>
+            <a:r>
+              <a:rPr lang="en-US" dirty="0"/>
+              <a:t>processing time is  19.63769841194153  seconds</a:t>
+            </a:r>
+          </a:p>
+          <a:p>
+            <a:pPr marL="400050" algn="l" rtl="0">
+              <a:buFont typeface="+mj-lt"/>
+              <a:buAutoNum type="arabicPeriod"/>
+            </a:pPr>
+            <a:r>
+              <a:rPr lang="en-US" dirty="0" err="1"/>
+              <a:t>accuracy_score</a:t>
+            </a:r>
+            <a:r>
+              <a:rPr lang="en-US" dirty="0"/>
+              <a:t> 0.9490065392354124</a:t>
+            </a:r>
+            <a:br>
+              <a:rPr lang="en-US" dirty="0"/>
+            </a:br>
+            <a:r>
+              <a:rPr lang="en-US" dirty="0"/>
+              <a:t>processing time is  26.12929940223694  seconds</a:t>
+            </a:r>
+          </a:p>
+          <a:p>
+            <a:pPr marL="400050" algn="l" rtl="0">
+              <a:buFont typeface="+mj-lt"/>
+              <a:buAutoNum type="arabicPeriod"/>
+            </a:pPr>
+            <a:r>
+              <a:rPr lang="en-US" dirty="0" err="1"/>
+              <a:t>accuracy_score</a:t>
+            </a:r>
+            <a:r>
+              <a:rPr lang="en-US" dirty="0"/>
+              <a:t> 0.9178034407418423</a:t>
+            </a:r>
+            <a:br>
+              <a:rPr lang="en-US" dirty="0"/>
+            </a:br>
+            <a:r>
+              <a:rPr lang="en-US" dirty="0"/>
+              <a:t>processing time is  31.12929940294153  seconds</a:t>
+            </a:r>
+          </a:p>
+          <a:p>
+            <a:pPr marL="57150" indent="0" algn="l" rtl="0">
+              <a:buNone/>
+            </a:pPr>
+            <a:endParaRPr lang="en-US" dirty="0"/>
+          </a:p>
+          <a:p>
+            <a:pPr marL="400050" algn="l" rtl="0"/>
+            <a:r>
+              <a:rPr lang="en-US" sz="2400" dirty="0"/>
+              <a:t>AVG: 0.9324917746674831 </a:t>
+            </a:r>
+            <a:r>
+              <a:rPr lang="en-US" sz="2400" dirty="0" err="1"/>
+              <a:t>acc_score</a:t>
+            </a:r>
+            <a:endParaRPr lang="en-US" sz="2400" dirty="0"/>
+          </a:p>
+        </p:txBody>
+      </p:sp>
+    </p:spTree>
+    <p:extLst>
+      <p:ext uri="{BB962C8B-B14F-4D97-AF65-F5344CB8AC3E}">
+        <p14:creationId xmlns:p14="http://schemas.microsoft.com/office/powerpoint/2010/main" val="411610314"/>
+      </p:ext>
+    </p:extLst>
+  </p:cSld>
+  <p:clrMapOvr>
+    <a:overrideClrMapping bg1="dk1" tx1="lt1" bg2="dk2" tx2="lt2" accent1="accent1" accent2="accent2" accent3="accent3" accent4="accent4" accent5="accent5" accent6="accent6" hlink="hlink" folHlink="folHlink"/>
+  </p:clrMapOvr>
+</p:sld>
+</file>
+
+<file path=ppt/slides/slide15.xml><?xml version="1.0" encoding="utf-8"?>
+<p:sld xmlns:a="http://schemas.openxmlformats.org/drawingml/2006/main" xmlns:r="http://schemas.openxmlformats.org/officeDocument/2006/relationships" xmlns:p="http://schemas.openxmlformats.org/presentationml/2006/main">
+  <p:cSld>
+    <p:bg>
+      <p:bgPr>
+        <a:solidFill>
+          <a:schemeClr val="bg2"/>
+        </a:solidFill>
+        <a:effectLst/>
+      </p:bgPr>
+    </p:bg>
+    <p:spTree>
+      <p:nvGrpSpPr>
+        <p:cNvPr id="1" name=""/>
+        <p:cNvGrpSpPr/>
+        <p:nvPr/>
+      </p:nvGrpSpPr>
+      <p:grpSpPr>
+        <a:xfrm>
+          <a:off x="0" y="0"/>
+          <a:ext cx="0" cy="0"/>
+          <a:chOff x="0" y="0"/>
+          <a:chExt cx="0" cy="0"/>
+        </a:xfrm>
+      </p:grpSpPr>
+      <p:sp useBgFill="1">
+        <p:nvSpPr>
+          <p:cNvPr id="8" name="Rectangle 7">
+            <a:extLst>
+              <a:ext uri="{FF2B5EF4-FFF2-40B4-BE49-F238E27FC236}">
+                <a16:creationId xmlns:a16="http://schemas.microsoft.com/office/drawing/2014/main" id="{86C16C40-7C29-4ACC-B851-7E08E459B596}"/>
+              </a:ext>
+              <a:ext uri="{C183D7F6-B498-43B3-948B-1728B52AA6E4}">
+                <adec:decorative xmlns:adec="http://schemas.microsoft.com/office/drawing/2017/decorative" val="1"/>
+              </a:ext>
+            </a:extLst>
+          </p:cNvPr>
+          <p:cNvSpPr>
+            <a:spLocks noGrp="1" noRot="1" noChangeAspect="1" noMove="1" noResize="1" noEditPoints="1" noAdjustHandles="1" noChangeArrowheads="1" noChangeShapeType="1" noTextEdit="1"/>
+          </p:cNvSpPr>
+          <p:nvPr>
+            <p:extLst>
+              <p:ext uri="{386F3935-93C4-4BCD-93E2-E3B085C9AB24}">
+                <p16:designElem xmlns:p16="http://schemas.microsoft.com/office/powerpoint/2015/main" val="1"/>
+              </p:ext>
+            </p:extLst>
+          </p:nvPr>
+        </p:nvSpPr>
+        <p:spPr>
+          <a:xfrm>
+            <a:off x="0" y="0"/>
+            <a:ext cx="12192000" cy="6858000"/>
+          </a:xfrm>
+          <a:prstGeom prst="rect">
+            <a:avLst/>
+          </a:prstGeom>
+          <a:ln>
+            <a:noFill/>
+          </a:ln>
+        </p:spPr>
+        <p:style>
+          <a:lnRef idx="2">
+            <a:schemeClr val="accent1">
+              <a:shade val="50000"/>
+            </a:schemeClr>
+          </a:lnRef>
+          <a:fillRef idx="1">
+            <a:schemeClr val="accent1"/>
+          </a:fillRef>
+          <a:effectRef idx="0">
+            <a:schemeClr val="accent1"/>
+          </a:effectRef>
+          <a:fontRef idx="minor">
+            <a:schemeClr val="lt1"/>
+          </a:fontRef>
+        </p:style>
+        <p:txBody>
+          <a:bodyPr rtlCol="0" anchor="ctr"/>
+          <a:lstStyle/>
+          <a:p>
+            <a:pPr algn="ctr"/>
+            <a:endParaRPr lang="en-US"/>
+          </a:p>
+        </p:txBody>
+      </p:sp>
+      <p:grpSp>
+        <p:nvGrpSpPr>
+          <p:cNvPr id="10" name="Group 9">
+            <a:extLst>
+              <a:ext uri="{FF2B5EF4-FFF2-40B4-BE49-F238E27FC236}">
+                <a16:creationId xmlns:a16="http://schemas.microsoft.com/office/drawing/2014/main" id="{CDD733AE-DD5E-4C77-8BCD-72BF12A06BB1}"/>
+              </a:ext>
+              <a:ext uri="{C183D7F6-B498-43B3-948B-1728B52AA6E4}">
+                <adec:decorative xmlns:adec="http://schemas.microsoft.com/office/drawing/2017/decorative" val="1"/>
+              </a:ext>
+            </a:extLst>
+          </p:cNvPr>
+          <p:cNvGrpSpPr>
+            <a:grpSpLocks noGrp="1" noUngrp="1" noRot="1" noChangeAspect="1" noMove="1" noResize="1"/>
+          </p:cNvGrpSpPr>
+          <p:nvPr>
+            <p:extLst>
+              <p:ext uri="{386F3935-93C4-4BCD-93E2-E3B085C9AB24}">
+                <p16:designElem xmlns:p16="http://schemas.microsoft.com/office/powerpoint/2015/main" val="1"/>
+              </p:ext>
+            </p:extLst>
+          </p:nvPr>
+        </p:nvGrpSpPr>
+        <p:grpSpPr>
+          <a:xfrm>
+            <a:off x="0" y="-8467"/>
+            <a:ext cx="12192000" cy="6866467"/>
+            <a:chOff x="0" y="-8467"/>
+            <a:chExt cx="12192000" cy="6866467"/>
+          </a:xfrm>
+        </p:grpSpPr>
+        <p:cxnSp>
+          <p:nvCxnSpPr>
+            <p:cNvPr id="11" name="Straight Connector 10">
+              <a:extLst>
+                <a:ext uri="{FF2B5EF4-FFF2-40B4-BE49-F238E27FC236}">
+                  <a16:creationId xmlns:a16="http://schemas.microsoft.com/office/drawing/2014/main" id="{51DE90A4-932E-4370-BA07-30F43254C01B}"/>
+                </a:ext>
+                <a:ext uri="{C183D7F6-B498-43B3-948B-1728B52AA6E4}">
+                  <adec:decorative xmlns:adec="http://schemas.microsoft.com/office/drawing/2017/decorative" val="1"/>
+                </a:ext>
+              </a:extLst>
+            </p:cNvPr>
+            <p:cNvCxnSpPr/>
+            <p:nvPr>
+              <p:extLst>
+                <p:ext uri="{386F3935-93C4-4BCD-93E2-E3B085C9AB24}">
+                  <p16:designElem xmlns:p16="http://schemas.microsoft.com/office/powerpoint/2015/main" val="1"/>
+                </p:ext>
+              </p:extLst>
+            </p:nvPr>
+          </p:nvCxnSpPr>
+          <p:spPr>
+            <a:xfrm>
+              <a:off x="9371012" y="0"/>
+              <a:ext cx="1219200" cy="6858000"/>
+            </a:xfrm>
+            <a:prstGeom prst="line">
+              <a:avLst/>
+            </a:prstGeom>
+            <a:ln w="9525">
+              <a:solidFill>
+                <a:srgbClr val="FFFFFF"/>
+              </a:solidFill>
+            </a:ln>
+          </p:spPr>
+          <p:style>
+            <a:lnRef idx="2">
+              <a:schemeClr val="accent1"/>
+            </a:lnRef>
+            <a:fillRef idx="0">
+              <a:schemeClr val="accent1"/>
+            </a:fillRef>
+            <a:effectRef idx="1">
+              <a:schemeClr val="accent1"/>
+            </a:effectRef>
+            <a:fontRef idx="minor">
+              <a:schemeClr val="tx1"/>
+            </a:fontRef>
+          </p:style>
+        </p:cxnSp>
+        <p:cxnSp>
+          <p:nvCxnSpPr>
+            <p:cNvPr id="12" name="Straight Connector 11">
+              <a:extLst>
+                <a:ext uri="{FF2B5EF4-FFF2-40B4-BE49-F238E27FC236}">
+                  <a16:creationId xmlns:a16="http://schemas.microsoft.com/office/drawing/2014/main" id="{6A19CA4A-B208-452A-8BE4-BC6940D33D40}"/>
+                </a:ext>
+                <a:ext uri="{C183D7F6-B498-43B3-948B-1728B52AA6E4}">
+                  <adec:decorative xmlns:adec="http://schemas.microsoft.com/office/drawing/2017/decorative" val="1"/>
+                </a:ext>
+              </a:extLst>
+            </p:cNvPr>
+            <p:cNvCxnSpPr/>
+            <p:nvPr>
+              <p:extLst>
+                <p:ext uri="{386F3935-93C4-4BCD-93E2-E3B085C9AB24}">
+                  <p16:designElem xmlns:p16="http://schemas.microsoft.com/office/powerpoint/2015/main" val="1"/>
+                </p:ext>
+              </p:extLst>
+            </p:nvPr>
+          </p:nvCxnSpPr>
+          <p:spPr>
+            <a:xfrm flipH="1">
+              <a:off x="7425267" y="3681413"/>
+              <a:ext cx="4763558" cy="3176587"/>
+            </a:xfrm>
+            <a:prstGeom prst="line">
+              <a:avLst/>
+            </a:prstGeom>
+            <a:ln w="9525">
+              <a:solidFill>
+                <a:srgbClr val="FFFFFF"/>
+              </a:solidFill>
+            </a:ln>
+          </p:spPr>
+          <p:style>
+            <a:lnRef idx="2">
+              <a:schemeClr val="accent1"/>
+            </a:lnRef>
+            <a:fillRef idx="0">
+              <a:schemeClr val="accent1"/>
+            </a:fillRef>
+            <a:effectRef idx="1">
+              <a:schemeClr val="accent1"/>
+            </a:effectRef>
+            <a:fontRef idx="minor">
+              <a:schemeClr val="tx1"/>
+            </a:fontRef>
+          </p:style>
+        </p:cxnSp>
+        <p:sp>
+          <p:nvSpPr>
+            <p:cNvPr id="13" name="Rectangle 23">
+              <a:extLst>
+                <a:ext uri="{FF2B5EF4-FFF2-40B4-BE49-F238E27FC236}">
+                  <a16:creationId xmlns:a16="http://schemas.microsoft.com/office/drawing/2014/main" id="{B74F8D3E-E618-4DE3-A0CC-B4904BB5D5AB}"/>
+                </a:ext>
+                <a:ext uri="{C183D7F6-B498-43B3-948B-1728B52AA6E4}">
+                  <adec:decorative xmlns:adec="http://schemas.microsoft.com/office/drawing/2017/decorative" val="1"/>
+                </a:ext>
+              </a:extLst>
+            </p:cNvPr>
+            <p:cNvSpPr/>
+            <p:nvPr>
+              <p:extLst>
+                <p:ext uri="{386F3935-93C4-4BCD-93E2-E3B085C9AB24}">
+                  <p16:designElem xmlns:p16="http://schemas.microsoft.com/office/powerpoint/2015/main" val="1"/>
+                </p:ext>
+              </p:extLst>
+            </p:nvPr>
+          </p:nvSpPr>
+          <p:spPr>
+            <a:xfrm>
+              <a:off x="9181476" y="-8467"/>
+              <a:ext cx="3007349" cy="6866467"/>
+            </a:xfrm>
+            <a:custGeom>
+              <a:avLst/>
+              <a:gdLst/>
+              <a:ahLst/>
+              <a:cxnLst/>
+              <a:rect l="l" t="t" r="r" b="b"/>
+              <a:pathLst>
+                <a:path w="3007349" h="6866467">
+                  <a:moveTo>
+                    <a:pt x="2045532" y="0"/>
+                  </a:moveTo>
+                  <a:lnTo>
+                    <a:pt x="3007349" y="0"/>
+                  </a:lnTo>
+                  <a:lnTo>
+                    <a:pt x="3007349" y="6866467"/>
+                  </a:lnTo>
+                  <a:lnTo>
+                    <a:pt x="0" y="6866467"/>
+                  </a:lnTo>
+                  <a:lnTo>
+                    <a:pt x="2045532" y="0"/>
+                  </a:lnTo>
+                  <a:close/>
+                </a:path>
+              </a:pathLst>
+            </a:custGeom>
+            <a:solidFill>
+              <a:schemeClr val="accent1">
+                <a:alpha val="30000"/>
+              </a:schemeClr>
+            </a:solidFill>
+            <a:ln>
+              <a:noFill/>
+            </a:ln>
+            <a:effectLst/>
+          </p:spPr>
+          <p:style>
+            <a:lnRef idx="1">
+              <a:schemeClr val="accent1"/>
+            </a:lnRef>
+            <a:fillRef idx="3">
+              <a:schemeClr val="accent1"/>
+            </a:fillRef>
+            <a:effectRef idx="2">
+              <a:schemeClr val="accent1"/>
+            </a:effectRef>
+            <a:fontRef idx="minor">
+              <a:schemeClr val="lt1"/>
+            </a:fontRef>
+          </p:style>
+        </p:sp>
+        <p:sp>
+          <p:nvSpPr>
+            <p:cNvPr id="14" name="Rectangle 25">
+              <a:extLst>
+                <a:ext uri="{FF2B5EF4-FFF2-40B4-BE49-F238E27FC236}">
+                  <a16:creationId xmlns:a16="http://schemas.microsoft.com/office/drawing/2014/main" id="{299DA406-C54B-4E31-867D-FAF8DCE7045F}"/>
+                </a:ext>
+                <a:ext uri="{C183D7F6-B498-43B3-948B-1728B52AA6E4}">
+                  <adec:decorative xmlns:adec="http://schemas.microsoft.com/office/drawing/2017/decorative" val="1"/>
+                </a:ext>
+              </a:extLst>
+            </p:cNvPr>
+            <p:cNvSpPr/>
+            <p:nvPr>
+              <p:extLst>
+                <p:ext uri="{386F3935-93C4-4BCD-93E2-E3B085C9AB24}">
+                  <p16:designElem xmlns:p16="http://schemas.microsoft.com/office/powerpoint/2015/main" val="1"/>
+                </p:ext>
+              </p:extLst>
+            </p:nvPr>
+          </p:nvSpPr>
+          <p:spPr>
+            <a:xfrm>
+              <a:off x="9603442" y="-8467"/>
+              <a:ext cx="2588558" cy="6866467"/>
+            </a:xfrm>
+            <a:custGeom>
+              <a:avLst/>
+              <a:gdLst/>
+              <a:ahLst/>
+              <a:cxnLst/>
+              <a:rect l="l" t="t" r="r" b="b"/>
+              <a:pathLst>
+                <a:path w="2573311" h="6866467">
+                  <a:moveTo>
+                    <a:pt x="0" y="0"/>
+                  </a:moveTo>
+                  <a:lnTo>
+                    <a:pt x="2573311" y="0"/>
+                  </a:lnTo>
+                  <a:lnTo>
+                    <a:pt x="2573311" y="6866467"/>
+                  </a:lnTo>
+                  <a:lnTo>
+                    <a:pt x="1202336" y="6866467"/>
+                  </a:lnTo>
+                  <a:lnTo>
+                    <a:pt x="0" y="0"/>
+                  </a:lnTo>
+                  <a:close/>
+                </a:path>
+              </a:pathLst>
+            </a:custGeom>
+            <a:solidFill>
+              <a:schemeClr val="accent1">
+                <a:alpha val="20000"/>
+              </a:schemeClr>
+            </a:solidFill>
+            <a:ln>
+              <a:noFill/>
+            </a:ln>
+            <a:effectLst/>
+          </p:spPr>
+          <p:style>
+            <a:lnRef idx="1">
+              <a:schemeClr val="accent1"/>
+            </a:lnRef>
+            <a:fillRef idx="3">
+              <a:schemeClr val="accent1"/>
+            </a:fillRef>
+            <a:effectRef idx="2">
+              <a:schemeClr val="accent1"/>
+            </a:effectRef>
+            <a:fontRef idx="minor">
+              <a:schemeClr val="lt1"/>
+            </a:fontRef>
+          </p:style>
+        </p:sp>
+        <p:sp>
+          <p:nvSpPr>
+            <p:cNvPr id="15" name="Isosceles Triangle 14">
+              <a:extLst>
+                <a:ext uri="{FF2B5EF4-FFF2-40B4-BE49-F238E27FC236}">
+                  <a16:creationId xmlns:a16="http://schemas.microsoft.com/office/drawing/2014/main" id="{A1E16883-5140-47C4-A9AD-AD6598AC3EE6}"/>
+                </a:ext>
+                <a:ext uri="{C183D7F6-B498-43B3-948B-1728B52AA6E4}">
+                  <adec:decorative xmlns:adec="http://schemas.microsoft.com/office/drawing/2017/decorative" val="1"/>
+                </a:ext>
+              </a:extLst>
+            </p:cNvPr>
+            <p:cNvSpPr/>
+            <p:nvPr>
+              <p:extLst>
+                <p:ext uri="{386F3935-93C4-4BCD-93E2-E3B085C9AB24}">
+                  <p16:designElem xmlns:p16="http://schemas.microsoft.com/office/powerpoint/2015/main" val="1"/>
+                </p:ext>
+              </p:extLst>
+            </p:nvPr>
+          </p:nvSpPr>
+          <p:spPr>
+            <a:xfrm>
+              <a:off x="8932333" y="3048000"/>
+              <a:ext cx="3259667" cy="3810000"/>
+            </a:xfrm>
+            <a:prstGeom prst="triangle">
+              <a:avLst>
+                <a:gd name="adj" fmla="val 100000"/>
+              </a:avLst>
+            </a:prstGeom>
+            <a:solidFill>
+              <a:schemeClr val="accent2">
+                <a:alpha val="72000"/>
+              </a:schemeClr>
+            </a:solidFill>
+            <a:ln>
+              <a:noFill/>
+            </a:ln>
+            <a:effectLst/>
+          </p:spPr>
+          <p:style>
+            <a:lnRef idx="1">
+              <a:schemeClr val="accent1"/>
+            </a:lnRef>
+            <a:fillRef idx="3">
+              <a:schemeClr val="accent1"/>
+            </a:fillRef>
+            <a:effectRef idx="2">
+              <a:schemeClr val="accent1"/>
+            </a:effectRef>
+            <a:fontRef idx="minor">
+              <a:schemeClr val="lt1"/>
+            </a:fontRef>
+          </p:style>
+        </p:sp>
+        <p:sp>
+          <p:nvSpPr>
+            <p:cNvPr id="16" name="Rectangle 27">
+              <a:extLst>
+                <a:ext uri="{FF2B5EF4-FFF2-40B4-BE49-F238E27FC236}">
+                  <a16:creationId xmlns:a16="http://schemas.microsoft.com/office/drawing/2014/main" id="{4CD848DC-8A2A-4093-9BDD-7AF4B6A27814}"/>
+                </a:ext>
+                <a:ext uri="{C183D7F6-B498-43B3-948B-1728B52AA6E4}">
+                  <adec:decorative xmlns:adec="http://schemas.microsoft.com/office/drawing/2017/decorative" val="1"/>
+                </a:ext>
+              </a:extLst>
+            </p:cNvPr>
+            <p:cNvSpPr/>
+            <p:nvPr>
+              <p:extLst>
+                <p:ext uri="{386F3935-93C4-4BCD-93E2-E3B085C9AB24}">
+                  <p16:designElem xmlns:p16="http://schemas.microsoft.com/office/powerpoint/2015/main" val="1"/>
+                </p:ext>
+              </p:extLst>
+            </p:nvPr>
+          </p:nvSpPr>
+          <p:spPr>
+            <a:xfrm>
+              <a:off x="9334500" y="-8467"/>
+              <a:ext cx="2854326" cy="6866467"/>
+            </a:xfrm>
+            <a:custGeom>
+              <a:avLst/>
+              <a:gdLst/>
+              <a:ahLst/>
+              <a:cxnLst/>
+              <a:rect l="l" t="t" r="r" b="b"/>
+              <a:pathLst>
+                <a:path w="2858013" h="6866467">
+                  <a:moveTo>
+                    <a:pt x="0" y="0"/>
+                  </a:moveTo>
+                  <a:lnTo>
+                    <a:pt x="2858013" y="0"/>
+                  </a:lnTo>
+                  <a:lnTo>
+                    <a:pt x="2858013" y="6866467"/>
+                  </a:lnTo>
+                  <a:lnTo>
+                    <a:pt x="2473942" y="6866467"/>
+                  </a:lnTo>
+                  <a:lnTo>
+                    <a:pt x="0" y="0"/>
+                  </a:lnTo>
+                  <a:close/>
+                </a:path>
+              </a:pathLst>
+            </a:custGeom>
+            <a:solidFill>
+              <a:schemeClr val="accent2">
+                <a:lumMod val="75000"/>
+                <a:alpha val="70000"/>
+              </a:schemeClr>
+            </a:solidFill>
+            <a:ln>
+              <a:noFill/>
+            </a:ln>
+            <a:effectLst/>
+          </p:spPr>
+          <p:style>
+            <a:lnRef idx="1">
+              <a:schemeClr val="accent1"/>
+            </a:lnRef>
+            <a:fillRef idx="3">
+              <a:schemeClr val="accent1"/>
+            </a:fillRef>
+            <a:effectRef idx="2">
+              <a:schemeClr val="accent1"/>
+            </a:effectRef>
+            <a:fontRef idx="minor">
+              <a:schemeClr val="lt1"/>
+            </a:fontRef>
+          </p:style>
+        </p:sp>
+        <p:sp>
+          <p:nvSpPr>
+            <p:cNvPr id="17" name="Rectangle 28">
+              <a:extLst>
+                <a:ext uri="{FF2B5EF4-FFF2-40B4-BE49-F238E27FC236}">
+                  <a16:creationId xmlns:a16="http://schemas.microsoft.com/office/drawing/2014/main" id="{34635A4D-E9CE-4B78-912A-479EA4512B14}"/>
+                </a:ext>
+                <a:ext uri="{C183D7F6-B498-43B3-948B-1728B52AA6E4}">
+                  <adec:decorative xmlns:adec="http://schemas.microsoft.com/office/drawing/2017/decorative" val="1"/>
+                </a:ext>
+              </a:extLst>
+            </p:cNvPr>
+            <p:cNvSpPr/>
+            <p:nvPr>
+              <p:extLst>
+                <p:ext uri="{386F3935-93C4-4BCD-93E2-E3B085C9AB24}">
+                  <p16:designElem xmlns:p16="http://schemas.microsoft.com/office/powerpoint/2015/main" val="1"/>
+                </p:ext>
+              </p:extLst>
+            </p:nvPr>
+          </p:nvSpPr>
+          <p:spPr>
+            <a:xfrm>
+              <a:off x="10898730" y="-8467"/>
+              <a:ext cx="1290094" cy="6866467"/>
+            </a:xfrm>
+            <a:custGeom>
+              <a:avLst/>
+              <a:gdLst/>
+              <a:ahLst/>
+              <a:cxnLst/>
+              <a:rect l="l" t="t" r="r" b="b"/>
+              <a:pathLst>
+                <a:path w="1290094" h="6858000">
+                  <a:moveTo>
+                    <a:pt x="1019735" y="0"/>
+                  </a:moveTo>
+                  <a:lnTo>
+                    <a:pt x="1290094" y="0"/>
+                  </a:lnTo>
+                  <a:lnTo>
+                    <a:pt x="1290094" y="6858000"/>
+                  </a:lnTo>
+                  <a:lnTo>
+                    <a:pt x="0" y="6858000"/>
+                  </a:lnTo>
+                  <a:lnTo>
+                    <a:pt x="1019735" y="0"/>
+                  </a:lnTo>
+                  <a:close/>
+                </a:path>
+              </a:pathLst>
+            </a:custGeom>
+            <a:solidFill>
+              <a:schemeClr val="accent1">
+                <a:lumMod val="60000"/>
+                <a:lumOff val="40000"/>
+                <a:alpha val="70000"/>
+              </a:schemeClr>
+            </a:solidFill>
+            <a:ln>
+              <a:noFill/>
+            </a:ln>
+            <a:effectLst/>
+          </p:spPr>
+          <p:style>
+            <a:lnRef idx="1">
+              <a:schemeClr val="accent1"/>
+            </a:lnRef>
+            <a:fillRef idx="3">
+              <a:schemeClr val="accent1"/>
+            </a:fillRef>
+            <a:effectRef idx="2">
+              <a:schemeClr val="accent1"/>
+            </a:effectRef>
+            <a:fontRef idx="minor">
+              <a:schemeClr val="lt1"/>
+            </a:fontRef>
+          </p:style>
+        </p:sp>
+        <p:sp>
+          <p:nvSpPr>
+            <p:cNvPr id="18" name="Rectangle 29">
+              <a:extLst>
+                <a:ext uri="{FF2B5EF4-FFF2-40B4-BE49-F238E27FC236}">
+                  <a16:creationId xmlns:a16="http://schemas.microsoft.com/office/drawing/2014/main" id="{D663A5EE-5581-44F3-8F98-688755F63EA2}"/>
+                </a:ext>
+                <a:ext uri="{C183D7F6-B498-43B3-948B-1728B52AA6E4}">
+                  <adec:decorative xmlns:adec="http://schemas.microsoft.com/office/drawing/2017/decorative" val="1"/>
+                </a:ext>
+              </a:extLst>
+            </p:cNvPr>
+            <p:cNvSpPr/>
+            <p:nvPr>
+              <p:extLst>
+                <p:ext uri="{386F3935-93C4-4BCD-93E2-E3B085C9AB24}">
+                  <p16:designElem xmlns:p16="http://schemas.microsoft.com/office/powerpoint/2015/main" val="1"/>
+                </p:ext>
+              </p:extLst>
+            </p:nvPr>
+          </p:nvSpPr>
+          <p:spPr>
+            <a:xfrm>
+              <a:off x="10938999" y="-8467"/>
+              <a:ext cx="1249825" cy="6866467"/>
+            </a:xfrm>
+            <a:custGeom>
+              <a:avLst/>
+              <a:gdLst/>
+              <a:ahLst/>
+              <a:cxnLst/>
+              <a:rect l="l" t="t" r="r" b="b"/>
+              <a:pathLst>
+                <a:path w="1249825" h="6858000">
+                  <a:moveTo>
+                    <a:pt x="0" y="0"/>
+                  </a:moveTo>
+                  <a:lnTo>
+                    <a:pt x="1249825" y="0"/>
+                  </a:lnTo>
+                  <a:lnTo>
+                    <a:pt x="1249825" y="6858000"/>
+                  </a:lnTo>
+                  <a:lnTo>
+                    <a:pt x="1109382" y="6858000"/>
+                  </a:lnTo>
+                  <a:lnTo>
+                    <a:pt x="0" y="0"/>
+                  </a:lnTo>
+                  <a:close/>
+                </a:path>
+              </a:pathLst>
+            </a:custGeom>
+            <a:solidFill>
+              <a:schemeClr val="accent1">
+                <a:alpha val="65000"/>
+              </a:schemeClr>
+            </a:solidFill>
+            <a:ln>
+              <a:noFill/>
+            </a:ln>
+            <a:effectLst/>
+          </p:spPr>
+          <p:style>
+            <a:lnRef idx="1">
+              <a:schemeClr val="accent1"/>
+            </a:lnRef>
+            <a:fillRef idx="3">
+              <a:schemeClr val="accent1"/>
+            </a:fillRef>
+            <a:effectRef idx="2">
+              <a:schemeClr val="accent1"/>
+            </a:effectRef>
+            <a:fontRef idx="minor">
+              <a:schemeClr val="lt1"/>
+            </a:fontRef>
+          </p:style>
+        </p:sp>
+        <p:sp>
+          <p:nvSpPr>
+            <p:cNvPr id="19" name="Isosceles Triangle 18">
+              <a:extLst>
+                <a:ext uri="{FF2B5EF4-FFF2-40B4-BE49-F238E27FC236}">
+                  <a16:creationId xmlns:a16="http://schemas.microsoft.com/office/drawing/2014/main" id="{B1E84E6A-F5AE-4F4D-98F2-82FE4FCC2656}"/>
+                </a:ext>
+                <a:ext uri="{C183D7F6-B498-43B3-948B-1728B52AA6E4}">
+                  <adec:decorative xmlns:adec="http://schemas.microsoft.com/office/drawing/2017/decorative" val="1"/>
+                </a:ext>
+              </a:extLst>
+            </p:cNvPr>
+            <p:cNvSpPr/>
+            <p:nvPr>
+              <p:extLst>
+                <p:ext uri="{386F3935-93C4-4BCD-93E2-E3B085C9AB24}">
+                  <p16:designElem xmlns:p16="http://schemas.microsoft.com/office/powerpoint/2015/main" val="1"/>
+                </p:ext>
+              </p:extLst>
+            </p:nvPr>
+          </p:nvSpPr>
+          <p:spPr>
+            <a:xfrm>
+              <a:off x="10371666" y="3589867"/>
+              <a:ext cx="1817159" cy="3268133"/>
+            </a:xfrm>
+            <a:prstGeom prst="triangle">
+              <a:avLst>
+                <a:gd name="adj" fmla="val 100000"/>
+              </a:avLst>
+            </a:prstGeom>
+            <a:solidFill>
+              <a:schemeClr val="accent1">
+                <a:alpha val="80000"/>
+              </a:schemeClr>
+            </a:solidFill>
+            <a:ln>
+              <a:noFill/>
+            </a:ln>
+            <a:effectLst/>
+          </p:spPr>
+          <p:style>
+            <a:lnRef idx="1">
+              <a:schemeClr val="accent1"/>
+            </a:lnRef>
+            <a:fillRef idx="3">
+              <a:schemeClr val="accent1"/>
+            </a:fillRef>
+            <a:effectRef idx="2">
+              <a:schemeClr val="accent1"/>
+            </a:effectRef>
+            <a:fontRef idx="minor">
+              <a:schemeClr val="lt1"/>
+            </a:fontRef>
+          </p:style>
+        </p:sp>
+        <p:sp>
+          <p:nvSpPr>
+            <p:cNvPr id="20" name="Isosceles Triangle 19">
+              <a:extLst>
+                <a:ext uri="{FF2B5EF4-FFF2-40B4-BE49-F238E27FC236}">
+                  <a16:creationId xmlns:a16="http://schemas.microsoft.com/office/drawing/2014/main" id="{DDE7DDC9-17D4-4686-833D-48F8733B49EE}"/>
+                </a:ext>
+                <a:ext uri="{C183D7F6-B498-43B3-948B-1728B52AA6E4}">
+                  <adec:decorative xmlns:adec="http://schemas.microsoft.com/office/drawing/2017/decorative" val="1"/>
+                </a:ext>
+              </a:extLst>
+            </p:cNvPr>
+            <p:cNvSpPr/>
+            <p:nvPr>
+              <p:extLst>
+                <p:ext uri="{386F3935-93C4-4BCD-93E2-E3B085C9AB24}">
+                  <p16:designElem xmlns:p16="http://schemas.microsoft.com/office/powerpoint/2015/main" val="1"/>
+                </p:ext>
+              </p:extLst>
+            </p:nvPr>
+          </p:nvSpPr>
+          <p:spPr>
+            <a:xfrm>
+              <a:off x="0" y="4013200"/>
+              <a:ext cx="448733" cy="2844800"/>
+            </a:xfrm>
+            <a:prstGeom prst="triangle">
+              <a:avLst>
+                <a:gd name="adj" fmla="val 0"/>
+              </a:avLst>
+            </a:prstGeom>
+            <a:solidFill>
+              <a:schemeClr val="accent1">
+                <a:alpha val="85000"/>
+              </a:schemeClr>
+            </a:solidFill>
+            <a:ln>
+              <a:noFill/>
+            </a:ln>
+            <a:effectLst/>
+          </p:spPr>
+          <p:style>
+            <a:lnRef idx="1">
+              <a:schemeClr val="accent1"/>
+            </a:lnRef>
+            <a:fillRef idx="3">
+              <a:schemeClr val="accent1"/>
+            </a:fillRef>
+            <a:effectRef idx="2">
+              <a:schemeClr val="accent1"/>
+            </a:effectRef>
+            <a:fontRef idx="minor">
+              <a:schemeClr val="lt1"/>
+            </a:fontRef>
+          </p:style>
+        </p:sp>
+      </p:grpSp>
+      <p:sp>
+        <p:nvSpPr>
+          <p:cNvPr id="2" name="כותרת 1">
+            <a:extLst>
+              <a:ext uri="{FF2B5EF4-FFF2-40B4-BE49-F238E27FC236}">
+                <a16:creationId xmlns:a16="http://schemas.microsoft.com/office/drawing/2014/main" id="{42F357A3-B4F5-4866-B980-B4E968CAC593}"/>
+              </a:ext>
+            </a:extLst>
+          </p:cNvPr>
+          <p:cNvSpPr>
+            <a:spLocks noGrp="1"/>
+          </p:cNvSpPr>
+          <p:nvPr>
+            <p:ph type="title"/>
+          </p:nvPr>
+        </p:nvSpPr>
+        <p:spPr>
+          <a:xfrm>
+            <a:off x="199808" y="266700"/>
+            <a:ext cx="9838266" cy="1320800"/>
+          </a:xfrm>
+        </p:spPr>
+        <p:txBody>
+          <a:bodyPr>
+            <a:normAutofit fontScale="90000"/>
+          </a:bodyPr>
+          <a:lstStyle/>
+          <a:p>
+            <a:r>
+              <a:rPr lang="en-US" dirty="0"/>
+              <a:t>Original feature extraction and before attack (20% test-malicious, 80% train-shuffled)</a:t>
+            </a:r>
+            <a:br>
+              <a:rPr lang="en-US" dirty="0"/>
+            </a:br>
+            <a:br>
+              <a:rPr lang="en-US" dirty="0"/>
+            </a:br>
+            <a:br>
+              <a:rPr lang="en-US" dirty="0"/>
+            </a:br>
+            <a:br>
+              <a:rPr lang="en-US" dirty="0"/>
+            </a:br>
+            <a:br>
+              <a:rPr lang="en-US" dirty="0"/>
+            </a:br>
+            <a:endParaRPr lang="he-IL" dirty="0"/>
+          </a:p>
+        </p:txBody>
+      </p:sp>
+      <p:sp>
+        <p:nvSpPr>
+          <p:cNvPr id="3" name="מציין מיקום תוכן 2">
+            <a:extLst>
+              <a:ext uri="{FF2B5EF4-FFF2-40B4-BE49-F238E27FC236}">
+                <a16:creationId xmlns:a16="http://schemas.microsoft.com/office/drawing/2014/main" id="{C3BCF87B-952F-4EBA-941C-C9EE44501386}"/>
+              </a:ext>
+            </a:extLst>
+          </p:cNvPr>
+          <p:cNvSpPr>
+            <a:spLocks noGrp="1"/>
+          </p:cNvSpPr>
+          <p:nvPr>
+            <p:ph idx="1"/>
+          </p:nvPr>
+        </p:nvSpPr>
+        <p:spPr>
+          <a:xfrm>
+            <a:off x="677334" y="1600200"/>
+            <a:ext cx="8596668" cy="4962525"/>
+          </a:xfrm>
+        </p:spPr>
+        <p:txBody>
+          <a:bodyPr>
+            <a:normAutofit/>
+          </a:bodyPr>
+          <a:lstStyle/>
+          <a:p>
+            <a:pPr marL="400050" algn="l" rtl="0">
+              <a:buFont typeface="+mj-lt"/>
+              <a:buAutoNum type="arabicPeriod"/>
+            </a:pPr>
+            <a:r>
+              <a:rPr lang="en-US" dirty="0" err="1"/>
+              <a:t>accuracy_score</a:t>
+            </a:r>
+            <a:r>
+              <a:rPr lang="en-US" dirty="0"/>
+              <a:t> 0.767200754005655</a:t>
+            </a:r>
+            <a:br>
+              <a:rPr lang="en-US" dirty="0"/>
+            </a:br>
+            <a:r>
+              <a:rPr lang="en-US" dirty="0"/>
+              <a:t>processing time is  16.595704317092896  seconds</a:t>
+            </a:r>
+          </a:p>
+          <a:p>
+            <a:pPr marL="400050" algn="l" rtl="0">
+              <a:buFont typeface="+mj-lt"/>
+              <a:buAutoNum type="arabicPeriod"/>
+            </a:pPr>
+            <a:r>
+              <a:rPr lang="en-US" dirty="0" err="1"/>
+              <a:t>accuracy_score</a:t>
+            </a:r>
+            <a:r>
+              <a:rPr lang="en-US" dirty="0"/>
+              <a:t> 0.7255639097744361</a:t>
+            </a:r>
+            <a:br>
+              <a:rPr lang="en-US" dirty="0"/>
+            </a:br>
+            <a:r>
+              <a:rPr lang="en-US" dirty="0"/>
+              <a:t>processing time is  16.698278188705444  seconds</a:t>
+            </a:r>
+          </a:p>
+          <a:p>
+            <a:pPr marL="400050" algn="l" rtl="0">
+              <a:buFont typeface="+mj-lt"/>
+              <a:buAutoNum type="arabicPeriod"/>
+            </a:pPr>
+            <a:r>
+              <a:rPr lang="en-US" dirty="0" err="1"/>
+              <a:t>accuracy_score</a:t>
+            </a:r>
+            <a:r>
+              <a:rPr lang="en-US" dirty="0"/>
+              <a:t> 0.780209324452902</a:t>
+            </a:r>
+            <a:br>
+              <a:rPr lang="en-US" dirty="0"/>
+            </a:br>
+            <a:r>
+              <a:rPr lang="en-US" dirty="0"/>
+              <a:t>processing time is  16.596258401870728  seconds</a:t>
+            </a:r>
+          </a:p>
+          <a:p>
+            <a:pPr marL="400050" algn="l" rtl="0">
+              <a:buFont typeface="+mj-lt"/>
+              <a:buAutoNum type="arabicPeriod"/>
+            </a:pPr>
+            <a:r>
+              <a:rPr lang="en-US" dirty="0" err="1"/>
+              <a:t>accuracy_score</a:t>
+            </a:r>
+            <a:r>
+              <a:rPr lang="en-US" dirty="0"/>
+              <a:t> 0.7382488479262673</a:t>
+            </a:r>
+            <a:br>
+              <a:rPr lang="en-US" dirty="0"/>
+            </a:br>
+            <a:r>
+              <a:rPr lang="en-US" dirty="0"/>
+              <a:t>processing time is  17.889286279678345  seconds</a:t>
+            </a:r>
+          </a:p>
+          <a:p>
+            <a:pPr marL="400050" algn="l" rtl="0">
+              <a:buFont typeface="+mj-lt"/>
+              <a:buAutoNum type="arabicPeriod"/>
+            </a:pPr>
+            <a:r>
+              <a:rPr lang="en-US" dirty="0" err="1"/>
+              <a:t>accuracy_score</a:t>
+            </a:r>
+            <a:r>
+              <a:rPr lang="en-US" dirty="0"/>
+              <a:t> 0.7868112014453478</a:t>
+            </a:r>
+            <a:br>
+              <a:rPr lang="en-US" dirty="0"/>
+            </a:br>
+            <a:r>
+              <a:rPr lang="en-US" dirty="0"/>
+              <a:t>processing time is  16.92432141304016  seconds</a:t>
+            </a:r>
+          </a:p>
+          <a:p>
+            <a:pPr marL="57150" indent="0" algn="l" rtl="0">
+              <a:buNone/>
+            </a:pPr>
+            <a:endParaRPr lang="en-US" dirty="0"/>
+          </a:p>
+          <a:p>
+            <a:pPr marL="400050" algn="l" rtl="0"/>
+            <a:r>
+              <a:rPr lang="en-US" sz="2400" dirty="0"/>
+              <a:t>AVG: 0.7596068075209216 </a:t>
+            </a:r>
+            <a:r>
+              <a:rPr lang="en-US" sz="2400" dirty="0" err="1"/>
+              <a:t>acc_score</a:t>
+            </a:r>
+            <a:endParaRPr lang="en-US" sz="2400" dirty="0"/>
+          </a:p>
+        </p:txBody>
+      </p:sp>
+    </p:spTree>
+    <p:extLst>
+      <p:ext uri="{BB962C8B-B14F-4D97-AF65-F5344CB8AC3E}">
+        <p14:creationId xmlns:p14="http://schemas.microsoft.com/office/powerpoint/2010/main" val="2632942098"/>
+      </p:ext>
+    </p:extLst>
+  </p:cSld>
+  <p:clrMapOvr>
+    <a:overrideClrMapping bg1="dk1" tx1="lt1" bg2="dk2" tx2="lt2" accent1="accent1" accent2="accent2" accent3="accent3" accent4="accent4" accent5="accent5" accent6="accent6" hlink="hlink" folHlink="folHlink"/>
+  </p:clrMapOvr>
+</p:sld>
+</file>
+
+<file path=ppt/slides/slide16.xml><?xml version="1.0" encoding="utf-8"?>
+<p:sld xmlns:a="http://schemas.openxmlformats.org/drawingml/2006/main" xmlns:r="http://schemas.openxmlformats.org/officeDocument/2006/relationships" xmlns:p="http://schemas.openxmlformats.org/presentationml/2006/main">
+  <p:cSld>
+    <p:bg>
+      <p:bgPr>
+        <a:solidFill>
+          <a:schemeClr val="bg2"/>
+        </a:solidFill>
+        <a:effectLst/>
+      </p:bgPr>
+    </p:bg>
+    <p:spTree>
+      <p:nvGrpSpPr>
+        <p:cNvPr id="1" name=""/>
+        <p:cNvGrpSpPr/>
+        <p:nvPr/>
+      </p:nvGrpSpPr>
+      <p:grpSpPr>
+        <a:xfrm>
+          <a:off x="0" y="0"/>
+          <a:ext cx="0" cy="0"/>
+          <a:chOff x="0" y="0"/>
+          <a:chExt cx="0" cy="0"/>
+        </a:xfrm>
+      </p:grpSpPr>
+      <p:sp useBgFill="1">
+        <p:nvSpPr>
+          <p:cNvPr id="8" name="Rectangle 7">
+            <a:extLst>
+              <a:ext uri="{FF2B5EF4-FFF2-40B4-BE49-F238E27FC236}">
+                <a16:creationId xmlns:a16="http://schemas.microsoft.com/office/drawing/2014/main" id="{86C16C40-7C29-4ACC-B851-7E08E459B596}"/>
+              </a:ext>
+              <a:ext uri="{C183D7F6-B498-43B3-948B-1728B52AA6E4}">
+                <adec:decorative xmlns:adec="http://schemas.microsoft.com/office/drawing/2017/decorative" val="1"/>
+              </a:ext>
+            </a:extLst>
+          </p:cNvPr>
+          <p:cNvSpPr>
+            <a:spLocks noGrp="1" noRot="1" noChangeAspect="1" noMove="1" noResize="1" noEditPoints="1" noAdjustHandles="1" noChangeArrowheads="1" noChangeShapeType="1" noTextEdit="1"/>
+          </p:cNvSpPr>
+          <p:nvPr>
+            <p:extLst>
+              <p:ext uri="{386F3935-93C4-4BCD-93E2-E3B085C9AB24}">
+                <p16:designElem xmlns:p16="http://schemas.microsoft.com/office/powerpoint/2015/main" val="1"/>
+              </p:ext>
+            </p:extLst>
+          </p:nvPr>
+        </p:nvSpPr>
+        <p:spPr>
+          <a:xfrm>
+            <a:off x="0" y="0"/>
+            <a:ext cx="12192000" cy="6858000"/>
+          </a:xfrm>
+          <a:prstGeom prst="rect">
+            <a:avLst/>
+          </a:prstGeom>
+          <a:ln>
+            <a:noFill/>
+          </a:ln>
+        </p:spPr>
+        <p:style>
+          <a:lnRef idx="2">
+            <a:schemeClr val="accent1">
+              <a:shade val="50000"/>
+            </a:schemeClr>
+          </a:lnRef>
+          <a:fillRef idx="1">
+            <a:schemeClr val="accent1"/>
+          </a:fillRef>
+          <a:effectRef idx="0">
+            <a:schemeClr val="accent1"/>
+          </a:effectRef>
+          <a:fontRef idx="minor">
+            <a:schemeClr val="lt1"/>
+          </a:fontRef>
+        </p:style>
+        <p:txBody>
+          <a:bodyPr rtlCol="0" anchor="ctr"/>
+          <a:lstStyle/>
+          <a:p>
+            <a:pPr algn="ctr"/>
+            <a:endParaRPr lang="en-US"/>
+          </a:p>
+        </p:txBody>
+      </p:sp>
+      <p:grpSp>
+        <p:nvGrpSpPr>
+          <p:cNvPr id="10" name="Group 9">
+            <a:extLst>
+              <a:ext uri="{FF2B5EF4-FFF2-40B4-BE49-F238E27FC236}">
+                <a16:creationId xmlns:a16="http://schemas.microsoft.com/office/drawing/2014/main" id="{CDD733AE-DD5E-4C77-8BCD-72BF12A06BB1}"/>
+              </a:ext>
+              <a:ext uri="{C183D7F6-B498-43B3-948B-1728B52AA6E4}">
+                <adec:decorative xmlns:adec="http://schemas.microsoft.com/office/drawing/2017/decorative" val="1"/>
+              </a:ext>
+            </a:extLst>
+          </p:cNvPr>
+          <p:cNvGrpSpPr>
+            <a:grpSpLocks noGrp="1" noUngrp="1" noRot="1" noChangeAspect="1" noMove="1" noResize="1"/>
+          </p:cNvGrpSpPr>
+          <p:nvPr>
+            <p:extLst>
+              <p:ext uri="{386F3935-93C4-4BCD-93E2-E3B085C9AB24}">
+                <p16:designElem xmlns:p16="http://schemas.microsoft.com/office/powerpoint/2015/main" val="1"/>
+              </p:ext>
+            </p:extLst>
+          </p:nvPr>
+        </p:nvGrpSpPr>
+        <p:grpSpPr>
+          <a:xfrm>
+            <a:off x="0" y="-8467"/>
+            <a:ext cx="12192000" cy="6866467"/>
+            <a:chOff x="0" y="-8467"/>
+            <a:chExt cx="12192000" cy="6866467"/>
+          </a:xfrm>
+        </p:grpSpPr>
+        <p:cxnSp>
+          <p:nvCxnSpPr>
+            <p:cNvPr id="11" name="Straight Connector 10">
+              <a:extLst>
+                <a:ext uri="{FF2B5EF4-FFF2-40B4-BE49-F238E27FC236}">
+                  <a16:creationId xmlns:a16="http://schemas.microsoft.com/office/drawing/2014/main" id="{51DE90A4-932E-4370-BA07-30F43254C01B}"/>
+                </a:ext>
+                <a:ext uri="{C183D7F6-B498-43B3-948B-1728B52AA6E4}">
+                  <adec:decorative xmlns:adec="http://schemas.microsoft.com/office/drawing/2017/decorative" val="1"/>
+                </a:ext>
+              </a:extLst>
+            </p:cNvPr>
+            <p:cNvCxnSpPr/>
+            <p:nvPr>
+              <p:extLst>
+                <p:ext uri="{386F3935-93C4-4BCD-93E2-E3B085C9AB24}">
+                  <p16:designElem xmlns:p16="http://schemas.microsoft.com/office/powerpoint/2015/main" val="1"/>
+                </p:ext>
+              </p:extLst>
+            </p:nvPr>
+          </p:nvCxnSpPr>
+          <p:spPr>
+            <a:xfrm>
+              <a:off x="9371012" y="0"/>
+              <a:ext cx="1219200" cy="6858000"/>
+            </a:xfrm>
+            <a:prstGeom prst="line">
+              <a:avLst/>
+            </a:prstGeom>
+            <a:ln w="9525">
+              <a:solidFill>
+                <a:srgbClr val="FFFFFF"/>
+              </a:solidFill>
+            </a:ln>
+          </p:spPr>
+          <p:style>
+            <a:lnRef idx="2">
+              <a:schemeClr val="accent1"/>
+            </a:lnRef>
+            <a:fillRef idx="0">
+              <a:schemeClr val="accent1"/>
+            </a:fillRef>
+            <a:effectRef idx="1">
+              <a:schemeClr val="accent1"/>
+            </a:effectRef>
+            <a:fontRef idx="minor">
+              <a:schemeClr val="tx1"/>
+            </a:fontRef>
+          </p:style>
+        </p:cxnSp>
+        <p:cxnSp>
+          <p:nvCxnSpPr>
+            <p:cNvPr id="12" name="Straight Connector 11">
+              <a:extLst>
+                <a:ext uri="{FF2B5EF4-FFF2-40B4-BE49-F238E27FC236}">
+                  <a16:creationId xmlns:a16="http://schemas.microsoft.com/office/drawing/2014/main" id="{6A19CA4A-B208-452A-8BE4-BC6940D33D40}"/>
+                </a:ext>
+                <a:ext uri="{C183D7F6-B498-43B3-948B-1728B52AA6E4}">
+                  <adec:decorative xmlns:adec="http://schemas.microsoft.com/office/drawing/2017/decorative" val="1"/>
+                </a:ext>
+              </a:extLst>
+            </p:cNvPr>
+            <p:cNvCxnSpPr/>
+            <p:nvPr>
+              <p:extLst>
+                <p:ext uri="{386F3935-93C4-4BCD-93E2-E3B085C9AB24}">
+                  <p16:designElem xmlns:p16="http://schemas.microsoft.com/office/powerpoint/2015/main" val="1"/>
+                </p:ext>
+              </p:extLst>
+            </p:nvPr>
+          </p:nvCxnSpPr>
+          <p:spPr>
+            <a:xfrm flipH="1">
+              <a:off x="7425267" y="3681413"/>
+              <a:ext cx="4763558" cy="3176587"/>
+            </a:xfrm>
+            <a:prstGeom prst="line">
+              <a:avLst/>
+            </a:prstGeom>
+            <a:ln w="9525">
+              <a:solidFill>
+                <a:srgbClr val="FFFFFF"/>
+              </a:solidFill>
+            </a:ln>
+          </p:spPr>
+          <p:style>
+            <a:lnRef idx="2">
+              <a:schemeClr val="accent1"/>
+            </a:lnRef>
+            <a:fillRef idx="0">
+              <a:schemeClr val="accent1"/>
+            </a:fillRef>
+            <a:effectRef idx="1">
+              <a:schemeClr val="accent1"/>
+            </a:effectRef>
+            <a:fontRef idx="minor">
+              <a:schemeClr val="tx1"/>
+            </a:fontRef>
+          </p:style>
+        </p:cxnSp>
+        <p:sp>
+          <p:nvSpPr>
+            <p:cNvPr id="13" name="Rectangle 23">
+              <a:extLst>
+                <a:ext uri="{FF2B5EF4-FFF2-40B4-BE49-F238E27FC236}">
+                  <a16:creationId xmlns:a16="http://schemas.microsoft.com/office/drawing/2014/main" id="{B74F8D3E-E618-4DE3-A0CC-B4904BB5D5AB}"/>
+                </a:ext>
+                <a:ext uri="{C183D7F6-B498-43B3-948B-1728B52AA6E4}">
+                  <adec:decorative xmlns:adec="http://schemas.microsoft.com/office/drawing/2017/decorative" val="1"/>
+                </a:ext>
+              </a:extLst>
+            </p:cNvPr>
+            <p:cNvSpPr/>
+            <p:nvPr>
+              <p:extLst>
+                <p:ext uri="{386F3935-93C4-4BCD-93E2-E3B085C9AB24}">
+                  <p16:designElem xmlns:p16="http://schemas.microsoft.com/office/powerpoint/2015/main" val="1"/>
+                </p:ext>
+              </p:extLst>
+            </p:nvPr>
+          </p:nvSpPr>
+          <p:spPr>
+            <a:xfrm>
+              <a:off x="9181476" y="-8467"/>
+              <a:ext cx="3007349" cy="6866467"/>
+            </a:xfrm>
+            <a:custGeom>
+              <a:avLst/>
+              <a:gdLst/>
+              <a:ahLst/>
+              <a:cxnLst/>
+              <a:rect l="l" t="t" r="r" b="b"/>
+              <a:pathLst>
+                <a:path w="3007349" h="6866467">
+                  <a:moveTo>
+                    <a:pt x="2045532" y="0"/>
+                  </a:moveTo>
+                  <a:lnTo>
+                    <a:pt x="3007349" y="0"/>
+                  </a:lnTo>
+                  <a:lnTo>
+                    <a:pt x="3007349" y="6866467"/>
+                  </a:lnTo>
+                  <a:lnTo>
+                    <a:pt x="0" y="6866467"/>
+                  </a:lnTo>
+                  <a:lnTo>
+                    <a:pt x="2045532" y="0"/>
+                  </a:lnTo>
+                  <a:close/>
+                </a:path>
+              </a:pathLst>
+            </a:custGeom>
+            <a:solidFill>
+              <a:schemeClr val="accent1">
+                <a:alpha val="30000"/>
+              </a:schemeClr>
+            </a:solidFill>
+            <a:ln>
+              <a:noFill/>
+            </a:ln>
+            <a:effectLst/>
+          </p:spPr>
+          <p:style>
+            <a:lnRef idx="1">
+              <a:schemeClr val="accent1"/>
+            </a:lnRef>
+            <a:fillRef idx="3">
+              <a:schemeClr val="accent1"/>
+            </a:fillRef>
+            <a:effectRef idx="2">
+              <a:schemeClr val="accent1"/>
+            </a:effectRef>
+            <a:fontRef idx="minor">
+              <a:schemeClr val="lt1"/>
+            </a:fontRef>
+          </p:style>
+        </p:sp>
+        <p:sp>
+          <p:nvSpPr>
+            <p:cNvPr id="14" name="Rectangle 25">
+              <a:extLst>
+                <a:ext uri="{FF2B5EF4-FFF2-40B4-BE49-F238E27FC236}">
+                  <a16:creationId xmlns:a16="http://schemas.microsoft.com/office/drawing/2014/main" id="{299DA406-C54B-4E31-867D-FAF8DCE7045F}"/>
+                </a:ext>
+                <a:ext uri="{C183D7F6-B498-43B3-948B-1728B52AA6E4}">
+                  <adec:decorative xmlns:adec="http://schemas.microsoft.com/office/drawing/2017/decorative" val="1"/>
+                </a:ext>
+              </a:extLst>
+            </p:cNvPr>
+            <p:cNvSpPr/>
+            <p:nvPr>
+              <p:extLst>
+                <p:ext uri="{386F3935-93C4-4BCD-93E2-E3B085C9AB24}">
+                  <p16:designElem xmlns:p16="http://schemas.microsoft.com/office/powerpoint/2015/main" val="1"/>
+                </p:ext>
+              </p:extLst>
+            </p:nvPr>
+          </p:nvSpPr>
+          <p:spPr>
+            <a:xfrm>
+              <a:off x="9603442" y="-8467"/>
+              <a:ext cx="2588558" cy="6866467"/>
+            </a:xfrm>
+            <a:custGeom>
+              <a:avLst/>
+              <a:gdLst/>
+              <a:ahLst/>
+              <a:cxnLst/>
+              <a:rect l="l" t="t" r="r" b="b"/>
+              <a:pathLst>
+                <a:path w="2573311" h="6866467">
+                  <a:moveTo>
+                    <a:pt x="0" y="0"/>
+                  </a:moveTo>
+                  <a:lnTo>
+                    <a:pt x="2573311" y="0"/>
+                  </a:lnTo>
+                  <a:lnTo>
+                    <a:pt x="2573311" y="6866467"/>
+                  </a:lnTo>
+                  <a:lnTo>
+                    <a:pt x="1202336" y="6866467"/>
+                  </a:lnTo>
+                  <a:lnTo>
+                    <a:pt x="0" y="0"/>
+                  </a:lnTo>
+                  <a:close/>
+                </a:path>
+              </a:pathLst>
+            </a:custGeom>
+            <a:solidFill>
+              <a:schemeClr val="accent1">
+                <a:alpha val="20000"/>
+              </a:schemeClr>
+            </a:solidFill>
+            <a:ln>
+              <a:noFill/>
+            </a:ln>
+            <a:effectLst/>
+          </p:spPr>
+          <p:style>
+            <a:lnRef idx="1">
+              <a:schemeClr val="accent1"/>
+            </a:lnRef>
+            <a:fillRef idx="3">
+              <a:schemeClr val="accent1"/>
+            </a:fillRef>
+            <a:effectRef idx="2">
+              <a:schemeClr val="accent1"/>
+            </a:effectRef>
+            <a:fontRef idx="minor">
+              <a:schemeClr val="lt1"/>
+            </a:fontRef>
+          </p:style>
+        </p:sp>
+        <p:sp>
+          <p:nvSpPr>
+            <p:cNvPr id="15" name="Isosceles Triangle 14">
+              <a:extLst>
+                <a:ext uri="{FF2B5EF4-FFF2-40B4-BE49-F238E27FC236}">
+                  <a16:creationId xmlns:a16="http://schemas.microsoft.com/office/drawing/2014/main" id="{A1E16883-5140-47C4-A9AD-AD6598AC3EE6}"/>
+                </a:ext>
+                <a:ext uri="{C183D7F6-B498-43B3-948B-1728B52AA6E4}">
+                  <adec:decorative xmlns:adec="http://schemas.microsoft.com/office/drawing/2017/decorative" val="1"/>
+                </a:ext>
+              </a:extLst>
+            </p:cNvPr>
+            <p:cNvSpPr/>
+            <p:nvPr>
+              <p:extLst>
+                <p:ext uri="{386F3935-93C4-4BCD-93E2-E3B085C9AB24}">
+                  <p16:designElem xmlns:p16="http://schemas.microsoft.com/office/powerpoint/2015/main" val="1"/>
+                </p:ext>
+              </p:extLst>
+            </p:nvPr>
+          </p:nvSpPr>
+          <p:spPr>
+            <a:xfrm>
+              <a:off x="8932333" y="3048000"/>
+              <a:ext cx="3259667" cy="3810000"/>
+            </a:xfrm>
+            <a:prstGeom prst="triangle">
+              <a:avLst>
+                <a:gd name="adj" fmla="val 100000"/>
+              </a:avLst>
+            </a:prstGeom>
+            <a:solidFill>
+              <a:schemeClr val="accent2">
+                <a:alpha val="72000"/>
+              </a:schemeClr>
+            </a:solidFill>
+            <a:ln>
+              <a:noFill/>
+            </a:ln>
+            <a:effectLst/>
+          </p:spPr>
+          <p:style>
+            <a:lnRef idx="1">
+              <a:schemeClr val="accent1"/>
+            </a:lnRef>
+            <a:fillRef idx="3">
+              <a:schemeClr val="accent1"/>
+            </a:fillRef>
+            <a:effectRef idx="2">
+              <a:schemeClr val="accent1"/>
+            </a:effectRef>
+            <a:fontRef idx="minor">
+              <a:schemeClr val="lt1"/>
+            </a:fontRef>
+          </p:style>
+        </p:sp>
+        <p:sp>
+          <p:nvSpPr>
+            <p:cNvPr id="16" name="Rectangle 27">
+              <a:extLst>
+                <a:ext uri="{FF2B5EF4-FFF2-40B4-BE49-F238E27FC236}">
+                  <a16:creationId xmlns:a16="http://schemas.microsoft.com/office/drawing/2014/main" id="{4CD848DC-8A2A-4093-9BDD-7AF4B6A27814}"/>
+                </a:ext>
+                <a:ext uri="{C183D7F6-B498-43B3-948B-1728B52AA6E4}">
+                  <adec:decorative xmlns:adec="http://schemas.microsoft.com/office/drawing/2017/decorative" val="1"/>
+                </a:ext>
+              </a:extLst>
+            </p:cNvPr>
+            <p:cNvSpPr/>
+            <p:nvPr>
+              <p:extLst>
+                <p:ext uri="{386F3935-93C4-4BCD-93E2-E3B085C9AB24}">
+                  <p16:designElem xmlns:p16="http://schemas.microsoft.com/office/powerpoint/2015/main" val="1"/>
+                </p:ext>
+              </p:extLst>
+            </p:nvPr>
+          </p:nvSpPr>
+          <p:spPr>
+            <a:xfrm>
+              <a:off x="9334500" y="-8467"/>
+              <a:ext cx="2854326" cy="6866467"/>
+            </a:xfrm>
+            <a:custGeom>
+              <a:avLst/>
+              <a:gdLst/>
+              <a:ahLst/>
+              <a:cxnLst/>
+              <a:rect l="l" t="t" r="r" b="b"/>
+              <a:pathLst>
+                <a:path w="2858013" h="6866467">
+                  <a:moveTo>
+                    <a:pt x="0" y="0"/>
+                  </a:moveTo>
+                  <a:lnTo>
+                    <a:pt x="2858013" y="0"/>
+                  </a:lnTo>
+                  <a:lnTo>
+                    <a:pt x="2858013" y="6866467"/>
+                  </a:lnTo>
+                  <a:lnTo>
+                    <a:pt x="2473942" y="6866467"/>
+                  </a:lnTo>
+                  <a:lnTo>
+                    <a:pt x="0" y="0"/>
+                  </a:lnTo>
+                  <a:close/>
+                </a:path>
+              </a:pathLst>
+            </a:custGeom>
+            <a:solidFill>
+              <a:schemeClr val="accent2">
+                <a:lumMod val="75000"/>
+                <a:alpha val="70000"/>
+              </a:schemeClr>
+            </a:solidFill>
+            <a:ln>
+              <a:noFill/>
+            </a:ln>
+            <a:effectLst/>
+          </p:spPr>
+          <p:style>
+            <a:lnRef idx="1">
+              <a:schemeClr val="accent1"/>
+            </a:lnRef>
+            <a:fillRef idx="3">
+              <a:schemeClr val="accent1"/>
+            </a:fillRef>
+            <a:effectRef idx="2">
+              <a:schemeClr val="accent1"/>
+            </a:effectRef>
+            <a:fontRef idx="minor">
+              <a:schemeClr val="lt1"/>
+            </a:fontRef>
+          </p:style>
+        </p:sp>
+        <p:sp>
+          <p:nvSpPr>
+            <p:cNvPr id="17" name="Rectangle 28">
+              <a:extLst>
+                <a:ext uri="{FF2B5EF4-FFF2-40B4-BE49-F238E27FC236}">
+                  <a16:creationId xmlns:a16="http://schemas.microsoft.com/office/drawing/2014/main" id="{34635A4D-E9CE-4B78-912A-479EA4512B14}"/>
+                </a:ext>
+                <a:ext uri="{C183D7F6-B498-43B3-948B-1728B52AA6E4}">
+                  <adec:decorative xmlns:adec="http://schemas.microsoft.com/office/drawing/2017/decorative" val="1"/>
+                </a:ext>
+              </a:extLst>
+            </p:cNvPr>
+            <p:cNvSpPr/>
+            <p:nvPr>
+              <p:extLst>
+                <p:ext uri="{386F3935-93C4-4BCD-93E2-E3B085C9AB24}">
+                  <p16:designElem xmlns:p16="http://schemas.microsoft.com/office/powerpoint/2015/main" val="1"/>
+                </p:ext>
+              </p:extLst>
+            </p:nvPr>
+          </p:nvSpPr>
+          <p:spPr>
+            <a:xfrm>
+              <a:off x="10898730" y="-8467"/>
+              <a:ext cx="1290094" cy="6866467"/>
+            </a:xfrm>
+            <a:custGeom>
+              <a:avLst/>
+              <a:gdLst/>
+              <a:ahLst/>
+              <a:cxnLst/>
+              <a:rect l="l" t="t" r="r" b="b"/>
+              <a:pathLst>
+                <a:path w="1290094" h="6858000">
+                  <a:moveTo>
+                    <a:pt x="1019735" y="0"/>
+                  </a:moveTo>
+                  <a:lnTo>
+                    <a:pt x="1290094" y="0"/>
+                  </a:lnTo>
+                  <a:lnTo>
+                    <a:pt x="1290094" y="6858000"/>
+                  </a:lnTo>
+                  <a:lnTo>
+                    <a:pt x="0" y="6858000"/>
+                  </a:lnTo>
+                  <a:lnTo>
+                    <a:pt x="1019735" y="0"/>
+                  </a:lnTo>
+                  <a:close/>
+                </a:path>
+              </a:pathLst>
+            </a:custGeom>
+            <a:solidFill>
+              <a:schemeClr val="accent1">
+                <a:lumMod val="60000"/>
+                <a:lumOff val="40000"/>
+                <a:alpha val="70000"/>
+              </a:schemeClr>
+            </a:solidFill>
+            <a:ln>
+              <a:noFill/>
+            </a:ln>
+            <a:effectLst/>
+          </p:spPr>
+          <p:style>
+            <a:lnRef idx="1">
+              <a:schemeClr val="accent1"/>
+            </a:lnRef>
+            <a:fillRef idx="3">
+              <a:schemeClr val="accent1"/>
+            </a:fillRef>
+            <a:effectRef idx="2">
+              <a:schemeClr val="accent1"/>
+            </a:effectRef>
+            <a:fontRef idx="minor">
+              <a:schemeClr val="lt1"/>
+            </a:fontRef>
+          </p:style>
+        </p:sp>
+        <p:sp>
+          <p:nvSpPr>
+            <p:cNvPr id="18" name="Rectangle 29">
+              <a:extLst>
+                <a:ext uri="{FF2B5EF4-FFF2-40B4-BE49-F238E27FC236}">
+                  <a16:creationId xmlns:a16="http://schemas.microsoft.com/office/drawing/2014/main" id="{D663A5EE-5581-44F3-8F98-688755F63EA2}"/>
+                </a:ext>
+                <a:ext uri="{C183D7F6-B498-43B3-948B-1728B52AA6E4}">
+                  <adec:decorative xmlns:adec="http://schemas.microsoft.com/office/drawing/2017/decorative" val="1"/>
+                </a:ext>
+              </a:extLst>
+            </p:cNvPr>
+            <p:cNvSpPr/>
+            <p:nvPr>
+              <p:extLst>
+                <p:ext uri="{386F3935-93C4-4BCD-93E2-E3B085C9AB24}">
+                  <p16:designElem xmlns:p16="http://schemas.microsoft.com/office/powerpoint/2015/main" val="1"/>
+                </p:ext>
+              </p:extLst>
+            </p:nvPr>
+          </p:nvSpPr>
+          <p:spPr>
+            <a:xfrm>
+              <a:off x="10938999" y="-8467"/>
+              <a:ext cx="1249825" cy="6866467"/>
+            </a:xfrm>
+            <a:custGeom>
+              <a:avLst/>
+              <a:gdLst/>
+              <a:ahLst/>
+              <a:cxnLst/>
+              <a:rect l="l" t="t" r="r" b="b"/>
+              <a:pathLst>
+                <a:path w="1249825" h="6858000">
+                  <a:moveTo>
+                    <a:pt x="0" y="0"/>
+                  </a:moveTo>
+                  <a:lnTo>
+                    <a:pt x="1249825" y="0"/>
+                  </a:lnTo>
+                  <a:lnTo>
+                    <a:pt x="1249825" y="6858000"/>
+                  </a:lnTo>
+                  <a:lnTo>
+                    <a:pt x="1109382" y="6858000"/>
+                  </a:lnTo>
+                  <a:lnTo>
+                    <a:pt x="0" y="0"/>
+                  </a:lnTo>
+                  <a:close/>
+                </a:path>
+              </a:pathLst>
+            </a:custGeom>
+            <a:solidFill>
+              <a:schemeClr val="accent1">
+                <a:alpha val="65000"/>
+              </a:schemeClr>
+            </a:solidFill>
+            <a:ln>
+              <a:noFill/>
+            </a:ln>
+            <a:effectLst/>
+          </p:spPr>
+          <p:style>
+            <a:lnRef idx="1">
+              <a:schemeClr val="accent1"/>
+            </a:lnRef>
+            <a:fillRef idx="3">
+              <a:schemeClr val="accent1"/>
+            </a:fillRef>
+            <a:effectRef idx="2">
+              <a:schemeClr val="accent1"/>
+            </a:effectRef>
+            <a:fontRef idx="minor">
+              <a:schemeClr val="lt1"/>
+            </a:fontRef>
+          </p:style>
+        </p:sp>
+        <p:sp>
+          <p:nvSpPr>
+            <p:cNvPr id="19" name="Isosceles Triangle 18">
+              <a:extLst>
+                <a:ext uri="{FF2B5EF4-FFF2-40B4-BE49-F238E27FC236}">
+                  <a16:creationId xmlns:a16="http://schemas.microsoft.com/office/drawing/2014/main" id="{B1E84E6A-F5AE-4F4D-98F2-82FE4FCC2656}"/>
+                </a:ext>
+                <a:ext uri="{C183D7F6-B498-43B3-948B-1728B52AA6E4}">
+                  <adec:decorative xmlns:adec="http://schemas.microsoft.com/office/drawing/2017/decorative" val="1"/>
+                </a:ext>
+              </a:extLst>
+            </p:cNvPr>
+            <p:cNvSpPr/>
+            <p:nvPr>
+              <p:extLst>
+                <p:ext uri="{386F3935-93C4-4BCD-93E2-E3B085C9AB24}">
+                  <p16:designElem xmlns:p16="http://schemas.microsoft.com/office/powerpoint/2015/main" val="1"/>
+                </p:ext>
+              </p:extLst>
+            </p:nvPr>
+          </p:nvSpPr>
+          <p:spPr>
+            <a:xfrm>
+              <a:off x="10371666" y="3589867"/>
+              <a:ext cx="1817159" cy="3268133"/>
+            </a:xfrm>
+            <a:prstGeom prst="triangle">
+              <a:avLst>
+                <a:gd name="adj" fmla="val 100000"/>
+              </a:avLst>
+            </a:prstGeom>
+            <a:solidFill>
+              <a:schemeClr val="accent1">
+                <a:alpha val="80000"/>
+              </a:schemeClr>
+            </a:solidFill>
+            <a:ln>
+              <a:noFill/>
+            </a:ln>
+            <a:effectLst/>
+          </p:spPr>
+          <p:style>
+            <a:lnRef idx="1">
+              <a:schemeClr val="accent1"/>
+            </a:lnRef>
+            <a:fillRef idx="3">
+              <a:schemeClr val="accent1"/>
+            </a:fillRef>
+            <a:effectRef idx="2">
+              <a:schemeClr val="accent1"/>
+            </a:effectRef>
+            <a:fontRef idx="minor">
+              <a:schemeClr val="lt1"/>
+            </a:fontRef>
+          </p:style>
+        </p:sp>
+        <p:sp>
+          <p:nvSpPr>
+            <p:cNvPr id="20" name="Isosceles Triangle 19">
+              <a:extLst>
+                <a:ext uri="{FF2B5EF4-FFF2-40B4-BE49-F238E27FC236}">
+                  <a16:creationId xmlns:a16="http://schemas.microsoft.com/office/drawing/2014/main" id="{DDE7DDC9-17D4-4686-833D-48F8733B49EE}"/>
+                </a:ext>
+                <a:ext uri="{C183D7F6-B498-43B3-948B-1728B52AA6E4}">
+                  <adec:decorative xmlns:adec="http://schemas.microsoft.com/office/drawing/2017/decorative" val="1"/>
+                </a:ext>
+              </a:extLst>
+            </p:cNvPr>
+            <p:cNvSpPr/>
+            <p:nvPr>
+              <p:extLst>
+                <p:ext uri="{386F3935-93C4-4BCD-93E2-E3B085C9AB24}">
+                  <p16:designElem xmlns:p16="http://schemas.microsoft.com/office/powerpoint/2015/main" val="1"/>
+                </p:ext>
+              </p:extLst>
+            </p:nvPr>
+          </p:nvSpPr>
+          <p:spPr>
+            <a:xfrm>
+              <a:off x="0" y="4013200"/>
+              <a:ext cx="448733" cy="2844800"/>
+            </a:xfrm>
+            <a:prstGeom prst="triangle">
+              <a:avLst>
+                <a:gd name="adj" fmla="val 0"/>
+              </a:avLst>
+            </a:prstGeom>
+            <a:solidFill>
+              <a:schemeClr val="accent1">
+                <a:alpha val="85000"/>
+              </a:schemeClr>
+            </a:solidFill>
+            <a:ln>
+              <a:noFill/>
+            </a:ln>
+            <a:effectLst/>
+          </p:spPr>
+          <p:style>
+            <a:lnRef idx="1">
+              <a:schemeClr val="accent1"/>
+            </a:lnRef>
+            <a:fillRef idx="3">
+              <a:schemeClr val="accent1"/>
+            </a:fillRef>
+            <a:effectRef idx="2">
+              <a:schemeClr val="accent1"/>
+            </a:effectRef>
+            <a:fontRef idx="minor">
+              <a:schemeClr val="lt1"/>
+            </a:fontRef>
+          </p:style>
+        </p:sp>
+      </p:grpSp>
+      <p:sp>
+        <p:nvSpPr>
+          <p:cNvPr id="2" name="כותרת 1">
+            <a:extLst>
+              <a:ext uri="{FF2B5EF4-FFF2-40B4-BE49-F238E27FC236}">
+                <a16:creationId xmlns:a16="http://schemas.microsoft.com/office/drawing/2014/main" id="{42F357A3-B4F5-4866-B980-B4E968CAC593}"/>
+              </a:ext>
+            </a:extLst>
+          </p:cNvPr>
+          <p:cNvSpPr>
+            <a:spLocks noGrp="1"/>
+          </p:cNvSpPr>
+          <p:nvPr>
+            <p:ph type="title"/>
+          </p:nvPr>
+        </p:nvSpPr>
+        <p:spPr>
+          <a:xfrm>
+            <a:off x="199808" y="266700"/>
+            <a:ext cx="9838266" cy="1320800"/>
+          </a:xfrm>
+        </p:spPr>
+        <p:txBody>
+          <a:bodyPr>
+            <a:normAutofit fontScale="90000"/>
+          </a:bodyPr>
+          <a:lstStyle/>
+          <a:p>
+            <a:r>
+              <a:rPr lang="en-US" dirty="0"/>
+              <a:t>Original feature extraction and after attack (20% test-malicious, 80% train-shuffled)</a:t>
+            </a:r>
+            <a:br>
+              <a:rPr lang="en-US" dirty="0"/>
+            </a:br>
+            <a:br>
+              <a:rPr lang="en-US" dirty="0"/>
+            </a:br>
+            <a:br>
+              <a:rPr lang="en-US" dirty="0"/>
+            </a:br>
+            <a:br>
+              <a:rPr lang="en-US" dirty="0"/>
+            </a:br>
+            <a:br>
+              <a:rPr lang="en-US" dirty="0"/>
+            </a:br>
+            <a:br>
+              <a:rPr lang="en-US" dirty="0"/>
+            </a:br>
+            <a:endParaRPr lang="he-IL" dirty="0"/>
+          </a:p>
+        </p:txBody>
+      </p:sp>
+      <p:sp>
+        <p:nvSpPr>
+          <p:cNvPr id="3" name="מציין מיקום תוכן 2">
+            <a:extLst>
+              <a:ext uri="{FF2B5EF4-FFF2-40B4-BE49-F238E27FC236}">
+                <a16:creationId xmlns:a16="http://schemas.microsoft.com/office/drawing/2014/main" id="{C3BCF87B-952F-4EBA-941C-C9EE44501386}"/>
+              </a:ext>
+            </a:extLst>
+          </p:cNvPr>
+          <p:cNvSpPr>
+            <a:spLocks noGrp="1"/>
+          </p:cNvSpPr>
+          <p:nvPr>
+            <p:ph idx="1"/>
+          </p:nvPr>
+        </p:nvSpPr>
+        <p:spPr>
+          <a:xfrm>
+            <a:off x="677334" y="1600200"/>
+            <a:ext cx="8596668" cy="4962525"/>
+          </a:xfrm>
+        </p:spPr>
+        <p:txBody>
+          <a:bodyPr>
+            <a:normAutofit/>
+          </a:bodyPr>
+          <a:lstStyle/>
+          <a:p>
+            <a:pPr marL="400050" algn="l" rtl="0">
+              <a:buFont typeface="+mj-lt"/>
+              <a:buAutoNum type="arabicPeriod"/>
+            </a:pPr>
+            <a:r>
+              <a:rPr lang="en-US" dirty="0" err="1"/>
+              <a:t>accuracy_score</a:t>
+            </a:r>
+            <a:r>
+              <a:rPr lang="en-US" dirty="0"/>
+              <a:t> 0.7200557103064067</a:t>
+            </a:r>
+            <a:br>
+              <a:rPr lang="en-US" dirty="0"/>
+            </a:br>
+            <a:r>
+              <a:rPr lang="en-US" dirty="0"/>
+              <a:t>processing time is  16.681248426437378  seconds</a:t>
+            </a:r>
+          </a:p>
+          <a:p>
+            <a:pPr marL="400050" algn="l" rtl="0">
+              <a:buFont typeface="+mj-lt"/>
+              <a:buAutoNum type="arabicPeriod"/>
+            </a:pPr>
+            <a:r>
+              <a:rPr lang="en-US" dirty="0" err="1"/>
+              <a:t>accuracy_score</a:t>
+            </a:r>
+            <a:r>
+              <a:rPr lang="en-US" dirty="0"/>
+              <a:t> 0.7330316742081447</a:t>
+            </a:r>
+            <a:br>
+              <a:rPr lang="en-US" dirty="0"/>
+            </a:br>
+            <a:r>
+              <a:rPr lang="en-US" dirty="0"/>
+              <a:t>processing time is  16.747588872909546  seconds</a:t>
+            </a:r>
+          </a:p>
+          <a:p>
+            <a:pPr marL="400050" algn="l" rtl="0">
+              <a:buFont typeface="+mj-lt"/>
+              <a:buAutoNum type="arabicPeriod"/>
+            </a:pPr>
+            <a:r>
+              <a:rPr lang="en-US" dirty="0" err="1"/>
+              <a:t>accuracy_score</a:t>
+            </a:r>
+            <a:r>
+              <a:rPr lang="en-US" dirty="0"/>
+              <a:t> 0.7386888273314867</a:t>
+            </a:r>
+            <a:br>
+              <a:rPr lang="en-US" dirty="0"/>
+            </a:br>
+            <a:r>
+              <a:rPr lang="en-US" dirty="0"/>
+              <a:t>processing time is  16.92811417579651  seconds</a:t>
+            </a:r>
+          </a:p>
+          <a:p>
+            <a:pPr marL="400050" algn="l" rtl="0">
+              <a:buFont typeface="+mj-lt"/>
+              <a:buAutoNum type="arabicPeriod"/>
+            </a:pPr>
+            <a:r>
+              <a:rPr lang="en-US" dirty="0" err="1"/>
+              <a:t>accuracy_score</a:t>
+            </a:r>
+            <a:r>
+              <a:rPr lang="en-US" dirty="0"/>
+              <a:t> 0.6990909090909091</a:t>
+            </a:r>
+            <a:br>
+              <a:rPr lang="en-US" dirty="0"/>
+            </a:br>
+            <a:r>
+              <a:rPr lang="en-US" dirty="0"/>
+              <a:t>processing time is  16.556997537612915  seconds</a:t>
+            </a:r>
+          </a:p>
+          <a:p>
+            <a:pPr marL="400050" algn="l" rtl="0">
+              <a:buFont typeface="+mj-lt"/>
+              <a:buAutoNum type="arabicPeriod"/>
+            </a:pPr>
+            <a:r>
+              <a:rPr lang="en-US" dirty="0" err="1"/>
+              <a:t>accuracy_score</a:t>
+            </a:r>
+            <a:r>
+              <a:rPr lang="en-US" dirty="0"/>
+              <a:t> 0.6927272727272727</a:t>
+            </a:r>
+            <a:br>
+              <a:rPr lang="en-US" dirty="0"/>
+            </a:br>
+            <a:r>
+              <a:rPr lang="en-US" dirty="0"/>
+              <a:t>processing time is  17.029787302017212  seconds</a:t>
+            </a:r>
+          </a:p>
+          <a:p>
+            <a:pPr marL="57150" indent="0" algn="l" rtl="0">
+              <a:buNone/>
+            </a:pPr>
+            <a:endParaRPr lang="en-US" dirty="0"/>
+          </a:p>
+          <a:p>
+            <a:pPr marL="400050" algn="l" rtl="0"/>
+            <a:r>
+              <a:rPr lang="en-US" sz="2400" dirty="0"/>
+              <a:t>AVG: 0.716718878732844 </a:t>
+            </a:r>
+            <a:r>
+              <a:rPr lang="en-US" sz="2400" dirty="0" err="1"/>
+              <a:t>acc_score</a:t>
+            </a:r>
+            <a:endParaRPr lang="en-US" sz="2400" dirty="0"/>
+          </a:p>
+        </p:txBody>
+      </p:sp>
+    </p:spTree>
+    <p:extLst>
+      <p:ext uri="{BB962C8B-B14F-4D97-AF65-F5344CB8AC3E}">
+        <p14:creationId xmlns:p14="http://schemas.microsoft.com/office/powerpoint/2010/main" val="1738483183"/>
+      </p:ext>
+    </p:extLst>
+  </p:cSld>
+  <p:clrMapOvr>
+    <a:overrideClrMapping bg1="dk1" tx1="lt1" bg2="dk2" tx2="lt2" accent1="accent1" accent2="accent2" accent3="accent3" accent4="accent4" accent5="accent5" accent6="accent6" hlink="hlink" folHlink="folHlink"/>
+  </p:clrMapOvr>
+</p:sld>
+</file>
+
+<file path=ppt/slides/slide17.xml><?xml version="1.0" encoding="utf-8"?>
+<p:sld xmlns:a="http://schemas.openxmlformats.org/drawingml/2006/main" xmlns:r="http://schemas.openxmlformats.org/officeDocument/2006/relationships" xmlns:p="http://schemas.openxmlformats.org/presentationml/2006/main">
+  <p:cSld>
+    <p:bg>
+      <p:bgPr>
+        <a:solidFill>
+          <a:schemeClr val="bg2"/>
+        </a:solidFill>
+        <a:effectLst/>
+      </p:bgPr>
+    </p:bg>
+    <p:spTree>
+      <p:nvGrpSpPr>
+        <p:cNvPr id="1" name=""/>
+        <p:cNvGrpSpPr/>
+        <p:nvPr/>
+      </p:nvGrpSpPr>
+      <p:grpSpPr>
+        <a:xfrm>
+          <a:off x="0" y="0"/>
+          <a:ext cx="0" cy="0"/>
+          <a:chOff x="0" y="0"/>
+          <a:chExt cx="0" cy="0"/>
+        </a:xfrm>
+      </p:grpSpPr>
+      <p:sp useBgFill="1">
+        <p:nvSpPr>
+          <p:cNvPr id="8" name="Rectangle 7">
+            <a:extLst>
+              <a:ext uri="{FF2B5EF4-FFF2-40B4-BE49-F238E27FC236}">
+                <a16:creationId xmlns:a16="http://schemas.microsoft.com/office/drawing/2014/main" id="{86C16C40-7C29-4ACC-B851-7E08E459B596}"/>
+              </a:ext>
+              <a:ext uri="{C183D7F6-B498-43B3-948B-1728B52AA6E4}">
+                <adec:decorative xmlns:adec="http://schemas.microsoft.com/office/drawing/2017/decorative" val="1"/>
+              </a:ext>
+            </a:extLst>
+          </p:cNvPr>
+          <p:cNvSpPr>
+            <a:spLocks noGrp="1" noRot="1" noChangeAspect="1" noMove="1" noResize="1" noEditPoints="1" noAdjustHandles="1" noChangeArrowheads="1" noChangeShapeType="1" noTextEdit="1"/>
+          </p:cNvSpPr>
+          <p:nvPr>
+            <p:extLst>
+              <p:ext uri="{386F3935-93C4-4BCD-93E2-E3B085C9AB24}">
+                <p16:designElem xmlns:p16="http://schemas.microsoft.com/office/powerpoint/2015/main" val="1"/>
+              </p:ext>
+            </p:extLst>
+          </p:nvPr>
+        </p:nvSpPr>
+        <p:spPr>
+          <a:xfrm>
+            <a:off x="0" y="0"/>
+            <a:ext cx="12192000" cy="6858000"/>
+          </a:xfrm>
+          <a:prstGeom prst="rect">
+            <a:avLst/>
+          </a:prstGeom>
+          <a:ln>
+            <a:noFill/>
+          </a:ln>
+        </p:spPr>
+        <p:style>
+          <a:lnRef idx="2">
+            <a:schemeClr val="accent1">
+              <a:shade val="50000"/>
+            </a:schemeClr>
+          </a:lnRef>
+          <a:fillRef idx="1">
+            <a:schemeClr val="accent1"/>
+          </a:fillRef>
+          <a:effectRef idx="0">
+            <a:schemeClr val="accent1"/>
+          </a:effectRef>
+          <a:fontRef idx="minor">
+            <a:schemeClr val="lt1"/>
+          </a:fontRef>
+        </p:style>
+        <p:txBody>
+          <a:bodyPr rtlCol="0" anchor="ctr"/>
+          <a:lstStyle/>
+          <a:p>
+            <a:pPr algn="ctr"/>
+            <a:endParaRPr lang="en-US"/>
+          </a:p>
+        </p:txBody>
+      </p:sp>
+      <p:grpSp>
+        <p:nvGrpSpPr>
+          <p:cNvPr id="10" name="Group 9">
+            <a:extLst>
+              <a:ext uri="{FF2B5EF4-FFF2-40B4-BE49-F238E27FC236}">
+                <a16:creationId xmlns:a16="http://schemas.microsoft.com/office/drawing/2014/main" id="{CDD733AE-DD5E-4C77-8BCD-72BF12A06BB1}"/>
+              </a:ext>
+              <a:ext uri="{C183D7F6-B498-43B3-948B-1728B52AA6E4}">
+                <adec:decorative xmlns:adec="http://schemas.microsoft.com/office/drawing/2017/decorative" val="1"/>
+              </a:ext>
+            </a:extLst>
+          </p:cNvPr>
+          <p:cNvGrpSpPr>
+            <a:grpSpLocks noGrp="1" noUngrp="1" noRot="1" noChangeAspect="1" noMove="1" noResize="1"/>
+          </p:cNvGrpSpPr>
+          <p:nvPr>
+            <p:extLst>
+              <p:ext uri="{386F3935-93C4-4BCD-93E2-E3B085C9AB24}">
+                <p16:designElem xmlns:p16="http://schemas.microsoft.com/office/powerpoint/2015/main" val="1"/>
+              </p:ext>
+            </p:extLst>
+          </p:nvPr>
+        </p:nvGrpSpPr>
+        <p:grpSpPr>
+          <a:xfrm>
+            <a:off x="0" y="-8467"/>
+            <a:ext cx="12192000" cy="6866467"/>
+            <a:chOff x="0" y="-8467"/>
+            <a:chExt cx="12192000" cy="6866467"/>
+          </a:xfrm>
+        </p:grpSpPr>
+        <p:cxnSp>
+          <p:nvCxnSpPr>
+            <p:cNvPr id="11" name="Straight Connector 10">
+              <a:extLst>
+                <a:ext uri="{FF2B5EF4-FFF2-40B4-BE49-F238E27FC236}">
+                  <a16:creationId xmlns:a16="http://schemas.microsoft.com/office/drawing/2014/main" id="{51DE90A4-932E-4370-BA07-30F43254C01B}"/>
+                </a:ext>
+                <a:ext uri="{C183D7F6-B498-43B3-948B-1728B52AA6E4}">
+                  <adec:decorative xmlns:adec="http://schemas.microsoft.com/office/drawing/2017/decorative" val="1"/>
+                </a:ext>
+              </a:extLst>
+            </p:cNvPr>
+            <p:cNvCxnSpPr/>
+            <p:nvPr>
+              <p:extLst>
+                <p:ext uri="{386F3935-93C4-4BCD-93E2-E3B085C9AB24}">
+                  <p16:designElem xmlns:p16="http://schemas.microsoft.com/office/powerpoint/2015/main" val="1"/>
+                </p:ext>
+              </p:extLst>
+            </p:nvPr>
+          </p:nvCxnSpPr>
+          <p:spPr>
+            <a:xfrm>
+              <a:off x="9371012" y="0"/>
+              <a:ext cx="1219200" cy="6858000"/>
+            </a:xfrm>
+            <a:prstGeom prst="line">
+              <a:avLst/>
+            </a:prstGeom>
+            <a:ln w="9525">
+              <a:solidFill>
+                <a:srgbClr val="FFFFFF"/>
+              </a:solidFill>
+            </a:ln>
+          </p:spPr>
+          <p:style>
+            <a:lnRef idx="2">
+              <a:schemeClr val="accent1"/>
+            </a:lnRef>
+            <a:fillRef idx="0">
+              <a:schemeClr val="accent1"/>
+            </a:fillRef>
+            <a:effectRef idx="1">
+              <a:schemeClr val="accent1"/>
+            </a:effectRef>
+            <a:fontRef idx="minor">
+              <a:schemeClr val="tx1"/>
+            </a:fontRef>
+          </p:style>
+        </p:cxnSp>
+        <p:cxnSp>
+          <p:nvCxnSpPr>
+            <p:cNvPr id="12" name="Straight Connector 11">
+              <a:extLst>
+                <a:ext uri="{FF2B5EF4-FFF2-40B4-BE49-F238E27FC236}">
+                  <a16:creationId xmlns:a16="http://schemas.microsoft.com/office/drawing/2014/main" id="{6A19CA4A-B208-452A-8BE4-BC6940D33D40}"/>
+                </a:ext>
+                <a:ext uri="{C183D7F6-B498-43B3-948B-1728B52AA6E4}">
+                  <adec:decorative xmlns:adec="http://schemas.microsoft.com/office/drawing/2017/decorative" val="1"/>
+                </a:ext>
+              </a:extLst>
+            </p:cNvPr>
+            <p:cNvCxnSpPr/>
+            <p:nvPr>
+              <p:extLst>
+                <p:ext uri="{386F3935-93C4-4BCD-93E2-E3B085C9AB24}">
+                  <p16:designElem xmlns:p16="http://schemas.microsoft.com/office/powerpoint/2015/main" val="1"/>
+                </p:ext>
+              </p:extLst>
+            </p:nvPr>
+          </p:nvCxnSpPr>
+          <p:spPr>
+            <a:xfrm flipH="1">
+              <a:off x="7425267" y="3681413"/>
+              <a:ext cx="4763558" cy="3176587"/>
+            </a:xfrm>
+            <a:prstGeom prst="line">
+              <a:avLst/>
+            </a:prstGeom>
+            <a:ln w="9525">
+              <a:solidFill>
+                <a:srgbClr val="FFFFFF"/>
+              </a:solidFill>
+            </a:ln>
+          </p:spPr>
+          <p:style>
+            <a:lnRef idx="2">
+              <a:schemeClr val="accent1"/>
+            </a:lnRef>
+            <a:fillRef idx="0">
+              <a:schemeClr val="accent1"/>
+            </a:fillRef>
+            <a:effectRef idx="1">
+              <a:schemeClr val="accent1"/>
+            </a:effectRef>
+            <a:fontRef idx="minor">
+              <a:schemeClr val="tx1"/>
+            </a:fontRef>
+          </p:style>
+        </p:cxnSp>
+        <p:sp>
+          <p:nvSpPr>
+            <p:cNvPr id="13" name="Rectangle 23">
+              <a:extLst>
+                <a:ext uri="{FF2B5EF4-FFF2-40B4-BE49-F238E27FC236}">
+                  <a16:creationId xmlns:a16="http://schemas.microsoft.com/office/drawing/2014/main" id="{B74F8D3E-E618-4DE3-A0CC-B4904BB5D5AB}"/>
+                </a:ext>
+                <a:ext uri="{C183D7F6-B498-43B3-948B-1728B52AA6E4}">
+                  <adec:decorative xmlns:adec="http://schemas.microsoft.com/office/drawing/2017/decorative" val="1"/>
+                </a:ext>
+              </a:extLst>
+            </p:cNvPr>
+            <p:cNvSpPr/>
+            <p:nvPr>
+              <p:extLst>
+                <p:ext uri="{386F3935-93C4-4BCD-93E2-E3B085C9AB24}">
+                  <p16:designElem xmlns:p16="http://schemas.microsoft.com/office/powerpoint/2015/main" val="1"/>
+                </p:ext>
+              </p:extLst>
+            </p:nvPr>
+          </p:nvSpPr>
+          <p:spPr>
+            <a:xfrm>
+              <a:off x="9181476" y="-8467"/>
+              <a:ext cx="3007349" cy="6866467"/>
+            </a:xfrm>
+            <a:custGeom>
+              <a:avLst/>
+              <a:gdLst/>
+              <a:ahLst/>
+              <a:cxnLst/>
+              <a:rect l="l" t="t" r="r" b="b"/>
+              <a:pathLst>
+                <a:path w="3007349" h="6866467">
+                  <a:moveTo>
+                    <a:pt x="2045532" y="0"/>
+                  </a:moveTo>
+                  <a:lnTo>
+                    <a:pt x="3007349" y="0"/>
+                  </a:lnTo>
+                  <a:lnTo>
+                    <a:pt x="3007349" y="6866467"/>
+                  </a:lnTo>
+                  <a:lnTo>
+                    <a:pt x="0" y="6866467"/>
+                  </a:lnTo>
+                  <a:lnTo>
+                    <a:pt x="2045532" y="0"/>
+                  </a:lnTo>
+                  <a:close/>
+                </a:path>
+              </a:pathLst>
+            </a:custGeom>
+            <a:solidFill>
+              <a:schemeClr val="accent1">
+                <a:alpha val="30000"/>
+              </a:schemeClr>
+            </a:solidFill>
+            <a:ln>
+              <a:noFill/>
+            </a:ln>
+            <a:effectLst/>
+          </p:spPr>
+          <p:style>
+            <a:lnRef idx="1">
+              <a:schemeClr val="accent1"/>
+            </a:lnRef>
+            <a:fillRef idx="3">
+              <a:schemeClr val="accent1"/>
+            </a:fillRef>
+            <a:effectRef idx="2">
+              <a:schemeClr val="accent1"/>
+            </a:effectRef>
+            <a:fontRef idx="minor">
+              <a:schemeClr val="lt1"/>
+            </a:fontRef>
+          </p:style>
+        </p:sp>
+        <p:sp>
+          <p:nvSpPr>
+            <p:cNvPr id="14" name="Rectangle 25">
+              <a:extLst>
+                <a:ext uri="{FF2B5EF4-FFF2-40B4-BE49-F238E27FC236}">
+                  <a16:creationId xmlns:a16="http://schemas.microsoft.com/office/drawing/2014/main" id="{299DA406-C54B-4E31-867D-FAF8DCE7045F}"/>
+                </a:ext>
+                <a:ext uri="{C183D7F6-B498-43B3-948B-1728B52AA6E4}">
+                  <adec:decorative xmlns:adec="http://schemas.microsoft.com/office/drawing/2017/decorative" val="1"/>
+                </a:ext>
+              </a:extLst>
+            </p:cNvPr>
+            <p:cNvSpPr/>
+            <p:nvPr>
+              <p:extLst>
+                <p:ext uri="{386F3935-93C4-4BCD-93E2-E3B085C9AB24}">
+                  <p16:designElem xmlns:p16="http://schemas.microsoft.com/office/powerpoint/2015/main" val="1"/>
+                </p:ext>
+              </p:extLst>
+            </p:nvPr>
+          </p:nvSpPr>
+          <p:spPr>
+            <a:xfrm>
+              <a:off x="9603442" y="-8467"/>
+              <a:ext cx="2588558" cy="6866467"/>
+            </a:xfrm>
+            <a:custGeom>
+              <a:avLst/>
+              <a:gdLst/>
+              <a:ahLst/>
+              <a:cxnLst/>
+              <a:rect l="l" t="t" r="r" b="b"/>
+              <a:pathLst>
+                <a:path w="2573311" h="6866467">
+                  <a:moveTo>
+                    <a:pt x="0" y="0"/>
+                  </a:moveTo>
+                  <a:lnTo>
+                    <a:pt x="2573311" y="0"/>
+                  </a:lnTo>
+                  <a:lnTo>
+                    <a:pt x="2573311" y="6866467"/>
+                  </a:lnTo>
+                  <a:lnTo>
+                    <a:pt x="1202336" y="6866467"/>
+                  </a:lnTo>
+                  <a:lnTo>
+                    <a:pt x="0" y="0"/>
+                  </a:lnTo>
+                  <a:close/>
+                </a:path>
+              </a:pathLst>
+            </a:custGeom>
+            <a:solidFill>
+              <a:schemeClr val="accent1">
+                <a:alpha val="20000"/>
+              </a:schemeClr>
+            </a:solidFill>
+            <a:ln>
+              <a:noFill/>
+            </a:ln>
+            <a:effectLst/>
+          </p:spPr>
+          <p:style>
+            <a:lnRef idx="1">
+              <a:schemeClr val="accent1"/>
+            </a:lnRef>
+            <a:fillRef idx="3">
+              <a:schemeClr val="accent1"/>
+            </a:fillRef>
+            <a:effectRef idx="2">
+              <a:schemeClr val="accent1"/>
+            </a:effectRef>
+            <a:fontRef idx="minor">
+              <a:schemeClr val="lt1"/>
+            </a:fontRef>
+          </p:style>
+        </p:sp>
+        <p:sp>
+          <p:nvSpPr>
+            <p:cNvPr id="15" name="Isosceles Triangle 14">
+              <a:extLst>
+                <a:ext uri="{FF2B5EF4-FFF2-40B4-BE49-F238E27FC236}">
+                  <a16:creationId xmlns:a16="http://schemas.microsoft.com/office/drawing/2014/main" id="{A1E16883-5140-47C4-A9AD-AD6598AC3EE6}"/>
+                </a:ext>
+                <a:ext uri="{C183D7F6-B498-43B3-948B-1728B52AA6E4}">
+                  <adec:decorative xmlns:adec="http://schemas.microsoft.com/office/drawing/2017/decorative" val="1"/>
+                </a:ext>
+              </a:extLst>
+            </p:cNvPr>
+            <p:cNvSpPr/>
+            <p:nvPr>
+              <p:extLst>
+                <p:ext uri="{386F3935-93C4-4BCD-93E2-E3B085C9AB24}">
+                  <p16:designElem xmlns:p16="http://schemas.microsoft.com/office/powerpoint/2015/main" val="1"/>
+                </p:ext>
+              </p:extLst>
+            </p:nvPr>
+          </p:nvSpPr>
+          <p:spPr>
+            <a:xfrm>
+              <a:off x="8932333" y="3048000"/>
+              <a:ext cx="3259667" cy="3810000"/>
+            </a:xfrm>
+            <a:prstGeom prst="triangle">
+              <a:avLst>
+                <a:gd name="adj" fmla="val 100000"/>
+              </a:avLst>
+            </a:prstGeom>
+            <a:solidFill>
+              <a:schemeClr val="accent2">
+                <a:alpha val="72000"/>
+              </a:schemeClr>
+            </a:solidFill>
+            <a:ln>
+              <a:noFill/>
+            </a:ln>
+            <a:effectLst/>
+          </p:spPr>
+          <p:style>
+            <a:lnRef idx="1">
+              <a:schemeClr val="accent1"/>
+            </a:lnRef>
+            <a:fillRef idx="3">
+              <a:schemeClr val="accent1"/>
+            </a:fillRef>
+            <a:effectRef idx="2">
+              <a:schemeClr val="accent1"/>
+            </a:effectRef>
+            <a:fontRef idx="minor">
+              <a:schemeClr val="lt1"/>
+            </a:fontRef>
+          </p:style>
+        </p:sp>
+        <p:sp>
+          <p:nvSpPr>
+            <p:cNvPr id="16" name="Rectangle 27">
+              <a:extLst>
+                <a:ext uri="{FF2B5EF4-FFF2-40B4-BE49-F238E27FC236}">
+                  <a16:creationId xmlns:a16="http://schemas.microsoft.com/office/drawing/2014/main" id="{4CD848DC-8A2A-4093-9BDD-7AF4B6A27814}"/>
+                </a:ext>
+                <a:ext uri="{C183D7F6-B498-43B3-948B-1728B52AA6E4}">
+                  <adec:decorative xmlns:adec="http://schemas.microsoft.com/office/drawing/2017/decorative" val="1"/>
+                </a:ext>
+              </a:extLst>
+            </p:cNvPr>
+            <p:cNvSpPr/>
+            <p:nvPr>
+              <p:extLst>
+                <p:ext uri="{386F3935-93C4-4BCD-93E2-E3B085C9AB24}">
+                  <p16:designElem xmlns:p16="http://schemas.microsoft.com/office/powerpoint/2015/main" val="1"/>
+                </p:ext>
+              </p:extLst>
+            </p:nvPr>
+          </p:nvSpPr>
+          <p:spPr>
+            <a:xfrm>
+              <a:off x="9334500" y="-8467"/>
+              <a:ext cx="2854326" cy="6866467"/>
+            </a:xfrm>
+            <a:custGeom>
+              <a:avLst/>
+              <a:gdLst/>
+              <a:ahLst/>
+              <a:cxnLst/>
+              <a:rect l="l" t="t" r="r" b="b"/>
+              <a:pathLst>
+                <a:path w="2858013" h="6866467">
+                  <a:moveTo>
+                    <a:pt x="0" y="0"/>
+                  </a:moveTo>
+                  <a:lnTo>
+                    <a:pt x="2858013" y="0"/>
+                  </a:lnTo>
+                  <a:lnTo>
+                    <a:pt x="2858013" y="6866467"/>
+                  </a:lnTo>
+                  <a:lnTo>
+                    <a:pt x="2473942" y="6866467"/>
+                  </a:lnTo>
+                  <a:lnTo>
+                    <a:pt x="0" y="0"/>
+                  </a:lnTo>
+                  <a:close/>
+                </a:path>
+              </a:pathLst>
+            </a:custGeom>
+            <a:solidFill>
+              <a:schemeClr val="accent2">
+                <a:lumMod val="75000"/>
+                <a:alpha val="70000"/>
+              </a:schemeClr>
+            </a:solidFill>
+            <a:ln>
+              <a:noFill/>
+            </a:ln>
+            <a:effectLst/>
+          </p:spPr>
+          <p:style>
+            <a:lnRef idx="1">
+              <a:schemeClr val="accent1"/>
+            </a:lnRef>
+            <a:fillRef idx="3">
+              <a:schemeClr val="accent1"/>
+            </a:fillRef>
+            <a:effectRef idx="2">
+              <a:schemeClr val="accent1"/>
+            </a:effectRef>
+            <a:fontRef idx="minor">
+              <a:schemeClr val="lt1"/>
+            </a:fontRef>
+          </p:style>
+        </p:sp>
+        <p:sp>
+          <p:nvSpPr>
+            <p:cNvPr id="17" name="Rectangle 28">
+              <a:extLst>
+                <a:ext uri="{FF2B5EF4-FFF2-40B4-BE49-F238E27FC236}">
+                  <a16:creationId xmlns:a16="http://schemas.microsoft.com/office/drawing/2014/main" id="{34635A4D-E9CE-4B78-912A-479EA4512B14}"/>
+                </a:ext>
+                <a:ext uri="{C183D7F6-B498-43B3-948B-1728B52AA6E4}">
+                  <adec:decorative xmlns:adec="http://schemas.microsoft.com/office/drawing/2017/decorative" val="1"/>
+                </a:ext>
+              </a:extLst>
+            </p:cNvPr>
+            <p:cNvSpPr/>
+            <p:nvPr>
+              <p:extLst>
+                <p:ext uri="{386F3935-93C4-4BCD-93E2-E3B085C9AB24}">
+                  <p16:designElem xmlns:p16="http://schemas.microsoft.com/office/powerpoint/2015/main" val="1"/>
+                </p:ext>
+              </p:extLst>
+            </p:nvPr>
+          </p:nvSpPr>
+          <p:spPr>
+            <a:xfrm>
+              <a:off x="10898730" y="-8467"/>
+              <a:ext cx="1290094" cy="6866467"/>
+            </a:xfrm>
+            <a:custGeom>
+              <a:avLst/>
+              <a:gdLst/>
+              <a:ahLst/>
+              <a:cxnLst/>
+              <a:rect l="l" t="t" r="r" b="b"/>
+              <a:pathLst>
+                <a:path w="1290094" h="6858000">
+                  <a:moveTo>
+                    <a:pt x="1019735" y="0"/>
+                  </a:moveTo>
+                  <a:lnTo>
+                    <a:pt x="1290094" y="0"/>
+                  </a:lnTo>
+                  <a:lnTo>
+                    <a:pt x="1290094" y="6858000"/>
+                  </a:lnTo>
+                  <a:lnTo>
+                    <a:pt x="0" y="6858000"/>
+                  </a:lnTo>
+                  <a:lnTo>
+                    <a:pt x="1019735" y="0"/>
+                  </a:lnTo>
+                  <a:close/>
+                </a:path>
+              </a:pathLst>
+            </a:custGeom>
+            <a:solidFill>
+              <a:schemeClr val="accent1">
+                <a:lumMod val="60000"/>
+                <a:lumOff val="40000"/>
+                <a:alpha val="70000"/>
+              </a:schemeClr>
+            </a:solidFill>
+            <a:ln>
+              <a:noFill/>
+            </a:ln>
+            <a:effectLst/>
+          </p:spPr>
+          <p:style>
+            <a:lnRef idx="1">
+              <a:schemeClr val="accent1"/>
+            </a:lnRef>
+            <a:fillRef idx="3">
+              <a:schemeClr val="accent1"/>
+            </a:fillRef>
+            <a:effectRef idx="2">
+              <a:schemeClr val="accent1"/>
+            </a:effectRef>
+            <a:fontRef idx="minor">
+              <a:schemeClr val="lt1"/>
+            </a:fontRef>
+          </p:style>
+        </p:sp>
+        <p:sp>
+          <p:nvSpPr>
+            <p:cNvPr id="18" name="Rectangle 29">
+              <a:extLst>
+                <a:ext uri="{FF2B5EF4-FFF2-40B4-BE49-F238E27FC236}">
+                  <a16:creationId xmlns:a16="http://schemas.microsoft.com/office/drawing/2014/main" id="{D663A5EE-5581-44F3-8F98-688755F63EA2}"/>
+                </a:ext>
+                <a:ext uri="{C183D7F6-B498-43B3-948B-1728B52AA6E4}">
+                  <adec:decorative xmlns:adec="http://schemas.microsoft.com/office/drawing/2017/decorative" val="1"/>
+                </a:ext>
+              </a:extLst>
+            </p:cNvPr>
+            <p:cNvSpPr/>
+            <p:nvPr>
+              <p:extLst>
+                <p:ext uri="{386F3935-93C4-4BCD-93E2-E3B085C9AB24}">
+                  <p16:designElem xmlns:p16="http://schemas.microsoft.com/office/powerpoint/2015/main" val="1"/>
+                </p:ext>
+              </p:extLst>
+            </p:nvPr>
+          </p:nvSpPr>
+          <p:spPr>
+            <a:xfrm>
+              <a:off x="10938999" y="-8467"/>
+              <a:ext cx="1249825" cy="6866467"/>
+            </a:xfrm>
+            <a:custGeom>
+              <a:avLst/>
+              <a:gdLst/>
+              <a:ahLst/>
+              <a:cxnLst/>
+              <a:rect l="l" t="t" r="r" b="b"/>
+              <a:pathLst>
+                <a:path w="1249825" h="6858000">
+                  <a:moveTo>
+                    <a:pt x="0" y="0"/>
+                  </a:moveTo>
+                  <a:lnTo>
+                    <a:pt x="1249825" y="0"/>
+                  </a:lnTo>
+                  <a:lnTo>
+                    <a:pt x="1249825" y="6858000"/>
+                  </a:lnTo>
+                  <a:lnTo>
+                    <a:pt x="1109382" y="6858000"/>
+                  </a:lnTo>
+                  <a:lnTo>
+                    <a:pt x="0" y="0"/>
+                  </a:lnTo>
+                  <a:close/>
+                </a:path>
+              </a:pathLst>
+            </a:custGeom>
+            <a:solidFill>
+              <a:schemeClr val="accent1">
+                <a:alpha val="65000"/>
+              </a:schemeClr>
+            </a:solidFill>
+            <a:ln>
+              <a:noFill/>
+            </a:ln>
+            <a:effectLst/>
+          </p:spPr>
+          <p:style>
+            <a:lnRef idx="1">
+              <a:schemeClr val="accent1"/>
+            </a:lnRef>
+            <a:fillRef idx="3">
+              <a:schemeClr val="accent1"/>
+            </a:fillRef>
+            <a:effectRef idx="2">
+              <a:schemeClr val="accent1"/>
+            </a:effectRef>
+            <a:fontRef idx="minor">
+              <a:schemeClr val="lt1"/>
+            </a:fontRef>
+          </p:style>
+        </p:sp>
+        <p:sp>
+          <p:nvSpPr>
+            <p:cNvPr id="19" name="Isosceles Triangle 18">
+              <a:extLst>
+                <a:ext uri="{FF2B5EF4-FFF2-40B4-BE49-F238E27FC236}">
+                  <a16:creationId xmlns:a16="http://schemas.microsoft.com/office/drawing/2014/main" id="{B1E84E6A-F5AE-4F4D-98F2-82FE4FCC2656}"/>
+                </a:ext>
+                <a:ext uri="{C183D7F6-B498-43B3-948B-1728B52AA6E4}">
+                  <adec:decorative xmlns:adec="http://schemas.microsoft.com/office/drawing/2017/decorative" val="1"/>
+                </a:ext>
+              </a:extLst>
+            </p:cNvPr>
+            <p:cNvSpPr/>
+            <p:nvPr>
+              <p:extLst>
+                <p:ext uri="{386F3935-93C4-4BCD-93E2-E3B085C9AB24}">
+                  <p16:designElem xmlns:p16="http://schemas.microsoft.com/office/powerpoint/2015/main" val="1"/>
+                </p:ext>
+              </p:extLst>
+            </p:nvPr>
+          </p:nvSpPr>
+          <p:spPr>
+            <a:xfrm>
+              <a:off x="10371666" y="3589867"/>
+              <a:ext cx="1817159" cy="3268133"/>
+            </a:xfrm>
+            <a:prstGeom prst="triangle">
+              <a:avLst>
+                <a:gd name="adj" fmla="val 100000"/>
+              </a:avLst>
+            </a:prstGeom>
+            <a:solidFill>
+              <a:schemeClr val="accent1">
+                <a:alpha val="80000"/>
+              </a:schemeClr>
+            </a:solidFill>
+            <a:ln>
+              <a:noFill/>
+            </a:ln>
+            <a:effectLst/>
+          </p:spPr>
+          <p:style>
+            <a:lnRef idx="1">
+              <a:schemeClr val="accent1"/>
+            </a:lnRef>
+            <a:fillRef idx="3">
+              <a:schemeClr val="accent1"/>
+            </a:fillRef>
+            <a:effectRef idx="2">
+              <a:schemeClr val="accent1"/>
+            </a:effectRef>
+            <a:fontRef idx="minor">
+              <a:schemeClr val="lt1"/>
+            </a:fontRef>
+          </p:style>
+        </p:sp>
+        <p:sp>
+          <p:nvSpPr>
+            <p:cNvPr id="20" name="Isosceles Triangle 19">
+              <a:extLst>
+                <a:ext uri="{FF2B5EF4-FFF2-40B4-BE49-F238E27FC236}">
+                  <a16:creationId xmlns:a16="http://schemas.microsoft.com/office/drawing/2014/main" id="{DDE7DDC9-17D4-4686-833D-48F8733B49EE}"/>
+                </a:ext>
+                <a:ext uri="{C183D7F6-B498-43B3-948B-1728B52AA6E4}">
+                  <adec:decorative xmlns:adec="http://schemas.microsoft.com/office/drawing/2017/decorative" val="1"/>
+                </a:ext>
+              </a:extLst>
+            </p:cNvPr>
+            <p:cNvSpPr/>
+            <p:nvPr>
+              <p:extLst>
+                <p:ext uri="{386F3935-93C4-4BCD-93E2-E3B085C9AB24}">
+                  <p16:designElem xmlns:p16="http://schemas.microsoft.com/office/powerpoint/2015/main" val="1"/>
+                </p:ext>
+              </p:extLst>
+            </p:nvPr>
+          </p:nvSpPr>
+          <p:spPr>
+            <a:xfrm>
+              <a:off x="0" y="4013200"/>
+              <a:ext cx="448733" cy="2844800"/>
+            </a:xfrm>
+            <a:prstGeom prst="triangle">
+              <a:avLst>
+                <a:gd name="adj" fmla="val 0"/>
+              </a:avLst>
+            </a:prstGeom>
+            <a:solidFill>
+              <a:schemeClr val="accent1">
+                <a:alpha val="85000"/>
+              </a:schemeClr>
+            </a:solidFill>
+            <a:ln>
+              <a:noFill/>
+            </a:ln>
+            <a:effectLst/>
+          </p:spPr>
+          <p:style>
+            <a:lnRef idx="1">
+              <a:schemeClr val="accent1"/>
+            </a:lnRef>
+            <a:fillRef idx="3">
+              <a:schemeClr val="accent1"/>
+            </a:fillRef>
+            <a:effectRef idx="2">
+              <a:schemeClr val="accent1"/>
+            </a:effectRef>
+            <a:fontRef idx="minor">
+              <a:schemeClr val="lt1"/>
+            </a:fontRef>
+          </p:style>
+        </p:sp>
+      </p:grpSp>
+      <p:sp>
+        <p:nvSpPr>
+          <p:cNvPr id="2" name="כותרת 1">
+            <a:extLst>
+              <a:ext uri="{FF2B5EF4-FFF2-40B4-BE49-F238E27FC236}">
+                <a16:creationId xmlns:a16="http://schemas.microsoft.com/office/drawing/2014/main" id="{42F357A3-B4F5-4866-B980-B4E968CAC593}"/>
+              </a:ext>
+            </a:extLst>
+          </p:cNvPr>
+          <p:cNvSpPr>
+            <a:spLocks noGrp="1"/>
+          </p:cNvSpPr>
+          <p:nvPr>
+            <p:ph type="title"/>
+          </p:nvPr>
+        </p:nvSpPr>
+        <p:spPr>
+          <a:xfrm>
+            <a:off x="199808" y="266700"/>
+            <a:ext cx="9838266" cy="1320800"/>
+          </a:xfrm>
+        </p:spPr>
+        <p:txBody>
+          <a:bodyPr>
+            <a:normAutofit fontScale="90000"/>
+          </a:bodyPr>
+          <a:lstStyle/>
+          <a:p>
+            <a:r>
+              <a:rPr lang="en-US" dirty="0"/>
+              <a:t>Improvement feature extraction and after attack (shuffled train-test dataset)</a:t>
+            </a:r>
+            <a:br>
+              <a:rPr lang="en-US" dirty="0"/>
+            </a:br>
+            <a:br>
+              <a:rPr lang="en-US" dirty="0"/>
+            </a:br>
+            <a:endParaRPr lang="he-IL" dirty="0"/>
+          </a:p>
+        </p:txBody>
+      </p:sp>
+      <p:sp>
+        <p:nvSpPr>
+          <p:cNvPr id="3" name="מציין מיקום תוכן 2">
+            <a:extLst>
+              <a:ext uri="{FF2B5EF4-FFF2-40B4-BE49-F238E27FC236}">
+                <a16:creationId xmlns:a16="http://schemas.microsoft.com/office/drawing/2014/main" id="{C3BCF87B-952F-4EBA-941C-C9EE44501386}"/>
+              </a:ext>
+            </a:extLst>
+          </p:cNvPr>
+          <p:cNvSpPr>
+            <a:spLocks noGrp="1"/>
+          </p:cNvSpPr>
+          <p:nvPr>
+            <p:ph idx="1"/>
+          </p:nvPr>
+        </p:nvSpPr>
+        <p:spPr>
+          <a:xfrm>
+            <a:off x="677334" y="1600200"/>
+            <a:ext cx="8596668" cy="4962525"/>
+          </a:xfrm>
+        </p:spPr>
+        <p:txBody>
+          <a:bodyPr>
+            <a:normAutofit/>
+          </a:bodyPr>
+          <a:lstStyle/>
+          <a:p>
+            <a:pPr marL="400050" algn="l" rtl="0">
+              <a:buFont typeface="+mj-lt"/>
+              <a:buAutoNum type="arabicPeriod"/>
+            </a:pPr>
+            <a:r>
+              <a:rPr lang="en-US" dirty="0" err="1"/>
+              <a:t>accuracy_score</a:t>
+            </a:r>
+            <a:r>
+              <a:rPr lang="en-US" dirty="0"/>
+              <a:t> 0.9478118712273642</a:t>
+            </a:r>
+            <a:br>
+              <a:rPr lang="en-US" dirty="0"/>
+            </a:br>
+            <a:r>
+              <a:rPr lang="en-US" dirty="0"/>
+              <a:t>processing time is  23.42286252975464  seconds</a:t>
+            </a:r>
+          </a:p>
+          <a:p>
+            <a:pPr marL="400050" algn="l" rtl="0">
+              <a:buFont typeface="+mj-lt"/>
+              <a:buAutoNum type="arabicPeriod"/>
+            </a:pPr>
+            <a:r>
+              <a:rPr lang="en-US" dirty="0" err="1"/>
+              <a:t>accuracy_score</a:t>
+            </a:r>
+            <a:r>
+              <a:rPr lang="en-US" dirty="0"/>
+              <a:t> 0.9481262575452716</a:t>
+            </a:r>
+            <a:br>
+              <a:rPr lang="en-US" dirty="0"/>
+            </a:br>
+            <a:r>
+              <a:rPr lang="en-US" dirty="0"/>
+              <a:t>processing time is  23.038261651992798  seconds</a:t>
+            </a:r>
+          </a:p>
+          <a:p>
+            <a:pPr marL="400050" algn="l" rtl="0">
+              <a:buFont typeface="+mj-lt"/>
+              <a:buAutoNum type="arabicPeriod"/>
+            </a:pPr>
+            <a:r>
+              <a:rPr lang="en-US" dirty="0" err="1"/>
+              <a:t>accuracy_score</a:t>
+            </a:r>
+            <a:r>
+              <a:rPr lang="en-US" dirty="0"/>
+              <a:t> 0.9505155935613682</a:t>
+            </a:r>
+            <a:br>
+              <a:rPr lang="en-US" dirty="0"/>
+            </a:br>
+            <a:r>
+              <a:rPr lang="en-US" dirty="0"/>
+              <a:t>processing time is  23.573590517044067  seconds</a:t>
+            </a:r>
+          </a:p>
+          <a:p>
+            <a:pPr marL="400050" algn="l" rtl="0">
+              <a:buFont typeface="+mj-lt"/>
+              <a:buAutoNum type="arabicPeriod"/>
+            </a:pPr>
+            <a:r>
+              <a:rPr lang="en-US" dirty="0" err="1"/>
+              <a:t>accuracy_score</a:t>
+            </a:r>
+            <a:r>
+              <a:rPr lang="en-US" dirty="0"/>
+              <a:t> 0.9503269617706237</a:t>
+            </a:r>
+            <a:br>
+              <a:rPr lang="en-US" dirty="0"/>
+            </a:br>
+            <a:r>
+              <a:rPr lang="en-US" dirty="0"/>
+              <a:t>processing time is  25.794708013534546  seconds</a:t>
+            </a:r>
+          </a:p>
+          <a:p>
+            <a:pPr marL="400050" algn="l" rtl="0">
+              <a:buFont typeface="+mj-lt"/>
+              <a:buAutoNum type="arabicPeriod"/>
+            </a:pPr>
+            <a:r>
+              <a:rPr lang="en-US" dirty="0" err="1"/>
+              <a:t>accuracy_score</a:t>
+            </a:r>
+            <a:r>
+              <a:rPr lang="en-US" dirty="0"/>
+              <a:t> 0.9597869558704174</a:t>
+            </a:r>
+            <a:br>
+              <a:rPr lang="en-US" dirty="0"/>
+            </a:br>
+            <a:r>
+              <a:rPr lang="en-US" dirty="0"/>
+              <a:t>processing time is  22.422863643592798  seconds</a:t>
+            </a:r>
+          </a:p>
+          <a:p>
+            <a:pPr marL="400050" algn="l" rtl="0">
+              <a:buFont typeface="+mj-lt"/>
+              <a:buAutoNum type="arabicPeriod"/>
+            </a:pPr>
+            <a:endParaRPr lang="en-US" dirty="0"/>
+          </a:p>
+          <a:p>
+            <a:pPr marL="400050" algn="l" rtl="0"/>
+            <a:r>
+              <a:rPr lang="en-US" sz="2400" dirty="0"/>
+              <a:t>AVG: 0.9513135279950091 </a:t>
+            </a:r>
+            <a:r>
+              <a:rPr lang="en-US" sz="2400" dirty="0" err="1"/>
+              <a:t>acc_score</a:t>
+            </a:r>
+            <a:endParaRPr lang="en-US" sz="2400" dirty="0"/>
+          </a:p>
+        </p:txBody>
+      </p:sp>
+    </p:spTree>
+    <p:extLst>
+      <p:ext uri="{BB962C8B-B14F-4D97-AF65-F5344CB8AC3E}">
+        <p14:creationId xmlns:p14="http://schemas.microsoft.com/office/powerpoint/2010/main" val="4269572882"/>
+      </p:ext>
+    </p:extLst>
+  </p:cSld>
+  <p:clrMapOvr>
+    <a:overrideClrMapping bg1="dk1" tx1="lt1" bg2="dk2" tx2="lt2" accent1="accent1" accent2="accent2" accent3="accent3" accent4="accent4" accent5="accent5" accent6="accent6" hlink="hlink" folHlink="folHlink"/>
+  </p:clrMapOvr>
+</p:sld>
+</file>
+
+<file path=ppt/slides/slide18.xml><?xml version="1.0" encoding="utf-8"?>
+<p:sld xmlns:a="http://schemas.openxmlformats.org/drawingml/2006/main" xmlns:r="http://schemas.openxmlformats.org/officeDocument/2006/relationships" xmlns:p="http://schemas.openxmlformats.org/presentationml/2006/main">
+  <p:cSld>
+    <p:bg>
+      <p:bgPr>
+        <a:solidFill>
+          <a:schemeClr val="bg2"/>
+        </a:solidFill>
+        <a:effectLst/>
+      </p:bgPr>
+    </p:bg>
+    <p:spTree>
+      <p:nvGrpSpPr>
+        <p:cNvPr id="1" name=""/>
+        <p:cNvGrpSpPr/>
+        <p:nvPr/>
+      </p:nvGrpSpPr>
+      <p:grpSpPr>
+        <a:xfrm>
+          <a:off x="0" y="0"/>
+          <a:ext cx="0" cy="0"/>
+          <a:chOff x="0" y="0"/>
+          <a:chExt cx="0" cy="0"/>
+        </a:xfrm>
+      </p:grpSpPr>
+      <p:sp useBgFill="1">
+        <p:nvSpPr>
+          <p:cNvPr id="8" name="Rectangle 7">
+            <a:extLst>
+              <a:ext uri="{FF2B5EF4-FFF2-40B4-BE49-F238E27FC236}">
+                <a16:creationId xmlns:a16="http://schemas.microsoft.com/office/drawing/2014/main" id="{86C16C40-7C29-4ACC-B851-7E08E459B596}"/>
+              </a:ext>
+              <a:ext uri="{C183D7F6-B498-43B3-948B-1728B52AA6E4}">
+                <adec:decorative xmlns:adec="http://schemas.microsoft.com/office/drawing/2017/decorative" val="1"/>
+              </a:ext>
+            </a:extLst>
+          </p:cNvPr>
+          <p:cNvSpPr>
+            <a:spLocks noGrp="1" noRot="1" noChangeAspect="1" noMove="1" noResize="1" noEditPoints="1" noAdjustHandles="1" noChangeArrowheads="1" noChangeShapeType="1" noTextEdit="1"/>
+          </p:cNvSpPr>
+          <p:nvPr>
+            <p:extLst>
+              <p:ext uri="{386F3935-93C4-4BCD-93E2-E3B085C9AB24}">
+                <p16:designElem xmlns:p16="http://schemas.microsoft.com/office/powerpoint/2015/main" val="1"/>
+              </p:ext>
+            </p:extLst>
+          </p:nvPr>
+        </p:nvSpPr>
+        <p:spPr>
+          <a:xfrm>
+            <a:off x="0" y="0"/>
+            <a:ext cx="12192000" cy="6858000"/>
+          </a:xfrm>
+          <a:prstGeom prst="rect">
+            <a:avLst/>
+          </a:prstGeom>
+          <a:ln>
+            <a:noFill/>
+          </a:ln>
+        </p:spPr>
+        <p:style>
+          <a:lnRef idx="2">
+            <a:schemeClr val="accent1">
+              <a:shade val="50000"/>
+            </a:schemeClr>
+          </a:lnRef>
+          <a:fillRef idx="1">
+            <a:schemeClr val="accent1"/>
+          </a:fillRef>
+          <a:effectRef idx="0">
+            <a:schemeClr val="accent1"/>
+          </a:effectRef>
+          <a:fontRef idx="minor">
+            <a:schemeClr val="lt1"/>
+          </a:fontRef>
+        </p:style>
+        <p:txBody>
+          <a:bodyPr rtlCol="0" anchor="ctr"/>
+          <a:lstStyle/>
+          <a:p>
+            <a:pPr algn="ctr"/>
+            <a:endParaRPr lang="en-US"/>
+          </a:p>
+        </p:txBody>
+      </p:sp>
+      <p:grpSp>
+        <p:nvGrpSpPr>
+          <p:cNvPr id="10" name="Group 9">
+            <a:extLst>
+              <a:ext uri="{FF2B5EF4-FFF2-40B4-BE49-F238E27FC236}">
+                <a16:creationId xmlns:a16="http://schemas.microsoft.com/office/drawing/2014/main" id="{CDD733AE-DD5E-4C77-8BCD-72BF12A06BB1}"/>
+              </a:ext>
+              <a:ext uri="{C183D7F6-B498-43B3-948B-1728B52AA6E4}">
+                <adec:decorative xmlns:adec="http://schemas.microsoft.com/office/drawing/2017/decorative" val="1"/>
+              </a:ext>
+            </a:extLst>
+          </p:cNvPr>
+          <p:cNvGrpSpPr>
+            <a:grpSpLocks noGrp="1" noUngrp="1" noRot="1" noChangeAspect="1" noMove="1" noResize="1"/>
+          </p:cNvGrpSpPr>
+          <p:nvPr>
+            <p:extLst>
+              <p:ext uri="{386F3935-93C4-4BCD-93E2-E3B085C9AB24}">
+                <p16:designElem xmlns:p16="http://schemas.microsoft.com/office/powerpoint/2015/main" val="1"/>
+              </p:ext>
+            </p:extLst>
+          </p:nvPr>
+        </p:nvGrpSpPr>
+        <p:grpSpPr>
+          <a:xfrm>
+            <a:off x="0" y="-8467"/>
+            <a:ext cx="12192000" cy="6866467"/>
+            <a:chOff x="0" y="-8467"/>
+            <a:chExt cx="12192000" cy="6866467"/>
+          </a:xfrm>
+        </p:grpSpPr>
+        <p:cxnSp>
+          <p:nvCxnSpPr>
+            <p:cNvPr id="11" name="Straight Connector 10">
+              <a:extLst>
+                <a:ext uri="{FF2B5EF4-FFF2-40B4-BE49-F238E27FC236}">
+                  <a16:creationId xmlns:a16="http://schemas.microsoft.com/office/drawing/2014/main" id="{51DE90A4-932E-4370-BA07-30F43254C01B}"/>
+                </a:ext>
+                <a:ext uri="{C183D7F6-B498-43B3-948B-1728B52AA6E4}">
+                  <adec:decorative xmlns:adec="http://schemas.microsoft.com/office/drawing/2017/decorative" val="1"/>
+                </a:ext>
+              </a:extLst>
+            </p:cNvPr>
+            <p:cNvCxnSpPr/>
+            <p:nvPr>
+              <p:extLst>
+                <p:ext uri="{386F3935-93C4-4BCD-93E2-E3B085C9AB24}">
+                  <p16:designElem xmlns:p16="http://schemas.microsoft.com/office/powerpoint/2015/main" val="1"/>
+                </p:ext>
+              </p:extLst>
+            </p:nvPr>
+          </p:nvCxnSpPr>
+          <p:spPr>
+            <a:xfrm>
+              <a:off x="9371012" y="0"/>
+              <a:ext cx="1219200" cy="6858000"/>
+            </a:xfrm>
+            <a:prstGeom prst="line">
+              <a:avLst/>
+            </a:prstGeom>
+            <a:ln w="9525">
+              <a:solidFill>
+                <a:srgbClr val="FFFFFF"/>
+              </a:solidFill>
+            </a:ln>
+          </p:spPr>
+          <p:style>
+            <a:lnRef idx="2">
+              <a:schemeClr val="accent1"/>
+            </a:lnRef>
+            <a:fillRef idx="0">
+              <a:schemeClr val="accent1"/>
+            </a:fillRef>
+            <a:effectRef idx="1">
+              <a:schemeClr val="accent1"/>
+            </a:effectRef>
+            <a:fontRef idx="minor">
+              <a:schemeClr val="tx1"/>
+            </a:fontRef>
+          </p:style>
+        </p:cxnSp>
+        <p:cxnSp>
+          <p:nvCxnSpPr>
+            <p:cNvPr id="12" name="Straight Connector 11">
+              <a:extLst>
+                <a:ext uri="{FF2B5EF4-FFF2-40B4-BE49-F238E27FC236}">
+                  <a16:creationId xmlns:a16="http://schemas.microsoft.com/office/drawing/2014/main" id="{6A19CA4A-B208-452A-8BE4-BC6940D33D40}"/>
+                </a:ext>
+                <a:ext uri="{C183D7F6-B498-43B3-948B-1728B52AA6E4}">
+                  <adec:decorative xmlns:adec="http://schemas.microsoft.com/office/drawing/2017/decorative" val="1"/>
+                </a:ext>
+              </a:extLst>
+            </p:cNvPr>
+            <p:cNvCxnSpPr/>
+            <p:nvPr>
+              <p:extLst>
+                <p:ext uri="{386F3935-93C4-4BCD-93E2-E3B085C9AB24}">
+                  <p16:designElem xmlns:p16="http://schemas.microsoft.com/office/powerpoint/2015/main" val="1"/>
+                </p:ext>
+              </p:extLst>
+            </p:nvPr>
+          </p:nvCxnSpPr>
+          <p:spPr>
+            <a:xfrm flipH="1">
+              <a:off x="7425267" y="3681413"/>
+              <a:ext cx="4763558" cy="3176587"/>
+            </a:xfrm>
+            <a:prstGeom prst="line">
+              <a:avLst/>
+            </a:prstGeom>
+            <a:ln w="9525">
+              <a:solidFill>
+                <a:srgbClr val="FFFFFF"/>
+              </a:solidFill>
+            </a:ln>
+          </p:spPr>
+          <p:style>
+            <a:lnRef idx="2">
+              <a:schemeClr val="accent1"/>
+            </a:lnRef>
+            <a:fillRef idx="0">
+              <a:schemeClr val="accent1"/>
+            </a:fillRef>
+            <a:effectRef idx="1">
+              <a:schemeClr val="accent1"/>
+            </a:effectRef>
+            <a:fontRef idx="minor">
+              <a:schemeClr val="tx1"/>
+            </a:fontRef>
+          </p:style>
+        </p:cxnSp>
+        <p:sp>
+          <p:nvSpPr>
+            <p:cNvPr id="13" name="Rectangle 23">
+              <a:extLst>
+                <a:ext uri="{FF2B5EF4-FFF2-40B4-BE49-F238E27FC236}">
+                  <a16:creationId xmlns:a16="http://schemas.microsoft.com/office/drawing/2014/main" id="{B74F8D3E-E618-4DE3-A0CC-B4904BB5D5AB}"/>
+                </a:ext>
+                <a:ext uri="{C183D7F6-B498-43B3-948B-1728B52AA6E4}">
+                  <adec:decorative xmlns:adec="http://schemas.microsoft.com/office/drawing/2017/decorative" val="1"/>
+                </a:ext>
+              </a:extLst>
+            </p:cNvPr>
+            <p:cNvSpPr/>
+            <p:nvPr>
+              <p:extLst>
+                <p:ext uri="{386F3935-93C4-4BCD-93E2-E3B085C9AB24}">
+                  <p16:designElem xmlns:p16="http://schemas.microsoft.com/office/powerpoint/2015/main" val="1"/>
+                </p:ext>
+              </p:extLst>
+            </p:nvPr>
+          </p:nvSpPr>
+          <p:spPr>
+            <a:xfrm>
+              <a:off x="9181476" y="-8467"/>
+              <a:ext cx="3007349" cy="6866467"/>
+            </a:xfrm>
+            <a:custGeom>
+              <a:avLst/>
+              <a:gdLst/>
+              <a:ahLst/>
+              <a:cxnLst/>
+              <a:rect l="l" t="t" r="r" b="b"/>
+              <a:pathLst>
+                <a:path w="3007349" h="6866467">
+                  <a:moveTo>
+                    <a:pt x="2045532" y="0"/>
+                  </a:moveTo>
+                  <a:lnTo>
+                    <a:pt x="3007349" y="0"/>
+                  </a:lnTo>
+                  <a:lnTo>
+                    <a:pt x="3007349" y="6866467"/>
+                  </a:lnTo>
+                  <a:lnTo>
+                    <a:pt x="0" y="6866467"/>
+                  </a:lnTo>
+                  <a:lnTo>
+                    <a:pt x="2045532" y="0"/>
+                  </a:lnTo>
+                  <a:close/>
+                </a:path>
+              </a:pathLst>
+            </a:custGeom>
+            <a:solidFill>
+              <a:schemeClr val="accent1">
+                <a:alpha val="30000"/>
+              </a:schemeClr>
+            </a:solidFill>
+            <a:ln>
+              <a:noFill/>
+            </a:ln>
+            <a:effectLst/>
+          </p:spPr>
+          <p:style>
+            <a:lnRef idx="1">
+              <a:schemeClr val="accent1"/>
+            </a:lnRef>
+            <a:fillRef idx="3">
+              <a:schemeClr val="accent1"/>
+            </a:fillRef>
+            <a:effectRef idx="2">
+              <a:schemeClr val="accent1"/>
+            </a:effectRef>
+            <a:fontRef idx="minor">
+              <a:schemeClr val="lt1"/>
+            </a:fontRef>
+          </p:style>
+        </p:sp>
+        <p:sp>
+          <p:nvSpPr>
+            <p:cNvPr id="14" name="Rectangle 25">
+              <a:extLst>
+                <a:ext uri="{FF2B5EF4-FFF2-40B4-BE49-F238E27FC236}">
+                  <a16:creationId xmlns:a16="http://schemas.microsoft.com/office/drawing/2014/main" id="{299DA406-C54B-4E31-867D-FAF8DCE7045F}"/>
+                </a:ext>
+                <a:ext uri="{C183D7F6-B498-43B3-948B-1728B52AA6E4}">
+                  <adec:decorative xmlns:adec="http://schemas.microsoft.com/office/drawing/2017/decorative" val="1"/>
+                </a:ext>
+              </a:extLst>
+            </p:cNvPr>
+            <p:cNvSpPr/>
+            <p:nvPr>
+              <p:extLst>
+                <p:ext uri="{386F3935-93C4-4BCD-93E2-E3B085C9AB24}">
+                  <p16:designElem xmlns:p16="http://schemas.microsoft.com/office/powerpoint/2015/main" val="1"/>
+                </p:ext>
+              </p:extLst>
+            </p:nvPr>
+          </p:nvSpPr>
+          <p:spPr>
+            <a:xfrm>
+              <a:off x="9603442" y="-8467"/>
+              <a:ext cx="2588558" cy="6866467"/>
+            </a:xfrm>
+            <a:custGeom>
+              <a:avLst/>
+              <a:gdLst/>
+              <a:ahLst/>
+              <a:cxnLst/>
+              <a:rect l="l" t="t" r="r" b="b"/>
+              <a:pathLst>
+                <a:path w="2573311" h="6866467">
+                  <a:moveTo>
+                    <a:pt x="0" y="0"/>
+                  </a:moveTo>
+                  <a:lnTo>
+                    <a:pt x="2573311" y="0"/>
+                  </a:lnTo>
+                  <a:lnTo>
+                    <a:pt x="2573311" y="6866467"/>
+                  </a:lnTo>
+                  <a:lnTo>
+                    <a:pt x="1202336" y="6866467"/>
+                  </a:lnTo>
+                  <a:lnTo>
+                    <a:pt x="0" y="0"/>
+                  </a:lnTo>
+                  <a:close/>
+                </a:path>
+              </a:pathLst>
+            </a:custGeom>
+            <a:solidFill>
+              <a:schemeClr val="accent1">
+                <a:alpha val="20000"/>
+              </a:schemeClr>
+            </a:solidFill>
+            <a:ln>
+              <a:noFill/>
+            </a:ln>
+            <a:effectLst/>
+          </p:spPr>
+          <p:style>
+            <a:lnRef idx="1">
+              <a:schemeClr val="accent1"/>
+            </a:lnRef>
+            <a:fillRef idx="3">
+              <a:schemeClr val="accent1"/>
+            </a:fillRef>
+            <a:effectRef idx="2">
+              <a:schemeClr val="accent1"/>
+            </a:effectRef>
+            <a:fontRef idx="minor">
+              <a:schemeClr val="lt1"/>
+            </a:fontRef>
+          </p:style>
+        </p:sp>
+        <p:sp>
+          <p:nvSpPr>
+            <p:cNvPr id="15" name="Isosceles Triangle 14">
+              <a:extLst>
+                <a:ext uri="{FF2B5EF4-FFF2-40B4-BE49-F238E27FC236}">
+                  <a16:creationId xmlns:a16="http://schemas.microsoft.com/office/drawing/2014/main" id="{A1E16883-5140-47C4-A9AD-AD6598AC3EE6}"/>
+                </a:ext>
+                <a:ext uri="{C183D7F6-B498-43B3-948B-1728B52AA6E4}">
+                  <adec:decorative xmlns:adec="http://schemas.microsoft.com/office/drawing/2017/decorative" val="1"/>
+                </a:ext>
+              </a:extLst>
+            </p:cNvPr>
+            <p:cNvSpPr/>
+            <p:nvPr>
+              <p:extLst>
+                <p:ext uri="{386F3935-93C4-4BCD-93E2-E3B085C9AB24}">
+                  <p16:designElem xmlns:p16="http://schemas.microsoft.com/office/powerpoint/2015/main" val="1"/>
+                </p:ext>
+              </p:extLst>
+            </p:nvPr>
+          </p:nvSpPr>
+          <p:spPr>
+            <a:xfrm>
+              <a:off x="8932333" y="3048000"/>
+              <a:ext cx="3259667" cy="3810000"/>
+            </a:xfrm>
+            <a:prstGeom prst="triangle">
+              <a:avLst>
+                <a:gd name="adj" fmla="val 100000"/>
+              </a:avLst>
+            </a:prstGeom>
+            <a:solidFill>
+              <a:schemeClr val="accent2">
+                <a:alpha val="72000"/>
+              </a:schemeClr>
+            </a:solidFill>
+            <a:ln>
+              <a:noFill/>
+            </a:ln>
+            <a:effectLst/>
+          </p:spPr>
+          <p:style>
+            <a:lnRef idx="1">
+              <a:schemeClr val="accent1"/>
+            </a:lnRef>
+            <a:fillRef idx="3">
+              <a:schemeClr val="accent1"/>
+            </a:fillRef>
+            <a:effectRef idx="2">
+              <a:schemeClr val="accent1"/>
+            </a:effectRef>
+            <a:fontRef idx="minor">
+              <a:schemeClr val="lt1"/>
+            </a:fontRef>
+          </p:style>
+        </p:sp>
+        <p:sp>
+          <p:nvSpPr>
+            <p:cNvPr id="16" name="Rectangle 27">
+              <a:extLst>
+                <a:ext uri="{FF2B5EF4-FFF2-40B4-BE49-F238E27FC236}">
+                  <a16:creationId xmlns:a16="http://schemas.microsoft.com/office/drawing/2014/main" id="{4CD848DC-8A2A-4093-9BDD-7AF4B6A27814}"/>
+                </a:ext>
+                <a:ext uri="{C183D7F6-B498-43B3-948B-1728B52AA6E4}">
+                  <adec:decorative xmlns:adec="http://schemas.microsoft.com/office/drawing/2017/decorative" val="1"/>
+                </a:ext>
+              </a:extLst>
+            </p:cNvPr>
+            <p:cNvSpPr/>
+            <p:nvPr>
+              <p:extLst>
+                <p:ext uri="{386F3935-93C4-4BCD-93E2-E3B085C9AB24}">
+                  <p16:designElem xmlns:p16="http://schemas.microsoft.com/office/powerpoint/2015/main" val="1"/>
+                </p:ext>
+              </p:extLst>
+            </p:nvPr>
+          </p:nvSpPr>
+          <p:spPr>
+            <a:xfrm>
+              <a:off x="9334500" y="-8467"/>
+              <a:ext cx="2854326" cy="6866467"/>
+            </a:xfrm>
+            <a:custGeom>
+              <a:avLst/>
+              <a:gdLst/>
+              <a:ahLst/>
+              <a:cxnLst/>
+              <a:rect l="l" t="t" r="r" b="b"/>
+              <a:pathLst>
+                <a:path w="2858013" h="6866467">
+                  <a:moveTo>
+                    <a:pt x="0" y="0"/>
+                  </a:moveTo>
+                  <a:lnTo>
+                    <a:pt x="2858013" y="0"/>
+                  </a:lnTo>
+                  <a:lnTo>
+                    <a:pt x="2858013" y="6866467"/>
+                  </a:lnTo>
+                  <a:lnTo>
+                    <a:pt x="2473942" y="6866467"/>
+                  </a:lnTo>
+                  <a:lnTo>
+                    <a:pt x="0" y="0"/>
+                  </a:lnTo>
+                  <a:close/>
+                </a:path>
+              </a:pathLst>
+            </a:custGeom>
+            <a:solidFill>
+              <a:schemeClr val="accent2">
+                <a:lumMod val="75000"/>
+                <a:alpha val="70000"/>
+              </a:schemeClr>
+            </a:solidFill>
+            <a:ln>
+              <a:noFill/>
+            </a:ln>
+            <a:effectLst/>
+          </p:spPr>
+          <p:style>
+            <a:lnRef idx="1">
+              <a:schemeClr val="accent1"/>
+            </a:lnRef>
+            <a:fillRef idx="3">
+              <a:schemeClr val="accent1"/>
+            </a:fillRef>
+            <a:effectRef idx="2">
+              <a:schemeClr val="accent1"/>
+            </a:effectRef>
+            <a:fontRef idx="minor">
+              <a:schemeClr val="lt1"/>
+            </a:fontRef>
+          </p:style>
+        </p:sp>
+        <p:sp>
+          <p:nvSpPr>
+            <p:cNvPr id="17" name="Rectangle 28">
+              <a:extLst>
+                <a:ext uri="{FF2B5EF4-FFF2-40B4-BE49-F238E27FC236}">
+                  <a16:creationId xmlns:a16="http://schemas.microsoft.com/office/drawing/2014/main" id="{34635A4D-E9CE-4B78-912A-479EA4512B14}"/>
+                </a:ext>
+                <a:ext uri="{C183D7F6-B498-43B3-948B-1728B52AA6E4}">
+                  <adec:decorative xmlns:adec="http://schemas.microsoft.com/office/drawing/2017/decorative" val="1"/>
+                </a:ext>
+              </a:extLst>
+            </p:cNvPr>
+            <p:cNvSpPr/>
+            <p:nvPr>
+              <p:extLst>
+                <p:ext uri="{386F3935-93C4-4BCD-93E2-E3B085C9AB24}">
+                  <p16:designElem xmlns:p16="http://schemas.microsoft.com/office/powerpoint/2015/main" val="1"/>
+                </p:ext>
+              </p:extLst>
+            </p:nvPr>
+          </p:nvSpPr>
+          <p:spPr>
+            <a:xfrm>
+              <a:off x="10898730" y="-8467"/>
+              <a:ext cx="1290094" cy="6866467"/>
+            </a:xfrm>
+            <a:custGeom>
+              <a:avLst/>
+              <a:gdLst/>
+              <a:ahLst/>
+              <a:cxnLst/>
+              <a:rect l="l" t="t" r="r" b="b"/>
+              <a:pathLst>
+                <a:path w="1290094" h="6858000">
+                  <a:moveTo>
+                    <a:pt x="1019735" y="0"/>
+                  </a:moveTo>
+                  <a:lnTo>
+                    <a:pt x="1290094" y="0"/>
+                  </a:lnTo>
+                  <a:lnTo>
+                    <a:pt x="1290094" y="6858000"/>
+                  </a:lnTo>
+                  <a:lnTo>
+                    <a:pt x="0" y="6858000"/>
+                  </a:lnTo>
+                  <a:lnTo>
+                    <a:pt x="1019735" y="0"/>
+                  </a:lnTo>
+                  <a:close/>
+                </a:path>
+              </a:pathLst>
+            </a:custGeom>
+            <a:solidFill>
+              <a:schemeClr val="accent1">
+                <a:lumMod val="60000"/>
+                <a:lumOff val="40000"/>
+                <a:alpha val="70000"/>
+              </a:schemeClr>
+            </a:solidFill>
+            <a:ln>
+              <a:noFill/>
+            </a:ln>
+            <a:effectLst/>
+          </p:spPr>
+          <p:style>
+            <a:lnRef idx="1">
+              <a:schemeClr val="accent1"/>
+            </a:lnRef>
+            <a:fillRef idx="3">
+              <a:schemeClr val="accent1"/>
+            </a:fillRef>
+            <a:effectRef idx="2">
+              <a:schemeClr val="accent1"/>
+            </a:effectRef>
+            <a:fontRef idx="minor">
+              <a:schemeClr val="lt1"/>
+            </a:fontRef>
+          </p:style>
+        </p:sp>
+        <p:sp>
+          <p:nvSpPr>
+            <p:cNvPr id="18" name="Rectangle 29">
+              <a:extLst>
+                <a:ext uri="{FF2B5EF4-FFF2-40B4-BE49-F238E27FC236}">
+                  <a16:creationId xmlns:a16="http://schemas.microsoft.com/office/drawing/2014/main" id="{D663A5EE-5581-44F3-8F98-688755F63EA2}"/>
+                </a:ext>
+                <a:ext uri="{C183D7F6-B498-43B3-948B-1728B52AA6E4}">
+                  <adec:decorative xmlns:adec="http://schemas.microsoft.com/office/drawing/2017/decorative" val="1"/>
+                </a:ext>
+              </a:extLst>
+            </p:cNvPr>
+            <p:cNvSpPr/>
+            <p:nvPr>
+              <p:extLst>
+                <p:ext uri="{386F3935-93C4-4BCD-93E2-E3B085C9AB24}">
+                  <p16:designElem xmlns:p16="http://schemas.microsoft.com/office/powerpoint/2015/main" val="1"/>
+                </p:ext>
+              </p:extLst>
+            </p:nvPr>
+          </p:nvSpPr>
+          <p:spPr>
+            <a:xfrm>
+              <a:off x="10938999" y="-8467"/>
+              <a:ext cx="1249825" cy="6866467"/>
+            </a:xfrm>
+            <a:custGeom>
+              <a:avLst/>
+              <a:gdLst/>
+              <a:ahLst/>
+              <a:cxnLst/>
+              <a:rect l="l" t="t" r="r" b="b"/>
+              <a:pathLst>
+                <a:path w="1249825" h="6858000">
+                  <a:moveTo>
+                    <a:pt x="0" y="0"/>
+                  </a:moveTo>
+                  <a:lnTo>
+                    <a:pt x="1249825" y="0"/>
+                  </a:lnTo>
+                  <a:lnTo>
+                    <a:pt x="1249825" y="6858000"/>
+                  </a:lnTo>
+                  <a:lnTo>
+                    <a:pt x="1109382" y="6858000"/>
+                  </a:lnTo>
+                  <a:lnTo>
+                    <a:pt x="0" y="0"/>
+                  </a:lnTo>
+                  <a:close/>
+                </a:path>
+              </a:pathLst>
+            </a:custGeom>
+            <a:solidFill>
+              <a:schemeClr val="accent1">
+                <a:alpha val="65000"/>
+              </a:schemeClr>
+            </a:solidFill>
+            <a:ln>
+              <a:noFill/>
+            </a:ln>
+            <a:effectLst/>
+          </p:spPr>
+          <p:style>
+            <a:lnRef idx="1">
+              <a:schemeClr val="accent1"/>
+            </a:lnRef>
+            <a:fillRef idx="3">
+              <a:schemeClr val="accent1"/>
+            </a:fillRef>
+            <a:effectRef idx="2">
+              <a:schemeClr val="accent1"/>
+            </a:effectRef>
+            <a:fontRef idx="minor">
+              <a:schemeClr val="lt1"/>
+            </a:fontRef>
+          </p:style>
+        </p:sp>
+        <p:sp>
+          <p:nvSpPr>
+            <p:cNvPr id="19" name="Isosceles Triangle 18">
+              <a:extLst>
+                <a:ext uri="{FF2B5EF4-FFF2-40B4-BE49-F238E27FC236}">
+                  <a16:creationId xmlns:a16="http://schemas.microsoft.com/office/drawing/2014/main" id="{B1E84E6A-F5AE-4F4D-98F2-82FE4FCC2656}"/>
+                </a:ext>
+                <a:ext uri="{C183D7F6-B498-43B3-948B-1728B52AA6E4}">
+                  <adec:decorative xmlns:adec="http://schemas.microsoft.com/office/drawing/2017/decorative" val="1"/>
+                </a:ext>
+              </a:extLst>
+            </p:cNvPr>
+            <p:cNvSpPr/>
+            <p:nvPr>
+              <p:extLst>
+                <p:ext uri="{386F3935-93C4-4BCD-93E2-E3B085C9AB24}">
+                  <p16:designElem xmlns:p16="http://schemas.microsoft.com/office/powerpoint/2015/main" val="1"/>
+                </p:ext>
+              </p:extLst>
+            </p:nvPr>
+          </p:nvSpPr>
+          <p:spPr>
+            <a:xfrm>
+              <a:off x="10371666" y="3589867"/>
+              <a:ext cx="1817159" cy="3268133"/>
+            </a:xfrm>
+            <a:prstGeom prst="triangle">
+              <a:avLst>
+                <a:gd name="adj" fmla="val 100000"/>
+              </a:avLst>
+            </a:prstGeom>
+            <a:solidFill>
+              <a:schemeClr val="accent1">
+                <a:alpha val="80000"/>
+              </a:schemeClr>
+            </a:solidFill>
+            <a:ln>
+              <a:noFill/>
+            </a:ln>
+            <a:effectLst/>
+          </p:spPr>
+          <p:style>
+            <a:lnRef idx="1">
+              <a:schemeClr val="accent1"/>
+            </a:lnRef>
+            <a:fillRef idx="3">
+              <a:schemeClr val="accent1"/>
+            </a:fillRef>
+            <a:effectRef idx="2">
+              <a:schemeClr val="accent1"/>
+            </a:effectRef>
+            <a:fontRef idx="minor">
+              <a:schemeClr val="lt1"/>
+            </a:fontRef>
+          </p:style>
+        </p:sp>
+        <p:sp>
+          <p:nvSpPr>
+            <p:cNvPr id="20" name="Isosceles Triangle 19">
+              <a:extLst>
+                <a:ext uri="{FF2B5EF4-FFF2-40B4-BE49-F238E27FC236}">
+                  <a16:creationId xmlns:a16="http://schemas.microsoft.com/office/drawing/2014/main" id="{DDE7DDC9-17D4-4686-833D-48F8733B49EE}"/>
+                </a:ext>
+                <a:ext uri="{C183D7F6-B498-43B3-948B-1728B52AA6E4}">
+                  <adec:decorative xmlns:adec="http://schemas.microsoft.com/office/drawing/2017/decorative" val="1"/>
+                </a:ext>
+              </a:extLst>
+            </p:cNvPr>
+            <p:cNvSpPr/>
+            <p:nvPr>
+              <p:extLst>
+                <p:ext uri="{386F3935-93C4-4BCD-93E2-E3B085C9AB24}">
+                  <p16:designElem xmlns:p16="http://schemas.microsoft.com/office/powerpoint/2015/main" val="1"/>
+                </p:ext>
+              </p:extLst>
+            </p:nvPr>
+          </p:nvSpPr>
+          <p:spPr>
+            <a:xfrm>
+              <a:off x="0" y="4013200"/>
+              <a:ext cx="448733" cy="2844800"/>
+            </a:xfrm>
+            <a:prstGeom prst="triangle">
+              <a:avLst>
+                <a:gd name="adj" fmla="val 0"/>
+              </a:avLst>
+            </a:prstGeom>
+            <a:solidFill>
+              <a:schemeClr val="accent1">
+                <a:alpha val="85000"/>
+              </a:schemeClr>
+            </a:solidFill>
+            <a:ln>
+              <a:noFill/>
+            </a:ln>
+            <a:effectLst/>
+          </p:spPr>
+          <p:style>
+            <a:lnRef idx="1">
+              <a:schemeClr val="accent1"/>
+            </a:lnRef>
+            <a:fillRef idx="3">
+              <a:schemeClr val="accent1"/>
+            </a:fillRef>
+            <a:effectRef idx="2">
+              <a:schemeClr val="accent1"/>
+            </a:effectRef>
+            <a:fontRef idx="minor">
+              <a:schemeClr val="lt1"/>
+            </a:fontRef>
+          </p:style>
+        </p:sp>
+      </p:grpSp>
+      <p:sp>
+        <p:nvSpPr>
+          <p:cNvPr id="2" name="כותרת 1">
+            <a:extLst>
+              <a:ext uri="{FF2B5EF4-FFF2-40B4-BE49-F238E27FC236}">
+                <a16:creationId xmlns:a16="http://schemas.microsoft.com/office/drawing/2014/main" id="{42F357A3-B4F5-4866-B980-B4E968CAC593}"/>
+              </a:ext>
+            </a:extLst>
+          </p:cNvPr>
+          <p:cNvSpPr>
+            <a:spLocks noGrp="1"/>
+          </p:cNvSpPr>
+          <p:nvPr>
+            <p:ph type="title"/>
+          </p:nvPr>
+        </p:nvSpPr>
+        <p:spPr>
+          <a:xfrm>
+            <a:off x="199808" y="266700"/>
+            <a:ext cx="9838266" cy="1320800"/>
+          </a:xfrm>
+        </p:spPr>
+        <p:txBody>
+          <a:bodyPr>
+            <a:normAutofit fontScale="90000"/>
+          </a:bodyPr>
+          <a:lstStyle/>
+          <a:p>
+            <a:r>
+              <a:rPr lang="en-US" dirty="0"/>
+              <a:t>Improvement feature extraction and after attack (20% test-malicious, 80% train-shuffled)</a:t>
+            </a:r>
+            <a:br>
+              <a:rPr lang="en-US" dirty="0"/>
+            </a:br>
+            <a:br>
+              <a:rPr lang="en-US" dirty="0"/>
+            </a:br>
+            <a:br>
+              <a:rPr lang="en-US" dirty="0"/>
+            </a:br>
+            <a:endParaRPr lang="he-IL" dirty="0"/>
+          </a:p>
+        </p:txBody>
+      </p:sp>
+      <p:sp>
+        <p:nvSpPr>
+          <p:cNvPr id="3" name="מציין מיקום תוכן 2">
+            <a:extLst>
+              <a:ext uri="{FF2B5EF4-FFF2-40B4-BE49-F238E27FC236}">
+                <a16:creationId xmlns:a16="http://schemas.microsoft.com/office/drawing/2014/main" id="{C3BCF87B-952F-4EBA-941C-C9EE44501386}"/>
+              </a:ext>
+            </a:extLst>
+          </p:cNvPr>
+          <p:cNvSpPr>
+            <a:spLocks noGrp="1"/>
+          </p:cNvSpPr>
+          <p:nvPr>
+            <p:ph idx="1"/>
+          </p:nvPr>
+        </p:nvSpPr>
+        <p:spPr>
+          <a:xfrm>
+            <a:off x="677334" y="1600200"/>
+            <a:ext cx="8596668" cy="4962525"/>
+          </a:xfrm>
+        </p:spPr>
+        <p:txBody>
+          <a:bodyPr>
+            <a:normAutofit/>
+          </a:bodyPr>
+          <a:lstStyle/>
+          <a:p>
+            <a:pPr marL="400050" algn="l" rtl="0">
+              <a:buFont typeface="+mj-lt"/>
+              <a:buAutoNum type="arabicPeriod"/>
+            </a:pPr>
+            <a:r>
+              <a:rPr lang="en-US" dirty="0" err="1"/>
+              <a:t>accuracy_score</a:t>
+            </a:r>
+            <a:r>
+              <a:rPr lang="en-US" dirty="0"/>
+              <a:t> 0.798887859128823</a:t>
+            </a:r>
+            <a:br>
+              <a:rPr lang="en-US" dirty="0"/>
+            </a:br>
+            <a:r>
+              <a:rPr lang="en-US" dirty="0"/>
+              <a:t>processing time is  18.77930784225464  seconds</a:t>
+            </a:r>
+          </a:p>
+          <a:p>
+            <a:pPr marL="400050" algn="l" rtl="0">
+              <a:buFont typeface="+mj-lt"/>
+              <a:buAutoNum type="arabicPeriod"/>
+            </a:pPr>
+            <a:r>
+              <a:rPr lang="en-US" dirty="0" err="1"/>
+              <a:t>accuracy_score</a:t>
+            </a:r>
+            <a:r>
+              <a:rPr lang="en-US" dirty="0"/>
+              <a:t> 0.7286343612334801</a:t>
+            </a:r>
+            <a:br>
+              <a:rPr lang="en-US" dirty="0"/>
+            </a:br>
+            <a:r>
+              <a:rPr lang="en-US" dirty="0"/>
+              <a:t>processing time is  19.944028854370117  seconds</a:t>
+            </a:r>
+          </a:p>
+          <a:p>
+            <a:pPr marL="400050" algn="l" rtl="0">
+              <a:buFont typeface="+mj-lt"/>
+              <a:buAutoNum type="arabicPeriod"/>
+            </a:pPr>
+            <a:r>
+              <a:rPr lang="en-US" dirty="0" err="1"/>
+              <a:t>accuracy_score</a:t>
+            </a:r>
+            <a:r>
+              <a:rPr lang="en-US" dirty="0"/>
+              <a:t> 0.7587476979742173</a:t>
+            </a:r>
+            <a:br>
+              <a:rPr lang="en-US" dirty="0"/>
+            </a:br>
+            <a:r>
+              <a:rPr lang="en-US" dirty="0"/>
+              <a:t>processing time is  25.262887477874756  seconds</a:t>
+            </a:r>
+          </a:p>
+          <a:p>
+            <a:pPr marL="400050" algn="l" rtl="0">
+              <a:buFont typeface="+mj-lt"/>
+              <a:buAutoNum type="arabicPeriod"/>
+            </a:pPr>
+            <a:r>
+              <a:rPr lang="en-US" dirty="0" err="1"/>
+              <a:t>accuracy_score</a:t>
+            </a:r>
+            <a:r>
+              <a:rPr lang="en-US" dirty="0"/>
+              <a:t> 0.7523020257826888</a:t>
+            </a:r>
+            <a:br>
+              <a:rPr lang="en-US" dirty="0"/>
+            </a:br>
+            <a:r>
+              <a:rPr lang="en-US" dirty="0"/>
+              <a:t>processing time is  17.09636640548706  seconds</a:t>
+            </a:r>
+          </a:p>
+          <a:p>
+            <a:pPr marL="400050" algn="l" rtl="0">
+              <a:buFont typeface="+mj-lt"/>
+              <a:buAutoNum type="arabicPeriod"/>
+            </a:pPr>
+            <a:r>
+              <a:rPr lang="en-US" dirty="0" err="1"/>
+              <a:t>accuracy_score</a:t>
+            </a:r>
+            <a:r>
+              <a:rPr lang="en-US" dirty="0"/>
+              <a:t> 0.7568281938325991</a:t>
+            </a:r>
+            <a:br>
+              <a:rPr lang="en-US" dirty="0"/>
+            </a:br>
+            <a:r>
+              <a:rPr lang="en-US" dirty="0"/>
+              <a:t>processing time is  31.155601263046265  seconds</a:t>
+            </a:r>
+          </a:p>
+          <a:p>
+            <a:pPr marL="57150" indent="0" algn="l" rtl="0">
+              <a:buNone/>
+            </a:pPr>
+            <a:endParaRPr lang="en-US" dirty="0"/>
+          </a:p>
+          <a:p>
+            <a:pPr marL="400050" algn="l" rtl="0"/>
+            <a:r>
+              <a:rPr lang="en-US" sz="2400" dirty="0"/>
+              <a:t>AVG: 0.7590800275903617 </a:t>
+            </a:r>
+            <a:r>
+              <a:rPr lang="en-US" sz="2400" dirty="0" err="1"/>
+              <a:t>acc_score</a:t>
+            </a:r>
+            <a:endParaRPr lang="en-US" sz="2400" dirty="0"/>
+          </a:p>
+        </p:txBody>
+      </p:sp>
+    </p:spTree>
+    <p:extLst>
+      <p:ext uri="{BB962C8B-B14F-4D97-AF65-F5344CB8AC3E}">
+        <p14:creationId xmlns:p14="http://schemas.microsoft.com/office/powerpoint/2010/main" val="3182745442"/>
+      </p:ext>
+    </p:extLst>
+  </p:cSld>
+  <p:clrMapOvr>
+    <a:overrideClrMapping bg1="dk1" tx1="lt1" bg2="dk2" tx2="lt2" accent1="accent1" accent2="accent2" accent3="accent3" accent4="accent4" accent5="accent5" accent6="accent6" hlink="hlink" folHlink="folHlink"/>
+  </p:clrMapOvr>
+</p:sld>
+</file>
+
+<file path=ppt/slides/slide19.xml><?xml version="1.0" encoding="utf-8"?>
+<p:sld xmlns:a="http://schemas.openxmlformats.org/drawingml/2006/main" xmlns:r="http://schemas.openxmlformats.org/officeDocument/2006/relationships" xmlns:p="http://schemas.openxmlformats.org/presentationml/2006/main">
+  <p:cSld>
+    <p:bg>
+      <p:bgPr>
+        <a:solidFill>
+          <a:schemeClr val="bg2"/>
+        </a:solidFill>
+        <a:effectLst/>
+      </p:bgPr>
+    </p:bg>
+    <p:spTree>
+      <p:nvGrpSpPr>
+        <p:cNvPr id="1" name=""/>
+        <p:cNvGrpSpPr/>
+        <p:nvPr/>
+      </p:nvGrpSpPr>
+      <p:grpSpPr>
+        <a:xfrm>
+          <a:off x="0" y="0"/>
+          <a:ext cx="0" cy="0"/>
+          <a:chOff x="0" y="0"/>
+          <a:chExt cx="0" cy="0"/>
+        </a:xfrm>
+      </p:grpSpPr>
+      <p:sp useBgFill="1">
+        <p:nvSpPr>
+          <p:cNvPr id="8" name="Rectangle 7">
+            <a:extLst>
+              <a:ext uri="{FF2B5EF4-FFF2-40B4-BE49-F238E27FC236}">
+                <a16:creationId xmlns:a16="http://schemas.microsoft.com/office/drawing/2014/main" id="{86C16C40-7C29-4ACC-B851-7E08E459B596}"/>
+              </a:ext>
+              <a:ext uri="{C183D7F6-B498-43B3-948B-1728B52AA6E4}">
+                <adec:decorative xmlns:adec="http://schemas.microsoft.com/office/drawing/2017/decorative" val="1"/>
+              </a:ext>
+            </a:extLst>
+          </p:cNvPr>
+          <p:cNvSpPr>
+            <a:spLocks noGrp="1" noRot="1" noChangeAspect="1" noMove="1" noResize="1" noEditPoints="1" noAdjustHandles="1" noChangeArrowheads="1" noChangeShapeType="1" noTextEdit="1"/>
+          </p:cNvSpPr>
+          <p:nvPr>
+            <p:extLst>
+              <p:ext uri="{386F3935-93C4-4BCD-93E2-E3B085C9AB24}">
+                <p16:designElem xmlns:p16="http://schemas.microsoft.com/office/powerpoint/2015/main" val="1"/>
+              </p:ext>
+            </p:extLst>
+          </p:nvPr>
+        </p:nvSpPr>
+        <p:spPr>
+          <a:xfrm>
+            <a:off x="0" y="0"/>
+            <a:ext cx="12192000" cy="6858000"/>
+          </a:xfrm>
+          <a:prstGeom prst="rect">
+            <a:avLst/>
+          </a:prstGeom>
+          <a:ln>
+            <a:noFill/>
+          </a:ln>
+        </p:spPr>
+        <p:style>
+          <a:lnRef idx="2">
+            <a:schemeClr val="accent1">
+              <a:shade val="50000"/>
+            </a:schemeClr>
+          </a:lnRef>
+          <a:fillRef idx="1">
+            <a:schemeClr val="accent1"/>
+          </a:fillRef>
+          <a:effectRef idx="0">
+            <a:schemeClr val="accent1"/>
+          </a:effectRef>
+          <a:fontRef idx="minor">
+            <a:schemeClr val="lt1"/>
+          </a:fontRef>
+        </p:style>
+        <p:txBody>
+          <a:bodyPr rtlCol="0" anchor="ctr"/>
+          <a:lstStyle/>
+          <a:p>
+            <a:pPr algn="ctr"/>
+            <a:endParaRPr lang="en-US"/>
+          </a:p>
+        </p:txBody>
+      </p:sp>
+      <p:grpSp>
+        <p:nvGrpSpPr>
+          <p:cNvPr id="10" name="Group 9">
+            <a:extLst>
+              <a:ext uri="{FF2B5EF4-FFF2-40B4-BE49-F238E27FC236}">
+                <a16:creationId xmlns:a16="http://schemas.microsoft.com/office/drawing/2014/main" id="{CDD733AE-DD5E-4C77-8BCD-72BF12A06BB1}"/>
+              </a:ext>
+              <a:ext uri="{C183D7F6-B498-43B3-948B-1728B52AA6E4}">
+                <adec:decorative xmlns:adec="http://schemas.microsoft.com/office/drawing/2017/decorative" val="1"/>
+              </a:ext>
+            </a:extLst>
+          </p:cNvPr>
+          <p:cNvGrpSpPr>
+            <a:grpSpLocks noGrp="1" noUngrp="1" noRot="1" noChangeAspect="1" noMove="1" noResize="1"/>
+          </p:cNvGrpSpPr>
+          <p:nvPr>
+            <p:extLst>
+              <p:ext uri="{386F3935-93C4-4BCD-93E2-E3B085C9AB24}">
+                <p16:designElem xmlns:p16="http://schemas.microsoft.com/office/powerpoint/2015/main" val="1"/>
+              </p:ext>
+            </p:extLst>
+          </p:nvPr>
+        </p:nvGrpSpPr>
+        <p:grpSpPr>
+          <a:xfrm>
+            <a:off x="0" y="-8467"/>
+            <a:ext cx="12192000" cy="6866467"/>
+            <a:chOff x="0" y="-8467"/>
+            <a:chExt cx="12192000" cy="6866467"/>
+          </a:xfrm>
+        </p:grpSpPr>
+        <p:cxnSp>
+          <p:nvCxnSpPr>
+            <p:cNvPr id="11" name="Straight Connector 10">
+              <a:extLst>
+                <a:ext uri="{FF2B5EF4-FFF2-40B4-BE49-F238E27FC236}">
+                  <a16:creationId xmlns:a16="http://schemas.microsoft.com/office/drawing/2014/main" id="{51DE90A4-932E-4370-BA07-30F43254C01B}"/>
+                </a:ext>
+                <a:ext uri="{C183D7F6-B498-43B3-948B-1728B52AA6E4}">
+                  <adec:decorative xmlns:adec="http://schemas.microsoft.com/office/drawing/2017/decorative" val="1"/>
+                </a:ext>
+              </a:extLst>
+            </p:cNvPr>
+            <p:cNvCxnSpPr/>
+            <p:nvPr>
+              <p:extLst>
+                <p:ext uri="{386F3935-93C4-4BCD-93E2-E3B085C9AB24}">
+                  <p16:designElem xmlns:p16="http://schemas.microsoft.com/office/powerpoint/2015/main" val="1"/>
+                </p:ext>
+              </p:extLst>
+            </p:nvPr>
+          </p:nvCxnSpPr>
+          <p:spPr>
+            <a:xfrm>
+              <a:off x="9371012" y="0"/>
+              <a:ext cx="1219200" cy="6858000"/>
+            </a:xfrm>
+            <a:prstGeom prst="line">
+              <a:avLst/>
+            </a:prstGeom>
+            <a:ln w="9525">
+              <a:solidFill>
+                <a:srgbClr val="FFFFFF"/>
+              </a:solidFill>
+            </a:ln>
+          </p:spPr>
+          <p:style>
+            <a:lnRef idx="2">
+              <a:schemeClr val="accent1"/>
+            </a:lnRef>
+            <a:fillRef idx="0">
+              <a:schemeClr val="accent1"/>
+            </a:fillRef>
+            <a:effectRef idx="1">
+              <a:schemeClr val="accent1"/>
+            </a:effectRef>
+            <a:fontRef idx="minor">
+              <a:schemeClr val="tx1"/>
+            </a:fontRef>
+          </p:style>
+        </p:cxnSp>
+        <p:cxnSp>
+          <p:nvCxnSpPr>
+            <p:cNvPr id="12" name="Straight Connector 11">
+              <a:extLst>
+                <a:ext uri="{FF2B5EF4-FFF2-40B4-BE49-F238E27FC236}">
+                  <a16:creationId xmlns:a16="http://schemas.microsoft.com/office/drawing/2014/main" id="{6A19CA4A-B208-452A-8BE4-BC6940D33D40}"/>
+                </a:ext>
+                <a:ext uri="{C183D7F6-B498-43B3-948B-1728B52AA6E4}">
+                  <adec:decorative xmlns:adec="http://schemas.microsoft.com/office/drawing/2017/decorative" val="1"/>
+                </a:ext>
+              </a:extLst>
+            </p:cNvPr>
+            <p:cNvCxnSpPr/>
+            <p:nvPr>
+              <p:extLst>
+                <p:ext uri="{386F3935-93C4-4BCD-93E2-E3B085C9AB24}">
+                  <p16:designElem xmlns:p16="http://schemas.microsoft.com/office/powerpoint/2015/main" val="1"/>
+                </p:ext>
+              </p:extLst>
+            </p:nvPr>
+          </p:nvCxnSpPr>
+          <p:spPr>
+            <a:xfrm flipH="1">
+              <a:off x="7425267" y="3681413"/>
+              <a:ext cx="4763558" cy="3176587"/>
+            </a:xfrm>
+            <a:prstGeom prst="line">
+              <a:avLst/>
+            </a:prstGeom>
+            <a:ln w="9525">
+              <a:solidFill>
+                <a:srgbClr val="FFFFFF"/>
+              </a:solidFill>
+            </a:ln>
+          </p:spPr>
+          <p:style>
+            <a:lnRef idx="2">
+              <a:schemeClr val="accent1"/>
+            </a:lnRef>
+            <a:fillRef idx="0">
+              <a:schemeClr val="accent1"/>
+            </a:fillRef>
+            <a:effectRef idx="1">
+              <a:schemeClr val="accent1"/>
+            </a:effectRef>
+            <a:fontRef idx="minor">
+              <a:schemeClr val="tx1"/>
+            </a:fontRef>
+          </p:style>
+        </p:cxnSp>
+        <p:sp>
+          <p:nvSpPr>
+            <p:cNvPr id="13" name="Rectangle 23">
+              <a:extLst>
+                <a:ext uri="{FF2B5EF4-FFF2-40B4-BE49-F238E27FC236}">
+                  <a16:creationId xmlns:a16="http://schemas.microsoft.com/office/drawing/2014/main" id="{B74F8D3E-E618-4DE3-A0CC-B4904BB5D5AB}"/>
+                </a:ext>
+                <a:ext uri="{C183D7F6-B498-43B3-948B-1728B52AA6E4}">
+                  <adec:decorative xmlns:adec="http://schemas.microsoft.com/office/drawing/2017/decorative" val="1"/>
+                </a:ext>
+              </a:extLst>
+            </p:cNvPr>
+            <p:cNvSpPr/>
+            <p:nvPr>
+              <p:extLst>
+                <p:ext uri="{386F3935-93C4-4BCD-93E2-E3B085C9AB24}">
+                  <p16:designElem xmlns:p16="http://schemas.microsoft.com/office/powerpoint/2015/main" val="1"/>
+                </p:ext>
+              </p:extLst>
+            </p:nvPr>
+          </p:nvSpPr>
+          <p:spPr>
+            <a:xfrm>
+              <a:off x="9181476" y="-8467"/>
+              <a:ext cx="3007349" cy="6866467"/>
+            </a:xfrm>
+            <a:custGeom>
+              <a:avLst/>
+              <a:gdLst/>
+              <a:ahLst/>
+              <a:cxnLst/>
+              <a:rect l="l" t="t" r="r" b="b"/>
+              <a:pathLst>
+                <a:path w="3007349" h="6866467">
+                  <a:moveTo>
+                    <a:pt x="2045532" y="0"/>
+                  </a:moveTo>
+                  <a:lnTo>
+                    <a:pt x="3007349" y="0"/>
+                  </a:lnTo>
+                  <a:lnTo>
+                    <a:pt x="3007349" y="6866467"/>
+                  </a:lnTo>
+                  <a:lnTo>
+                    <a:pt x="0" y="6866467"/>
+                  </a:lnTo>
+                  <a:lnTo>
+                    <a:pt x="2045532" y="0"/>
+                  </a:lnTo>
+                  <a:close/>
+                </a:path>
+              </a:pathLst>
+            </a:custGeom>
+            <a:solidFill>
+              <a:schemeClr val="accent1">
+                <a:alpha val="30000"/>
+              </a:schemeClr>
+            </a:solidFill>
+            <a:ln>
+              <a:noFill/>
+            </a:ln>
+            <a:effectLst/>
+          </p:spPr>
+          <p:style>
+            <a:lnRef idx="1">
+              <a:schemeClr val="accent1"/>
+            </a:lnRef>
+            <a:fillRef idx="3">
+              <a:schemeClr val="accent1"/>
+            </a:fillRef>
+            <a:effectRef idx="2">
+              <a:schemeClr val="accent1"/>
+            </a:effectRef>
+            <a:fontRef idx="minor">
+              <a:schemeClr val="lt1"/>
+            </a:fontRef>
+          </p:style>
+        </p:sp>
+        <p:sp>
+          <p:nvSpPr>
+            <p:cNvPr id="14" name="Rectangle 25">
+              <a:extLst>
+                <a:ext uri="{FF2B5EF4-FFF2-40B4-BE49-F238E27FC236}">
+                  <a16:creationId xmlns:a16="http://schemas.microsoft.com/office/drawing/2014/main" id="{299DA406-C54B-4E31-867D-FAF8DCE7045F}"/>
+                </a:ext>
+                <a:ext uri="{C183D7F6-B498-43B3-948B-1728B52AA6E4}">
+                  <adec:decorative xmlns:adec="http://schemas.microsoft.com/office/drawing/2017/decorative" val="1"/>
+                </a:ext>
+              </a:extLst>
+            </p:cNvPr>
+            <p:cNvSpPr/>
+            <p:nvPr>
+              <p:extLst>
+                <p:ext uri="{386F3935-93C4-4BCD-93E2-E3B085C9AB24}">
+                  <p16:designElem xmlns:p16="http://schemas.microsoft.com/office/powerpoint/2015/main" val="1"/>
+                </p:ext>
+              </p:extLst>
+            </p:nvPr>
+          </p:nvSpPr>
+          <p:spPr>
+            <a:xfrm>
+              <a:off x="9603442" y="-8467"/>
+              <a:ext cx="2588558" cy="6866467"/>
+            </a:xfrm>
+            <a:custGeom>
+              <a:avLst/>
+              <a:gdLst/>
+              <a:ahLst/>
+              <a:cxnLst/>
+              <a:rect l="l" t="t" r="r" b="b"/>
+              <a:pathLst>
+                <a:path w="2573311" h="6866467">
+                  <a:moveTo>
+                    <a:pt x="0" y="0"/>
+                  </a:moveTo>
+                  <a:lnTo>
+                    <a:pt x="2573311" y="0"/>
+                  </a:lnTo>
+                  <a:lnTo>
+                    <a:pt x="2573311" y="6866467"/>
+                  </a:lnTo>
+                  <a:lnTo>
+                    <a:pt x="1202336" y="6866467"/>
+                  </a:lnTo>
+                  <a:lnTo>
+                    <a:pt x="0" y="0"/>
+                  </a:lnTo>
+                  <a:close/>
+                </a:path>
+              </a:pathLst>
+            </a:custGeom>
+            <a:solidFill>
+              <a:schemeClr val="accent1">
+                <a:alpha val="20000"/>
+              </a:schemeClr>
+            </a:solidFill>
+            <a:ln>
+              <a:noFill/>
+            </a:ln>
+            <a:effectLst/>
+          </p:spPr>
+          <p:style>
+            <a:lnRef idx="1">
+              <a:schemeClr val="accent1"/>
+            </a:lnRef>
+            <a:fillRef idx="3">
+              <a:schemeClr val="accent1"/>
+            </a:fillRef>
+            <a:effectRef idx="2">
+              <a:schemeClr val="accent1"/>
+            </a:effectRef>
+            <a:fontRef idx="minor">
+              <a:schemeClr val="lt1"/>
+            </a:fontRef>
+          </p:style>
+        </p:sp>
+        <p:sp>
+          <p:nvSpPr>
+            <p:cNvPr id="15" name="Isosceles Triangle 14">
+              <a:extLst>
+                <a:ext uri="{FF2B5EF4-FFF2-40B4-BE49-F238E27FC236}">
+                  <a16:creationId xmlns:a16="http://schemas.microsoft.com/office/drawing/2014/main" id="{A1E16883-5140-47C4-A9AD-AD6598AC3EE6}"/>
+                </a:ext>
+                <a:ext uri="{C183D7F6-B498-43B3-948B-1728B52AA6E4}">
+                  <adec:decorative xmlns:adec="http://schemas.microsoft.com/office/drawing/2017/decorative" val="1"/>
+                </a:ext>
+              </a:extLst>
+            </p:cNvPr>
+            <p:cNvSpPr/>
+            <p:nvPr>
+              <p:extLst>
+                <p:ext uri="{386F3935-93C4-4BCD-93E2-E3B085C9AB24}">
+                  <p16:designElem xmlns:p16="http://schemas.microsoft.com/office/powerpoint/2015/main" val="1"/>
+                </p:ext>
+              </p:extLst>
+            </p:nvPr>
+          </p:nvSpPr>
+          <p:spPr>
+            <a:xfrm>
+              <a:off x="8932333" y="3048000"/>
+              <a:ext cx="3259667" cy="3810000"/>
+            </a:xfrm>
+            <a:prstGeom prst="triangle">
+              <a:avLst>
+                <a:gd name="adj" fmla="val 100000"/>
+              </a:avLst>
+            </a:prstGeom>
+            <a:solidFill>
+              <a:schemeClr val="accent2">
+                <a:alpha val="72000"/>
+              </a:schemeClr>
+            </a:solidFill>
+            <a:ln>
+              <a:noFill/>
+            </a:ln>
+            <a:effectLst/>
+          </p:spPr>
+          <p:style>
+            <a:lnRef idx="1">
+              <a:schemeClr val="accent1"/>
+            </a:lnRef>
+            <a:fillRef idx="3">
+              <a:schemeClr val="accent1"/>
+            </a:fillRef>
+            <a:effectRef idx="2">
+              <a:schemeClr val="accent1"/>
+            </a:effectRef>
+            <a:fontRef idx="minor">
+              <a:schemeClr val="lt1"/>
+            </a:fontRef>
+          </p:style>
+        </p:sp>
+        <p:sp>
+          <p:nvSpPr>
+            <p:cNvPr id="16" name="Rectangle 27">
+              <a:extLst>
+                <a:ext uri="{FF2B5EF4-FFF2-40B4-BE49-F238E27FC236}">
+                  <a16:creationId xmlns:a16="http://schemas.microsoft.com/office/drawing/2014/main" id="{4CD848DC-8A2A-4093-9BDD-7AF4B6A27814}"/>
+                </a:ext>
+                <a:ext uri="{C183D7F6-B498-43B3-948B-1728B52AA6E4}">
+                  <adec:decorative xmlns:adec="http://schemas.microsoft.com/office/drawing/2017/decorative" val="1"/>
+                </a:ext>
+              </a:extLst>
+            </p:cNvPr>
+            <p:cNvSpPr/>
+            <p:nvPr>
+              <p:extLst>
+                <p:ext uri="{386F3935-93C4-4BCD-93E2-E3B085C9AB24}">
+                  <p16:designElem xmlns:p16="http://schemas.microsoft.com/office/powerpoint/2015/main" val="1"/>
+                </p:ext>
+              </p:extLst>
+            </p:nvPr>
+          </p:nvSpPr>
+          <p:spPr>
+            <a:xfrm>
+              <a:off x="9334500" y="-8467"/>
+              <a:ext cx="2854326" cy="6866467"/>
+            </a:xfrm>
+            <a:custGeom>
+              <a:avLst/>
+              <a:gdLst/>
+              <a:ahLst/>
+              <a:cxnLst/>
+              <a:rect l="l" t="t" r="r" b="b"/>
+              <a:pathLst>
+                <a:path w="2858013" h="6866467">
+                  <a:moveTo>
+                    <a:pt x="0" y="0"/>
+                  </a:moveTo>
+                  <a:lnTo>
+                    <a:pt x="2858013" y="0"/>
+                  </a:lnTo>
+                  <a:lnTo>
+                    <a:pt x="2858013" y="6866467"/>
+                  </a:lnTo>
+                  <a:lnTo>
+                    <a:pt x="2473942" y="6866467"/>
+                  </a:lnTo>
+                  <a:lnTo>
+                    <a:pt x="0" y="0"/>
+                  </a:lnTo>
+                  <a:close/>
+                </a:path>
+              </a:pathLst>
+            </a:custGeom>
+            <a:solidFill>
+              <a:schemeClr val="accent2">
+                <a:lumMod val="75000"/>
+                <a:alpha val="70000"/>
+              </a:schemeClr>
+            </a:solidFill>
+            <a:ln>
+              <a:noFill/>
+            </a:ln>
+            <a:effectLst/>
+          </p:spPr>
+          <p:style>
+            <a:lnRef idx="1">
+              <a:schemeClr val="accent1"/>
+            </a:lnRef>
+            <a:fillRef idx="3">
+              <a:schemeClr val="accent1"/>
+            </a:fillRef>
+            <a:effectRef idx="2">
+              <a:schemeClr val="accent1"/>
+            </a:effectRef>
+            <a:fontRef idx="minor">
+              <a:schemeClr val="lt1"/>
+            </a:fontRef>
+          </p:style>
+        </p:sp>
+        <p:sp>
+          <p:nvSpPr>
+            <p:cNvPr id="17" name="Rectangle 28">
+              <a:extLst>
+                <a:ext uri="{FF2B5EF4-FFF2-40B4-BE49-F238E27FC236}">
+                  <a16:creationId xmlns:a16="http://schemas.microsoft.com/office/drawing/2014/main" id="{34635A4D-E9CE-4B78-912A-479EA4512B14}"/>
+                </a:ext>
+                <a:ext uri="{C183D7F6-B498-43B3-948B-1728B52AA6E4}">
+                  <adec:decorative xmlns:adec="http://schemas.microsoft.com/office/drawing/2017/decorative" val="1"/>
+                </a:ext>
+              </a:extLst>
+            </p:cNvPr>
+            <p:cNvSpPr/>
+            <p:nvPr>
+              <p:extLst>
+                <p:ext uri="{386F3935-93C4-4BCD-93E2-E3B085C9AB24}">
+                  <p16:designElem xmlns:p16="http://schemas.microsoft.com/office/powerpoint/2015/main" val="1"/>
+                </p:ext>
+              </p:extLst>
+            </p:nvPr>
+          </p:nvSpPr>
+          <p:spPr>
+            <a:xfrm>
+              <a:off x="10898730" y="-8467"/>
+              <a:ext cx="1290094" cy="6866467"/>
+            </a:xfrm>
+            <a:custGeom>
+              <a:avLst/>
+              <a:gdLst/>
+              <a:ahLst/>
+              <a:cxnLst/>
+              <a:rect l="l" t="t" r="r" b="b"/>
+              <a:pathLst>
+                <a:path w="1290094" h="6858000">
+                  <a:moveTo>
+                    <a:pt x="1019735" y="0"/>
+                  </a:moveTo>
+                  <a:lnTo>
+                    <a:pt x="1290094" y="0"/>
+                  </a:lnTo>
+                  <a:lnTo>
+                    <a:pt x="1290094" y="6858000"/>
+                  </a:lnTo>
+                  <a:lnTo>
+                    <a:pt x="0" y="6858000"/>
+                  </a:lnTo>
+                  <a:lnTo>
+                    <a:pt x="1019735" y="0"/>
+                  </a:lnTo>
+                  <a:close/>
+                </a:path>
+              </a:pathLst>
+            </a:custGeom>
+            <a:solidFill>
+              <a:schemeClr val="accent1">
+                <a:lumMod val="60000"/>
+                <a:lumOff val="40000"/>
+                <a:alpha val="70000"/>
+              </a:schemeClr>
+            </a:solidFill>
+            <a:ln>
+              <a:noFill/>
+            </a:ln>
+            <a:effectLst/>
+          </p:spPr>
+          <p:style>
+            <a:lnRef idx="1">
+              <a:schemeClr val="accent1"/>
+            </a:lnRef>
+            <a:fillRef idx="3">
+              <a:schemeClr val="accent1"/>
+            </a:fillRef>
+            <a:effectRef idx="2">
+              <a:schemeClr val="accent1"/>
+            </a:effectRef>
+            <a:fontRef idx="minor">
+              <a:schemeClr val="lt1"/>
+            </a:fontRef>
+          </p:style>
+        </p:sp>
+        <p:sp>
+          <p:nvSpPr>
+            <p:cNvPr id="18" name="Rectangle 29">
+              <a:extLst>
+                <a:ext uri="{FF2B5EF4-FFF2-40B4-BE49-F238E27FC236}">
+                  <a16:creationId xmlns:a16="http://schemas.microsoft.com/office/drawing/2014/main" id="{D663A5EE-5581-44F3-8F98-688755F63EA2}"/>
+                </a:ext>
+                <a:ext uri="{C183D7F6-B498-43B3-948B-1728B52AA6E4}">
+                  <adec:decorative xmlns:adec="http://schemas.microsoft.com/office/drawing/2017/decorative" val="1"/>
+                </a:ext>
+              </a:extLst>
+            </p:cNvPr>
+            <p:cNvSpPr/>
+            <p:nvPr>
+              <p:extLst>
+                <p:ext uri="{386F3935-93C4-4BCD-93E2-E3B085C9AB24}">
+                  <p16:designElem xmlns:p16="http://schemas.microsoft.com/office/powerpoint/2015/main" val="1"/>
+                </p:ext>
+              </p:extLst>
+            </p:nvPr>
+          </p:nvSpPr>
+          <p:spPr>
+            <a:xfrm>
+              <a:off x="10938999" y="-8467"/>
+              <a:ext cx="1249825" cy="6866467"/>
+            </a:xfrm>
+            <a:custGeom>
+              <a:avLst/>
+              <a:gdLst/>
+              <a:ahLst/>
+              <a:cxnLst/>
+              <a:rect l="l" t="t" r="r" b="b"/>
+              <a:pathLst>
+                <a:path w="1249825" h="6858000">
+                  <a:moveTo>
+                    <a:pt x="0" y="0"/>
+                  </a:moveTo>
+                  <a:lnTo>
+                    <a:pt x="1249825" y="0"/>
+                  </a:lnTo>
+                  <a:lnTo>
+                    <a:pt x="1249825" y="6858000"/>
+                  </a:lnTo>
+                  <a:lnTo>
+                    <a:pt x="1109382" y="6858000"/>
+                  </a:lnTo>
+                  <a:lnTo>
+                    <a:pt x="0" y="0"/>
+                  </a:lnTo>
+                  <a:close/>
+                </a:path>
+              </a:pathLst>
+            </a:custGeom>
+            <a:solidFill>
+              <a:schemeClr val="accent1">
+                <a:alpha val="65000"/>
+              </a:schemeClr>
+            </a:solidFill>
+            <a:ln>
+              <a:noFill/>
+            </a:ln>
+            <a:effectLst/>
+          </p:spPr>
+          <p:style>
+            <a:lnRef idx="1">
+              <a:schemeClr val="accent1"/>
+            </a:lnRef>
+            <a:fillRef idx="3">
+              <a:schemeClr val="accent1"/>
+            </a:fillRef>
+            <a:effectRef idx="2">
+              <a:schemeClr val="accent1"/>
+            </a:effectRef>
+            <a:fontRef idx="minor">
+              <a:schemeClr val="lt1"/>
+            </a:fontRef>
+          </p:style>
+        </p:sp>
+        <p:sp>
+          <p:nvSpPr>
+            <p:cNvPr id="19" name="Isosceles Triangle 18">
+              <a:extLst>
+                <a:ext uri="{FF2B5EF4-FFF2-40B4-BE49-F238E27FC236}">
+                  <a16:creationId xmlns:a16="http://schemas.microsoft.com/office/drawing/2014/main" id="{B1E84E6A-F5AE-4F4D-98F2-82FE4FCC2656}"/>
+                </a:ext>
+                <a:ext uri="{C183D7F6-B498-43B3-948B-1728B52AA6E4}">
+                  <adec:decorative xmlns:adec="http://schemas.microsoft.com/office/drawing/2017/decorative" val="1"/>
+                </a:ext>
+              </a:extLst>
+            </p:cNvPr>
+            <p:cNvSpPr/>
+            <p:nvPr>
+              <p:extLst>
+                <p:ext uri="{386F3935-93C4-4BCD-93E2-E3B085C9AB24}">
+                  <p16:designElem xmlns:p16="http://schemas.microsoft.com/office/powerpoint/2015/main" val="1"/>
+                </p:ext>
+              </p:extLst>
+            </p:nvPr>
+          </p:nvSpPr>
+          <p:spPr>
+            <a:xfrm>
+              <a:off x="10371666" y="3589867"/>
+              <a:ext cx="1817159" cy="3268133"/>
+            </a:xfrm>
+            <a:prstGeom prst="triangle">
+              <a:avLst>
+                <a:gd name="adj" fmla="val 100000"/>
+              </a:avLst>
+            </a:prstGeom>
+            <a:solidFill>
+              <a:schemeClr val="accent1">
+                <a:alpha val="80000"/>
+              </a:schemeClr>
+            </a:solidFill>
+            <a:ln>
+              <a:noFill/>
+            </a:ln>
+            <a:effectLst/>
+          </p:spPr>
+          <p:style>
+            <a:lnRef idx="1">
+              <a:schemeClr val="accent1"/>
+            </a:lnRef>
+            <a:fillRef idx="3">
+              <a:schemeClr val="accent1"/>
+            </a:fillRef>
+            <a:effectRef idx="2">
+              <a:schemeClr val="accent1"/>
+            </a:effectRef>
+            <a:fontRef idx="minor">
+              <a:schemeClr val="lt1"/>
+            </a:fontRef>
+          </p:style>
+        </p:sp>
+        <p:sp>
+          <p:nvSpPr>
+            <p:cNvPr id="20" name="Isosceles Triangle 19">
+              <a:extLst>
+                <a:ext uri="{FF2B5EF4-FFF2-40B4-BE49-F238E27FC236}">
+                  <a16:creationId xmlns:a16="http://schemas.microsoft.com/office/drawing/2014/main" id="{DDE7DDC9-17D4-4686-833D-48F8733B49EE}"/>
+                </a:ext>
+                <a:ext uri="{C183D7F6-B498-43B3-948B-1728B52AA6E4}">
+                  <adec:decorative xmlns:adec="http://schemas.microsoft.com/office/drawing/2017/decorative" val="1"/>
+                </a:ext>
+              </a:extLst>
+            </p:cNvPr>
+            <p:cNvSpPr/>
+            <p:nvPr>
+              <p:extLst>
+                <p:ext uri="{386F3935-93C4-4BCD-93E2-E3B085C9AB24}">
+                  <p16:designElem xmlns:p16="http://schemas.microsoft.com/office/powerpoint/2015/main" val="1"/>
+                </p:ext>
+              </p:extLst>
+            </p:nvPr>
+          </p:nvSpPr>
+          <p:spPr>
+            <a:xfrm>
+              <a:off x="0" y="4013200"/>
+              <a:ext cx="448733" cy="2844800"/>
+            </a:xfrm>
+            <a:prstGeom prst="triangle">
+              <a:avLst>
+                <a:gd name="adj" fmla="val 0"/>
+              </a:avLst>
+            </a:prstGeom>
+            <a:solidFill>
+              <a:schemeClr val="accent1">
+                <a:alpha val="85000"/>
+              </a:schemeClr>
+            </a:solidFill>
+            <a:ln>
+              <a:noFill/>
+            </a:ln>
+            <a:effectLst/>
+          </p:spPr>
+          <p:style>
+            <a:lnRef idx="1">
+              <a:schemeClr val="accent1"/>
+            </a:lnRef>
+            <a:fillRef idx="3">
+              <a:schemeClr val="accent1"/>
+            </a:fillRef>
+            <a:effectRef idx="2">
+              <a:schemeClr val="accent1"/>
+            </a:effectRef>
+            <a:fontRef idx="minor">
+              <a:schemeClr val="lt1"/>
+            </a:fontRef>
+          </p:style>
+        </p:sp>
+      </p:grpSp>
+      <p:sp>
+        <p:nvSpPr>
+          <p:cNvPr id="2" name="כותרת 1">
+            <a:extLst>
+              <a:ext uri="{FF2B5EF4-FFF2-40B4-BE49-F238E27FC236}">
+                <a16:creationId xmlns:a16="http://schemas.microsoft.com/office/drawing/2014/main" id="{42F357A3-B4F5-4866-B980-B4E968CAC593}"/>
+              </a:ext>
+            </a:extLst>
+          </p:cNvPr>
+          <p:cNvSpPr>
+            <a:spLocks noGrp="1"/>
+          </p:cNvSpPr>
+          <p:nvPr>
+            <p:ph type="title"/>
+          </p:nvPr>
+        </p:nvSpPr>
+        <p:spPr>
+          <a:xfrm>
+            <a:off x="677334" y="609600"/>
+            <a:ext cx="8596668" cy="1320800"/>
+          </a:xfrm>
+        </p:spPr>
+        <p:txBody>
+          <a:bodyPr>
+            <a:normAutofit/>
+          </a:bodyPr>
+          <a:lstStyle/>
+          <a:p>
+            <a:r>
+              <a:rPr lang="en-US" dirty="0"/>
+              <a:t>Conclusion</a:t>
+            </a:r>
+            <a:endParaRPr lang="he-IL" dirty="0"/>
+          </a:p>
+        </p:txBody>
+      </p:sp>
+      <p:sp>
+        <p:nvSpPr>
+          <p:cNvPr id="3" name="מציין מיקום תוכן 2">
+            <a:extLst>
+              <a:ext uri="{FF2B5EF4-FFF2-40B4-BE49-F238E27FC236}">
+                <a16:creationId xmlns:a16="http://schemas.microsoft.com/office/drawing/2014/main" id="{C3BCF87B-952F-4EBA-941C-C9EE44501386}"/>
+              </a:ext>
+            </a:extLst>
+          </p:cNvPr>
+          <p:cNvSpPr>
+            <a:spLocks noGrp="1"/>
+          </p:cNvSpPr>
+          <p:nvPr>
+            <p:ph idx="1"/>
+          </p:nvPr>
+        </p:nvSpPr>
+        <p:spPr>
+          <a:xfrm>
+            <a:off x="677334" y="1258784"/>
+            <a:ext cx="8596668" cy="5303941"/>
+          </a:xfrm>
+        </p:spPr>
+        <p:txBody>
+          <a:bodyPr>
+            <a:normAutofit/>
+          </a:bodyPr>
+          <a:lstStyle/>
+          <a:p>
+            <a:pPr algn="l" rtl="0"/>
+            <a:r>
+              <a:rPr lang="en-US" dirty="0"/>
+              <a:t>As we can see by the AVG results we have several conclusions:</a:t>
+            </a:r>
+          </a:p>
+          <a:p>
+            <a:pPr algn="l" rtl="0"/>
+            <a:r>
+              <a:rPr lang="en-US" dirty="0"/>
+              <a:t>If we compare the shuffled dataset before and after attack with original feature extraction (1 and 2) we can see a downgrade because of our attack </a:t>
+            </a:r>
+            <a:br>
+              <a:rPr lang="en-US" dirty="0"/>
+            </a:br>
+            <a:r>
+              <a:rPr lang="en-US" dirty="0"/>
+              <a:t>[</a:t>
+            </a:r>
+            <a:r>
+              <a:rPr lang="en-US" sz="1800" dirty="0"/>
+              <a:t>0.9817417332322785 </a:t>
+            </a:r>
+            <a:r>
+              <a:rPr lang="en-US" dirty="0">
+                <a:sym typeface="Wingdings" panose="05000000000000000000" pitchFamily="2" charset="2"/>
+              </a:rPr>
+              <a:t>&lt;--&gt; </a:t>
+            </a:r>
+            <a:r>
+              <a:rPr lang="en-US" sz="1800" dirty="0"/>
+              <a:t>0.9324917746674831</a:t>
+            </a:r>
+            <a:r>
+              <a:rPr lang="en-US" dirty="0"/>
+              <a:t>]</a:t>
+            </a:r>
+          </a:p>
+          <a:p>
+            <a:pPr algn="l" rtl="0"/>
+            <a:r>
+              <a:rPr lang="en-US" dirty="0"/>
+              <a:t>If we compare the 20-test malicious dataset before and after attack with original feature extraction (3 and 4) we can see a downgrade again, because of our attack.</a:t>
+            </a:r>
+            <a:br>
+              <a:rPr lang="en-US" dirty="0"/>
+            </a:br>
+            <a:r>
+              <a:rPr lang="en-US" dirty="0"/>
+              <a:t>[</a:t>
+            </a:r>
+            <a:r>
+              <a:rPr lang="en-US" sz="1800" dirty="0"/>
+              <a:t>0.7596068075209216 </a:t>
+            </a:r>
+            <a:r>
+              <a:rPr lang="en-US" dirty="0">
+                <a:sym typeface="Wingdings" panose="05000000000000000000" pitchFamily="2" charset="2"/>
+              </a:rPr>
+              <a:t>&lt;--&gt; </a:t>
+            </a:r>
+            <a:r>
+              <a:rPr lang="en-US" sz="1800" dirty="0"/>
+              <a:t>0.716718878732844</a:t>
+            </a:r>
+            <a:r>
+              <a:rPr lang="en-US" dirty="0"/>
+              <a:t>]</a:t>
+            </a:r>
+          </a:p>
+          <a:p>
+            <a:pPr algn="l" rtl="0"/>
+            <a:r>
+              <a:rPr lang="en-US" dirty="0"/>
+              <a:t>If we compare the shuffled dataset after attack with and without improvement feature extraction (2 and 5) we can see an upgrade because of our attack detection.</a:t>
+            </a:r>
+            <a:br>
+              <a:rPr lang="en-US" dirty="0"/>
+            </a:br>
+            <a:r>
+              <a:rPr lang="en-US" dirty="0"/>
+              <a:t>[</a:t>
+            </a:r>
+            <a:r>
+              <a:rPr lang="en-US" sz="1800" dirty="0"/>
+              <a:t>0.9324917746674831 </a:t>
+            </a:r>
+            <a:r>
+              <a:rPr lang="en-US" dirty="0">
+                <a:sym typeface="Wingdings" panose="05000000000000000000" pitchFamily="2" charset="2"/>
+              </a:rPr>
+              <a:t>&lt;--&gt; </a:t>
+            </a:r>
+            <a:r>
+              <a:rPr lang="en-US" sz="1800" dirty="0"/>
+              <a:t>0.9513135279950091</a:t>
+            </a:r>
+            <a:r>
+              <a:rPr lang="en-US" dirty="0"/>
+              <a:t>]</a:t>
+            </a:r>
+          </a:p>
+          <a:p>
+            <a:pPr algn="l" rtl="0"/>
+            <a:r>
+              <a:rPr lang="en-US" dirty="0"/>
+              <a:t>If we compare the 20-test malicious dataset after attack with and without improvement feature extraction (4 and 6) we can see an upgrade because of our attack detection.</a:t>
+            </a:r>
+            <a:br>
+              <a:rPr lang="en-US" dirty="0"/>
+            </a:br>
+            <a:r>
+              <a:rPr lang="en-US" dirty="0"/>
+              <a:t>[</a:t>
+            </a:r>
+            <a:r>
+              <a:rPr lang="en-US" sz="1800" dirty="0"/>
+              <a:t>0.716718878732844 </a:t>
+            </a:r>
+            <a:r>
+              <a:rPr lang="en-US" dirty="0">
+                <a:sym typeface="Wingdings" panose="05000000000000000000" pitchFamily="2" charset="2"/>
+              </a:rPr>
+              <a:t>&lt;--&gt; </a:t>
+            </a:r>
+            <a:r>
+              <a:rPr lang="en-US" sz="1800" dirty="0"/>
+              <a:t>0.7590800275903617</a:t>
+            </a:r>
+            <a:r>
+              <a:rPr lang="en-US" dirty="0"/>
+              <a:t>]</a:t>
+            </a:r>
+          </a:p>
+          <a:p>
+            <a:pPr algn="l" rtl="0"/>
+            <a:endParaRPr lang="en-US" dirty="0"/>
+          </a:p>
+          <a:p>
+            <a:pPr algn="l" rtl="0"/>
+            <a:endParaRPr lang="en-US" dirty="0"/>
+          </a:p>
+          <a:p>
+            <a:pPr algn="l" rtl="0"/>
+            <a:endParaRPr lang="en-US" dirty="0"/>
+          </a:p>
+        </p:txBody>
+      </p:sp>
+    </p:spTree>
+    <p:extLst>
+      <p:ext uri="{BB962C8B-B14F-4D97-AF65-F5344CB8AC3E}">
+        <p14:creationId xmlns:p14="http://schemas.microsoft.com/office/powerpoint/2010/main" val="1907848444"/>
       </p:ext>
     </p:extLst>
   </p:cSld>
@@ -9595,6 +17518,899 @@
     <p:extLst>
       <p:ext uri="{BB962C8B-B14F-4D97-AF65-F5344CB8AC3E}">
         <p14:creationId xmlns:p14="http://schemas.microsoft.com/office/powerpoint/2010/main" val="4021741085"/>
+      </p:ext>
+    </p:extLst>
+  </p:cSld>
+  <p:clrMapOvr>
+    <a:overrideClrMapping bg1="dk1" tx1="lt1" bg2="dk2" tx2="lt2" accent1="accent1" accent2="accent2" accent3="accent3" accent4="accent4" accent5="accent5" accent6="accent6" hlink="hlink" folHlink="folHlink"/>
+  </p:clrMapOvr>
+</p:sld>
+</file>
+
+<file path=ppt/slides/slide20.xml><?xml version="1.0" encoding="utf-8"?>
+<p:sld xmlns:a="http://schemas.openxmlformats.org/drawingml/2006/main" xmlns:r="http://schemas.openxmlformats.org/officeDocument/2006/relationships" xmlns:p="http://schemas.openxmlformats.org/presentationml/2006/main">
+  <p:cSld>
+    <p:bg>
+      <p:bgPr>
+        <a:solidFill>
+          <a:schemeClr val="bg2"/>
+        </a:solidFill>
+        <a:effectLst/>
+      </p:bgPr>
+    </p:bg>
+    <p:spTree>
+      <p:nvGrpSpPr>
+        <p:cNvPr id="1" name=""/>
+        <p:cNvGrpSpPr/>
+        <p:nvPr/>
+      </p:nvGrpSpPr>
+      <p:grpSpPr>
+        <a:xfrm>
+          <a:off x="0" y="0"/>
+          <a:ext cx="0" cy="0"/>
+          <a:chOff x="0" y="0"/>
+          <a:chExt cx="0" cy="0"/>
+        </a:xfrm>
+      </p:grpSpPr>
+      <p:sp useBgFill="1">
+        <p:nvSpPr>
+          <p:cNvPr id="8" name="Rectangle 7">
+            <a:extLst>
+              <a:ext uri="{FF2B5EF4-FFF2-40B4-BE49-F238E27FC236}">
+                <a16:creationId xmlns:a16="http://schemas.microsoft.com/office/drawing/2014/main" id="{86C16C40-7C29-4ACC-B851-7E08E459B596}"/>
+              </a:ext>
+              <a:ext uri="{C183D7F6-B498-43B3-948B-1728B52AA6E4}">
+                <adec:decorative xmlns:adec="http://schemas.microsoft.com/office/drawing/2017/decorative" val="1"/>
+              </a:ext>
+            </a:extLst>
+          </p:cNvPr>
+          <p:cNvSpPr>
+            <a:spLocks noGrp="1" noRot="1" noChangeAspect="1" noMove="1" noResize="1" noEditPoints="1" noAdjustHandles="1" noChangeArrowheads="1" noChangeShapeType="1" noTextEdit="1"/>
+          </p:cNvSpPr>
+          <p:nvPr>
+            <p:extLst>
+              <p:ext uri="{386F3935-93C4-4BCD-93E2-E3B085C9AB24}">
+                <p16:designElem xmlns:p16="http://schemas.microsoft.com/office/powerpoint/2015/main" val="1"/>
+              </p:ext>
+            </p:extLst>
+          </p:nvPr>
+        </p:nvSpPr>
+        <p:spPr>
+          <a:xfrm>
+            <a:off x="0" y="0"/>
+            <a:ext cx="12192000" cy="6858000"/>
+          </a:xfrm>
+          <a:prstGeom prst="rect">
+            <a:avLst/>
+          </a:prstGeom>
+          <a:ln>
+            <a:noFill/>
+          </a:ln>
+        </p:spPr>
+        <p:style>
+          <a:lnRef idx="2">
+            <a:schemeClr val="accent1">
+              <a:shade val="50000"/>
+            </a:schemeClr>
+          </a:lnRef>
+          <a:fillRef idx="1">
+            <a:schemeClr val="accent1"/>
+          </a:fillRef>
+          <a:effectRef idx="0">
+            <a:schemeClr val="accent1"/>
+          </a:effectRef>
+          <a:fontRef idx="minor">
+            <a:schemeClr val="lt1"/>
+          </a:fontRef>
+        </p:style>
+        <p:txBody>
+          <a:bodyPr rtlCol="0" anchor="ctr"/>
+          <a:lstStyle/>
+          <a:p>
+            <a:pPr algn="ctr"/>
+            <a:endParaRPr lang="en-US"/>
+          </a:p>
+        </p:txBody>
+      </p:sp>
+      <p:grpSp>
+        <p:nvGrpSpPr>
+          <p:cNvPr id="10" name="Group 9">
+            <a:extLst>
+              <a:ext uri="{FF2B5EF4-FFF2-40B4-BE49-F238E27FC236}">
+                <a16:creationId xmlns:a16="http://schemas.microsoft.com/office/drawing/2014/main" id="{CDD733AE-DD5E-4C77-8BCD-72BF12A06BB1}"/>
+              </a:ext>
+              <a:ext uri="{C183D7F6-B498-43B3-948B-1728B52AA6E4}">
+                <adec:decorative xmlns:adec="http://schemas.microsoft.com/office/drawing/2017/decorative" val="1"/>
+              </a:ext>
+            </a:extLst>
+          </p:cNvPr>
+          <p:cNvGrpSpPr>
+            <a:grpSpLocks noGrp="1" noUngrp="1" noRot="1" noChangeAspect="1" noMove="1" noResize="1"/>
+          </p:cNvGrpSpPr>
+          <p:nvPr>
+            <p:extLst>
+              <p:ext uri="{386F3935-93C4-4BCD-93E2-E3B085C9AB24}">
+                <p16:designElem xmlns:p16="http://schemas.microsoft.com/office/powerpoint/2015/main" val="1"/>
+              </p:ext>
+            </p:extLst>
+          </p:nvPr>
+        </p:nvGrpSpPr>
+        <p:grpSpPr>
+          <a:xfrm>
+            <a:off x="0" y="-8467"/>
+            <a:ext cx="12192000" cy="6866467"/>
+            <a:chOff x="0" y="-8467"/>
+            <a:chExt cx="12192000" cy="6866467"/>
+          </a:xfrm>
+        </p:grpSpPr>
+        <p:cxnSp>
+          <p:nvCxnSpPr>
+            <p:cNvPr id="11" name="Straight Connector 10">
+              <a:extLst>
+                <a:ext uri="{FF2B5EF4-FFF2-40B4-BE49-F238E27FC236}">
+                  <a16:creationId xmlns:a16="http://schemas.microsoft.com/office/drawing/2014/main" id="{51DE90A4-932E-4370-BA07-30F43254C01B}"/>
+                </a:ext>
+                <a:ext uri="{C183D7F6-B498-43B3-948B-1728B52AA6E4}">
+                  <adec:decorative xmlns:adec="http://schemas.microsoft.com/office/drawing/2017/decorative" val="1"/>
+                </a:ext>
+              </a:extLst>
+            </p:cNvPr>
+            <p:cNvCxnSpPr/>
+            <p:nvPr>
+              <p:extLst>
+                <p:ext uri="{386F3935-93C4-4BCD-93E2-E3B085C9AB24}">
+                  <p16:designElem xmlns:p16="http://schemas.microsoft.com/office/powerpoint/2015/main" val="1"/>
+                </p:ext>
+              </p:extLst>
+            </p:nvPr>
+          </p:nvCxnSpPr>
+          <p:spPr>
+            <a:xfrm>
+              <a:off x="9371012" y="0"/>
+              <a:ext cx="1219200" cy="6858000"/>
+            </a:xfrm>
+            <a:prstGeom prst="line">
+              <a:avLst/>
+            </a:prstGeom>
+            <a:ln w="9525">
+              <a:solidFill>
+                <a:srgbClr val="FFFFFF"/>
+              </a:solidFill>
+            </a:ln>
+          </p:spPr>
+          <p:style>
+            <a:lnRef idx="2">
+              <a:schemeClr val="accent1"/>
+            </a:lnRef>
+            <a:fillRef idx="0">
+              <a:schemeClr val="accent1"/>
+            </a:fillRef>
+            <a:effectRef idx="1">
+              <a:schemeClr val="accent1"/>
+            </a:effectRef>
+            <a:fontRef idx="minor">
+              <a:schemeClr val="tx1"/>
+            </a:fontRef>
+          </p:style>
+        </p:cxnSp>
+        <p:cxnSp>
+          <p:nvCxnSpPr>
+            <p:cNvPr id="12" name="Straight Connector 11">
+              <a:extLst>
+                <a:ext uri="{FF2B5EF4-FFF2-40B4-BE49-F238E27FC236}">
+                  <a16:creationId xmlns:a16="http://schemas.microsoft.com/office/drawing/2014/main" id="{6A19CA4A-B208-452A-8BE4-BC6940D33D40}"/>
+                </a:ext>
+                <a:ext uri="{C183D7F6-B498-43B3-948B-1728B52AA6E4}">
+                  <adec:decorative xmlns:adec="http://schemas.microsoft.com/office/drawing/2017/decorative" val="1"/>
+                </a:ext>
+              </a:extLst>
+            </p:cNvPr>
+            <p:cNvCxnSpPr/>
+            <p:nvPr>
+              <p:extLst>
+                <p:ext uri="{386F3935-93C4-4BCD-93E2-E3B085C9AB24}">
+                  <p16:designElem xmlns:p16="http://schemas.microsoft.com/office/powerpoint/2015/main" val="1"/>
+                </p:ext>
+              </p:extLst>
+            </p:nvPr>
+          </p:nvCxnSpPr>
+          <p:spPr>
+            <a:xfrm flipH="1">
+              <a:off x="7425267" y="3681413"/>
+              <a:ext cx="4763558" cy="3176587"/>
+            </a:xfrm>
+            <a:prstGeom prst="line">
+              <a:avLst/>
+            </a:prstGeom>
+            <a:ln w="9525">
+              <a:solidFill>
+                <a:srgbClr val="FFFFFF"/>
+              </a:solidFill>
+            </a:ln>
+          </p:spPr>
+          <p:style>
+            <a:lnRef idx="2">
+              <a:schemeClr val="accent1"/>
+            </a:lnRef>
+            <a:fillRef idx="0">
+              <a:schemeClr val="accent1"/>
+            </a:fillRef>
+            <a:effectRef idx="1">
+              <a:schemeClr val="accent1"/>
+            </a:effectRef>
+            <a:fontRef idx="minor">
+              <a:schemeClr val="tx1"/>
+            </a:fontRef>
+          </p:style>
+        </p:cxnSp>
+        <p:sp>
+          <p:nvSpPr>
+            <p:cNvPr id="13" name="Rectangle 23">
+              <a:extLst>
+                <a:ext uri="{FF2B5EF4-FFF2-40B4-BE49-F238E27FC236}">
+                  <a16:creationId xmlns:a16="http://schemas.microsoft.com/office/drawing/2014/main" id="{B74F8D3E-E618-4DE3-A0CC-B4904BB5D5AB}"/>
+                </a:ext>
+                <a:ext uri="{C183D7F6-B498-43B3-948B-1728B52AA6E4}">
+                  <adec:decorative xmlns:adec="http://schemas.microsoft.com/office/drawing/2017/decorative" val="1"/>
+                </a:ext>
+              </a:extLst>
+            </p:cNvPr>
+            <p:cNvSpPr/>
+            <p:nvPr>
+              <p:extLst>
+                <p:ext uri="{386F3935-93C4-4BCD-93E2-E3B085C9AB24}">
+                  <p16:designElem xmlns:p16="http://schemas.microsoft.com/office/powerpoint/2015/main" val="1"/>
+                </p:ext>
+              </p:extLst>
+            </p:nvPr>
+          </p:nvSpPr>
+          <p:spPr>
+            <a:xfrm>
+              <a:off x="9181476" y="-8467"/>
+              <a:ext cx="3007349" cy="6866467"/>
+            </a:xfrm>
+            <a:custGeom>
+              <a:avLst/>
+              <a:gdLst/>
+              <a:ahLst/>
+              <a:cxnLst/>
+              <a:rect l="l" t="t" r="r" b="b"/>
+              <a:pathLst>
+                <a:path w="3007349" h="6866467">
+                  <a:moveTo>
+                    <a:pt x="2045532" y="0"/>
+                  </a:moveTo>
+                  <a:lnTo>
+                    <a:pt x="3007349" y="0"/>
+                  </a:lnTo>
+                  <a:lnTo>
+                    <a:pt x="3007349" y="6866467"/>
+                  </a:lnTo>
+                  <a:lnTo>
+                    <a:pt x="0" y="6866467"/>
+                  </a:lnTo>
+                  <a:lnTo>
+                    <a:pt x="2045532" y="0"/>
+                  </a:lnTo>
+                  <a:close/>
+                </a:path>
+              </a:pathLst>
+            </a:custGeom>
+            <a:solidFill>
+              <a:schemeClr val="accent1">
+                <a:alpha val="30000"/>
+              </a:schemeClr>
+            </a:solidFill>
+            <a:ln>
+              <a:noFill/>
+            </a:ln>
+            <a:effectLst/>
+          </p:spPr>
+          <p:style>
+            <a:lnRef idx="1">
+              <a:schemeClr val="accent1"/>
+            </a:lnRef>
+            <a:fillRef idx="3">
+              <a:schemeClr val="accent1"/>
+            </a:fillRef>
+            <a:effectRef idx="2">
+              <a:schemeClr val="accent1"/>
+            </a:effectRef>
+            <a:fontRef idx="minor">
+              <a:schemeClr val="lt1"/>
+            </a:fontRef>
+          </p:style>
+        </p:sp>
+        <p:sp>
+          <p:nvSpPr>
+            <p:cNvPr id="14" name="Rectangle 25">
+              <a:extLst>
+                <a:ext uri="{FF2B5EF4-FFF2-40B4-BE49-F238E27FC236}">
+                  <a16:creationId xmlns:a16="http://schemas.microsoft.com/office/drawing/2014/main" id="{299DA406-C54B-4E31-867D-FAF8DCE7045F}"/>
+                </a:ext>
+                <a:ext uri="{C183D7F6-B498-43B3-948B-1728B52AA6E4}">
+                  <adec:decorative xmlns:adec="http://schemas.microsoft.com/office/drawing/2017/decorative" val="1"/>
+                </a:ext>
+              </a:extLst>
+            </p:cNvPr>
+            <p:cNvSpPr/>
+            <p:nvPr>
+              <p:extLst>
+                <p:ext uri="{386F3935-93C4-4BCD-93E2-E3B085C9AB24}">
+                  <p16:designElem xmlns:p16="http://schemas.microsoft.com/office/powerpoint/2015/main" val="1"/>
+                </p:ext>
+              </p:extLst>
+            </p:nvPr>
+          </p:nvSpPr>
+          <p:spPr>
+            <a:xfrm>
+              <a:off x="9603442" y="-8467"/>
+              <a:ext cx="2588558" cy="6866467"/>
+            </a:xfrm>
+            <a:custGeom>
+              <a:avLst/>
+              <a:gdLst/>
+              <a:ahLst/>
+              <a:cxnLst/>
+              <a:rect l="l" t="t" r="r" b="b"/>
+              <a:pathLst>
+                <a:path w="2573311" h="6866467">
+                  <a:moveTo>
+                    <a:pt x="0" y="0"/>
+                  </a:moveTo>
+                  <a:lnTo>
+                    <a:pt x="2573311" y="0"/>
+                  </a:lnTo>
+                  <a:lnTo>
+                    <a:pt x="2573311" y="6866467"/>
+                  </a:lnTo>
+                  <a:lnTo>
+                    <a:pt x="1202336" y="6866467"/>
+                  </a:lnTo>
+                  <a:lnTo>
+                    <a:pt x="0" y="0"/>
+                  </a:lnTo>
+                  <a:close/>
+                </a:path>
+              </a:pathLst>
+            </a:custGeom>
+            <a:solidFill>
+              <a:schemeClr val="accent1">
+                <a:alpha val="20000"/>
+              </a:schemeClr>
+            </a:solidFill>
+            <a:ln>
+              <a:noFill/>
+            </a:ln>
+            <a:effectLst/>
+          </p:spPr>
+          <p:style>
+            <a:lnRef idx="1">
+              <a:schemeClr val="accent1"/>
+            </a:lnRef>
+            <a:fillRef idx="3">
+              <a:schemeClr val="accent1"/>
+            </a:fillRef>
+            <a:effectRef idx="2">
+              <a:schemeClr val="accent1"/>
+            </a:effectRef>
+            <a:fontRef idx="minor">
+              <a:schemeClr val="lt1"/>
+            </a:fontRef>
+          </p:style>
+        </p:sp>
+        <p:sp>
+          <p:nvSpPr>
+            <p:cNvPr id="15" name="Isosceles Triangle 14">
+              <a:extLst>
+                <a:ext uri="{FF2B5EF4-FFF2-40B4-BE49-F238E27FC236}">
+                  <a16:creationId xmlns:a16="http://schemas.microsoft.com/office/drawing/2014/main" id="{A1E16883-5140-47C4-A9AD-AD6598AC3EE6}"/>
+                </a:ext>
+                <a:ext uri="{C183D7F6-B498-43B3-948B-1728B52AA6E4}">
+                  <adec:decorative xmlns:adec="http://schemas.microsoft.com/office/drawing/2017/decorative" val="1"/>
+                </a:ext>
+              </a:extLst>
+            </p:cNvPr>
+            <p:cNvSpPr/>
+            <p:nvPr>
+              <p:extLst>
+                <p:ext uri="{386F3935-93C4-4BCD-93E2-E3B085C9AB24}">
+                  <p16:designElem xmlns:p16="http://schemas.microsoft.com/office/powerpoint/2015/main" val="1"/>
+                </p:ext>
+              </p:extLst>
+            </p:nvPr>
+          </p:nvSpPr>
+          <p:spPr>
+            <a:xfrm>
+              <a:off x="8932333" y="3048000"/>
+              <a:ext cx="3259667" cy="3810000"/>
+            </a:xfrm>
+            <a:prstGeom prst="triangle">
+              <a:avLst>
+                <a:gd name="adj" fmla="val 100000"/>
+              </a:avLst>
+            </a:prstGeom>
+            <a:solidFill>
+              <a:schemeClr val="accent2">
+                <a:alpha val="72000"/>
+              </a:schemeClr>
+            </a:solidFill>
+            <a:ln>
+              <a:noFill/>
+            </a:ln>
+            <a:effectLst/>
+          </p:spPr>
+          <p:style>
+            <a:lnRef idx="1">
+              <a:schemeClr val="accent1"/>
+            </a:lnRef>
+            <a:fillRef idx="3">
+              <a:schemeClr val="accent1"/>
+            </a:fillRef>
+            <a:effectRef idx="2">
+              <a:schemeClr val="accent1"/>
+            </a:effectRef>
+            <a:fontRef idx="minor">
+              <a:schemeClr val="lt1"/>
+            </a:fontRef>
+          </p:style>
+        </p:sp>
+        <p:sp>
+          <p:nvSpPr>
+            <p:cNvPr id="16" name="Rectangle 27">
+              <a:extLst>
+                <a:ext uri="{FF2B5EF4-FFF2-40B4-BE49-F238E27FC236}">
+                  <a16:creationId xmlns:a16="http://schemas.microsoft.com/office/drawing/2014/main" id="{4CD848DC-8A2A-4093-9BDD-7AF4B6A27814}"/>
+                </a:ext>
+                <a:ext uri="{C183D7F6-B498-43B3-948B-1728B52AA6E4}">
+                  <adec:decorative xmlns:adec="http://schemas.microsoft.com/office/drawing/2017/decorative" val="1"/>
+                </a:ext>
+              </a:extLst>
+            </p:cNvPr>
+            <p:cNvSpPr/>
+            <p:nvPr>
+              <p:extLst>
+                <p:ext uri="{386F3935-93C4-4BCD-93E2-E3B085C9AB24}">
+                  <p16:designElem xmlns:p16="http://schemas.microsoft.com/office/powerpoint/2015/main" val="1"/>
+                </p:ext>
+              </p:extLst>
+            </p:nvPr>
+          </p:nvSpPr>
+          <p:spPr>
+            <a:xfrm>
+              <a:off x="9334500" y="-8467"/>
+              <a:ext cx="2854326" cy="6866467"/>
+            </a:xfrm>
+            <a:custGeom>
+              <a:avLst/>
+              <a:gdLst/>
+              <a:ahLst/>
+              <a:cxnLst/>
+              <a:rect l="l" t="t" r="r" b="b"/>
+              <a:pathLst>
+                <a:path w="2858013" h="6866467">
+                  <a:moveTo>
+                    <a:pt x="0" y="0"/>
+                  </a:moveTo>
+                  <a:lnTo>
+                    <a:pt x="2858013" y="0"/>
+                  </a:lnTo>
+                  <a:lnTo>
+                    <a:pt x="2858013" y="6866467"/>
+                  </a:lnTo>
+                  <a:lnTo>
+                    <a:pt x="2473942" y="6866467"/>
+                  </a:lnTo>
+                  <a:lnTo>
+                    <a:pt x="0" y="0"/>
+                  </a:lnTo>
+                  <a:close/>
+                </a:path>
+              </a:pathLst>
+            </a:custGeom>
+            <a:solidFill>
+              <a:schemeClr val="accent2">
+                <a:lumMod val="75000"/>
+                <a:alpha val="70000"/>
+              </a:schemeClr>
+            </a:solidFill>
+            <a:ln>
+              <a:noFill/>
+            </a:ln>
+            <a:effectLst/>
+          </p:spPr>
+          <p:style>
+            <a:lnRef idx="1">
+              <a:schemeClr val="accent1"/>
+            </a:lnRef>
+            <a:fillRef idx="3">
+              <a:schemeClr val="accent1"/>
+            </a:fillRef>
+            <a:effectRef idx="2">
+              <a:schemeClr val="accent1"/>
+            </a:effectRef>
+            <a:fontRef idx="minor">
+              <a:schemeClr val="lt1"/>
+            </a:fontRef>
+          </p:style>
+        </p:sp>
+        <p:sp>
+          <p:nvSpPr>
+            <p:cNvPr id="17" name="Rectangle 28">
+              <a:extLst>
+                <a:ext uri="{FF2B5EF4-FFF2-40B4-BE49-F238E27FC236}">
+                  <a16:creationId xmlns:a16="http://schemas.microsoft.com/office/drawing/2014/main" id="{34635A4D-E9CE-4B78-912A-479EA4512B14}"/>
+                </a:ext>
+                <a:ext uri="{C183D7F6-B498-43B3-948B-1728B52AA6E4}">
+                  <adec:decorative xmlns:adec="http://schemas.microsoft.com/office/drawing/2017/decorative" val="1"/>
+                </a:ext>
+              </a:extLst>
+            </p:cNvPr>
+            <p:cNvSpPr/>
+            <p:nvPr>
+              <p:extLst>
+                <p:ext uri="{386F3935-93C4-4BCD-93E2-E3B085C9AB24}">
+                  <p16:designElem xmlns:p16="http://schemas.microsoft.com/office/powerpoint/2015/main" val="1"/>
+                </p:ext>
+              </p:extLst>
+            </p:nvPr>
+          </p:nvSpPr>
+          <p:spPr>
+            <a:xfrm>
+              <a:off x="10898730" y="-8467"/>
+              <a:ext cx="1290094" cy="6866467"/>
+            </a:xfrm>
+            <a:custGeom>
+              <a:avLst/>
+              <a:gdLst/>
+              <a:ahLst/>
+              <a:cxnLst/>
+              <a:rect l="l" t="t" r="r" b="b"/>
+              <a:pathLst>
+                <a:path w="1290094" h="6858000">
+                  <a:moveTo>
+                    <a:pt x="1019735" y="0"/>
+                  </a:moveTo>
+                  <a:lnTo>
+                    <a:pt x="1290094" y="0"/>
+                  </a:lnTo>
+                  <a:lnTo>
+                    <a:pt x="1290094" y="6858000"/>
+                  </a:lnTo>
+                  <a:lnTo>
+                    <a:pt x="0" y="6858000"/>
+                  </a:lnTo>
+                  <a:lnTo>
+                    <a:pt x="1019735" y="0"/>
+                  </a:lnTo>
+                  <a:close/>
+                </a:path>
+              </a:pathLst>
+            </a:custGeom>
+            <a:solidFill>
+              <a:schemeClr val="accent1">
+                <a:lumMod val="60000"/>
+                <a:lumOff val="40000"/>
+                <a:alpha val="70000"/>
+              </a:schemeClr>
+            </a:solidFill>
+            <a:ln>
+              <a:noFill/>
+            </a:ln>
+            <a:effectLst/>
+          </p:spPr>
+          <p:style>
+            <a:lnRef idx="1">
+              <a:schemeClr val="accent1"/>
+            </a:lnRef>
+            <a:fillRef idx="3">
+              <a:schemeClr val="accent1"/>
+            </a:fillRef>
+            <a:effectRef idx="2">
+              <a:schemeClr val="accent1"/>
+            </a:effectRef>
+            <a:fontRef idx="minor">
+              <a:schemeClr val="lt1"/>
+            </a:fontRef>
+          </p:style>
+        </p:sp>
+        <p:sp>
+          <p:nvSpPr>
+            <p:cNvPr id="18" name="Rectangle 29">
+              <a:extLst>
+                <a:ext uri="{FF2B5EF4-FFF2-40B4-BE49-F238E27FC236}">
+                  <a16:creationId xmlns:a16="http://schemas.microsoft.com/office/drawing/2014/main" id="{D663A5EE-5581-44F3-8F98-688755F63EA2}"/>
+                </a:ext>
+                <a:ext uri="{C183D7F6-B498-43B3-948B-1728B52AA6E4}">
+                  <adec:decorative xmlns:adec="http://schemas.microsoft.com/office/drawing/2017/decorative" val="1"/>
+                </a:ext>
+              </a:extLst>
+            </p:cNvPr>
+            <p:cNvSpPr/>
+            <p:nvPr>
+              <p:extLst>
+                <p:ext uri="{386F3935-93C4-4BCD-93E2-E3B085C9AB24}">
+                  <p16:designElem xmlns:p16="http://schemas.microsoft.com/office/powerpoint/2015/main" val="1"/>
+                </p:ext>
+              </p:extLst>
+            </p:nvPr>
+          </p:nvSpPr>
+          <p:spPr>
+            <a:xfrm>
+              <a:off x="10938999" y="-8467"/>
+              <a:ext cx="1249825" cy="6866467"/>
+            </a:xfrm>
+            <a:custGeom>
+              <a:avLst/>
+              <a:gdLst/>
+              <a:ahLst/>
+              <a:cxnLst/>
+              <a:rect l="l" t="t" r="r" b="b"/>
+              <a:pathLst>
+                <a:path w="1249825" h="6858000">
+                  <a:moveTo>
+                    <a:pt x="0" y="0"/>
+                  </a:moveTo>
+                  <a:lnTo>
+                    <a:pt x="1249825" y="0"/>
+                  </a:lnTo>
+                  <a:lnTo>
+                    <a:pt x="1249825" y="6858000"/>
+                  </a:lnTo>
+                  <a:lnTo>
+                    <a:pt x="1109382" y="6858000"/>
+                  </a:lnTo>
+                  <a:lnTo>
+                    <a:pt x="0" y="0"/>
+                  </a:lnTo>
+                  <a:close/>
+                </a:path>
+              </a:pathLst>
+            </a:custGeom>
+            <a:solidFill>
+              <a:schemeClr val="accent1">
+                <a:alpha val="65000"/>
+              </a:schemeClr>
+            </a:solidFill>
+            <a:ln>
+              <a:noFill/>
+            </a:ln>
+            <a:effectLst/>
+          </p:spPr>
+          <p:style>
+            <a:lnRef idx="1">
+              <a:schemeClr val="accent1"/>
+            </a:lnRef>
+            <a:fillRef idx="3">
+              <a:schemeClr val="accent1"/>
+            </a:fillRef>
+            <a:effectRef idx="2">
+              <a:schemeClr val="accent1"/>
+            </a:effectRef>
+            <a:fontRef idx="minor">
+              <a:schemeClr val="lt1"/>
+            </a:fontRef>
+          </p:style>
+        </p:sp>
+        <p:sp>
+          <p:nvSpPr>
+            <p:cNvPr id="19" name="Isosceles Triangle 18">
+              <a:extLst>
+                <a:ext uri="{FF2B5EF4-FFF2-40B4-BE49-F238E27FC236}">
+                  <a16:creationId xmlns:a16="http://schemas.microsoft.com/office/drawing/2014/main" id="{B1E84E6A-F5AE-4F4D-98F2-82FE4FCC2656}"/>
+                </a:ext>
+                <a:ext uri="{C183D7F6-B498-43B3-948B-1728B52AA6E4}">
+                  <adec:decorative xmlns:adec="http://schemas.microsoft.com/office/drawing/2017/decorative" val="1"/>
+                </a:ext>
+              </a:extLst>
+            </p:cNvPr>
+            <p:cNvSpPr/>
+            <p:nvPr>
+              <p:extLst>
+                <p:ext uri="{386F3935-93C4-4BCD-93E2-E3B085C9AB24}">
+                  <p16:designElem xmlns:p16="http://schemas.microsoft.com/office/powerpoint/2015/main" val="1"/>
+                </p:ext>
+              </p:extLst>
+            </p:nvPr>
+          </p:nvSpPr>
+          <p:spPr>
+            <a:xfrm>
+              <a:off x="10371666" y="3589867"/>
+              <a:ext cx="1817159" cy="3268133"/>
+            </a:xfrm>
+            <a:prstGeom prst="triangle">
+              <a:avLst>
+                <a:gd name="adj" fmla="val 100000"/>
+              </a:avLst>
+            </a:prstGeom>
+            <a:solidFill>
+              <a:schemeClr val="accent1">
+                <a:alpha val="80000"/>
+              </a:schemeClr>
+            </a:solidFill>
+            <a:ln>
+              <a:noFill/>
+            </a:ln>
+            <a:effectLst/>
+          </p:spPr>
+          <p:style>
+            <a:lnRef idx="1">
+              <a:schemeClr val="accent1"/>
+            </a:lnRef>
+            <a:fillRef idx="3">
+              <a:schemeClr val="accent1"/>
+            </a:fillRef>
+            <a:effectRef idx="2">
+              <a:schemeClr val="accent1"/>
+            </a:effectRef>
+            <a:fontRef idx="minor">
+              <a:schemeClr val="lt1"/>
+            </a:fontRef>
+          </p:style>
+        </p:sp>
+        <p:sp>
+          <p:nvSpPr>
+            <p:cNvPr id="20" name="Isosceles Triangle 19">
+              <a:extLst>
+                <a:ext uri="{FF2B5EF4-FFF2-40B4-BE49-F238E27FC236}">
+                  <a16:creationId xmlns:a16="http://schemas.microsoft.com/office/drawing/2014/main" id="{DDE7DDC9-17D4-4686-833D-48F8733B49EE}"/>
+                </a:ext>
+                <a:ext uri="{C183D7F6-B498-43B3-948B-1728B52AA6E4}">
+                  <adec:decorative xmlns:adec="http://schemas.microsoft.com/office/drawing/2017/decorative" val="1"/>
+                </a:ext>
+              </a:extLst>
+            </p:cNvPr>
+            <p:cNvSpPr/>
+            <p:nvPr>
+              <p:extLst>
+                <p:ext uri="{386F3935-93C4-4BCD-93E2-E3B085C9AB24}">
+                  <p16:designElem xmlns:p16="http://schemas.microsoft.com/office/powerpoint/2015/main" val="1"/>
+                </p:ext>
+              </p:extLst>
+            </p:nvPr>
+          </p:nvSpPr>
+          <p:spPr>
+            <a:xfrm>
+              <a:off x="0" y="4013200"/>
+              <a:ext cx="448733" cy="2844800"/>
+            </a:xfrm>
+            <a:prstGeom prst="triangle">
+              <a:avLst>
+                <a:gd name="adj" fmla="val 0"/>
+              </a:avLst>
+            </a:prstGeom>
+            <a:solidFill>
+              <a:schemeClr val="accent1">
+                <a:alpha val="85000"/>
+              </a:schemeClr>
+            </a:solidFill>
+            <a:ln>
+              <a:noFill/>
+            </a:ln>
+            <a:effectLst/>
+          </p:spPr>
+          <p:style>
+            <a:lnRef idx="1">
+              <a:schemeClr val="accent1"/>
+            </a:lnRef>
+            <a:fillRef idx="3">
+              <a:schemeClr val="accent1"/>
+            </a:fillRef>
+            <a:effectRef idx="2">
+              <a:schemeClr val="accent1"/>
+            </a:effectRef>
+            <a:fontRef idx="minor">
+              <a:schemeClr val="lt1"/>
+            </a:fontRef>
+          </p:style>
+        </p:sp>
+      </p:grpSp>
+      <p:sp>
+        <p:nvSpPr>
+          <p:cNvPr id="2" name="כותרת 1">
+            <a:extLst>
+              <a:ext uri="{FF2B5EF4-FFF2-40B4-BE49-F238E27FC236}">
+                <a16:creationId xmlns:a16="http://schemas.microsoft.com/office/drawing/2014/main" id="{42F357A3-B4F5-4866-B980-B4E968CAC593}"/>
+              </a:ext>
+            </a:extLst>
+          </p:cNvPr>
+          <p:cNvSpPr>
+            <a:spLocks noGrp="1"/>
+          </p:cNvSpPr>
+          <p:nvPr>
+            <p:ph type="title"/>
+          </p:nvPr>
+        </p:nvSpPr>
+        <p:spPr>
+          <a:xfrm>
+            <a:off x="677334" y="609600"/>
+            <a:ext cx="8596668" cy="1320800"/>
+          </a:xfrm>
+        </p:spPr>
+        <p:txBody>
+          <a:bodyPr>
+            <a:normAutofit/>
+          </a:bodyPr>
+          <a:lstStyle/>
+          <a:p>
+            <a:r>
+              <a:rPr lang="en-US" dirty="0"/>
+              <a:t>Conclusion</a:t>
+            </a:r>
+            <a:endParaRPr lang="he-IL" dirty="0"/>
+          </a:p>
+        </p:txBody>
+      </p:sp>
+      <p:sp>
+        <p:nvSpPr>
+          <p:cNvPr id="3" name="מציין מיקום תוכן 2">
+            <a:extLst>
+              <a:ext uri="{FF2B5EF4-FFF2-40B4-BE49-F238E27FC236}">
+                <a16:creationId xmlns:a16="http://schemas.microsoft.com/office/drawing/2014/main" id="{C3BCF87B-952F-4EBA-941C-C9EE44501386}"/>
+              </a:ext>
+            </a:extLst>
+          </p:cNvPr>
+          <p:cNvSpPr>
+            <a:spLocks noGrp="1"/>
+          </p:cNvSpPr>
+          <p:nvPr>
+            <p:ph idx="1"/>
+          </p:nvPr>
+        </p:nvSpPr>
+        <p:spPr>
+          <a:xfrm>
+            <a:off x="677334" y="1258784"/>
+            <a:ext cx="8596668" cy="5303941"/>
+          </a:xfrm>
+        </p:spPr>
+        <p:txBody>
+          <a:bodyPr>
+            <a:normAutofit/>
+          </a:bodyPr>
+          <a:lstStyle/>
+          <a:p>
+            <a:pPr algn="l" rtl="0"/>
+            <a:r>
+              <a:rPr lang="en-US" sz="2400" dirty="0"/>
+              <a:t>According to the previous slide results we can see that splitting and re-attaching strings in </a:t>
+            </a:r>
+            <a:r>
+              <a:rPr lang="en-US" sz="2400" dirty="0" err="1"/>
+              <a:t>smali</a:t>
+            </a:r>
+            <a:r>
+              <a:rPr lang="en-US" sz="2400" dirty="0"/>
+              <a:t> files within the application code can cause the Sec-svm model to be consistently less accurate and miss out some malicious application.</a:t>
+            </a:r>
+          </a:p>
+          <a:p>
+            <a:pPr algn="l" rtl="0"/>
+            <a:r>
+              <a:rPr lang="en-US" sz="2400" dirty="0"/>
+              <a:t>Also, we can see that if we add our attack to the families that Sec-svm model refer to, an upgrade to the accuracy is occurring because of the attack detection.</a:t>
+            </a:r>
+          </a:p>
+          <a:p>
+            <a:pPr algn="l" rtl="0"/>
+            <a:r>
+              <a:rPr lang="en-US" sz="2400" dirty="0"/>
+              <a:t>For conclusion, Sec-svm model is a big improvement from Drebin detection system within the detection process, but it also have breaches like we just presented.</a:t>
+            </a:r>
+          </a:p>
+          <a:p>
+            <a:pPr algn="l" rtl="0"/>
+            <a:endParaRPr lang="en-US" sz="2400" dirty="0"/>
+          </a:p>
+          <a:p>
+            <a:pPr algn="l" rtl="0"/>
+            <a:endParaRPr lang="en-US" dirty="0"/>
+          </a:p>
+        </p:txBody>
+      </p:sp>
+    </p:spTree>
+    <p:extLst>
+      <p:ext uri="{BB962C8B-B14F-4D97-AF65-F5344CB8AC3E}">
+        <p14:creationId xmlns:p14="http://schemas.microsoft.com/office/powerpoint/2010/main" val="2318210575"/>
       </p:ext>
     </p:extLst>
   </p:cSld>
@@ -15066,13 +23882,13 @@
         </p:nvSpPr>
         <p:spPr>
           <a:xfrm>
-            <a:off x="677334" y="2160589"/>
-            <a:ext cx="8596668" cy="3880773"/>
+            <a:off x="677334" y="1552575"/>
+            <a:ext cx="8596668" cy="5133975"/>
           </a:xfrm>
         </p:spPr>
         <p:txBody>
           <a:bodyPr>
-            <a:normAutofit lnSpcReduction="10000"/>
+            <a:normAutofit/>
           </a:bodyPr>
           <a:lstStyle/>
           <a:p>
@@ -15161,7 +23977,7 @@
             </a:pPr>
             <a:r>
               <a:rPr lang="en-US" sz="1500" dirty="0"/>
-              <a:t>Replacing from the 20% test dataset the malware features respectively with malware features from our newly created json file from previous step.</a:t>
+              <a:t>Run the wanted script to work with the 20% test dataset rather if we want the results before the attack-only malicious, after the attack-only malicious or after the attack-malicious and benign shuffle, respectively with our newly created json file from previous step.</a:t>
             </a:r>
           </a:p>
           <a:p>

--- a/Sec-svm-demonstration.pptx
+++ b/Sec-svm-demonstration.pptx
@@ -17,14 +17,9 @@
     <p:sldId id="266" r:id="rId11"/>
     <p:sldId id="267" r:id="rId12"/>
     <p:sldId id="270" r:id="rId13"/>
-    <p:sldId id="272" r:id="rId14"/>
-    <p:sldId id="273" r:id="rId15"/>
-    <p:sldId id="274" r:id="rId16"/>
-    <p:sldId id="275" r:id="rId17"/>
-    <p:sldId id="271" r:id="rId18"/>
-    <p:sldId id="276" r:id="rId19"/>
-    <p:sldId id="277" r:id="rId20"/>
-    <p:sldId id="278" r:id="rId21"/>
+    <p:sldId id="279" r:id="rId14"/>
+    <p:sldId id="277" r:id="rId15"/>
+    <p:sldId id="278" r:id="rId16"/>
   </p:sldIdLst>
   <p:sldSz cx="12192000" cy="6858000"/>
   <p:notesSz cx="6858000" cy="9144000"/>
@@ -7787,28 +7782,7 @@
             </a:r>
             <a:r>
               <a:rPr lang="en-US" dirty="0"/>
-              <a:t> – This script going through the new test labels and picks the malware spots in the json (mark as 1), then going to the new test dataset and picks the sha256 (generated unique key of the app) key and gets from txt file which we got (</a:t>
-            </a:r>
-            <a:r>
-              <a:rPr lang="en-US" b="0" i="0" dirty="0">
-                <a:effectLst/>
-              </a:rPr>
-              <a:t>drebin_shas256.txt) the actual app name. </a:t>
-            </a:r>
-            <a:br>
-              <a:rPr lang="en-US" b="0" i="0" dirty="0">
-                <a:effectLst/>
-              </a:rPr>
-            </a:br>
-            <a:r>
-              <a:rPr lang="en-US" b="0" i="0" dirty="0">
-                <a:effectLst/>
-              </a:rPr>
-              <a:t>Then we organize all the founded apps in one directory and performs our attack on thos</a:t>
-            </a:r>
-            <a:r>
-              <a:rPr lang="en-US" dirty="0"/>
-              <a:t>e application.</a:t>
+              <a:t> – This script going through the new test labels and picks the malware spots in the JSON (mark as 1), then going to the new test dataset and picks the sha256 (generated unique key of the app) key and gets from the txt file which we got (drebin_shas256.txt) the actual app name.  Then we organize all the founded apps in one directory and perform our attack on those applications.</a:t>
             </a:r>
           </a:p>
           <a:p>
@@ -7819,17 +7793,8 @@
             </a:r>
             <a:r>
               <a:rPr lang="en-US" dirty="0"/>
-              <a:t> – This script are called from fined.py and loops on each application that we found in the previous script and Executes the following: </a:t>
-            </a:r>
-            <a:r>
-              <a:rPr lang="en-US" dirty="0">
-                <a:latin typeface="ui-monospace"/>
-              </a:rPr>
-              <a:t>decodes the app, execute scan_and_replace.py and finally - build and sign the application afterwards.</a:t>
-            </a:r>
-          </a:p>
-          <a:p>
-            <a:pPr algn="l" rtl="0"/>
+              <a:t> – This script is called from fined.py and loops on each application that we found in the previous script and Executes the following: decodes the app, execute scan_and_replace.py and finally - build and sign the application afterward.</a:t>
+            </a:r>
             <a:endParaRPr lang="en-US" b="1" dirty="0"/>
           </a:p>
         </p:txBody>
@@ -8711,7 +8676,7 @@
               <a:rPr lang="en-US" i="0" dirty="0">
                 <a:effectLst/>
               </a:rPr>
-              <a:t>The output is one json that contains the features of those post-attack apps.</a:t>
+              <a:t>The output is one JSON that contains the features of those post-attack apps.</a:t>
             </a:r>
           </a:p>
           <a:p>
@@ -8722,7 +8687,15 @@
             </a:r>
             <a:r>
               <a:rPr lang="en-US" dirty="0"/>
-              <a:t> – This script uses the new json file that we got from previous script and then scanning the new test label places of 1’s and replaces respectively a feature from our new json instead a malware feature in the new test dataset. After all the replacement we want to run Sec-svm again on the new created dataset, so we replace the train and test old json’s with the newly created json’s.</a:t>
+              <a:t> – This script uses the new JSON file that we got from the previous script and then scanning the new test label places of 1’s and replaces respectively a feature from our new JSON instead of a malware feature in the new test dataset. After all the replacements we want to run Sec-</a:t>
+            </a:r>
+            <a:r>
+              <a:rPr lang="en-US" dirty="0" err="1"/>
+              <a:t>svm</a:t>
+            </a:r>
+            <a:r>
+              <a:rPr lang="en-US" dirty="0"/>
+              <a:t> again on the newly created dataset, so we replace the train and test old JSON files with the newly created JSON files.</a:t>
             </a:r>
           </a:p>
           <a:p>
@@ -8733,7 +8706,7 @@
             </a:r>
             <a:r>
               <a:rPr lang="en-US" dirty="0"/>
-              <a:t> – This script behaves like replace_mal.py but without the feature replacement at the end and taking only malicious app from test dataset.</a:t>
+              <a:t> –  This script behaves like replace_mal.py but without the feature replacement at the end and taking only malicious apps from the test dataset.</a:t>
             </a:r>
           </a:p>
           <a:p>
@@ -8744,7 +8717,7 @@
             </a:r>
             <a:r>
               <a:rPr lang="en-US" dirty="0"/>
-              <a:t> – This script behaves like replace_mal.py with feature replacement but taking only malicious app from test dataset.</a:t>
+              <a:t> – This script behaves like replace_mal.py with feature replacement but taking only malicious apps from the test dataset.</a:t>
             </a:r>
           </a:p>
         </p:txBody>
@@ -9617,7 +9590,7 @@
             </a:pPr>
             <a:r>
               <a:rPr lang="en-US" dirty="0"/>
-              <a:t>Original feature extraction and before attack (shuffled train-test dataset)</a:t>
+              <a:t>Original feature extraction and before the attack (shuffled train-test dataset)</a:t>
             </a:r>
           </a:p>
           <a:p>
@@ -9627,7 +9600,7 @@
             </a:pPr>
             <a:r>
               <a:rPr lang="en-US" dirty="0"/>
-              <a:t>Original feature extraction and after attack (shuffled train-test dataset)</a:t>
+              <a:t>Original feature extraction and after the attack (shuffled train-test dataset)</a:t>
             </a:r>
           </a:p>
           <a:p>
@@ -9637,7 +9610,7 @@
             </a:pPr>
             <a:r>
               <a:rPr lang="en-US" dirty="0"/>
-              <a:t>Original feature extraction and before attack (20% test-malicious, 80% train-shuffled)</a:t>
+              <a:t>Original feature extraction and before the attack (20% test-malicious, 80% train-shuffled)</a:t>
             </a:r>
           </a:p>
           <a:p>
@@ -9647,7 +9620,7 @@
             </a:pPr>
             <a:r>
               <a:rPr lang="en-US" dirty="0"/>
-              <a:t>Original feature extraction and after attack (20% test-malicious, 80% train-shuffled)</a:t>
+              <a:t>Original feature extraction and after an attack (20% test-malicious, 80% train-shuffled)</a:t>
             </a:r>
           </a:p>
           <a:p>
@@ -9657,7 +9630,7 @@
             </a:pPr>
             <a:r>
               <a:rPr lang="en-US" dirty="0"/>
-              <a:t>Improvement feature extraction and after attack (shuffled train-test dataset)</a:t>
+              <a:t>Improvement feature extraction and after an attack (shuffled train-test dataset)</a:t>
             </a:r>
           </a:p>
           <a:p>
@@ -9667,14 +9640,14 @@
             </a:pPr>
             <a:r>
               <a:rPr lang="en-US" dirty="0"/>
-              <a:t>Improvement feature extraction and after attack (20% test-malicious, 80% train-shuffled)</a:t>
+              <a:t>Improvement feature extraction and after an attack (20% test-malicious, 80% train-shuffled)</a:t>
             </a:r>
           </a:p>
           <a:p>
             <a:pPr indent="-285750" algn="l" rtl="0"/>
             <a:r>
               <a:rPr lang="en-US" dirty="0"/>
-              <a:t>In the next slides we will present each type of run with 5 results.</a:t>
+              <a:t>In the next slides, we will present AVG of each type of run with 5 results.</a:t>
             </a:r>
           </a:p>
           <a:p>
@@ -10495,53 +10468,8 @@
         </p:nvSpPr>
         <p:spPr>
           <a:xfrm>
-            <a:off x="199808" y="266700"/>
-            <a:ext cx="9838266" cy="1320800"/>
-          </a:xfrm>
-        </p:spPr>
-        <p:txBody>
-          <a:bodyPr>
-            <a:normAutofit fontScale="90000"/>
-          </a:bodyPr>
-          <a:lstStyle/>
-          <a:p>
-            <a:r>
-              <a:rPr lang="en-US" dirty="0"/>
-              <a:t>Original feature extraction and before attack (shuffled train-test dataset)</a:t>
-            </a:r>
-            <a:br>
-              <a:rPr lang="en-US" dirty="0"/>
-            </a:br>
-            <a:br>
-              <a:rPr lang="en-US" dirty="0"/>
-            </a:br>
-            <a:br>
-              <a:rPr lang="en-US" dirty="0"/>
-            </a:br>
-            <a:endParaRPr lang="he-IL" dirty="0"/>
-          </a:p>
-        </p:txBody>
-      </p:sp>
-      <p:sp>
-        <p:nvSpPr>
-          <p:cNvPr id="3" name="מציין מיקום תוכן 2">
-            <a:extLst>
-              <a:ext uri="{FF2B5EF4-FFF2-40B4-BE49-F238E27FC236}">
-                <a16:creationId xmlns:a16="http://schemas.microsoft.com/office/drawing/2014/main" id="{C3BCF87B-952F-4EBA-941C-C9EE44501386}"/>
-              </a:ext>
-            </a:extLst>
-          </p:cNvPr>
-          <p:cNvSpPr>
-            <a:spLocks noGrp="1"/>
-          </p:cNvSpPr>
-          <p:nvPr>
-            <p:ph idx="1"/>
-          </p:nvPr>
-        </p:nvSpPr>
-        <p:spPr>
-          <a:xfrm>
-            <a:off x="677334" y="1600200"/>
-            <a:ext cx="8596668" cy="4962525"/>
+            <a:off x="359130" y="-25400"/>
+            <a:ext cx="8596668" cy="776171"/>
           </a:xfrm>
         </p:spPr>
         <p:txBody>
@@ -10550,134 +10478,449 @@
           </a:bodyPr>
           <a:lstStyle/>
           <a:p>
-            <a:pPr marL="400050" algn="l" rtl="0">
-              <a:buFont typeface="+mj-lt"/>
-              <a:buAutoNum type="arabicPeriod"/>
-            </a:pPr>
-            <a:r>
-              <a:rPr lang="en-US" dirty="0" err="1"/>
-              <a:t>accuracy_score</a:t>
-            </a:r>
             <a:r>
               <a:rPr lang="en-US" dirty="0"/>
-              <a:t> 0.9806325850468465</a:t>
-            </a:r>
-            <a:br>
-              <a:rPr lang="en-US" dirty="0"/>
-            </a:br>
-            <a:r>
-              <a:rPr lang="en-US" dirty="0"/>
-              <a:t>processing time is  21.198532104492188  seconds</a:t>
-            </a:r>
-          </a:p>
-          <a:p>
-            <a:pPr marL="400050" algn="l" rtl="0">
-              <a:buFont typeface="+mj-lt"/>
-              <a:buAutoNum type="arabicPeriod"/>
-            </a:pPr>
-            <a:r>
-              <a:rPr lang="en-US" dirty="0" err="1"/>
-              <a:t>accuracy_score</a:t>
-            </a:r>
-            <a:r>
-              <a:rPr lang="en-US" dirty="0"/>
-              <a:t> 0.9822674966987361</a:t>
-            </a:r>
-            <a:br>
-              <a:rPr lang="en-US" dirty="0"/>
-            </a:br>
-            <a:r>
-              <a:rPr lang="en-US" dirty="0"/>
-              <a:t>processing time is  21.743186473846436  seconds</a:t>
-            </a:r>
-          </a:p>
-          <a:p>
-            <a:pPr marL="400050" algn="l" rtl="0">
-              <a:buFont typeface="+mj-lt"/>
-              <a:buAutoNum type="arabicPeriod"/>
-            </a:pPr>
-            <a:r>
-              <a:rPr lang="en-US" dirty="0" err="1"/>
-              <a:t>accuracy_score</a:t>
-            </a:r>
-            <a:r>
-              <a:rPr lang="en-US" dirty="0"/>
-              <a:t> 0.9828456214528467</a:t>
-            </a:r>
-            <a:br>
-              <a:rPr lang="en-US" dirty="0"/>
-            </a:br>
-            <a:r>
-              <a:rPr lang="en-US" dirty="0"/>
-              <a:t>processing time is  20.32513451576233  seconds</a:t>
-            </a:r>
-          </a:p>
-          <a:p>
-            <a:pPr marL="400050" algn="l" rtl="0">
-              <a:buFont typeface="+mj-lt"/>
-              <a:buAutoNum type="arabicPeriod"/>
-            </a:pPr>
-            <a:r>
-              <a:rPr lang="en-US" dirty="0" err="1"/>
-              <a:t>accuracy_score</a:t>
-            </a:r>
-            <a:r>
-              <a:rPr lang="en-US" dirty="0"/>
-              <a:t> 0.9817015657423128</a:t>
-            </a:r>
-            <a:br>
-              <a:rPr lang="en-US" dirty="0"/>
-            </a:br>
-            <a:r>
-              <a:rPr lang="en-US" dirty="0"/>
-              <a:t>processing time is  21.39283776283264  seconds</a:t>
-            </a:r>
-          </a:p>
-          <a:p>
-            <a:pPr marL="400050" algn="l" rtl="0">
-              <a:buFont typeface="+mj-lt"/>
-              <a:buAutoNum type="arabicPeriod"/>
-            </a:pPr>
-            <a:r>
-              <a:rPr lang="en-US" dirty="0" err="1"/>
-              <a:t>accuracy_score</a:t>
-            </a:r>
-            <a:r>
-              <a:rPr lang="en-US" dirty="0"/>
-              <a:t> 0.9812613972206502</a:t>
-            </a:r>
-            <a:br>
-              <a:rPr lang="en-US" dirty="0"/>
-            </a:br>
-            <a:r>
-              <a:rPr lang="en-US" dirty="0"/>
-              <a:t>processing time is  20.686962127685547  seconds</a:t>
-            </a:r>
-          </a:p>
-          <a:p>
-            <a:pPr marL="57150" indent="0" algn="l" rtl="0">
-              <a:buNone/>
-            </a:pPr>
-            <a:endParaRPr lang="en-US" dirty="0"/>
-          </a:p>
-          <a:p>
-            <a:pPr marL="400050" algn="l" rtl="0"/>
-            <a:r>
-              <a:rPr lang="en-US" sz="2400" dirty="0"/>
-              <a:t>AVG: 0.9817417332322785 </a:t>
-            </a:r>
-            <a:r>
-              <a:rPr lang="en-US" sz="2400" dirty="0" err="1"/>
-              <a:t>acc_score</a:t>
-            </a:r>
-            <a:endParaRPr lang="en-US" sz="2400" dirty="0"/>
+              <a:t>Results</a:t>
+            </a:r>
+            <a:endParaRPr lang="he-IL" dirty="0"/>
           </a:p>
         </p:txBody>
       </p:sp>
+      <p:graphicFrame>
+        <p:nvGraphicFramePr>
+          <p:cNvPr id="22" name="טבלה 22">
+            <a:extLst>
+              <a:ext uri="{FF2B5EF4-FFF2-40B4-BE49-F238E27FC236}">
+                <a16:creationId xmlns:a16="http://schemas.microsoft.com/office/drawing/2014/main" id="{EDB54488-9229-4C7A-9F53-569F7E79ACF4}"/>
+              </a:ext>
+            </a:extLst>
+          </p:cNvPr>
+          <p:cNvGraphicFramePr>
+            <a:graphicFrameLocks noGrp="1"/>
+          </p:cNvGraphicFramePr>
+          <p:nvPr>
+            <p:ph idx="1"/>
+            <p:extLst>
+              <p:ext uri="{D42A27DB-BD31-4B8C-83A1-F6EECF244321}">
+                <p14:modId xmlns:p14="http://schemas.microsoft.com/office/powerpoint/2010/main" val="1841648826"/>
+              </p:ext>
+            </p:extLst>
+          </p:nvPr>
+        </p:nvGraphicFramePr>
+        <p:xfrm>
+          <a:off x="717675" y="626443"/>
+          <a:ext cx="9872538" cy="6036094"/>
+        </p:xfrm>
+        <a:graphic>
+          <a:graphicData uri="http://schemas.openxmlformats.org/drawingml/2006/table">
+            <a:tbl>
+              <a:tblPr rtl="1" firstRow="1" bandRow="1">
+                <a:tableStyleId>{5C22544A-7EE6-4342-B048-85BDC9FD1C3A}</a:tableStyleId>
+              </a:tblPr>
+              <a:tblGrid>
+                <a:gridCol w="4936269">
+                  <a:extLst>
+                    <a:ext uri="{9D8B030D-6E8A-4147-A177-3AD203B41FA5}">
+                      <a16:colId xmlns:a16="http://schemas.microsoft.com/office/drawing/2014/main" val="1848839694"/>
+                    </a:ext>
+                  </a:extLst>
+                </a:gridCol>
+                <a:gridCol w="4936269">
+                  <a:extLst>
+                    <a:ext uri="{9D8B030D-6E8A-4147-A177-3AD203B41FA5}">
+                      <a16:colId xmlns:a16="http://schemas.microsoft.com/office/drawing/2014/main" val="2500601606"/>
+                    </a:ext>
+                  </a:extLst>
+                </a:gridCol>
+              </a:tblGrid>
+              <a:tr h="323676">
+                <a:tc>
+                  <a:txBody>
+                    <a:bodyPr/>
+                    <a:lstStyle/>
+                    <a:p>
+                      <a:pPr algn="l" rtl="1"/>
+                      <a:r>
+                        <a:rPr lang="en-US" sz="1600" dirty="0"/>
+                        <a:t>AVG ACC_SCORE</a:t>
+                      </a:r>
+                      <a:endParaRPr lang="he-IL" sz="1600" dirty="0"/>
+                    </a:p>
+                  </a:txBody>
+                  <a:tcPr anchor="ctr"/>
+                </a:tc>
+                <a:tc>
+                  <a:txBody>
+                    <a:bodyPr/>
+                    <a:lstStyle/>
+                    <a:p>
+                      <a:pPr algn="l" rtl="1"/>
+                      <a:r>
+                        <a:rPr lang="en-US" sz="1600" dirty="0"/>
+                        <a:t>Type of Model run</a:t>
+                      </a:r>
+                      <a:endParaRPr lang="he-IL" sz="1600" dirty="0"/>
+                    </a:p>
+                  </a:txBody>
+                  <a:tcPr anchor="ctr"/>
+                </a:tc>
+                <a:extLst>
+                  <a:ext uri="{0D108BD9-81ED-4DB2-BD59-A6C34878D82A}">
+                    <a16:rowId xmlns:a16="http://schemas.microsoft.com/office/drawing/2014/main" val="2124963315"/>
+                  </a:ext>
+                </a:extLst>
+              </a:tr>
+              <a:tr h="794477">
+                <a:tc>
+                  <a:txBody>
+                    <a:bodyPr/>
+                    <a:lstStyle/>
+                    <a:p>
+                      <a:pPr algn="ctr" rtl="1"/>
+                      <a:r>
+                        <a:rPr lang="en-US" sz="1600" dirty="0"/>
+                        <a:t>0.9817417332322785</a:t>
+                      </a:r>
+                      <a:endParaRPr lang="he-IL" sz="1600" dirty="0"/>
+                    </a:p>
+                  </a:txBody>
+                  <a:tcPr anchor="ctr"/>
+                </a:tc>
+                <a:tc>
+                  <a:txBody>
+                    <a:bodyPr/>
+                    <a:lstStyle/>
+                    <a:p>
+                      <a:pPr marL="0" marR="0" lvl="0" indent="0" algn="l" defTabSz="457200" rtl="0" eaLnBrk="1" fontAlgn="auto" latinLnBrk="0" hangingPunct="1">
+                        <a:lnSpc>
+                          <a:spcPct val="100000"/>
+                        </a:lnSpc>
+                        <a:spcBef>
+                          <a:spcPts val="0"/>
+                        </a:spcBef>
+                        <a:spcAft>
+                          <a:spcPts val="0"/>
+                        </a:spcAft>
+                        <a:buClrTx/>
+                        <a:buSzTx/>
+                        <a:buFontTx/>
+                        <a:buNone/>
+                        <a:tabLst/>
+                        <a:defRPr/>
+                      </a:pPr>
+                      <a:r>
+                        <a:rPr lang="en-US" sz="1600" dirty="0"/>
+                        <a:t>1)  Original feature extraction and before the attack (shuffled train-test dataset)</a:t>
+                      </a:r>
+                    </a:p>
+                    <a:p>
+                      <a:pPr algn="l" rtl="1"/>
+                      <a:endParaRPr lang="he-IL" sz="1600" dirty="0"/>
+                    </a:p>
+                  </a:txBody>
+                  <a:tcPr anchor="ctr"/>
+                </a:tc>
+                <a:extLst>
+                  <a:ext uri="{0D108BD9-81ED-4DB2-BD59-A6C34878D82A}">
+                    <a16:rowId xmlns:a16="http://schemas.microsoft.com/office/drawing/2014/main" val="3984664789"/>
+                  </a:ext>
+                </a:extLst>
+              </a:tr>
+              <a:tr h="794477">
+                <a:tc>
+                  <a:txBody>
+                    <a:bodyPr/>
+                    <a:lstStyle/>
+                    <a:p>
+                      <a:pPr algn="ctr" rtl="1"/>
+                      <a:r>
+                        <a:rPr lang="en-US" sz="1600" dirty="0"/>
+                        <a:t>0.9324917746674831</a:t>
+                      </a:r>
+                      <a:endParaRPr lang="he-IL" sz="1600" dirty="0"/>
+                    </a:p>
+                  </a:txBody>
+                  <a:tcPr anchor="ctr"/>
+                </a:tc>
+                <a:tc>
+                  <a:txBody>
+                    <a:bodyPr/>
+                    <a:lstStyle/>
+                    <a:p>
+                      <a:pPr marL="0" marR="0" lvl="0" indent="0" algn="l" defTabSz="457200" rtl="0" eaLnBrk="1" fontAlgn="auto" latinLnBrk="0" hangingPunct="1">
+                        <a:lnSpc>
+                          <a:spcPct val="100000"/>
+                        </a:lnSpc>
+                        <a:spcBef>
+                          <a:spcPts val="0"/>
+                        </a:spcBef>
+                        <a:spcAft>
+                          <a:spcPts val="0"/>
+                        </a:spcAft>
+                        <a:buClrTx/>
+                        <a:buSzTx/>
+                        <a:buFontTx/>
+                        <a:buNone/>
+                        <a:tabLst/>
+                        <a:defRPr/>
+                      </a:pPr>
+                      <a:r>
+                        <a:rPr lang="en-US" sz="1600" dirty="0"/>
+                        <a:t>2)  Original feature extraction and after the attack (shuffled train-test dataset)</a:t>
+                      </a:r>
+                    </a:p>
+                    <a:p>
+                      <a:pPr algn="l" rtl="1"/>
+                      <a:endParaRPr lang="he-IL" sz="1600" dirty="0"/>
+                    </a:p>
+                  </a:txBody>
+                  <a:tcPr anchor="ctr"/>
+                </a:tc>
+                <a:extLst>
+                  <a:ext uri="{0D108BD9-81ED-4DB2-BD59-A6C34878D82A}">
+                    <a16:rowId xmlns:a16="http://schemas.microsoft.com/office/drawing/2014/main" val="1532026725"/>
+                  </a:ext>
+                </a:extLst>
+              </a:tr>
+              <a:tr h="997570">
+                <a:tc>
+                  <a:txBody>
+                    <a:bodyPr/>
+                    <a:lstStyle/>
+                    <a:p>
+                      <a:pPr algn="ctr" rtl="1"/>
+                      <a:r>
+                        <a:rPr lang="en-US" sz="1600" dirty="0"/>
+                        <a:t>0.7596068075209216</a:t>
+                      </a:r>
+                      <a:endParaRPr lang="he-IL" sz="1600" dirty="0"/>
+                    </a:p>
+                  </a:txBody>
+                  <a:tcPr anchor="ctr"/>
+                </a:tc>
+                <a:tc>
+                  <a:txBody>
+                    <a:bodyPr/>
+                    <a:lstStyle/>
+                    <a:p>
+                      <a:pPr marL="0" marR="0" lvl="0" indent="0" algn="l" defTabSz="457200" rtl="0" eaLnBrk="1" fontAlgn="auto" latinLnBrk="0" hangingPunct="1">
+                        <a:lnSpc>
+                          <a:spcPct val="100000"/>
+                        </a:lnSpc>
+                        <a:spcBef>
+                          <a:spcPts val="0"/>
+                        </a:spcBef>
+                        <a:spcAft>
+                          <a:spcPts val="0"/>
+                        </a:spcAft>
+                        <a:buClrTx/>
+                        <a:buSzTx/>
+                        <a:buFontTx/>
+                        <a:buNone/>
+                        <a:tabLst/>
+                        <a:defRPr/>
+                      </a:pPr>
+                      <a:r>
+                        <a:rPr lang="en-US" sz="1600" dirty="0"/>
+                        <a:t>3)  Original feature extraction and before the attack (20% test-malicious, 80% train-shuffled)</a:t>
+                      </a:r>
+                    </a:p>
+                    <a:p>
+                      <a:pPr algn="l" rtl="1"/>
+                      <a:endParaRPr lang="he-IL" sz="1600" dirty="0"/>
+                    </a:p>
+                  </a:txBody>
+                  <a:tcPr anchor="ctr"/>
+                </a:tc>
+                <a:extLst>
+                  <a:ext uri="{0D108BD9-81ED-4DB2-BD59-A6C34878D82A}">
+                    <a16:rowId xmlns:a16="http://schemas.microsoft.com/office/drawing/2014/main" val="3138853190"/>
+                  </a:ext>
+                </a:extLst>
+              </a:tr>
+              <a:tr h="997570">
+                <a:tc>
+                  <a:txBody>
+                    <a:bodyPr/>
+                    <a:lstStyle/>
+                    <a:p>
+                      <a:pPr algn="ctr" rtl="1"/>
+                      <a:r>
+                        <a:rPr lang="en-US" sz="1600" dirty="0"/>
+                        <a:t>0.716718878732844</a:t>
+                      </a:r>
+                      <a:endParaRPr lang="he-IL" sz="1600" dirty="0"/>
+                    </a:p>
+                  </a:txBody>
+                  <a:tcPr anchor="ctr"/>
+                </a:tc>
+                <a:tc>
+                  <a:txBody>
+                    <a:bodyPr/>
+                    <a:lstStyle/>
+                    <a:p>
+                      <a:pPr marL="0" marR="0" lvl="0" indent="0" algn="l" defTabSz="457200" rtl="0" eaLnBrk="1" fontAlgn="auto" latinLnBrk="0" hangingPunct="1">
+                        <a:lnSpc>
+                          <a:spcPct val="100000"/>
+                        </a:lnSpc>
+                        <a:spcBef>
+                          <a:spcPts val="0"/>
+                        </a:spcBef>
+                        <a:spcAft>
+                          <a:spcPts val="0"/>
+                        </a:spcAft>
+                        <a:buClrTx/>
+                        <a:buSzTx/>
+                        <a:buFontTx/>
+                        <a:buNone/>
+                        <a:tabLst/>
+                        <a:defRPr/>
+                      </a:pPr>
+                      <a:r>
+                        <a:rPr lang="en-US" sz="1600" dirty="0"/>
+                        <a:t>4)  Original feature extraction and after an attack </a:t>
+                      </a:r>
+                      <a:br>
+                        <a:rPr lang="en-US" sz="1600" dirty="0"/>
+                      </a:br>
+                      <a:r>
+                        <a:rPr lang="en-US" sz="1600" dirty="0"/>
+                        <a:t>(20% test-malicious, 80% train-shuffled)</a:t>
+                      </a:r>
+                    </a:p>
+                    <a:p>
+                      <a:pPr algn="l" rtl="1"/>
+                      <a:endParaRPr lang="he-IL" sz="1600" dirty="0"/>
+                    </a:p>
+                  </a:txBody>
+                  <a:tcPr anchor="ctr"/>
+                </a:tc>
+                <a:extLst>
+                  <a:ext uri="{0D108BD9-81ED-4DB2-BD59-A6C34878D82A}">
+                    <a16:rowId xmlns:a16="http://schemas.microsoft.com/office/drawing/2014/main" val="3601242089"/>
+                  </a:ext>
+                </a:extLst>
+              </a:tr>
+              <a:tr h="1029877">
+                <a:tc>
+                  <a:txBody>
+                    <a:bodyPr/>
+                    <a:lstStyle/>
+                    <a:p>
+                      <a:pPr algn="ctr" rtl="1"/>
+                      <a:r>
+                        <a:rPr lang="en-US" sz="1600" dirty="0"/>
+                        <a:t>0.9513135279950091</a:t>
+                      </a:r>
+                      <a:endParaRPr lang="he-IL" sz="1600" dirty="0"/>
+                    </a:p>
+                  </a:txBody>
+                  <a:tcPr anchor="ctr"/>
+                </a:tc>
+                <a:tc>
+                  <a:txBody>
+                    <a:bodyPr/>
+                    <a:lstStyle/>
+                    <a:p>
+                      <a:pPr marL="0" marR="0" lvl="0" indent="0" algn="l" defTabSz="457200" rtl="0" eaLnBrk="1" fontAlgn="auto" latinLnBrk="0" hangingPunct="1">
+                        <a:lnSpc>
+                          <a:spcPct val="100000"/>
+                        </a:lnSpc>
+                        <a:spcBef>
+                          <a:spcPts val="0"/>
+                        </a:spcBef>
+                        <a:spcAft>
+                          <a:spcPts val="0"/>
+                        </a:spcAft>
+                        <a:buClrTx/>
+                        <a:buSzTx/>
+                        <a:buFontTx/>
+                        <a:buNone/>
+                        <a:tabLst/>
+                        <a:defRPr/>
+                      </a:pPr>
+                      <a:r>
+                        <a:rPr lang="en-US" sz="1600" dirty="0"/>
+                        <a:t>5)  Improvement feature extraction and after an  attack  (shuffled train-test dataset)</a:t>
+                      </a:r>
+                    </a:p>
+                    <a:p>
+                      <a:pPr algn="l" rtl="1"/>
+                      <a:endParaRPr lang="he-IL" sz="1600" dirty="0"/>
+                    </a:p>
+                  </a:txBody>
+                  <a:tcPr anchor="ctr"/>
+                </a:tc>
+                <a:extLst>
+                  <a:ext uri="{0D108BD9-81ED-4DB2-BD59-A6C34878D82A}">
+                    <a16:rowId xmlns:a16="http://schemas.microsoft.com/office/drawing/2014/main" val="1681701236"/>
+                  </a:ext>
+                </a:extLst>
+              </a:tr>
+              <a:tr h="1029877">
+                <a:tc>
+                  <a:txBody>
+                    <a:bodyPr/>
+                    <a:lstStyle/>
+                    <a:p>
+                      <a:pPr algn="ctr" rtl="1"/>
+                      <a:r>
+                        <a:rPr lang="en-US" sz="1600" dirty="0"/>
+                        <a:t>0.7590800275903617</a:t>
+                      </a:r>
+                      <a:endParaRPr lang="he-IL" sz="1600" dirty="0"/>
+                    </a:p>
+                  </a:txBody>
+                  <a:tcPr anchor="ctr"/>
+                </a:tc>
+                <a:tc>
+                  <a:txBody>
+                    <a:bodyPr/>
+                    <a:lstStyle/>
+                    <a:p>
+                      <a:pPr marL="0" marR="0" lvl="0" indent="0" algn="l" defTabSz="457200" rtl="0" eaLnBrk="1" fontAlgn="auto" latinLnBrk="0" hangingPunct="1">
+                        <a:lnSpc>
+                          <a:spcPct val="100000"/>
+                        </a:lnSpc>
+                        <a:spcBef>
+                          <a:spcPts val="0"/>
+                        </a:spcBef>
+                        <a:spcAft>
+                          <a:spcPts val="0"/>
+                        </a:spcAft>
+                        <a:buClrTx/>
+                        <a:buSzTx/>
+                        <a:buFontTx/>
+                        <a:buNone/>
+                        <a:tabLst/>
+                        <a:defRPr/>
+                      </a:pPr>
+                      <a:r>
+                        <a:rPr lang="en-US" sz="1600" dirty="0"/>
+                        <a:t>6)  Improvement feature extraction and after an attack  (20% test-malicious, 80% train-shuffled)</a:t>
+                      </a:r>
+                    </a:p>
+                    <a:p>
+                      <a:pPr algn="l" rtl="0"/>
+                      <a:endParaRPr lang="he-IL" sz="1600" dirty="0"/>
+                    </a:p>
+                  </a:txBody>
+                  <a:tcPr anchor="ctr"/>
+                </a:tc>
+                <a:extLst>
+                  <a:ext uri="{0D108BD9-81ED-4DB2-BD59-A6C34878D82A}">
+                    <a16:rowId xmlns:a16="http://schemas.microsoft.com/office/drawing/2014/main" val="4206382253"/>
+                  </a:ext>
+                </a:extLst>
+              </a:tr>
+            </a:tbl>
+          </a:graphicData>
+        </a:graphic>
+      </p:graphicFrame>
     </p:spTree>
     <p:extLst>
       <p:ext uri="{BB962C8B-B14F-4D97-AF65-F5344CB8AC3E}">
-        <p14:creationId xmlns:p14="http://schemas.microsoft.com/office/powerpoint/2010/main" val="1574589536"/>
+        <p14:creationId xmlns:p14="http://schemas.microsoft.com/office/powerpoint/2010/main" val="3912054535"/>
       </p:ext>
     </p:extLst>
   </p:cSld>
@@ -11483,32 +11726,20 @@
         </p:nvSpPr>
         <p:spPr>
           <a:xfrm>
-            <a:off x="199808" y="266700"/>
-            <a:ext cx="9838266" cy="1320800"/>
+            <a:off x="677334" y="609600"/>
+            <a:ext cx="8596668" cy="1320800"/>
           </a:xfrm>
         </p:spPr>
         <p:txBody>
           <a:bodyPr>
-            <a:normAutofit fontScale="90000"/>
+            <a:normAutofit/>
           </a:bodyPr>
           <a:lstStyle/>
           <a:p>
             <a:r>
               <a:rPr lang="en-US" dirty="0"/>
-              <a:t>Original feature extraction and after attack (shuffled train-test dataset)</a:t>
-            </a:r>
-            <a:br>
-              <a:rPr lang="en-US" dirty="0"/>
-            </a:br>
-            <a:br>
-              <a:rPr lang="en-US" dirty="0"/>
-            </a:br>
-            <a:br>
-              <a:rPr lang="en-US" dirty="0"/>
-            </a:br>
-            <a:br>
-              <a:rPr lang="en-US" dirty="0"/>
-            </a:br>
+              <a:t>Conclusion</a:t>
+            </a:r>
             <a:endParaRPr lang="he-IL" dirty="0"/>
           </a:p>
         </p:txBody>
@@ -11531,8 +11762,8 @@
         </p:nvSpPr>
         <p:spPr>
           <a:xfrm>
-            <a:off x="677334" y="1600200"/>
-            <a:ext cx="8596668" cy="4962525"/>
+            <a:off x="677334" y="1258784"/>
+            <a:ext cx="8596668" cy="5303941"/>
           </a:xfrm>
         </p:spPr>
         <p:txBody>
@@ -11541,134 +11772,158 @@
           </a:bodyPr>
           <a:lstStyle/>
           <a:p>
-            <a:pPr marL="400050" algn="l" rtl="0">
-              <a:buFont typeface="+mj-lt"/>
-              <a:buAutoNum type="arabicPeriod"/>
-            </a:pPr>
-            <a:r>
-              <a:rPr lang="en-US" dirty="0" err="1"/>
-              <a:t>accuracy_score</a:t>
-            </a:r>
+            <a:pPr algn="l" rtl="0"/>
             <a:r>
               <a:rPr lang="en-US" dirty="0"/>
-              <a:t> 0.9080734406438632</a:t>
+              <a:t>As we can see by the AVG results we have several conclusions:</a:t>
+            </a:r>
+          </a:p>
+          <a:p>
+            <a:pPr algn="l" rtl="0"/>
+            <a:r>
+              <a:rPr lang="en-US" dirty="0"/>
+              <a:t>If we compare the shuffled dataset before and after the attack with the original feature extraction (1 and 2) we can see a downgrade because of our attack.</a:t>
             </a:r>
             <a:br>
               <a:rPr lang="en-US" dirty="0"/>
             </a:br>
             <a:r>
               <a:rPr lang="en-US" dirty="0"/>
-              <a:t>processing time is  37.82743859291077  seconds</a:t>
-            </a:r>
-          </a:p>
-          <a:p>
-            <a:pPr marL="400050" algn="l" rtl="0">
-              <a:buFont typeface="+mj-lt"/>
-              <a:buAutoNum type="arabicPeriod"/>
-            </a:pPr>
-            <a:r>
-              <a:rPr lang="en-US" dirty="0" err="1"/>
-              <a:t>accuracy_score</a:t>
+              <a:t>[</a:t>
+            </a:r>
+            <a:r>
+              <a:rPr lang="en-US" sz="1800" dirty="0"/>
+              <a:t>0.9817417332322785 </a:t>
+            </a:r>
+            <a:r>
+              <a:rPr lang="en-US" dirty="0">
+                <a:sym typeface="Wingdings" panose="05000000000000000000" pitchFamily="2" charset="2"/>
+              </a:rPr>
+              <a:t>&lt;--&gt; </a:t>
+            </a:r>
+            <a:r>
+              <a:rPr lang="en-US" sz="1800" dirty="0"/>
+              <a:t>0.9324917746674831</a:t>
             </a:r>
             <a:r>
               <a:rPr lang="en-US" dirty="0"/>
-              <a:t> 0.9507042253521126</a:t>
+              <a:t>]</a:t>
+            </a:r>
+          </a:p>
+          <a:p>
+            <a:pPr algn="l" rtl="0"/>
+            <a:r>
+              <a:rPr lang="en-US" dirty="0"/>
+              <a:t>If we compare the 20-test malicious dataset before and after the attack with original feature extraction (3 and 4) we can see a downgrade again, because of our attack.</a:t>
             </a:r>
             <a:br>
               <a:rPr lang="en-US" dirty="0"/>
             </a:br>
             <a:r>
               <a:rPr lang="en-US" dirty="0"/>
-              <a:t>processing time is  22.61952781677246  seconds</a:t>
-            </a:r>
-          </a:p>
-          <a:p>
-            <a:pPr marL="400050" algn="l" rtl="0">
-              <a:buFont typeface="+mj-lt"/>
-              <a:buAutoNum type="arabicPeriod"/>
-            </a:pPr>
-            <a:r>
-              <a:rPr lang="en-US" dirty="0" err="1"/>
-              <a:t>accuracy_score</a:t>
+              <a:t>[</a:t>
+            </a:r>
+            <a:r>
+              <a:rPr lang="en-US" sz="1800" dirty="0"/>
+              <a:t>0.7596068075209216 </a:t>
+            </a:r>
+            <a:r>
+              <a:rPr lang="en-US" dirty="0">
+                <a:sym typeface="Wingdings" panose="05000000000000000000" pitchFamily="2" charset="2"/>
+              </a:rPr>
+              <a:t>&lt;--&gt; </a:t>
+            </a:r>
+            <a:r>
+              <a:rPr lang="en-US" sz="1800" dirty="0"/>
+              <a:t>0.716718878732844</a:t>
             </a:r>
             <a:r>
               <a:rPr lang="en-US" dirty="0"/>
-              <a:t> 0.9368712273641852</a:t>
+              <a:t>]</a:t>
+            </a:r>
+          </a:p>
+          <a:p>
+            <a:pPr algn="l" rtl="0"/>
+            <a:r>
+              <a:rPr lang="en-US" dirty="0"/>
+              <a:t>If we compare the shuffled dataset after attack with and without improvement feature extraction (2 and 5) we can see an upgrade because of our attack detection.</a:t>
             </a:r>
             <a:br>
               <a:rPr lang="en-US" dirty="0"/>
             </a:br>
             <a:r>
               <a:rPr lang="en-US" dirty="0"/>
-              <a:t>processing time is  19.63769841194153  seconds</a:t>
-            </a:r>
-          </a:p>
-          <a:p>
-            <a:pPr marL="400050" algn="l" rtl="0">
-              <a:buFont typeface="+mj-lt"/>
-              <a:buAutoNum type="arabicPeriod"/>
-            </a:pPr>
-            <a:r>
-              <a:rPr lang="en-US" dirty="0" err="1"/>
-              <a:t>accuracy_score</a:t>
+              <a:t>[</a:t>
+            </a:r>
+            <a:r>
+              <a:rPr lang="en-US" sz="1800" dirty="0"/>
+              <a:t>0.9324917746674831 </a:t>
+            </a:r>
+            <a:r>
+              <a:rPr lang="en-US" dirty="0">
+                <a:sym typeface="Wingdings" panose="05000000000000000000" pitchFamily="2" charset="2"/>
+              </a:rPr>
+              <a:t>&lt;--&gt; </a:t>
+            </a:r>
+            <a:r>
+              <a:rPr lang="en-US" sz="1800" dirty="0"/>
+              <a:t>0.9513135279950091</a:t>
             </a:r>
             <a:r>
               <a:rPr lang="en-US" dirty="0"/>
-              <a:t> 0.9490065392354124</a:t>
+              <a:t>]</a:t>
+            </a:r>
+          </a:p>
+          <a:p>
+            <a:pPr algn="l" rtl="0"/>
+            <a:r>
+              <a:rPr lang="en-US" dirty="0"/>
+              <a:t>If we compare the 20-test malicious dataset after attack with and without improvement feature extraction (4 and 6) we can see an upgrade because of our attack detection.</a:t>
             </a:r>
             <a:br>
               <a:rPr lang="en-US" dirty="0"/>
             </a:br>
             <a:r>
               <a:rPr lang="en-US" dirty="0"/>
-              <a:t>processing time is  26.12929940223694  seconds</a:t>
-            </a:r>
-          </a:p>
-          <a:p>
-            <a:pPr marL="400050" algn="l" rtl="0">
-              <a:buFont typeface="+mj-lt"/>
-              <a:buAutoNum type="arabicPeriod"/>
-            </a:pPr>
-            <a:r>
-              <a:rPr lang="en-US" dirty="0" err="1"/>
-              <a:t>accuracy_score</a:t>
+              <a:t>[</a:t>
+            </a:r>
+            <a:r>
+              <a:rPr lang="en-US" sz="1800" dirty="0"/>
+              <a:t>0.716718878732844 </a:t>
+            </a:r>
+            <a:r>
+              <a:rPr lang="en-US" dirty="0">
+                <a:sym typeface="Wingdings" panose="05000000000000000000" pitchFamily="2" charset="2"/>
+              </a:rPr>
+              <a:t>&lt;--&gt; </a:t>
+            </a:r>
+            <a:r>
+              <a:rPr lang="en-US" sz="1800" dirty="0"/>
+              <a:t>0.7590800275903617</a:t>
             </a:r>
             <a:r>
               <a:rPr lang="en-US" dirty="0"/>
-              <a:t> 0.9178034407418423</a:t>
-            </a:r>
-            <a:br>
-              <a:rPr lang="en-US" dirty="0"/>
-            </a:br>
-            <a:r>
-              <a:rPr lang="en-US" dirty="0"/>
-              <a:t>processing time is  31.12929940294153  seconds</a:t>
-            </a:r>
-          </a:p>
-          <a:p>
-            <a:pPr marL="57150" indent="0" algn="l" rtl="0">
-              <a:buNone/>
-            </a:pPr>
+              <a:t>]</a:t>
+            </a:r>
+          </a:p>
+          <a:p>
+            <a:pPr algn="l" rtl="0"/>
             <a:endParaRPr lang="en-US" dirty="0"/>
           </a:p>
           <a:p>
-            <a:pPr marL="400050" algn="l" rtl="0"/>
-            <a:r>
-              <a:rPr lang="en-US" sz="2400" dirty="0"/>
-              <a:t>AVG: 0.9324917746674831 </a:t>
-            </a:r>
-            <a:r>
-              <a:rPr lang="en-US" sz="2400" dirty="0" err="1"/>
-              <a:t>acc_score</a:t>
-            </a:r>
-            <a:endParaRPr lang="en-US" sz="2400" dirty="0"/>
+            <a:pPr algn="l" rtl="0"/>
+            <a:endParaRPr lang="en-US" dirty="0"/>
+          </a:p>
+          <a:p>
+            <a:pPr algn="l" rtl="0"/>
+            <a:endParaRPr lang="en-US" dirty="0"/>
           </a:p>
         </p:txBody>
       </p:sp>
     </p:spTree>
     <p:extLst>
       <p:ext uri="{BB962C8B-B14F-4D97-AF65-F5344CB8AC3E}">
-        <p14:creationId xmlns:p14="http://schemas.microsoft.com/office/powerpoint/2010/main" val="411610314"/>
+        <p14:creationId xmlns:p14="http://schemas.microsoft.com/office/powerpoint/2010/main" val="1907848444"/>
       </p:ext>
     </p:extLst>
   </p:cSld>
@@ -12474,3971 +12729,6 @@
         </p:nvSpPr>
         <p:spPr>
           <a:xfrm>
-            <a:off x="199808" y="266700"/>
-            <a:ext cx="9838266" cy="1320800"/>
-          </a:xfrm>
-        </p:spPr>
-        <p:txBody>
-          <a:bodyPr>
-            <a:normAutofit fontScale="90000"/>
-          </a:bodyPr>
-          <a:lstStyle/>
-          <a:p>
-            <a:r>
-              <a:rPr lang="en-US" dirty="0"/>
-              <a:t>Original feature extraction and before attack (20% test-malicious, 80% train-shuffled)</a:t>
-            </a:r>
-            <a:br>
-              <a:rPr lang="en-US" dirty="0"/>
-            </a:br>
-            <a:br>
-              <a:rPr lang="en-US" dirty="0"/>
-            </a:br>
-            <a:br>
-              <a:rPr lang="en-US" dirty="0"/>
-            </a:br>
-            <a:br>
-              <a:rPr lang="en-US" dirty="0"/>
-            </a:br>
-            <a:br>
-              <a:rPr lang="en-US" dirty="0"/>
-            </a:br>
-            <a:endParaRPr lang="he-IL" dirty="0"/>
-          </a:p>
-        </p:txBody>
-      </p:sp>
-      <p:sp>
-        <p:nvSpPr>
-          <p:cNvPr id="3" name="מציין מיקום תוכן 2">
-            <a:extLst>
-              <a:ext uri="{FF2B5EF4-FFF2-40B4-BE49-F238E27FC236}">
-                <a16:creationId xmlns:a16="http://schemas.microsoft.com/office/drawing/2014/main" id="{C3BCF87B-952F-4EBA-941C-C9EE44501386}"/>
-              </a:ext>
-            </a:extLst>
-          </p:cNvPr>
-          <p:cNvSpPr>
-            <a:spLocks noGrp="1"/>
-          </p:cNvSpPr>
-          <p:nvPr>
-            <p:ph idx="1"/>
-          </p:nvPr>
-        </p:nvSpPr>
-        <p:spPr>
-          <a:xfrm>
-            <a:off x="677334" y="1600200"/>
-            <a:ext cx="8596668" cy="4962525"/>
-          </a:xfrm>
-        </p:spPr>
-        <p:txBody>
-          <a:bodyPr>
-            <a:normAutofit/>
-          </a:bodyPr>
-          <a:lstStyle/>
-          <a:p>
-            <a:pPr marL="400050" algn="l" rtl="0">
-              <a:buFont typeface="+mj-lt"/>
-              <a:buAutoNum type="arabicPeriod"/>
-            </a:pPr>
-            <a:r>
-              <a:rPr lang="en-US" dirty="0" err="1"/>
-              <a:t>accuracy_score</a:t>
-            </a:r>
-            <a:r>
-              <a:rPr lang="en-US" dirty="0"/>
-              <a:t> 0.767200754005655</a:t>
-            </a:r>
-            <a:br>
-              <a:rPr lang="en-US" dirty="0"/>
-            </a:br>
-            <a:r>
-              <a:rPr lang="en-US" dirty="0"/>
-              <a:t>processing time is  16.595704317092896  seconds</a:t>
-            </a:r>
-          </a:p>
-          <a:p>
-            <a:pPr marL="400050" algn="l" rtl="0">
-              <a:buFont typeface="+mj-lt"/>
-              <a:buAutoNum type="arabicPeriod"/>
-            </a:pPr>
-            <a:r>
-              <a:rPr lang="en-US" dirty="0" err="1"/>
-              <a:t>accuracy_score</a:t>
-            </a:r>
-            <a:r>
-              <a:rPr lang="en-US" dirty="0"/>
-              <a:t> 0.7255639097744361</a:t>
-            </a:r>
-            <a:br>
-              <a:rPr lang="en-US" dirty="0"/>
-            </a:br>
-            <a:r>
-              <a:rPr lang="en-US" dirty="0"/>
-              <a:t>processing time is  16.698278188705444  seconds</a:t>
-            </a:r>
-          </a:p>
-          <a:p>
-            <a:pPr marL="400050" algn="l" rtl="0">
-              <a:buFont typeface="+mj-lt"/>
-              <a:buAutoNum type="arabicPeriod"/>
-            </a:pPr>
-            <a:r>
-              <a:rPr lang="en-US" dirty="0" err="1"/>
-              <a:t>accuracy_score</a:t>
-            </a:r>
-            <a:r>
-              <a:rPr lang="en-US" dirty="0"/>
-              <a:t> 0.780209324452902</a:t>
-            </a:r>
-            <a:br>
-              <a:rPr lang="en-US" dirty="0"/>
-            </a:br>
-            <a:r>
-              <a:rPr lang="en-US" dirty="0"/>
-              <a:t>processing time is  16.596258401870728  seconds</a:t>
-            </a:r>
-          </a:p>
-          <a:p>
-            <a:pPr marL="400050" algn="l" rtl="0">
-              <a:buFont typeface="+mj-lt"/>
-              <a:buAutoNum type="arabicPeriod"/>
-            </a:pPr>
-            <a:r>
-              <a:rPr lang="en-US" dirty="0" err="1"/>
-              <a:t>accuracy_score</a:t>
-            </a:r>
-            <a:r>
-              <a:rPr lang="en-US" dirty="0"/>
-              <a:t> 0.7382488479262673</a:t>
-            </a:r>
-            <a:br>
-              <a:rPr lang="en-US" dirty="0"/>
-            </a:br>
-            <a:r>
-              <a:rPr lang="en-US" dirty="0"/>
-              <a:t>processing time is  17.889286279678345  seconds</a:t>
-            </a:r>
-          </a:p>
-          <a:p>
-            <a:pPr marL="400050" algn="l" rtl="0">
-              <a:buFont typeface="+mj-lt"/>
-              <a:buAutoNum type="arabicPeriod"/>
-            </a:pPr>
-            <a:r>
-              <a:rPr lang="en-US" dirty="0" err="1"/>
-              <a:t>accuracy_score</a:t>
-            </a:r>
-            <a:r>
-              <a:rPr lang="en-US" dirty="0"/>
-              <a:t> 0.7868112014453478</a:t>
-            </a:r>
-            <a:br>
-              <a:rPr lang="en-US" dirty="0"/>
-            </a:br>
-            <a:r>
-              <a:rPr lang="en-US" dirty="0"/>
-              <a:t>processing time is  16.92432141304016  seconds</a:t>
-            </a:r>
-          </a:p>
-          <a:p>
-            <a:pPr marL="57150" indent="0" algn="l" rtl="0">
-              <a:buNone/>
-            </a:pPr>
-            <a:endParaRPr lang="en-US" dirty="0"/>
-          </a:p>
-          <a:p>
-            <a:pPr marL="400050" algn="l" rtl="0"/>
-            <a:r>
-              <a:rPr lang="en-US" sz="2400" dirty="0"/>
-              <a:t>AVG: 0.7596068075209216 </a:t>
-            </a:r>
-            <a:r>
-              <a:rPr lang="en-US" sz="2400" dirty="0" err="1"/>
-              <a:t>acc_score</a:t>
-            </a:r>
-            <a:endParaRPr lang="en-US" sz="2400" dirty="0"/>
-          </a:p>
-        </p:txBody>
-      </p:sp>
-    </p:spTree>
-    <p:extLst>
-      <p:ext uri="{BB962C8B-B14F-4D97-AF65-F5344CB8AC3E}">
-        <p14:creationId xmlns:p14="http://schemas.microsoft.com/office/powerpoint/2010/main" val="2632942098"/>
-      </p:ext>
-    </p:extLst>
-  </p:cSld>
-  <p:clrMapOvr>
-    <a:overrideClrMapping bg1="dk1" tx1="lt1" bg2="dk2" tx2="lt2" accent1="accent1" accent2="accent2" accent3="accent3" accent4="accent4" accent5="accent5" accent6="accent6" hlink="hlink" folHlink="folHlink"/>
-  </p:clrMapOvr>
-</p:sld>
-</file>
-
-<file path=ppt/slides/slide16.xml><?xml version="1.0" encoding="utf-8"?>
-<p:sld xmlns:a="http://schemas.openxmlformats.org/drawingml/2006/main" xmlns:r="http://schemas.openxmlformats.org/officeDocument/2006/relationships" xmlns:p="http://schemas.openxmlformats.org/presentationml/2006/main">
-  <p:cSld>
-    <p:bg>
-      <p:bgPr>
-        <a:solidFill>
-          <a:schemeClr val="bg2"/>
-        </a:solidFill>
-        <a:effectLst/>
-      </p:bgPr>
-    </p:bg>
-    <p:spTree>
-      <p:nvGrpSpPr>
-        <p:cNvPr id="1" name=""/>
-        <p:cNvGrpSpPr/>
-        <p:nvPr/>
-      </p:nvGrpSpPr>
-      <p:grpSpPr>
-        <a:xfrm>
-          <a:off x="0" y="0"/>
-          <a:ext cx="0" cy="0"/>
-          <a:chOff x="0" y="0"/>
-          <a:chExt cx="0" cy="0"/>
-        </a:xfrm>
-      </p:grpSpPr>
-      <p:sp useBgFill="1">
-        <p:nvSpPr>
-          <p:cNvPr id="8" name="Rectangle 7">
-            <a:extLst>
-              <a:ext uri="{FF2B5EF4-FFF2-40B4-BE49-F238E27FC236}">
-                <a16:creationId xmlns:a16="http://schemas.microsoft.com/office/drawing/2014/main" id="{86C16C40-7C29-4ACC-B851-7E08E459B596}"/>
-              </a:ext>
-              <a:ext uri="{C183D7F6-B498-43B3-948B-1728B52AA6E4}">
-                <adec:decorative xmlns:adec="http://schemas.microsoft.com/office/drawing/2017/decorative" val="1"/>
-              </a:ext>
-            </a:extLst>
-          </p:cNvPr>
-          <p:cNvSpPr>
-            <a:spLocks noGrp="1" noRot="1" noChangeAspect="1" noMove="1" noResize="1" noEditPoints="1" noAdjustHandles="1" noChangeArrowheads="1" noChangeShapeType="1" noTextEdit="1"/>
-          </p:cNvSpPr>
-          <p:nvPr>
-            <p:extLst>
-              <p:ext uri="{386F3935-93C4-4BCD-93E2-E3B085C9AB24}">
-                <p16:designElem xmlns:p16="http://schemas.microsoft.com/office/powerpoint/2015/main" val="1"/>
-              </p:ext>
-            </p:extLst>
-          </p:nvPr>
-        </p:nvSpPr>
-        <p:spPr>
-          <a:xfrm>
-            <a:off x="0" y="0"/>
-            <a:ext cx="12192000" cy="6858000"/>
-          </a:xfrm>
-          <a:prstGeom prst="rect">
-            <a:avLst/>
-          </a:prstGeom>
-          <a:ln>
-            <a:noFill/>
-          </a:ln>
-        </p:spPr>
-        <p:style>
-          <a:lnRef idx="2">
-            <a:schemeClr val="accent1">
-              <a:shade val="50000"/>
-            </a:schemeClr>
-          </a:lnRef>
-          <a:fillRef idx="1">
-            <a:schemeClr val="accent1"/>
-          </a:fillRef>
-          <a:effectRef idx="0">
-            <a:schemeClr val="accent1"/>
-          </a:effectRef>
-          <a:fontRef idx="minor">
-            <a:schemeClr val="lt1"/>
-          </a:fontRef>
-        </p:style>
-        <p:txBody>
-          <a:bodyPr rtlCol="0" anchor="ctr"/>
-          <a:lstStyle/>
-          <a:p>
-            <a:pPr algn="ctr"/>
-            <a:endParaRPr lang="en-US"/>
-          </a:p>
-        </p:txBody>
-      </p:sp>
-      <p:grpSp>
-        <p:nvGrpSpPr>
-          <p:cNvPr id="10" name="Group 9">
-            <a:extLst>
-              <a:ext uri="{FF2B5EF4-FFF2-40B4-BE49-F238E27FC236}">
-                <a16:creationId xmlns:a16="http://schemas.microsoft.com/office/drawing/2014/main" id="{CDD733AE-DD5E-4C77-8BCD-72BF12A06BB1}"/>
-              </a:ext>
-              <a:ext uri="{C183D7F6-B498-43B3-948B-1728B52AA6E4}">
-                <adec:decorative xmlns:adec="http://schemas.microsoft.com/office/drawing/2017/decorative" val="1"/>
-              </a:ext>
-            </a:extLst>
-          </p:cNvPr>
-          <p:cNvGrpSpPr>
-            <a:grpSpLocks noGrp="1" noUngrp="1" noRot="1" noChangeAspect="1" noMove="1" noResize="1"/>
-          </p:cNvGrpSpPr>
-          <p:nvPr>
-            <p:extLst>
-              <p:ext uri="{386F3935-93C4-4BCD-93E2-E3B085C9AB24}">
-                <p16:designElem xmlns:p16="http://schemas.microsoft.com/office/powerpoint/2015/main" val="1"/>
-              </p:ext>
-            </p:extLst>
-          </p:nvPr>
-        </p:nvGrpSpPr>
-        <p:grpSpPr>
-          <a:xfrm>
-            <a:off x="0" y="-8467"/>
-            <a:ext cx="12192000" cy="6866467"/>
-            <a:chOff x="0" y="-8467"/>
-            <a:chExt cx="12192000" cy="6866467"/>
-          </a:xfrm>
-        </p:grpSpPr>
-        <p:cxnSp>
-          <p:nvCxnSpPr>
-            <p:cNvPr id="11" name="Straight Connector 10">
-              <a:extLst>
-                <a:ext uri="{FF2B5EF4-FFF2-40B4-BE49-F238E27FC236}">
-                  <a16:creationId xmlns:a16="http://schemas.microsoft.com/office/drawing/2014/main" id="{51DE90A4-932E-4370-BA07-30F43254C01B}"/>
-                </a:ext>
-                <a:ext uri="{C183D7F6-B498-43B3-948B-1728B52AA6E4}">
-                  <adec:decorative xmlns:adec="http://schemas.microsoft.com/office/drawing/2017/decorative" val="1"/>
-                </a:ext>
-              </a:extLst>
-            </p:cNvPr>
-            <p:cNvCxnSpPr/>
-            <p:nvPr>
-              <p:extLst>
-                <p:ext uri="{386F3935-93C4-4BCD-93E2-E3B085C9AB24}">
-                  <p16:designElem xmlns:p16="http://schemas.microsoft.com/office/powerpoint/2015/main" val="1"/>
-                </p:ext>
-              </p:extLst>
-            </p:nvPr>
-          </p:nvCxnSpPr>
-          <p:spPr>
-            <a:xfrm>
-              <a:off x="9371012" y="0"/>
-              <a:ext cx="1219200" cy="6858000"/>
-            </a:xfrm>
-            <a:prstGeom prst="line">
-              <a:avLst/>
-            </a:prstGeom>
-            <a:ln w="9525">
-              <a:solidFill>
-                <a:srgbClr val="FFFFFF"/>
-              </a:solidFill>
-            </a:ln>
-          </p:spPr>
-          <p:style>
-            <a:lnRef idx="2">
-              <a:schemeClr val="accent1"/>
-            </a:lnRef>
-            <a:fillRef idx="0">
-              <a:schemeClr val="accent1"/>
-            </a:fillRef>
-            <a:effectRef idx="1">
-              <a:schemeClr val="accent1"/>
-            </a:effectRef>
-            <a:fontRef idx="minor">
-              <a:schemeClr val="tx1"/>
-            </a:fontRef>
-          </p:style>
-        </p:cxnSp>
-        <p:cxnSp>
-          <p:nvCxnSpPr>
-            <p:cNvPr id="12" name="Straight Connector 11">
-              <a:extLst>
-                <a:ext uri="{FF2B5EF4-FFF2-40B4-BE49-F238E27FC236}">
-                  <a16:creationId xmlns:a16="http://schemas.microsoft.com/office/drawing/2014/main" id="{6A19CA4A-B208-452A-8BE4-BC6940D33D40}"/>
-                </a:ext>
-                <a:ext uri="{C183D7F6-B498-43B3-948B-1728B52AA6E4}">
-                  <adec:decorative xmlns:adec="http://schemas.microsoft.com/office/drawing/2017/decorative" val="1"/>
-                </a:ext>
-              </a:extLst>
-            </p:cNvPr>
-            <p:cNvCxnSpPr/>
-            <p:nvPr>
-              <p:extLst>
-                <p:ext uri="{386F3935-93C4-4BCD-93E2-E3B085C9AB24}">
-                  <p16:designElem xmlns:p16="http://schemas.microsoft.com/office/powerpoint/2015/main" val="1"/>
-                </p:ext>
-              </p:extLst>
-            </p:nvPr>
-          </p:nvCxnSpPr>
-          <p:spPr>
-            <a:xfrm flipH="1">
-              <a:off x="7425267" y="3681413"/>
-              <a:ext cx="4763558" cy="3176587"/>
-            </a:xfrm>
-            <a:prstGeom prst="line">
-              <a:avLst/>
-            </a:prstGeom>
-            <a:ln w="9525">
-              <a:solidFill>
-                <a:srgbClr val="FFFFFF"/>
-              </a:solidFill>
-            </a:ln>
-          </p:spPr>
-          <p:style>
-            <a:lnRef idx="2">
-              <a:schemeClr val="accent1"/>
-            </a:lnRef>
-            <a:fillRef idx="0">
-              <a:schemeClr val="accent1"/>
-            </a:fillRef>
-            <a:effectRef idx="1">
-              <a:schemeClr val="accent1"/>
-            </a:effectRef>
-            <a:fontRef idx="minor">
-              <a:schemeClr val="tx1"/>
-            </a:fontRef>
-          </p:style>
-        </p:cxnSp>
-        <p:sp>
-          <p:nvSpPr>
-            <p:cNvPr id="13" name="Rectangle 23">
-              <a:extLst>
-                <a:ext uri="{FF2B5EF4-FFF2-40B4-BE49-F238E27FC236}">
-                  <a16:creationId xmlns:a16="http://schemas.microsoft.com/office/drawing/2014/main" id="{B74F8D3E-E618-4DE3-A0CC-B4904BB5D5AB}"/>
-                </a:ext>
-                <a:ext uri="{C183D7F6-B498-43B3-948B-1728B52AA6E4}">
-                  <adec:decorative xmlns:adec="http://schemas.microsoft.com/office/drawing/2017/decorative" val="1"/>
-                </a:ext>
-              </a:extLst>
-            </p:cNvPr>
-            <p:cNvSpPr/>
-            <p:nvPr>
-              <p:extLst>
-                <p:ext uri="{386F3935-93C4-4BCD-93E2-E3B085C9AB24}">
-                  <p16:designElem xmlns:p16="http://schemas.microsoft.com/office/powerpoint/2015/main" val="1"/>
-                </p:ext>
-              </p:extLst>
-            </p:nvPr>
-          </p:nvSpPr>
-          <p:spPr>
-            <a:xfrm>
-              <a:off x="9181476" y="-8467"/>
-              <a:ext cx="3007349" cy="6866467"/>
-            </a:xfrm>
-            <a:custGeom>
-              <a:avLst/>
-              <a:gdLst/>
-              <a:ahLst/>
-              <a:cxnLst/>
-              <a:rect l="l" t="t" r="r" b="b"/>
-              <a:pathLst>
-                <a:path w="3007349" h="6866467">
-                  <a:moveTo>
-                    <a:pt x="2045532" y="0"/>
-                  </a:moveTo>
-                  <a:lnTo>
-                    <a:pt x="3007349" y="0"/>
-                  </a:lnTo>
-                  <a:lnTo>
-                    <a:pt x="3007349" y="6866467"/>
-                  </a:lnTo>
-                  <a:lnTo>
-                    <a:pt x="0" y="6866467"/>
-                  </a:lnTo>
-                  <a:lnTo>
-                    <a:pt x="2045532" y="0"/>
-                  </a:lnTo>
-                  <a:close/>
-                </a:path>
-              </a:pathLst>
-            </a:custGeom>
-            <a:solidFill>
-              <a:schemeClr val="accent1">
-                <a:alpha val="30000"/>
-              </a:schemeClr>
-            </a:solidFill>
-            <a:ln>
-              <a:noFill/>
-            </a:ln>
-            <a:effectLst/>
-          </p:spPr>
-          <p:style>
-            <a:lnRef idx="1">
-              <a:schemeClr val="accent1"/>
-            </a:lnRef>
-            <a:fillRef idx="3">
-              <a:schemeClr val="accent1"/>
-            </a:fillRef>
-            <a:effectRef idx="2">
-              <a:schemeClr val="accent1"/>
-            </a:effectRef>
-            <a:fontRef idx="minor">
-              <a:schemeClr val="lt1"/>
-            </a:fontRef>
-          </p:style>
-        </p:sp>
-        <p:sp>
-          <p:nvSpPr>
-            <p:cNvPr id="14" name="Rectangle 25">
-              <a:extLst>
-                <a:ext uri="{FF2B5EF4-FFF2-40B4-BE49-F238E27FC236}">
-                  <a16:creationId xmlns:a16="http://schemas.microsoft.com/office/drawing/2014/main" id="{299DA406-C54B-4E31-867D-FAF8DCE7045F}"/>
-                </a:ext>
-                <a:ext uri="{C183D7F6-B498-43B3-948B-1728B52AA6E4}">
-                  <adec:decorative xmlns:adec="http://schemas.microsoft.com/office/drawing/2017/decorative" val="1"/>
-                </a:ext>
-              </a:extLst>
-            </p:cNvPr>
-            <p:cNvSpPr/>
-            <p:nvPr>
-              <p:extLst>
-                <p:ext uri="{386F3935-93C4-4BCD-93E2-E3B085C9AB24}">
-                  <p16:designElem xmlns:p16="http://schemas.microsoft.com/office/powerpoint/2015/main" val="1"/>
-                </p:ext>
-              </p:extLst>
-            </p:nvPr>
-          </p:nvSpPr>
-          <p:spPr>
-            <a:xfrm>
-              <a:off x="9603442" y="-8467"/>
-              <a:ext cx="2588558" cy="6866467"/>
-            </a:xfrm>
-            <a:custGeom>
-              <a:avLst/>
-              <a:gdLst/>
-              <a:ahLst/>
-              <a:cxnLst/>
-              <a:rect l="l" t="t" r="r" b="b"/>
-              <a:pathLst>
-                <a:path w="2573311" h="6866467">
-                  <a:moveTo>
-                    <a:pt x="0" y="0"/>
-                  </a:moveTo>
-                  <a:lnTo>
-                    <a:pt x="2573311" y="0"/>
-                  </a:lnTo>
-                  <a:lnTo>
-                    <a:pt x="2573311" y="6866467"/>
-                  </a:lnTo>
-                  <a:lnTo>
-                    <a:pt x="1202336" y="6866467"/>
-                  </a:lnTo>
-                  <a:lnTo>
-                    <a:pt x="0" y="0"/>
-                  </a:lnTo>
-                  <a:close/>
-                </a:path>
-              </a:pathLst>
-            </a:custGeom>
-            <a:solidFill>
-              <a:schemeClr val="accent1">
-                <a:alpha val="20000"/>
-              </a:schemeClr>
-            </a:solidFill>
-            <a:ln>
-              <a:noFill/>
-            </a:ln>
-            <a:effectLst/>
-          </p:spPr>
-          <p:style>
-            <a:lnRef idx="1">
-              <a:schemeClr val="accent1"/>
-            </a:lnRef>
-            <a:fillRef idx="3">
-              <a:schemeClr val="accent1"/>
-            </a:fillRef>
-            <a:effectRef idx="2">
-              <a:schemeClr val="accent1"/>
-            </a:effectRef>
-            <a:fontRef idx="minor">
-              <a:schemeClr val="lt1"/>
-            </a:fontRef>
-          </p:style>
-        </p:sp>
-        <p:sp>
-          <p:nvSpPr>
-            <p:cNvPr id="15" name="Isosceles Triangle 14">
-              <a:extLst>
-                <a:ext uri="{FF2B5EF4-FFF2-40B4-BE49-F238E27FC236}">
-                  <a16:creationId xmlns:a16="http://schemas.microsoft.com/office/drawing/2014/main" id="{A1E16883-5140-47C4-A9AD-AD6598AC3EE6}"/>
-                </a:ext>
-                <a:ext uri="{C183D7F6-B498-43B3-948B-1728B52AA6E4}">
-                  <adec:decorative xmlns:adec="http://schemas.microsoft.com/office/drawing/2017/decorative" val="1"/>
-                </a:ext>
-              </a:extLst>
-            </p:cNvPr>
-            <p:cNvSpPr/>
-            <p:nvPr>
-              <p:extLst>
-                <p:ext uri="{386F3935-93C4-4BCD-93E2-E3B085C9AB24}">
-                  <p16:designElem xmlns:p16="http://schemas.microsoft.com/office/powerpoint/2015/main" val="1"/>
-                </p:ext>
-              </p:extLst>
-            </p:nvPr>
-          </p:nvSpPr>
-          <p:spPr>
-            <a:xfrm>
-              <a:off x="8932333" y="3048000"/>
-              <a:ext cx="3259667" cy="3810000"/>
-            </a:xfrm>
-            <a:prstGeom prst="triangle">
-              <a:avLst>
-                <a:gd name="adj" fmla="val 100000"/>
-              </a:avLst>
-            </a:prstGeom>
-            <a:solidFill>
-              <a:schemeClr val="accent2">
-                <a:alpha val="72000"/>
-              </a:schemeClr>
-            </a:solidFill>
-            <a:ln>
-              <a:noFill/>
-            </a:ln>
-            <a:effectLst/>
-          </p:spPr>
-          <p:style>
-            <a:lnRef idx="1">
-              <a:schemeClr val="accent1"/>
-            </a:lnRef>
-            <a:fillRef idx="3">
-              <a:schemeClr val="accent1"/>
-            </a:fillRef>
-            <a:effectRef idx="2">
-              <a:schemeClr val="accent1"/>
-            </a:effectRef>
-            <a:fontRef idx="minor">
-              <a:schemeClr val="lt1"/>
-            </a:fontRef>
-          </p:style>
-        </p:sp>
-        <p:sp>
-          <p:nvSpPr>
-            <p:cNvPr id="16" name="Rectangle 27">
-              <a:extLst>
-                <a:ext uri="{FF2B5EF4-FFF2-40B4-BE49-F238E27FC236}">
-                  <a16:creationId xmlns:a16="http://schemas.microsoft.com/office/drawing/2014/main" id="{4CD848DC-8A2A-4093-9BDD-7AF4B6A27814}"/>
-                </a:ext>
-                <a:ext uri="{C183D7F6-B498-43B3-948B-1728B52AA6E4}">
-                  <adec:decorative xmlns:adec="http://schemas.microsoft.com/office/drawing/2017/decorative" val="1"/>
-                </a:ext>
-              </a:extLst>
-            </p:cNvPr>
-            <p:cNvSpPr/>
-            <p:nvPr>
-              <p:extLst>
-                <p:ext uri="{386F3935-93C4-4BCD-93E2-E3B085C9AB24}">
-                  <p16:designElem xmlns:p16="http://schemas.microsoft.com/office/powerpoint/2015/main" val="1"/>
-                </p:ext>
-              </p:extLst>
-            </p:nvPr>
-          </p:nvSpPr>
-          <p:spPr>
-            <a:xfrm>
-              <a:off x="9334500" y="-8467"/>
-              <a:ext cx="2854326" cy="6866467"/>
-            </a:xfrm>
-            <a:custGeom>
-              <a:avLst/>
-              <a:gdLst/>
-              <a:ahLst/>
-              <a:cxnLst/>
-              <a:rect l="l" t="t" r="r" b="b"/>
-              <a:pathLst>
-                <a:path w="2858013" h="6866467">
-                  <a:moveTo>
-                    <a:pt x="0" y="0"/>
-                  </a:moveTo>
-                  <a:lnTo>
-                    <a:pt x="2858013" y="0"/>
-                  </a:lnTo>
-                  <a:lnTo>
-                    <a:pt x="2858013" y="6866467"/>
-                  </a:lnTo>
-                  <a:lnTo>
-                    <a:pt x="2473942" y="6866467"/>
-                  </a:lnTo>
-                  <a:lnTo>
-                    <a:pt x="0" y="0"/>
-                  </a:lnTo>
-                  <a:close/>
-                </a:path>
-              </a:pathLst>
-            </a:custGeom>
-            <a:solidFill>
-              <a:schemeClr val="accent2">
-                <a:lumMod val="75000"/>
-                <a:alpha val="70000"/>
-              </a:schemeClr>
-            </a:solidFill>
-            <a:ln>
-              <a:noFill/>
-            </a:ln>
-            <a:effectLst/>
-          </p:spPr>
-          <p:style>
-            <a:lnRef idx="1">
-              <a:schemeClr val="accent1"/>
-            </a:lnRef>
-            <a:fillRef idx="3">
-              <a:schemeClr val="accent1"/>
-            </a:fillRef>
-            <a:effectRef idx="2">
-              <a:schemeClr val="accent1"/>
-            </a:effectRef>
-            <a:fontRef idx="minor">
-              <a:schemeClr val="lt1"/>
-            </a:fontRef>
-          </p:style>
-        </p:sp>
-        <p:sp>
-          <p:nvSpPr>
-            <p:cNvPr id="17" name="Rectangle 28">
-              <a:extLst>
-                <a:ext uri="{FF2B5EF4-FFF2-40B4-BE49-F238E27FC236}">
-                  <a16:creationId xmlns:a16="http://schemas.microsoft.com/office/drawing/2014/main" id="{34635A4D-E9CE-4B78-912A-479EA4512B14}"/>
-                </a:ext>
-                <a:ext uri="{C183D7F6-B498-43B3-948B-1728B52AA6E4}">
-                  <adec:decorative xmlns:adec="http://schemas.microsoft.com/office/drawing/2017/decorative" val="1"/>
-                </a:ext>
-              </a:extLst>
-            </p:cNvPr>
-            <p:cNvSpPr/>
-            <p:nvPr>
-              <p:extLst>
-                <p:ext uri="{386F3935-93C4-4BCD-93E2-E3B085C9AB24}">
-                  <p16:designElem xmlns:p16="http://schemas.microsoft.com/office/powerpoint/2015/main" val="1"/>
-                </p:ext>
-              </p:extLst>
-            </p:nvPr>
-          </p:nvSpPr>
-          <p:spPr>
-            <a:xfrm>
-              <a:off x="10898730" y="-8467"/>
-              <a:ext cx="1290094" cy="6866467"/>
-            </a:xfrm>
-            <a:custGeom>
-              <a:avLst/>
-              <a:gdLst/>
-              <a:ahLst/>
-              <a:cxnLst/>
-              <a:rect l="l" t="t" r="r" b="b"/>
-              <a:pathLst>
-                <a:path w="1290094" h="6858000">
-                  <a:moveTo>
-                    <a:pt x="1019735" y="0"/>
-                  </a:moveTo>
-                  <a:lnTo>
-                    <a:pt x="1290094" y="0"/>
-                  </a:lnTo>
-                  <a:lnTo>
-                    <a:pt x="1290094" y="6858000"/>
-                  </a:lnTo>
-                  <a:lnTo>
-                    <a:pt x="0" y="6858000"/>
-                  </a:lnTo>
-                  <a:lnTo>
-                    <a:pt x="1019735" y="0"/>
-                  </a:lnTo>
-                  <a:close/>
-                </a:path>
-              </a:pathLst>
-            </a:custGeom>
-            <a:solidFill>
-              <a:schemeClr val="accent1">
-                <a:lumMod val="60000"/>
-                <a:lumOff val="40000"/>
-                <a:alpha val="70000"/>
-              </a:schemeClr>
-            </a:solidFill>
-            <a:ln>
-              <a:noFill/>
-            </a:ln>
-            <a:effectLst/>
-          </p:spPr>
-          <p:style>
-            <a:lnRef idx="1">
-              <a:schemeClr val="accent1"/>
-            </a:lnRef>
-            <a:fillRef idx="3">
-              <a:schemeClr val="accent1"/>
-            </a:fillRef>
-            <a:effectRef idx="2">
-              <a:schemeClr val="accent1"/>
-            </a:effectRef>
-            <a:fontRef idx="minor">
-              <a:schemeClr val="lt1"/>
-            </a:fontRef>
-          </p:style>
-        </p:sp>
-        <p:sp>
-          <p:nvSpPr>
-            <p:cNvPr id="18" name="Rectangle 29">
-              <a:extLst>
-                <a:ext uri="{FF2B5EF4-FFF2-40B4-BE49-F238E27FC236}">
-                  <a16:creationId xmlns:a16="http://schemas.microsoft.com/office/drawing/2014/main" id="{D663A5EE-5581-44F3-8F98-688755F63EA2}"/>
-                </a:ext>
-                <a:ext uri="{C183D7F6-B498-43B3-948B-1728B52AA6E4}">
-                  <adec:decorative xmlns:adec="http://schemas.microsoft.com/office/drawing/2017/decorative" val="1"/>
-                </a:ext>
-              </a:extLst>
-            </p:cNvPr>
-            <p:cNvSpPr/>
-            <p:nvPr>
-              <p:extLst>
-                <p:ext uri="{386F3935-93C4-4BCD-93E2-E3B085C9AB24}">
-                  <p16:designElem xmlns:p16="http://schemas.microsoft.com/office/powerpoint/2015/main" val="1"/>
-                </p:ext>
-              </p:extLst>
-            </p:nvPr>
-          </p:nvSpPr>
-          <p:spPr>
-            <a:xfrm>
-              <a:off x="10938999" y="-8467"/>
-              <a:ext cx="1249825" cy="6866467"/>
-            </a:xfrm>
-            <a:custGeom>
-              <a:avLst/>
-              <a:gdLst/>
-              <a:ahLst/>
-              <a:cxnLst/>
-              <a:rect l="l" t="t" r="r" b="b"/>
-              <a:pathLst>
-                <a:path w="1249825" h="6858000">
-                  <a:moveTo>
-                    <a:pt x="0" y="0"/>
-                  </a:moveTo>
-                  <a:lnTo>
-                    <a:pt x="1249825" y="0"/>
-                  </a:lnTo>
-                  <a:lnTo>
-                    <a:pt x="1249825" y="6858000"/>
-                  </a:lnTo>
-                  <a:lnTo>
-                    <a:pt x="1109382" y="6858000"/>
-                  </a:lnTo>
-                  <a:lnTo>
-                    <a:pt x="0" y="0"/>
-                  </a:lnTo>
-                  <a:close/>
-                </a:path>
-              </a:pathLst>
-            </a:custGeom>
-            <a:solidFill>
-              <a:schemeClr val="accent1">
-                <a:alpha val="65000"/>
-              </a:schemeClr>
-            </a:solidFill>
-            <a:ln>
-              <a:noFill/>
-            </a:ln>
-            <a:effectLst/>
-          </p:spPr>
-          <p:style>
-            <a:lnRef idx="1">
-              <a:schemeClr val="accent1"/>
-            </a:lnRef>
-            <a:fillRef idx="3">
-              <a:schemeClr val="accent1"/>
-            </a:fillRef>
-            <a:effectRef idx="2">
-              <a:schemeClr val="accent1"/>
-            </a:effectRef>
-            <a:fontRef idx="minor">
-              <a:schemeClr val="lt1"/>
-            </a:fontRef>
-          </p:style>
-        </p:sp>
-        <p:sp>
-          <p:nvSpPr>
-            <p:cNvPr id="19" name="Isosceles Triangle 18">
-              <a:extLst>
-                <a:ext uri="{FF2B5EF4-FFF2-40B4-BE49-F238E27FC236}">
-                  <a16:creationId xmlns:a16="http://schemas.microsoft.com/office/drawing/2014/main" id="{B1E84E6A-F5AE-4F4D-98F2-82FE4FCC2656}"/>
-                </a:ext>
-                <a:ext uri="{C183D7F6-B498-43B3-948B-1728B52AA6E4}">
-                  <adec:decorative xmlns:adec="http://schemas.microsoft.com/office/drawing/2017/decorative" val="1"/>
-                </a:ext>
-              </a:extLst>
-            </p:cNvPr>
-            <p:cNvSpPr/>
-            <p:nvPr>
-              <p:extLst>
-                <p:ext uri="{386F3935-93C4-4BCD-93E2-E3B085C9AB24}">
-                  <p16:designElem xmlns:p16="http://schemas.microsoft.com/office/powerpoint/2015/main" val="1"/>
-                </p:ext>
-              </p:extLst>
-            </p:nvPr>
-          </p:nvSpPr>
-          <p:spPr>
-            <a:xfrm>
-              <a:off x="10371666" y="3589867"/>
-              <a:ext cx="1817159" cy="3268133"/>
-            </a:xfrm>
-            <a:prstGeom prst="triangle">
-              <a:avLst>
-                <a:gd name="adj" fmla="val 100000"/>
-              </a:avLst>
-            </a:prstGeom>
-            <a:solidFill>
-              <a:schemeClr val="accent1">
-                <a:alpha val="80000"/>
-              </a:schemeClr>
-            </a:solidFill>
-            <a:ln>
-              <a:noFill/>
-            </a:ln>
-            <a:effectLst/>
-          </p:spPr>
-          <p:style>
-            <a:lnRef idx="1">
-              <a:schemeClr val="accent1"/>
-            </a:lnRef>
-            <a:fillRef idx="3">
-              <a:schemeClr val="accent1"/>
-            </a:fillRef>
-            <a:effectRef idx="2">
-              <a:schemeClr val="accent1"/>
-            </a:effectRef>
-            <a:fontRef idx="minor">
-              <a:schemeClr val="lt1"/>
-            </a:fontRef>
-          </p:style>
-        </p:sp>
-        <p:sp>
-          <p:nvSpPr>
-            <p:cNvPr id="20" name="Isosceles Triangle 19">
-              <a:extLst>
-                <a:ext uri="{FF2B5EF4-FFF2-40B4-BE49-F238E27FC236}">
-                  <a16:creationId xmlns:a16="http://schemas.microsoft.com/office/drawing/2014/main" id="{DDE7DDC9-17D4-4686-833D-48F8733B49EE}"/>
-                </a:ext>
-                <a:ext uri="{C183D7F6-B498-43B3-948B-1728B52AA6E4}">
-                  <adec:decorative xmlns:adec="http://schemas.microsoft.com/office/drawing/2017/decorative" val="1"/>
-                </a:ext>
-              </a:extLst>
-            </p:cNvPr>
-            <p:cNvSpPr/>
-            <p:nvPr>
-              <p:extLst>
-                <p:ext uri="{386F3935-93C4-4BCD-93E2-E3B085C9AB24}">
-                  <p16:designElem xmlns:p16="http://schemas.microsoft.com/office/powerpoint/2015/main" val="1"/>
-                </p:ext>
-              </p:extLst>
-            </p:nvPr>
-          </p:nvSpPr>
-          <p:spPr>
-            <a:xfrm>
-              <a:off x="0" y="4013200"/>
-              <a:ext cx="448733" cy="2844800"/>
-            </a:xfrm>
-            <a:prstGeom prst="triangle">
-              <a:avLst>
-                <a:gd name="adj" fmla="val 0"/>
-              </a:avLst>
-            </a:prstGeom>
-            <a:solidFill>
-              <a:schemeClr val="accent1">
-                <a:alpha val="85000"/>
-              </a:schemeClr>
-            </a:solidFill>
-            <a:ln>
-              <a:noFill/>
-            </a:ln>
-            <a:effectLst/>
-          </p:spPr>
-          <p:style>
-            <a:lnRef idx="1">
-              <a:schemeClr val="accent1"/>
-            </a:lnRef>
-            <a:fillRef idx="3">
-              <a:schemeClr val="accent1"/>
-            </a:fillRef>
-            <a:effectRef idx="2">
-              <a:schemeClr val="accent1"/>
-            </a:effectRef>
-            <a:fontRef idx="minor">
-              <a:schemeClr val="lt1"/>
-            </a:fontRef>
-          </p:style>
-        </p:sp>
-      </p:grpSp>
-      <p:sp>
-        <p:nvSpPr>
-          <p:cNvPr id="2" name="כותרת 1">
-            <a:extLst>
-              <a:ext uri="{FF2B5EF4-FFF2-40B4-BE49-F238E27FC236}">
-                <a16:creationId xmlns:a16="http://schemas.microsoft.com/office/drawing/2014/main" id="{42F357A3-B4F5-4866-B980-B4E968CAC593}"/>
-              </a:ext>
-            </a:extLst>
-          </p:cNvPr>
-          <p:cNvSpPr>
-            <a:spLocks noGrp="1"/>
-          </p:cNvSpPr>
-          <p:nvPr>
-            <p:ph type="title"/>
-          </p:nvPr>
-        </p:nvSpPr>
-        <p:spPr>
-          <a:xfrm>
-            <a:off x="199808" y="266700"/>
-            <a:ext cx="9838266" cy="1320800"/>
-          </a:xfrm>
-        </p:spPr>
-        <p:txBody>
-          <a:bodyPr>
-            <a:normAutofit fontScale="90000"/>
-          </a:bodyPr>
-          <a:lstStyle/>
-          <a:p>
-            <a:r>
-              <a:rPr lang="en-US" dirty="0"/>
-              <a:t>Original feature extraction and after attack (20% test-malicious, 80% train-shuffled)</a:t>
-            </a:r>
-            <a:br>
-              <a:rPr lang="en-US" dirty="0"/>
-            </a:br>
-            <a:br>
-              <a:rPr lang="en-US" dirty="0"/>
-            </a:br>
-            <a:br>
-              <a:rPr lang="en-US" dirty="0"/>
-            </a:br>
-            <a:br>
-              <a:rPr lang="en-US" dirty="0"/>
-            </a:br>
-            <a:br>
-              <a:rPr lang="en-US" dirty="0"/>
-            </a:br>
-            <a:br>
-              <a:rPr lang="en-US" dirty="0"/>
-            </a:br>
-            <a:endParaRPr lang="he-IL" dirty="0"/>
-          </a:p>
-        </p:txBody>
-      </p:sp>
-      <p:sp>
-        <p:nvSpPr>
-          <p:cNvPr id="3" name="מציין מיקום תוכן 2">
-            <a:extLst>
-              <a:ext uri="{FF2B5EF4-FFF2-40B4-BE49-F238E27FC236}">
-                <a16:creationId xmlns:a16="http://schemas.microsoft.com/office/drawing/2014/main" id="{C3BCF87B-952F-4EBA-941C-C9EE44501386}"/>
-              </a:ext>
-            </a:extLst>
-          </p:cNvPr>
-          <p:cNvSpPr>
-            <a:spLocks noGrp="1"/>
-          </p:cNvSpPr>
-          <p:nvPr>
-            <p:ph idx="1"/>
-          </p:nvPr>
-        </p:nvSpPr>
-        <p:spPr>
-          <a:xfrm>
-            <a:off x="677334" y="1600200"/>
-            <a:ext cx="8596668" cy="4962525"/>
-          </a:xfrm>
-        </p:spPr>
-        <p:txBody>
-          <a:bodyPr>
-            <a:normAutofit/>
-          </a:bodyPr>
-          <a:lstStyle/>
-          <a:p>
-            <a:pPr marL="400050" algn="l" rtl="0">
-              <a:buFont typeface="+mj-lt"/>
-              <a:buAutoNum type="arabicPeriod"/>
-            </a:pPr>
-            <a:r>
-              <a:rPr lang="en-US" dirty="0" err="1"/>
-              <a:t>accuracy_score</a:t>
-            </a:r>
-            <a:r>
-              <a:rPr lang="en-US" dirty="0"/>
-              <a:t> 0.7200557103064067</a:t>
-            </a:r>
-            <a:br>
-              <a:rPr lang="en-US" dirty="0"/>
-            </a:br>
-            <a:r>
-              <a:rPr lang="en-US" dirty="0"/>
-              <a:t>processing time is  16.681248426437378  seconds</a:t>
-            </a:r>
-          </a:p>
-          <a:p>
-            <a:pPr marL="400050" algn="l" rtl="0">
-              <a:buFont typeface="+mj-lt"/>
-              <a:buAutoNum type="arabicPeriod"/>
-            </a:pPr>
-            <a:r>
-              <a:rPr lang="en-US" dirty="0" err="1"/>
-              <a:t>accuracy_score</a:t>
-            </a:r>
-            <a:r>
-              <a:rPr lang="en-US" dirty="0"/>
-              <a:t> 0.7330316742081447</a:t>
-            </a:r>
-            <a:br>
-              <a:rPr lang="en-US" dirty="0"/>
-            </a:br>
-            <a:r>
-              <a:rPr lang="en-US" dirty="0"/>
-              <a:t>processing time is  16.747588872909546  seconds</a:t>
-            </a:r>
-          </a:p>
-          <a:p>
-            <a:pPr marL="400050" algn="l" rtl="0">
-              <a:buFont typeface="+mj-lt"/>
-              <a:buAutoNum type="arabicPeriod"/>
-            </a:pPr>
-            <a:r>
-              <a:rPr lang="en-US" dirty="0" err="1"/>
-              <a:t>accuracy_score</a:t>
-            </a:r>
-            <a:r>
-              <a:rPr lang="en-US" dirty="0"/>
-              <a:t> 0.7386888273314867</a:t>
-            </a:r>
-            <a:br>
-              <a:rPr lang="en-US" dirty="0"/>
-            </a:br>
-            <a:r>
-              <a:rPr lang="en-US" dirty="0"/>
-              <a:t>processing time is  16.92811417579651  seconds</a:t>
-            </a:r>
-          </a:p>
-          <a:p>
-            <a:pPr marL="400050" algn="l" rtl="0">
-              <a:buFont typeface="+mj-lt"/>
-              <a:buAutoNum type="arabicPeriod"/>
-            </a:pPr>
-            <a:r>
-              <a:rPr lang="en-US" dirty="0" err="1"/>
-              <a:t>accuracy_score</a:t>
-            </a:r>
-            <a:r>
-              <a:rPr lang="en-US" dirty="0"/>
-              <a:t> 0.6990909090909091</a:t>
-            </a:r>
-            <a:br>
-              <a:rPr lang="en-US" dirty="0"/>
-            </a:br>
-            <a:r>
-              <a:rPr lang="en-US" dirty="0"/>
-              <a:t>processing time is  16.556997537612915  seconds</a:t>
-            </a:r>
-          </a:p>
-          <a:p>
-            <a:pPr marL="400050" algn="l" rtl="0">
-              <a:buFont typeface="+mj-lt"/>
-              <a:buAutoNum type="arabicPeriod"/>
-            </a:pPr>
-            <a:r>
-              <a:rPr lang="en-US" dirty="0" err="1"/>
-              <a:t>accuracy_score</a:t>
-            </a:r>
-            <a:r>
-              <a:rPr lang="en-US" dirty="0"/>
-              <a:t> 0.6927272727272727</a:t>
-            </a:r>
-            <a:br>
-              <a:rPr lang="en-US" dirty="0"/>
-            </a:br>
-            <a:r>
-              <a:rPr lang="en-US" dirty="0"/>
-              <a:t>processing time is  17.029787302017212  seconds</a:t>
-            </a:r>
-          </a:p>
-          <a:p>
-            <a:pPr marL="57150" indent="0" algn="l" rtl="0">
-              <a:buNone/>
-            </a:pPr>
-            <a:endParaRPr lang="en-US" dirty="0"/>
-          </a:p>
-          <a:p>
-            <a:pPr marL="400050" algn="l" rtl="0"/>
-            <a:r>
-              <a:rPr lang="en-US" sz="2400" dirty="0"/>
-              <a:t>AVG: 0.716718878732844 </a:t>
-            </a:r>
-            <a:r>
-              <a:rPr lang="en-US" sz="2400" dirty="0" err="1"/>
-              <a:t>acc_score</a:t>
-            </a:r>
-            <a:endParaRPr lang="en-US" sz="2400" dirty="0"/>
-          </a:p>
-        </p:txBody>
-      </p:sp>
-    </p:spTree>
-    <p:extLst>
-      <p:ext uri="{BB962C8B-B14F-4D97-AF65-F5344CB8AC3E}">
-        <p14:creationId xmlns:p14="http://schemas.microsoft.com/office/powerpoint/2010/main" val="1738483183"/>
-      </p:ext>
-    </p:extLst>
-  </p:cSld>
-  <p:clrMapOvr>
-    <a:overrideClrMapping bg1="dk1" tx1="lt1" bg2="dk2" tx2="lt2" accent1="accent1" accent2="accent2" accent3="accent3" accent4="accent4" accent5="accent5" accent6="accent6" hlink="hlink" folHlink="folHlink"/>
-  </p:clrMapOvr>
-</p:sld>
-</file>
-
-<file path=ppt/slides/slide17.xml><?xml version="1.0" encoding="utf-8"?>
-<p:sld xmlns:a="http://schemas.openxmlformats.org/drawingml/2006/main" xmlns:r="http://schemas.openxmlformats.org/officeDocument/2006/relationships" xmlns:p="http://schemas.openxmlformats.org/presentationml/2006/main">
-  <p:cSld>
-    <p:bg>
-      <p:bgPr>
-        <a:solidFill>
-          <a:schemeClr val="bg2"/>
-        </a:solidFill>
-        <a:effectLst/>
-      </p:bgPr>
-    </p:bg>
-    <p:spTree>
-      <p:nvGrpSpPr>
-        <p:cNvPr id="1" name=""/>
-        <p:cNvGrpSpPr/>
-        <p:nvPr/>
-      </p:nvGrpSpPr>
-      <p:grpSpPr>
-        <a:xfrm>
-          <a:off x="0" y="0"/>
-          <a:ext cx="0" cy="0"/>
-          <a:chOff x="0" y="0"/>
-          <a:chExt cx="0" cy="0"/>
-        </a:xfrm>
-      </p:grpSpPr>
-      <p:sp useBgFill="1">
-        <p:nvSpPr>
-          <p:cNvPr id="8" name="Rectangle 7">
-            <a:extLst>
-              <a:ext uri="{FF2B5EF4-FFF2-40B4-BE49-F238E27FC236}">
-                <a16:creationId xmlns:a16="http://schemas.microsoft.com/office/drawing/2014/main" id="{86C16C40-7C29-4ACC-B851-7E08E459B596}"/>
-              </a:ext>
-              <a:ext uri="{C183D7F6-B498-43B3-948B-1728B52AA6E4}">
-                <adec:decorative xmlns:adec="http://schemas.microsoft.com/office/drawing/2017/decorative" val="1"/>
-              </a:ext>
-            </a:extLst>
-          </p:cNvPr>
-          <p:cNvSpPr>
-            <a:spLocks noGrp="1" noRot="1" noChangeAspect="1" noMove="1" noResize="1" noEditPoints="1" noAdjustHandles="1" noChangeArrowheads="1" noChangeShapeType="1" noTextEdit="1"/>
-          </p:cNvSpPr>
-          <p:nvPr>
-            <p:extLst>
-              <p:ext uri="{386F3935-93C4-4BCD-93E2-E3B085C9AB24}">
-                <p16:designElem xmlns:p16="http://schemas.microsoft.com/office/powerpoint/2015/main" val="1"/>
-              </p:ext>
-            </p:extLst>
-          </p:nvPr>
-        </p:nvSpPr>
-        <p:spPr>
-          <a:xfrm>
-            <a:off x="0" y="0"/>
-            <a:ext cx="12192000" cy="6858000"/>
-          </a:xfrm>
-          <a:prstGeom prst="rect">
-            <a:avLst/>
-          </a:prstGeom>
-          <a:ln>
-            <a:noFill/>
-          </a:ln>
-        </p:spPr>
-        <p:style>
-          <a:lnRef idx="2">
-            <a:schemeClr val="accent1">
-              <a:shade val="50000"/>
-            </a:schemeClr>
-          </a:lnRef>
-          <a:fillRef idx="1">
-            <a:schemeClr val="accent1"/>
-          </a:fillRef>
-          <a:effectRef idx="0">
-            <a:schemeClr val="accent1"/>
-          </a:effectRef>
-          <a:fontRef idx="minor">
-            <a:schemeClr val="lt1"/>
-          </a:fontRef>
-        </p:style>
-        <p:txBody>
-          <a:bodyPr rtlCol="0" anchor="ctr"/>
-          <a:lstStyle/>
-          <a:p>
-            <a:pPr algn="ctr"/>
-            <a:endParaRPr lang="en-US"/>
-          </a:p>
-        </p:txBody>
-      </p:sp>
-      <p:grpSp>
-        <p:nvGrpSpPr>
-          <p:cNvPr id="10" name="Group 9">
-            <a:extLst>
-              <a:ext uri="{FF2B5EF4-FFF2-40B4-BE49-F238E27FC236}">
-                <a16:creationId xmlns:a16="http://schemas.microsoft.com/office/drawing/2014/main" id="{CDD733AE-DD5E-4C77-8BCD-72BF12A06BB1}"/>
-              </a:ext>
-              <a:ext uri="{C183D7F6-B498-43B3-948B-1728B52AA6E4}">
-                <adec:decorative xmlns:adec="http://schemas.microsoft.com/office/drawing/2017/decorative" val="1"/>
-              </a:ext>
-            </a:extLst>
-          </p:cNvPr>
-          <p:cNvGrpSpPr>
-            <a:grpSpLocks noGrp="1" noUngrp="1" noRot="1" noChangeAspect="1" noMove="1" noResize="1"/>
-          </p:cNvGrpSpPr>
-          <p:nvPr>
-            <p:extLst>
-              <p:ext uri="{386F3935-93C4-4BCD-93E2-E3B085C9AB24}">
-                <p16:designElem xmlns:p16="http://schemas.microsoft.com/office/powerpoint/2015/main" val="1"/>
-              </p:ext>
-            </p:extLst>
-          </p:nvPr>
-        </p:nvGrpSpPr>
-        <p:grpSpPr>
-          <a:xfrm>
-            <a:off x="0" y="-8467"/>
-            <a:ext cx="12192000" cy="6866467"/>
-            <a:chOff x="0" y="-8467"/>
-            <a:chExt cx="12192000" cy="6866467"/>
-          </a:xfrm>
-        </p:grpSpPr>
-        <p:cxnSp>
-          <p:nvCxnSpPr>
-            <p:cNvPr id="11" name="Straight Connector 10">
-              <a:extLst>
-                <a:ext uri="{FF2B5EF4-FFF2-40B4-BE49-F238E27FC236}">
-                  <a16:creationId xmlns:a16="http://schemas.microsoft.com/office/drawing/2014/main" id="{51DE90A4-932E-4370-BA07-30F43254C01B}"/>
-                </a:ext>
-                <a:ext uri="{C183D7F6-B498-43B3-948B-1728B52AA6E4}">
-                  <adec:decorative xmlns:adec="http://schemas.microsoft.com/office/drawing/2017/decorative" val="1"/>
-                </a:ext>
-              </a:extLst>
-            </p:cNvPr>
-            <p:cNvCxnSpPr/>
-            <p:nvPr>
-              <p:extLst>
-                <p:ext uri="{386F3935-93C4-4BCD-93E2-E3B085C9AB24}">
-                  <p16:designElem xmlns:p16="http://schemas.microsoft.com/office/powerpoint/2015/main" val="1"/>
-                </p:ext>
-              </p:extLst>
-            </p:nvPr>
-          </p:nvCxnSpPr>
-          <p:spPr>
-            <a:xfrm>
-              <a:off x="9371012" y="0"/>
-              <a:ext cx="1219200" cy="6858000"/>
-            </a:xfrm>
-            <a:prstGeom prst="line">
-              <a:avLst/>
-            </a:prstGeom>
-            <a:ln w="9525">
-              <a:solidFill>
-                <a:srgbClr val="FFFFFF"/>
-              </a:solidFill>
-            </a:ln>
-          </p:spPr>
-          <p:style>
-            <a:lnRef idx="2">
-              <a:schemeClr val="accent1"/>
-            </a:lnRef>
-            <a:fillRef idx="0">
-              <a:schemeClr val="accent1"/>
-            </a:fillRef>
-            <a:effectRef idx="1">
-              <a:schemeClr val="accent1"/>
-            </a:effectRef>
-            <a:fontRef idx="minor">
-              <a:schemeClr val="tx1"/>
-            </a:fontRef>
-          </p:style>
-        </p:cxnSp>
-        <p:cxnSp>
-          <p:nvCxnSpPr>
-            <p:cNvPr id="12" name="Straight Connector 11">
-              <a:extLst>
-                <a:ext uri="{FF2B5EF4-FFF2-40B4-BE49-F238E27FC236}">
-                  <a16:creationId xmlns:a16="http://schemas.microsoft.com/office/drawing/2014/main" id="{6A19CA4A-B208-452A-8BE4-BC6940D33D40}"/>
-                </a:ext>
-                <a:ext uri="{C183D7F6-B498-43B3-948B-1728B52AA6E4}">
-                  <adec:decorative xmlns:adec="http://schemas.microsoft.com/office/drawing/2017/decorative" val="1"/>
-                </a:ext>
-              </a:extLst>
-            </p:cNvPr>
-            <p:cNvCxnSpPr/>
-            <p:nvPr>
-              <p:extLst>
-                <p:ext uri="{386F3935-93C4-4BCD-93E2-E3B085C9AB24}">
-                  <p16:designElem xmlns:p16="http://schemas.microsoft.com/office/powerpoint/2015/main" val="1"/>
-                </p:ext>
-              </p:extLst>
-            </p:nvPr>
-          </p:nvCxnSpPr>
-          <p:spPr>
-            <a:xfrm flipH="1">
-              <a:off x="7425267" y="3681413"/>
-              <a:ext cx="4763558" cy="3176587"/>
-            </a:xfrm>
-            <a:prstGeom prst="line">
-              <a:avLst/>
-            </a:prstGeom>
-            <a:ln w="9525">
-              <a:solidFill>
-                <a:srgbClr val="FFFFFF"/>
-              </a:solidFill>
-            </a:ln>
-          </p:spPr>
-          <p:style>
-            <a:lnRef idx="2">
-              <a:schemeClr val="accent1"/>
-            </a:lnRef>
-            <a:fillRef idx="0">
-              <a:schemeClr val="accent1"/>
-            </a:fillRef>
-            <a:effectRef idx="1">
-              <a:schemeClr val="accent1"/>
-            </a:effectRef>
-            <a:fontRef idx="minor">
-              <a:schemeClr val="tx1"/>
-            </a:fontRef>
-          </p:style>
-        </p:cxnSp>
-        <p:sp>
-          <p:nvSpPr>
-            <p:cNvPr id="13" name="Rectangle 23">
-              <a:extLst>
-                <a:ext uri="{FF2B5EF4-FFF2-40B4-BE49-F238E27FC236}">
-                  <a16:creationId xmlns:a16="http://schemas.microsoft.com/office/drawing/2014/main" id="{B74F8D3E-E618-4DE3-A0CC-B4904BB5D5AB}"/>
-                </a:ext>
-                <a:ext uri="{C183D7F6-B498-43B3-948B-1728B52AA6E4}">
-                  <adec:decorative xmlns:adec="http://schemas.microsoft.com/office/drawing/2017/decorative" val="1"/>
-                </a:ext>
-              </a:extLst>
-            </p:cNvPr>
-            <p:cNvSpPr/>
-            <p:nvPr>
-              <p:extLst>
-                <p:ext uri="{386F3935-93C4-4BCD-93E2-E3B085C9AB24}">
-                  <p16:designElem xmlns:p16="http://schemas.microsoft.com/office/powerpoint/2015/main" val="1"/>
-                </p:ext>
-              </p:extLst>
-            </p:nvPr>
-          </p:nvSpPr>
-          <p:spPr>
-            <a:xfrm>
-              <a:off x="9181476" y="-8467"/>
-              <a:ext cx="3007349" cy="6866467"/>
-            </a:xfrm>
-            <a:custGeom>
-              <a:avLst/>
-              <a:gdLst/>
-              <a:ahLst/>
-              <a:cxnLst/>
-              <a:rect l="l" t="t" r="r" b="b"/>
-              <a:pathLst>
-                <a:path w="3007349" h="6866467">
-                  <a:moveTo>
-                    <a:pt x="2045532" y="0"/>
-                  </a:moveTo>
-                  <a:lnTo>
-                    <a:pt x="3007349" y="0"/>
-                  </a:lnTo>
-                  <a:lnTo>
-                    <a:pt x="3007349" y="6866467"/>
-                  </a:lnTo>
-                  <a:lnTo>
-                    <a:pt x="0" y="6866467"/>
-                  </a:lnTo>
-                  <a:lnTo>
-                    <a:pt x="2045532" y="0"/>
-                  </a:lnTo>
-                  <a:close/>
-                </a:path>
-              </a:pathLst>
-            </a:custGeom>
-            <a:solidFill>
-              <a:schemeClr val="accent1">
-                <a:alpha val="30000"/>
-              </a:schemeClr>
-            </a:solidFill>
-            <a:ln>
-              <a:noFill/>
-            </a:ln>
-            <a:effectLst/>
-          </p:spPr>
-          <p:style>
-            <a:lnRef idx="1">
-              <a:schemeClr val="accent1"/>
-            </a:lnRef>
-            <a:fillRef idx="3">
-              <a:schemeClr val="accent1"/>
-            </a:fillRef>
-            <a:effectRef idx="2">
-              <a:schemeClr val="accent1"/>
-            </a:effectRef>
-            <a:fontRef idx="minor">
-              <a:schemeClr val="lt1"/>
-            </a:fontRef>
-          </p:style>
-        </p:sp>
-        <p:sp>
-          <p:nvSpPr>
-            <p:cNvPr id="14" name="Rectangle 25">
-              <a:extLst>
-                <a:ext uri="{FF2B5EF4-FFF2-40B4-BE49-F238E27FC236}">
-                  <a16:creationId xmlns:a16="http://schemas.microsoft.com/office/drawing/2014/main" id="{299DA406-C54B-4E31-867D-FAF8DCE7045F}"/>
-                </a:ext>
-                <a:ext uri="{C183D7F6-B498-43B3-948B-1728B52AA6E4}">
-                  <adec:decorative xmlns:adec="http://schemas.microsoft.com/office/drawing/2017/decorative" val="1"/>
-                </a:ext>
-              </a:extLst>
-            </p:cNvPr>
-            <p:cNvSpPr/>
-            <p:nvPr>
-              <p:extLst>
-                <p:ext uri="{386F3935-93C4-4BCD-93E2-E3B085C9AB24}">
-                  <p16:designElem xmlns:p16="http://schemas.microsoft.com/office/powerpoint/2015/main" val="1"/>
-                </p:ext>
-              </p:extLst>
-            </p:nvPr>
-          </p:nvSpPr>
-          <p:spPr>
-            <a:xfrm>
-              <a:off x="9603442" y="-8467"/>
-              <a:ext cx="2588558" cy="6866467"/>
-            </a:xfrm>
-            <a:custGeom>
-              <a:avLst/>
-              <a:gdLst/>
-              <a:ahLst/>
-              <a:cxnLst/>
-              <a:rect l="l" t="t" r="r" b="b"/>
-              <a:pathLst>
-                <a:path w="2573311" h="6866467">
-                  <a:moveTo>
-                    <a:pt x="0" y="0"/>
-                  </a:moveTo>
-                  <a:lnTo>
-                    <a:pt x="2573311" y="0"/>
-                  </a:lnTo>
-                  <a:lnTo>
-                    <a:pt x="2573311" y="6866467"/>
-                  </a:lnTo>
-                  <a:lnTo>
-                    <a:pt x="1202336" y="6866467"/>
-                  </a:lnTo>
-                  <a:lnTo>
-                    <a:pt x="0" y="0"/>
-                  </a:lnTo>
-                  <a:close/>
-                </a:path>
-              </a:pathLst>
-            </a:custGeom>
-            <a:solidFill>
-              <a:schemeClr val="accent1">
-                <a:alpha val="20000"/>
-              </a:schemeClr>
-            </a:solidFill>
-            <a:ln>
-              <a:noFill/>
-            </a:ln>
-            <a:effectLst/>
-          </p:spPr>
-          <p:style>
-            <a:lnRef idx="1">
-              <a:schemeClr val="accent1"/>
-            </a:lnRef>
-            <a:fillRef idx="3">
-              <a:schemeClr val="accent1"/>
-            </a:fillRef>
-            <a:effectRef idx="2">
-              <a:schemeClr val="accent1"/>
-            </a:effectRef>
-            <a:fontRef idx="minor">
-              <a:schemeClr val="lt1"/>
-            </a:fontRef>
-          </p:style>
-        </p:sp>
-        <p:sp>
-          <p:nvSpPr>
-            <p:cNvPr id="15" name="Isosceles Triangle 14">
-              <a:extLst>
-                <a:ext uri="{FF2B5EF4-FFF2-40B4-BE49-F238E27FC236}">
-                  <a16:creationId xmlns:a16="http://schemas.microsoft.com/office/drawing/2014/main" id="{A1E16883-5140-47C4-A9AD-AD6598AC3EE6}"/>
-                </a:ext>
-                <a:ext uri="{C183D7F6-B498-43B3-948B-1728B52AA6E4}">
-                  <adec:decorative xmlns:adec="http://schemas.microsoft.com/office/drawing/2017/decorative" val="1"/>
-                </a:ext>
-              </a:extLst>
-            </p:cNvPr>
-            <p:cNvSpPr/>
-            <p:nvPr>
-              <p:extLst>
-                <p:ext uri="{386F3935-93C4-4BCD-93E2-E3B085C9AB24}">
-                  <p16:designElem xmlns:p16="http://schemas.microsoft.com/office/powerpoint/2015/main" val="1"/>
-                </p:ext>
-              </p:extLst>
-            </p:nvPr>
-          </p:nvSpPr>
-          <p:spPr>
-            <a:xfrm>
-              <a:off x="8932333" y="3048000"/>
-              <a:ext cx="3259667" cy="3810000"/>
-            </a:xfrm>
-            <a:prstGeom prst="triangle">
-              <a:avLst>
-                <a:gd name="adj" fmla="val 100000"/>
-              </a:avLst>
-            </a:prstGeom>
-            <a:solidFill>
-              <a:schemeClr val="accent2">
-                <a:alpha val="72000"/>
-              </a:schemeClr>
-            </a:solidFill>
-            <a:ln>
-              <a:noFill/>
-            </a:ln>
-            <a:effectLst/>
-          </p:spPr>
-          <p:style>
-            <a:lnRef idx="1">
-              <a:schemeClr val="accent1"/>
-            </a:lnRef>
-            <a:fillRef idx="3">
-              <a:schemeClr val="accent1"/>
-            </a:fillRef>
-            <a:effectRef idx="2">
-              <a:schemeClr val="accent1"/>
-            </a:effectRef>
-            <a:fontRef idx="minor">
-              <a:schemeClr val="lt1"/>
-            </a:fontRef>
-          </p:style>
-        </p:sp>
-        <p:sp>
-          <p:nvSpPr>
-            <p:cNvPr id="16" name="Rectangle 27">
-              <a:extLst>
-                <a:ext uri="{FF2B5EF4-FFF2-40B4-BE49-F238E27FC236}">
-                  <a16:creationId xmlns:a16="http://schemas.microsoft.com/office/drawing/2014/main" id="{4CD848DC-8A2A-4093-9BDD-7AF4B6A27814}"/>
-                </a:ext>
-                <a:ext uri="{C183D7F6-B498-43B3-948B-1728B52AA6E4}">
-                  <adec:decorative xmlns:adec="http://schemas.microsoft.com/office/drawing/2017/decorative" val="1"/>
-                </a:ext>
-              </a:extLst>
-            </p:cNvPr>
-            <p:cNvSpPr/>
-            <p:nvPr>
-              <p:extLst>
-                <p:ext uri="{386F3935-93C4-4BCD-93E2-E3B085C9AB24}">
-                  <p16:designElem xmlns:p16="http://schemas.microsoft.com/office/powerpoint/2015/main" val="1"/>
-                </p:ext>
-              </p:extLst>
-            </p:nvPr>
-          </p:nvSpPr>
-          <p:spPr>
-            <a:xfrm>
-              <a:off x="9334500" y="-8467"/>
-              <a:ext cx="2854326" cy="6866467"/>
-            </a:xfrm>
-            <a:custGeom>
-              <a:avLst/>
-              <a:gdLst/>
-              <a:ahLst/>
-              <a:cxnLst/>
-              <a:rect l="l" t="t" r="r" b="b"/>
-              <a:pathLst>
-                <a:path w="2858013" h="6866467">
-                  <a:moveTo>
-                    <a:pt x="0" y="0"/>
-                  </a:moveTo>
-                  <a:lnTo>
-                    <a:pt x="2858013" y="0"/>
-                  </a:lnTo>
-                  <a:lnTo>
-                    <a:pt x="2858013" y="6866467"/>
-                  </a:lnTo>
-                  <a:lnTo>
-                    <a:pt x="2473942" y="6866467"/>
-                  </a:lnTo>
-                  <a:lnTo>
-                    <a:pt x="0" y="0"/>
-                  </a:lnTo>
-                  <a:close/>
-                </a:path>
-              </a:pathLst>
-            </a:custGeom>
-            <a:solidFill>
-              <a:schemeClr val="accent2">
-                <a:lumMod val="75000"/>
-                <a:alpha val="70000"/>
-              </a:schemeClr>
-            </a:solidFill>
-            <a:ln>
-              <a:noFill/>
-            </a:ln>
-            <a:effectLst/>
-          </p:spPr>
-          <p:style>
-            <a:lnRef idx="1">
-              <a:schemeClr val="accent1"/>
-            </a:lnRef>
-            <a:fillRef idx="3">
-              <a:schemeClr val="accent1"/>
-            </a:fillRef>
-            <a:effectRef idx="2">
-              <a:schemeClr val="accent1"/>
-            </a:effectRef>
-            <a:fontRef idx="minor">
-              <a:schemeClr val="lt1"/>
-            </a:fontRef>
-          </p:style>
-        </p:sp>
-        <p:sp>
-          <p:nvSpPr>
-            <p:cNvPr id="17" name="Rectangle 28">
-              <a:extLst>
-                <a:ext uri="{FF2B5EF4-FFF2-40B4-BE49-F238E27FC236}">
-                  <a16:creationId xmlns:a16="http://schemas.microsoft.com/office/drawing/2014/main" id="{34635A4D-E9CE-4B78-912A-479EA4512B14}"/>
-                </a:ext>
-                <a:ext uri="{C183D7F6-B498-43B3-948B-1728B52AA6E4}">
-                  <adec:decorative xmlns:adec="http://schemas.microsoft.com/office/drawing/2017/decorative" val="1"/>
-                </a:ext>
-              </a:extLst>
-            </p:cNvPr>
-            <p:cNvSpPr/>
-            <p:nvPr>
-              <p:extLst>
-                <p:ext uri="{386F3935-93C4-4BCD-93E2-E3B085C9AB24}">
-                  <p16:designElem xmlns:p16="http://schemas.microsoft.com/office/powerpoint/2015/main" val="1"/>
-                </p:ext>
-              </p:extLst>
-            </p:nvPr>
-          </p:nvSpPr>
-          <p:spPr>
-            <a:xfrm>
-              <a:off x="10898730" y="-8467"/>
-              <a:ext cx="1290094" cy="6866467"/>
-            </a:xfrm>
-            <a:custGeom>
-              <a:avLst/>
-              <a:gdLst/>
-              <a:ahLst/>
-              <a:cxnLst/>
-              <a:rect l="l" t="t" r="r" b="b"/>
-              <a:pathLst>
-                <a:path w="1290094" h="6858000">
-                  <a:moveTo>
-                    <a:pt x="1019735" y="0"/>
-                  </a:moveTo>
-                  <a:lnTo>
-                    <a:pt x="1290094" y="0"/>
-                  </a:lnTo>
-                  <a:lnTo>
-                    <a:pt x="1290094" y="6858000"/>
-                  </a:lnTo>
-                  <a:lnTo>
-                    <a:pt x="0" y="6858000"/>
-                  </a:lnTo>
-                  <a:lnTo>
-                    <a:pt x="1019735" y="0"/>
-                  </a:lnTo>
-                  <a:close/>
-                </a:path>
-              </a:pathLst>
-            </a:custGeom>
-            <a:solidFill>
-              <a:schemeClr val="accent1">
-                <a:lumMod val="60000"/>
-                <a:lumOff val="40000"/>
-                <a:alpha val="70000"/>
-              </a:schemeClr>
-            </a:solidFill>
-            <a:ln>
-              <a:noFill/>
-            </a:ln>
-            <a:effectLst/>
-          </p:spPr>
-          <p:style>
-            <a:lnRef idx="1">
-              <a:schemeClr val="accent1"/>
-            </a:lnRef>
-            <a:fillRef idx="3">
-              <a:schemeClr val="accent1"/>
-            </a:fillRef>
-            <a:effectRef idx="2">
-              <a:schemeClr val="accent1"/>
-            </a:effectRef>
-            <a:fontRef idx="minor">
-              <a:schemeClr val="lt1"/>
-            </a:fontRef>
-          </p:style>
-        </p:sp>
-        <p:sp>
-          <p:nvSpPr>
-            <p:cNvPr id="18" name="Rectangle 29">
-              <a:extLst>
-                <a:ext uri="{FF2B5EF4-FFF2-40B4-BE49-F238E27FC236}">
-                  <a16:creationId xmlns:a16="http://schemas.microsoft.com/office/drawing/2014/main" id="{D663A5EE-5581-44F3-8F98-688755F63EA2}"/>
-                </a:ext>
-                <a:ext uri="{C183D7F6-B498-43B3-948B-1728B52AA6E4}">
-                  <adec:decorative xmlns:adec="http://schemas.microsoft.com/office/drawing/2017/decorative" val="1"/>
-                </a:ext>
-              </a:extLst>
-            </p:cNvPr>
-            <p:cNvSpPr/>
-            <p:nvPr>
-              <p:extLst>
-                <p:ext uri="{386F3935-93C4-4BCD-93E2-E3B085C9AB24}">
-                  <p16:designElem xmlns:p16="http://schemas.microsoft.com/office/powerpoint/2015/main" val="1"/>
-                </p:ext>
-              </p:extLst>
-            </p:nvPr>
-          </p:nvSpPr>
-          <p:spPr>
-            <a:xfrm>
-              <a:off x="10938999" y="-8467"/>
-              <a:ext cx="1249825" cy="6866467"/>
-            </a:xfrm>
-            <a:custGeom>
-              <a:avLst/>
-              <a:gdLst/>
-              <a:ahLst/>
-              <a:cxnLst/>
-              <a:rect l="l" t="t" r="r" b="b"/>
-              <a:pathLst>
-                <a:path w="1249825" h="6858000">
-                  <a:moveTo>
-                    <a:pt x="0" y="0"/>
-                  </a:moveTo>
-                  <a:lnTo>
-                    <a:pt x="1249825" y="0"/>
-                  </a:lnTo>
-                  <a:lnTo>
-                    <a:pt x="1249825" y="6858000"/>
-                  </a:lnTo>
-                  <a:lnTo>
-                    <a:pt x="1109382" y="6858000"/>
-                  </a:lnTo>
-                  <a:lnTo>
-                    <a:pt x="0" y="0"/>
-                  </a:lnTo>
-                  <a:close/>
-                </a:path>
-              </a:pathLst>
-            </a:custGeom>
-            <a:solidFill>
-              <a:schemeClr val="accent1">
-                <a:alpha val="65000"/>
-              </a:schemeClr>
-            </a:solidFill>
-            <a:ln>
-              <a:noFill/>
-            </a:ln>
-            <a:effectLst/>
-          </p:spPr>
-          <p:style>
-            <a:lnRef idx="1">
-              <a:schemeClr val="accent1"/>
-            </a:lnRef>
-            <a:fillRef idx="3">
-              <a:schemeClr val="accent1"/>
-            </a:fillRef>
-            <a:effectRef idx="2">
-              <a:schemeClr val="accent1"/>
-            </a:effectRef>
-            <a:fontRef idx="minor">
-              <a:schemeClr val="lt1"/>
-            </a:fontRef>
-          </p:style>
-        </p:sp>
-        <p:sp>
-          <p:nvSpPr>
-            <p:cNvPr id="19" name="Isosceles Triangle 18">
-              <a:extLst>
-                <a:ext uri="{FF2B5EF4-FFF2-40B4-BE49-F238E27FC236}">
-                  <a16:creationId xmlns:a16="http://schemas.microsoft.com/office/drawing/2014/main" id="{B1E84E6A-F5AE-4F4D-98F2-82FE4FCC2656}"/>
-                </a:ext>
-                <a:ext uri="{C183D7F6-B498-43B3-948B-1728B52AA6E4}">
-                  <adec:decorative xmlns:adec="http://schemas.microsoft.com/office/drawing/2017/decorative" val="1"/>
-                </a:ext>
-              </a:extLst>
-            </p:cNvPr>
-            <p:cNvSpPr/>
-            <p:nvPr>
-              <p:extLst>
-                <p:ext uri="{386F3935-93C4-4BCD-93E2-E3B085C9AB24}">
-                  <p16:designElem xmlns:p16="http://schemas.microsoft.com/office/powerpoint/2015/main" val="1"/>
-                </p:ext>
-              </p:extLst>
-            </p:nvPr>
-          </p:nvSpPr>
-          <p:spPr>
-            <a:xfrm>
-              <a:off x="10371666" y="3589867"/>
-              <a:ext cx="1817159" cy="3268133"/>
-            </a:xfrm>
-            <a:prstGeom prst="triangle">
-              <a:avLst>
-                <a:gd name="adj" fmla="val 100000"/>
-              </a:avLst>
-            </a:prstGeom>
-            <a:solidFill>
-              <a:schemeClr val="accent1">
-                <a:alpha val="80000"/>
-              </a:schemeClr>
-            </a:solidFill>
-            <a:ln>
-              <a:noFill/>
-            </a:ln>
-            <a:effectLst/>
-          </p:spPr>
-          <p:style>
-            <a:lnRef idx="1">
-              <a:schemeClr val="accent1"/>
-            </a:lnRef>
-            <a:fillRef idx="3">
-              <a:schemeClr val="accent1"/>
-            </a:fillRef>
-            <a:effectRef idx="2">
-              <a:schemeClr val="accent1"/>
-            </a:effectRef>
-            <a:fontRef idx="minor">
-              <a:schemeClr val="lt1"/>
-            </a:fontRef>
-          </p:style>
-        </p:sp>
-        <p:sp>
-          <p:nvSpPr>
-            <p:cNvPr id="20" name="Isosceles Triangle 19">
-              <a:extLst>
-                <a:ext uri="{FF2B5EF4-FFF2-40B4-BE49-F238E27FC236}">
-                  <a16:creationId xmlns:a16="http://schemas.microsoft.com/office/drawing/2014/main" id="{DDE7DDC9-17D4-4686-833D-48F8733B49EE}"/>
-                </a:ext>
-                <a:ext uri="{C183D7F6-B498-43B3-948B-1728B52AA6E4}">
-                  <adec:decorative xmlns:adec="http://schemas.microsoft.com/office/drawing/2017/decorative" val="1"/>
-                </a:ext>
-              </a:extLst>
-            </p:cNvPr>
-            <p:cNvSpPr/>
-            <p:nvPr>
-              <p:extLst>
-                <p:ext uri="{386F3935-93C4-4BCD-93E2-E3B085C9AB24}">
-                  <p16:designElem xmlns:p16="http://schemas.microsoft.com/office/powerpoint/2015/main" val="1"/>
-                </p:ext>
-              </p:extLst>
-            </p:nvPr>
-          </p:nvSpPr>
-          <p:spPr>
-            <a:xfrm>
-              <a:off x="0" y="4013200"/>
-              <a:ext cx="448733" cy="2844800"/>
-            </a:xfrm>
-            <a:prstGeom prst="triangle">
-              <a:avLst>
-                <a:gd name="adj" fmla="val 0"/>
-              </a:avLst>
-            </a:prstGeom>
-            <a:solidFill>
-              <a:schemeClr val="accent1">
-                <a:alpha val="85000"/>
-              </a:schemeClr>
-            </a:solidFill>
-            <a:ln>
-              <a:noFill/>
-            </a:ln>
-            <a:effectLst/>
-          </p:spPr>
-          <p:style>
-            <a:lnRef idx="1">
-              <a:schemeClr val="accent1"/>
-            </a:lnRef>
-            <a:fillRef idx="3">
-              <a:schemeClr val="accent1"/>
-            </a:fillRef>
-            <a:effectRef idx="2">
-              <a:schemeClr val="accent1"/>
-            </a:effectRef>
-            <a:fontRef idx="minor">
-              <a:schemeClr val="lt1"/>
-            </a:fontRef>
-          </p:style>
-        </p:sp>
-      </p:grpSp>
-      <p:sp>
-        <p:nvSpPr>
-          <p:cNvPr id="2" name="כותרת 1">
-            <a:extLst>
-              <a:ext uri="{FF2B5EF4-FFF2-40B4-BE49-F238E27FC236}">
-                <a16:creationId xmlns:a16="http://schemas.microsoft.com/office/drawing/2014/main" id="{42F357A3-B4F5-4866-B980-B4E968CAC593}"/>
-              </a:ext>
-            </a:extLst>
-          </p:cNvPr>
-          <p:cNvSpPr>
-            <a:spLocks noGrp="1"/>
-          </p:cNvSpPr>
-          <p:nvPr>
-            <p:ph type="title"/>
-          </p:nvPr>
-        </p:nvSpPr>
-        <p:spPr>
-          <a:xfrm>
-            <a:off x="199808" y="266700"/>
-            <a:ext cx="9838266" cy="1320800"/>
-          </a:xfrm>
-        </p:spPr>
-        <p:txBody>
-          <a:bodyPr>
-            <a:normAutofit fontScale="90000"/>
-          </a:bodyPr>
-          <a:lstStyle/>
-          <a:p>
-            <a:r>
-              <a:rPr lang="en-US" dirty="0"/>
-              <a:t>Improvement feature extraction and after attack (shuffled train-test dataset)</a:t>
-            </a:r>
-            <a:br>
-              <a:rPr lang="en-US" dirty="0"/>
-            </a:br>
-            <a:br>
-              <a:rPr lang="en-US" dirty="0"/>
-            </a:br>
-            <a:endParaRPr lang="he-IL" dirty="0"/>
-          </a:p>
-        </p:txBody>
-      </p:sp>
-      <p:sp>
-        <p:nvSpPr>
-          <p:cNvPr id="3" name="מציין מיקום תוכן 2">
-            <a:extLst>
-              <a:ext uri="{FF2B5EF4-FFF2-40B4-BE49-F238E27FC236}">
-                <a16:creationId xmlns:a16="http://schemas.microsoft.com/office/drawing/2014/main" id="{C3BCF87B-952F-4EBA-941C-C9EE44501386}"/>
-              </a:ext>
-            </a:extLst>
-          </p:cNvPr>
-          <p:cNvSpPr>
-            <a:spLocks noGrp="1"/>
-          </p:cNvSpPr>
-          <p:nvPr>
-            <p:ph idx="1"/>
-          </p:nvPr>
-        </p:nvSpPr>
-        <p:spPr>
-          <a:xfrm>
-            <a:off x="677334" y="1600200"/>
-            <a:ext cx="8596668" cy="4962525"/>
-          </a:xfrm>
-        </p:spPr>
-        <p:txBody>
-          <a:bodyPr>
-            <a:normAutofit/>
-          </a:bodyPr>
-          <a:lstStyle/>
-          <a:p>
-            <a:pPr marL="400050" algn="l" rtl="0">
-              <a:buFont typeface="+mj-lt"/>
-              <a:buAutoNum type="arabicPeriod"/>
-            </a:pPr>
-            <a:r>
-              <a:rPr lang="en-US" dirty="0" err="1"/>
-              <a:t>accuracy_score</a:t>
-            </a:r>
-            <a:r>
-              <a:rPr lang="en-US" dirty="0"/>
-              <a:t> 0.9478118712273642</a:t>
-            </a:r>
-            <a:br>
-              <a:rPr lang="en-US" dirty="0"/>
-            </a:br>
-            <a:r>
-              <a:rPr lang="en-US" dirty="0"/>
-              <a:t>processing time is  23.42286252975464  seconds</a:t>
-            </a:r>
-          </a:p>
-          <a:p>
-            <a:pPr marL="400050" algn="l" rtl="0">
-              <a:buFont typeface="+mj-lt"/>
-              <a:buAutoNum type="arabicPeriod"/>
-            </a:pPr>
-            <a:r>
-              <a:rPr lang="en-US" dirty="0" err="1"/>
-              <a:t>accuracy_score</a:t>
-            </a:r>
-            <a:r>
-              <a:rPr lang="en-US" dirty="0"/>
-              <a:t> 0.9481262575452716</a:t>
-            </a:r>
-            <a:br>
-              <a:rPr lang="en-US" dirty="0"/>
-            </a:br>
-            <a:r>
-              <a:rPr lang="en-US" dirty="0"/>
-              <a:t>processing time is  23.038261651992798  seconds</a:t>
-            </a:r>
-          </a:p>
-          <a:p>
-            <a:pPr marL="400050" algn="l" rtl="0">
-              <a:buFont typeface="+mj-lt"/>
-              <a:buAutoNum type="arabicPeriod"/>
-            </a:pPr>
-            <a:r>
-              <a:rPr lang="en-US" dirty="0" err="1"/>
-              <a:t>accuracy_score</a:t>
-            </a:r>
-            <a:r>
-              <a:rPr lang="en-US" dirty="0"/>
-              <a:t> 0.9505155935613682</a:t>
-            </a:r>
-            <a:br>
-              <a:rPr lang="en-US" dirty="0"/>
-            </a:br>
-            <a:r>
-              <a:rPr lang="en-US" dirty="0"/>
-              <a:t>processing time is  23.573590517044067  seconds</a:t>
-            </a:r>
-          </a:p>
-          <a:p>
-            <a:pPr marL="400050" algn="l" rtl="0">
-              <a:buFont typeface="+mj-lt"/>
-              <a:buAutoNum type="arabicPeriod"/>
-            </a:pPr>
-            <a:r>
-              <a:rPr lang="en-US" dirty="0" err="1"/>
-              <a:t>accuracy_score</a:t>
-            </a:r>
-            <a:r>
-              <a:rPr lang="en-US" dirty="0"/>
-              <a:t> 0.9503269617706237</a:t>
-            </a:r>
-            <a:br>
-              <a:rPr lang="en-US" dirty="0"/>
-            </a:br>
-            <a:r>
-              <a:rPr lang="en-US" dirty="0"/>
-              <a:t>processing time is  25.794708013534546  seconds</a:t>
-            </a:r>
-          </a:p>
-          <a:p>
-            <a:pPr marL="400050" algn="l" rtl="0">
-              <a:buFont typeface="+mj-lt"/>
-              <a:buAutoNum type="arabicPeriod"/>
-            </a:pPr>
-            <a:r>
-              <a:rPr lang="en-US" dirty="0" err="1"/>
-              <a:t>accuracy_score</a:t>
-            </a:r>
-            <a:r>
-              <a:rPr lang="en-US" dirty="0"/>
-              <a:t> 0.9597869558704174</a:t>
-            </a:r>
-            <a:br>
-              <a:rPr lang="en-US" dirty="0"/>
-            </a:br>
-            <a:r>
-              <a:rPr lang="en-US" dirty="0"/>
-              <a:t>processing time is  22.422863643592798  seconds</a:t>
-            </a:r>
-          </a:p>
-          <a:p>
-            <a:pPr marL="400050" algn="l" rtl="0">
-              <a:buFont typeface="+mj-lt"/>
-              <a:buAutoNum type="arabicPeriod"/>
-            </a:pPr>
-            <a:endParaRPr lang="en-US" dirty="0"/>
-          </a:p>
-          <a:p>
-            <a:pPr marL="400050" algn="l" rtl="0"/>
-            <a:r>
-              <a:rPr lang="en-US" sz="2400" dirty="0"/>
-              <a:t>AVG: 0.9513135279950091 </a:t>
-            </a:r>
-            <a:r>
-              <a:rPr lang="en-US" sz="2400" dirty="0" err="1"/>
-              <a:t>acc_score</a:t>
-            </a:r>
-            <a:endParaRPr lang="en-US" sz="2400" dirty="0"/>
-          </a:p>
-        </p:txBody>
-      </p:sp>
-    </p:spTree>
-    <p:extLst>
-      <p:ext uri="{BB962C8B-B14F-4D97-AF65-F5344CB8AC3E}">
-        <p14:creationId xmlns:p14="http://schemas.microsoft.com/office/powerpoint/2010/main" val="4269572882"/>
-      </p:ext>
-    </p:extLst>
-  </p:cSld>
-  <p:clrMapOvr>
-    <a:overrideClrMapping bg1="dk1" tx1="lt1" bg2="dk2" tx2="lt2" accent1="accent1" accent2="accent2" accent3="accent3" accent4="accent4" accent5="accent5" accent6="accent6" hlink="hlink" folHlink="folHlink"/>
-  </p:clrMapOvr>
-</p:sld>
-</file>
-
-<file path=ppt/slides/slide18.xml><?xml version="1.0" encoding="utf-8"?>
-<p:sld xmlns:a="http://schemas.openxmlformats.org/drawingml/2006/main" xmlns:r="http://schemas.openxmlformats.org/officeDocument/2006/relationships" xmlns:p="http://schemas.openxmlformats.org/presentationml/2006/main">
-  <p:cSld>
-    <p:bg>
-      <p:bgPr>
-        <a:solidFill>
-          <a:schemeClr val="bg2"/>
-        </a:solidFill>
-        <a:effectLst/>
-      </p:bgPr>
-    </p:bg>
-    <p:spTree>
-      <p:nvGrpSpPr>
-        <p:cNvPr id="1" name=""/>
-        <p:cNvGrpSpPr/>
-        <p:nvPr/>
-      </p:nvGrpSpPr>
-      <p:grpSpPr>
-        <a:xfrm>
-          <a:off x="0" y="0"/>
-          <a:ext cx="0" cy="0"/>
-          <a:chOff x="0" y="0"/>
-          <a:chExt cx="0" cy="0"/>
-        </a:xfrm>
-      </p:grpSpPr>
-      <p:sp useBgFill="1">
-        <p:nvSpPr>
-          <p:cNvPr id="8" name="Rectangle 7">
-            <a:extLst>
-              <a:ext uri="{FF2B5EF4-FFF2-40B4-BE49-F238E27FC236}">
-                <a16:creationId xmlns:a16="http://schemas.microsoft.com/office/drawing/2014/main" id="{86C16C40-7C29-4ACC-B851-7E08E459B596}"/>
-              </a:ext>
-              <a:ext uri="{C183D7F6-B498-43B3-948B-1728B52AA6E4}">
-                <adec:decorative xmlns:adec="http://schemas.microsoft.com/office/drawing/2017/decorative" val="1"/>
-              </a:ext>
-            </a:extLst>
-          </p:cNvPr>
-          <p:cNvSpPr>
-            <a:spLocks noGrp="1" noRot="1" noChangeAspect="1" noMove="1" noResize="1" noEditPoints="1" noAdjustHandles="1" noChangeArrowheads="1" noChangeShapeType="1" noTextEdit="1"/>
-          </p:cNvSpPr>
-          <p:nvPr>
-            <p:extLst>
-              <p:ext uri="{386F3935-93C4-4BCD-93E2-E3B085C9AB24}">
-                <p16:designElem xmlns:p16="http://schemas.microsoft.com/office/powerpoint/2015/main" val="1"/>
-              </p:ext>
-            </p:extLst>
-          </p:nvPr>
-        </p:nvSpPr>
-        <p:spPr>
-          <a:xfrm>
-            <a:off x="0" y="0"/>
-            <a:ext cx="12192000" cy="6858000"/>
-          </a:xfrm>
-          <a:prstGeom prst="rect">
-            <a:avLst/>
-          </a:prstGeom>
-          <a:ln>
-            <a:noFill/>
-          </a:ln>
-        </p:spPr>
-        <p:style>
-          <a:lnRef idx="2">
-            <a:schemeClr val="accent1">
-              <a:shade val="50000"/>
-            </a:schemeClr>
-          </a:lnRef>
-          <a:fillRef idx="1">
-            <a:schemeClr val="accent1"/>
-          </a:fillRef>
-          <a:effectRef idx="0">
-            <a:schemeClr val="accent1"/>
-          </a:effectRef>
-          <a:fontRef idx="minor">
-            <a:schemeClr val="lt1"/>
-          </a:fontRef>
-        </p:style>
-        <p:txBody>
-          <a:bodyPr rtlCol="0" anchor="ctr"/>
-          <a:lstStyle/>
-          <a:p>
-            <a:pPr algn="ctr"/>
-            <a:endParaRPr lang="en-US"/>
-          </a:p>
-        </p:txBody>
-      </p:sp>
-      <p:grpSp>
-        <p:nvGrpSpPr>
-          <p:cNvPr id="10" name="Group 9">
-            <a:extLst>
-              <a:ext uri="{FF2B5EF4-FFF2-40B4-BE49-F238E27FC236}">
-                <a16:creationId xmlns:a16="http://schemas.microsoft.com/office/drawing/2014/main" id="{CDD733AE-DD5E-4C77-8BCD-72BF12A06BB1}"/>
-              </a:ext>
-              <a:ext uri="{C183D7F6-B498-43B3-948B-1728B52AA6E4}">
-                <adec:decorative xmlns:adec="http://schemas.microsoft.com/office/drawing/2017/decorative" val="1"/>
-              </a:ext>
-            </a:extLst>
-          </p:cNvPr>
-          <p:cNvGrpSpPr>
-            <a:grpSpLocks noGrp="1" noUngrp="1" noRot="1" noChangeAspect="1" noMove="1" noResize="1"/>
-          </p:cNvGrpSpPr>
-          <p:nvPr>
-            <p:extLst>
-              <p:ext uri="{386F3935-93C4-4BCD-93E2-E3B085C9AB24}">
-                <p16:designElem xmlns:p16="http://schemas.microsoft.com/office/powerpoint/2015/main" val="1"/>
-              </p:ext>
-            </p:extLst>
-          </p:nvPr>
-        </p:nvGrpSpPr>
-        <p:grpSpPr>
-          <a:xfrm>
-            <a:off x="0" y="-8467"/>
-            <a:ext cx="12192000" cy="6866467"/>
-            <a:chOff x="0" y="-8467"/>
-            <a:chExt cx="12192000" cy="6866467"/>
-          </a:xfrm>
-        </p:grpSpPr>
-        <p:cxnSp>
-          <p:nvCxnSpPr>
-            <p:cNvPr id="11" name="Straight Connector 10">
-              <a:extLst>
-                <a:ext uri="{FF2B5EF4-FFF2-40B4-BE49-F238E27FC236}">
-                  <a16:creationId xmlns:a16="http://schemas.microsoft.com/office/drawing/2014/main" id="{51DE90A4-932E-4370-BA07-30F43254C01B}"/>
-                </a:ext>
-                <a:ext uri="{C183D7F6-B498-43B3-948B-1728B52AA6E4}">
-                  <adec:decorative xmlns:adec="http://schemas.microsoft.com/office/drawing/2017/decorative" val="1"/>
-                </a:ext>
-              </a:extLst>
-            </p:cNvPr>
-            <p:cNvCxnSpPr/>
-            <p:nvPr>
-              <p:extLst>
-                <p:ext uri="{386F3935-93C4-4BCD-93E2-E3B085C9AB24}">
-                  <p16:designElem xmlns:p16="http://schemas.microsoft.com/office/powerpoint/2015/main" val="1"/>
-                </p:ext>
-              </p:extLst>
-            </p:nvPr>
-          </p:nvCxnSpPr>
-          <p:spPr>
-            <a:xfrm>
-              <a:off x="9371012" y="0"/>
-              <a:ext cx="1219200" cy="6858000"/>
-            </a:xfrm>
-            <a:prstGeom prst="line">
-              <a:avLst/>
-            </a:prstGeom>
-            <a:ln w="9525">
-              <a:solidFill>
-                <a:srgbClr val="FFFFFF"/>
-              </a:solidFill>
-            </a:ln>
-          </p:spPr>
-          <p:style>
-            <a:lnRef idx="2">
-              <a:schemeClr val="accent1"/>
-            </a:lnRef>
-            <a:fillRef idx="0">
-              <a:schemeClr val="accent1"/>
-            </a:fillRef>
-            <a:effectRef idx="1">
-              <a:schemeClr val="accent1"/>
-            </a:effectRef>
-            <a:fontRef idx="minor">
-              <a:schemeClr val="tx1"/>
-            </a:fontRef>
-          </p:style>
-        </p:cxnSp>
-        <p:cxnSp>
-          <p:nvCxnSpPr>
-            <p:cNvPr id="12" name="Straight Connector 11">
-              <a:extLst>
-                <a:ext uri="{FF2B5EF4-FFF2-40B4-BE49-F238E27FC236}">
-                  <a16:creationId xmlns:a16="http://schemas.microsoft.com/office/drawing/2014/main" id="{6A19CA4A-B208-452A-8BE4-BC6940D33D40}"/>
-                </a:ext>
-                <a:ext uri="{C183D7F6-B498-43B3-948B-1728B52AA6E4}">
-                  <adec:decorative xmlns:adec="http://schemas.microsoft.com/office/drawing/2017/decorative" val="1"/>
-                </a:ext>
-              </a:extLst>
-            </p:cNvPr>
-            <p:cNvCxnSpPr/>
-            <p:nvPr>
-              <p:extLst>
-                <p:ext uri="{386F3935-93C4-4BCD-93E2-E3B085C9AB24}">
-                  <p16:designElem xmlns:p16="http://schemas.microsoft.com/office/powerpoint/2015/main" val="1"/>
-                </p:ext>
-              </p:extLst>
-            </p:nvPr>
-          </p:nvCxnSpPr>
-          <p:spPr>
-            <a:xfrm flipH="1">
-              <a:off x="7425267" y="3681413"/>
-              <a:ext cx="4763558" cy="3176587"/>
-            </a:xfrm>
-            <a:prstGeom prst="line">
-              <a:avLst/>
-            </a:prstGeom>
-            <a:ln w="9525">
-              <a:solidFill>
-                <a:srgbClr val="FFFFFF"/>
-              </a:solidFill>
-            </a:ln>
-          </p:spPr>
-          <p:style>
-            <a:lnRef idx="2">
-              <a:schemeClr val="accent1"/>
-            </a:lnRef>
-            <a:fillRef idx="0">
-              <a:schemeClr val="accent1"/>
-            </a:fillRef>
-            <a:effectRef idx="1">
-              <a:schemeClr val="accent1"/>
-            </a:effectRef>
-            <a:fontRef idx="minor">
-              <a:schemeClr val="tx1"/>
-            </a:fontRef>
-          </p:style>
-        </p:cxnSp>
-        <p:sp>
-          <p:nvSpPr>
-            <p:cNvPr id="13" name="Rectangle 23">
-              <a:extLst>
-                <a:ext uri="{FF2B5EF4-FFF2-40B4-BE49-F238E27FC236}">
-                  <a16:creationId xmlns:a16="http://schemas.microsoft.com/office/drawing/2014/main" id="{B74F8D3E-E618-4DE3-A0CC-B4904BB5D5AB}"/>
-                </a:ext>
-                <a:ext uri="{C183D7F6-B498-43B3-948B-1728B52AA6E4}">
-                  <adec:decorative xmlns:adec="http://schemas.microsoft.com/office/drawing/2017/decorative" val="1"/>
-                </a:ext>
-              </a:extLst>
-            </p:cNvPr>
-            <p:cNvSpPr/>
-            <p:nvPr>
-              <p:extLst>
-                <p:ext uri="{386F3935-93C4-4BCD-93E2-E3B085C9AB24}">
-                  <p16:designElem xmlns:p16="http://schemas.microsoft.com/office/powerpoint/2015/main" val="1"/>
-                </p:ext>
-              </p:extLst>
-            </p:nvPr>
-          </p:nvSpPr>
-          <p:spPr>
-            <a:xfrm>
-              <a:off x="9181476" y="-8467"/>
-              <a:ext cx="3007349" cy="6866467"/>
-            </a:xfrm>
-            <a:custGeom>
-              <a:avLst/>
-              <a:gdLst/>
-              <a:ahLst/>
-              <a:cxnLst/>
-              <a:rect l="l" t="t" r="r" b="b"/>
-              <a:pathLst>
-                <a:path w="3007349" h="6866467">
-                  <a:moveTo>
-                    <a:pt x="2045532" y="0"/>
-                  </a:moveTo>
-                  <a:lnTo>
-                    <a:pt x="3007349" y="0"/>
-                  </a:lnTo>
-                  <a:lnTo>
-                    <a:pt x="3007349" y="6866467"/>
-                  </a:lnTo>
-                  <a:lnTo>
-                    <a:pt x="0" y="6866467"/>
-                  </a:lnTo>
-                  <a:lnTo>
-                    <a:pt x="2045532" y="0"/>
-                  </a:lnTo>
-                  <a:close/>
-                </a:path>
-              </a:pathLst>
-            </a:custGeom>
-            <a:solidFill>
-              <a:schemeClr val="accent1">
-                <a:alpha val="30000"/>
-              </a:schemeClr>
-            </a:solidFill>
-            <a:ln>
-              <a:noFill/>
-            </a:ln>
-            <a:effectLst/>
-          </p:spPr>
-          <p:style>
-            <a:lnRef idx="1">
-              <a:schemeClr val="accent1"/>
-            </a:lnRef>
-            <a:fillRef idx="3">
-              <a:schemeClr val="accent1"/>
-            </a:fillRef>
-            <a:effectRef idx="2">
-              <a:schemeClr val="accent1"/>
-            </a:effectRef>
-            <a:fontRef idx="minor">
-              <a:schemeClr val="lt1"/>
-            </a:fontRef>
-          </p:style>
-        </p:sp>
-        <p:sp>
-          <p:nvSpPr>
-            <p:cNvPr id="14" name="Rectangle 25">
-              <a:extLst>
-                <a:ext uri="{FF2B5EF4-FFF2-40B4-BE49-F238E27FC236}">
-                  <a16:creationId xmlns:a16="http://schemas.microsoft.com/office/drawing/2014/main" id="{299DA406-C54B-4E31-867D-FAF8DCE7045F}"/>
-                </a:ext>
-                <a:ext uri="{C183D7F6-B498-43B3-948B-1728B52AA6E4}">
-                  <adec:decorative xmlns:adec="http://schemas.microsoft.com/office/drawing/2017/decorative" val="1"/>
-                </a:ext>
-              </a:extLst>
-            </p:cNvPr>
-            <p:cNvSpPr/>
-            <p:nvPr>
-              <p:extLst>
-                <p:ext uri="{386F3935-93C4-4BCD-93E2-E3B085C9AB24}">
-                  <p16:designElem xmlns:p16="http://schemas.microsoft.com/office/powerpoint/2015/main" val="1"/>
-                </p:ext>
-              </p:extLst>
-            </p:nvPr>
-          </p:nvSpPr>
-          <p:spPr>
-            <a:xfrm>
-              <a:off x="9603442" y="-8467"/>
-              <a:ext cx="2588558" cy="6866467"/>
-            </a:xfrm>
-            <a:custGeom>
-              <a:avLst/>
-              <a:gdLst/>
-              <a:ahLst/>
-              <a:cxnLst/>
-              <a:rect l="l" t="t" r="r" b="b"/>
-              <a:pathLst>
-                <a:path w="2573311" h="6866467">
-                  <a:moveTo>
-                    <a:pt x="0" y="0"/>
-                  </a:moveTo>
-                  <a:lnTo>
-                    <a:pt x="2573311" y="0"/>
-                  </a:lnTo>
-                  <a:lnTo>
-                    <a:pt x="2573311" y="6866467"/>
-                  </a:lnTo>
-                  <a:lnTo>
-                    <a:pt x="1202336" y="6866467"/>
-                  </a:lnTo>
-                  <a:lnTo>
-                    <a:pt x="0" y="0"/>
-                  </a:lnTo>
-                  <a:close/>
-                </a:path>
-              </a:pathLst>
-            </a:custGeom>
-            <a:solidFill>
-              <a:schemeClr val="accent1">
-                <a:alpha val="20000"/>
-              </a:schemeClr>
-            </a:solidFill>
-            <a:ln>
-              <a:noFill/>
-            </a:ln>
-            <a:effectLst/>
-          </p:spPr>
-          <p:style>
-            <a:lnRef idx="1">
-              <a:schemeClr val="accent1"/>
-            </a:lnRef>
-            <a:fillRef idx="3">
-              <a:schemeClr val="accent1"/>
-            </a:fillRef>
-            <a:effectRef idx="2">
-              <a:schemeClr val="accent1"/>
-            </a:effectRef>
-            <a:fontRef idx="minor">
-              <a:schemeClr val="lt1"/>
-            </a:fontRef>
-          </p:style>
-        </p:sp>
-        <p:sp>
-          <p:nvSpPr>
-            <p:cNvPr id="15" name="Isosceles Triangle 14">
-              <a:extLst>
-                <a:ext uri="{FF2B5EF4-FFF2-40B4-BE49-F238E27FC236}">
-                  <a16:creationId xmlns:a16="http://schemas.microsoft.com/office/drawing/2014/main" id="{A1E16883-5140-47C4-A9AD-AD6598AC3EE6}"/>
-                </a:ext>
-                <a:ext uri="{C183D7F6-B498-43B3-948B-1728B52AA6E4}">
-                  <adec:decorative xmlns:adec="http://schemas.microsoft.com/office/drawing/2017/decorative" val="1"/>
-                </a:ext>
-              </a:extLst>
-            </p:cNvPr>
-            <p:cNvSpPr/>
-            <p:nvPr>
-              <p:extLst>
-                <p:ext uri="{386F3935-93C4-4BCD-93E2-E3B085C9AB24}">
-                  <p16:designElem xmlns:p16="http://schemas.microsoft.com/office/powerpoint/2015/main" val="1"/>
-                </p:ext>
-              </p:extLst>
-            </p:nvPr>
-          </p:nvSpPr>
-          <p:spPr>
-            <a:xfrm>
-              <a:off x="8932333" y="3048000"/>
-              <a:ext cx="3259667" cy="3810000"/>
-            </a:xfrm>
-            <a:prstGeom prst="triangle">
-              <a:avLst>
-                <a:gd name="adj" fmla="val 100000"/>
-              </a:avLst>
-            </a:prstGeom>
-            <a:solidFill>
-              <a:schemeClr val="accent2">
-                <a:alpha val="72000"/>
-              </a:schemeClr>
-            </a:solidFill>
-            <a:ln>
-              <a:noFill/>
-            </a:ln>
-            <a:effectLst/>
-          </p:spPr>
-          <p:style>
-            <a:lnRef idx="1">
-              <a:schemeClr val="accent1"/>
-            </a:lnRef>
-            <a:fillRef idx="3">
-              <a:schemeClr val="accent1"/>
-            </a:fillRef>
-            <a:effectRef idx="2">
-              <a:schemeClr val="accent1"/>
-            </a:effectRef>
-            <a:fontRef idx="minor">
-              <a:schemeClr val="lt1"/>
-            </a:fontRef>
-          </p:style>
-        </p:sp>
-        <p:sp>
-          <p:nvSpPr>
-            <p:cNvPr id="16" name="Rectangle 27">
-              <a:extLst>
-                <a:ext uri="{FF2B5EF4-FFF2-40B4-BE49-F238E27FC236}">
-                  <a16:creationId xmlns:a16="http://schemas.microsoft.com/office/drawing/2014/main" id="{4CD848DC-8A2A-4093-9BDD-7AF4B6A27814}"/>
-                </a:ext>
-                <a:ext uri="{C183D7F6-B498-43B3-948B-1728B52AA6E4}">
-                  <adec:decorative xmlns:adec="http://schemas.microsoft.com/office/drawing/2017/decorative" val="1"/>
-                </a:ext>
-              </a:extLst>
-            </p:cNvPr>
-            <p:cNvSpPr/>
-            <p:nvPr>
-              <p:extLst>
-                <p:ext uri="{386F3935-93C4-4BCD-93E2-E3B085C9AB24}">
-                  <p16:designElem xmlns:p16="http://schemas.microsoft.com/office/powerpoint/2015/main" val="1"/>
-                </p:ext>
-              </p:extLst>
-            </p:nvPr>
-          </p:nvSpPr>
-          <p:spPr>
-            <a:xfrm>
-              <a:off x="9334500" y="-8467"/>
-              <a:ext cx="2854326" cy="6866467"/>
-            </a:xfrm>
-            <a:custGeom>
-              <a:avLst/>
-              <a:gdLst/>
-              <a:ahLst/>
-              <a:cxnLst/>
-              <a:rect l="l" t="t" r="r" b="b"/>
-              <a:pathLst>
-                <a:path w="2858013" h="6866467">
-                  <a:moveTo>
-                    <a:pt x="0" y="0"/>
-                  </a:moveTo>
-                  <a:lnTo>
-                    <a:pt x="2858013" y="0"/>
-                  </a:lnTo>
-                  <a:lnTo>
-                    <a:pt x="2858013" y="6866467"/>
-                  </a:lnTo>
-                  <a:lnTo>
-                    <a:pt x="2473942" y="6866467"/>
-                  </a:lnTo>
-                  <a:lnTo>
-                    <a:pt x="0" y="0"/>
-                  </a:lnTo>
-                  <a:close/>
-                </a:path>
-              </a:pathLst>
-            </a:custGeom>
-            <a:solidFill>
-              <a:schemeClr val="accent2">
-                <a:lumMod val="75000"/>
-                <a:alpha val="70000"/>
-              </a:schemeClr>
-            </a:solidFill>
-            <a:ln>
-              <a:noFill/>
-            </a:ln>
-            <a:effectLst/>
-          </p:spPr>
-          <p:style>
-            <a:lnRef idx="1">
-              <a:schemeClr val="accent1"/>
-            </a:lnRef>
-            <a:fillRef idx="3">
-              <a:schemeClr val="accent1"/>
-            </a:fillRef>
-            <a:effectRef idx="2">
-              <a:schemeClr val="accent1"/>
-            </a:effectRef>
-            <a:fontRef idx="minor">
-              <a:schemeClr val="lt1"/>
-            </a:fontRef>
-          </p:style>
-        </p:sp>
-        <p:sp>
-          <p:nvSpPr>
-            <p:cNvPr id="17" name="Rectangle 28">
-              <a:extLst>
-                <a:ext uri="{FF2B5EF4-FFF2-40B4-BE49-F238E27FC236}">
-                  <a16:creationId xmlns:a16="http://schemas.microsoft.com/office/drawing/2014/main" id="{34635A4D-E9CE-4B78-912A-479EA4512B14}"/>
-                </a:ext>
-                <a:ext uri="{C183D7F6-B498-43B3-948B-1728B52AA6E4}">
-                  <adec:decorative xmlns:adec="http://schemas.microsoft.com/office/drawing/2017/decorative" val="1"/>
-                </a:ext>
-              </a:extLst>
-            </p:cNvPr>
-            <p:cNvSpPr/>
-            <p:nvPr>
-              <p:extLst>
-                <p:ext uri="{386F3935-93C4-4BCD-93E2-E3B085C9AB24}">
-                  <p16:designElem xmlns:p16="http://schemas.microsoft.com/office/powerpoint/2015/main" val="1"/>
-                </p:ext>
-              </p:extLst>
-            </p:nvPr>
-          </p:nvSpPr>
-          <p:spPr>
-            <a:xfrm>
-              <a:off x="10898730" y="-8467"/>
-              <a:ext cx="1290094" cy="6866467"/>
-            </a:xfrm>
-            <a:custGeom>
-              <a:avLst/>
-              <a:gdLst/>
-              <a:ahLst/>
-              <a:cxnLst/>
-              <a:rect l="l" t="t" r="r" b="b"/>
-              <a:pathLst>
-                <a:path w="1290094" h="6858000">
-                  <a:moveTo>
-                    <a:pt x="1019735" y="0"/>
-                  </a:moveTo>
-                  <a:lnTo>
-                    <a:pt x="1290094" y="0"/>
-                  </a:lnTo>
-                  <a:lnTo>
-                    <a:pt x="1290094" y="6858000"/>
-                  </a:lnTo>
-                  <a:lnTo>
-                    <a:pt x="0" y="6858000"/>
-                  </a:lnTo>
-                  <a:lnTo>
-                    <a:pt x="1019735" y="0"/>
-                  </a:lnTo>
-                  <a:close/>
-                </a:path>
-              </a:pathLst>
-            </a:custGeom>
-            <a:solidFill>
-              <a:schemeClr val="accent1">
-                <a:lumMod val="60000"/>
-                <a:lumOff val="40000"/>
-                <a:alpha val="70000"/>
-              </a:schemeClr>
-            </a:solidFill>
-            <a:ln>
-              <a:noFill/>
-            </a:ln>
-            <a:effectLst/>
-          </p:spPr>
-          <p:style>
-            <a:lnRef idx="1">
-              <a:schemeClr val="accent1"/>
-            </a:lnRef>
-            <a:fillRef idx="3">
-              <a:schemeClr val="accent1"/>
-            </a:fillRef>
-            <a:effectRef idx="2">
-              <a:schemeClr val="accent1"/>
-            </a:effectRef>
-            <a:fontRef idx="minor">
-              <a:schemeClr val="lt1"/>
-            </a:fontRef>
-          </p:style>
-        </p:sp>
-        <p:sp>
-          <p:nvSpPr>
-            <p:cNvPr id="18" name="Rectangle 29">
-              <a:extLst>
-                <a:ext uri="{FF2B5EF4-FFF2-40B4-BE49-F238E27FC236}">
-                  <a16:creationId xmlns:a16="http://schemas.microsoft.com/office/drawing/2014/main" id="{D663A5EE-5581-44F3-8F98-688755F63EA2}"/>
-                </a:ext>
-                <a:ext uri="{C183D7F6-B498-43B3-948B-1728B52AA6E4}">
-                  <adec:decorative xmlns:adec="http://schemas.microsoft.com/office/drawing/2017/decorative" val="1"/>
-                </a:ext>
-              </a:extLst>
-            </p:cNvPr>
-            <p:cNvSpPr/>
-            <p:nvPr>
-              <p:extLst>
-                <p:ext uri="{386F3935-93C4-4BCD-93E2-E3B085C9AB24}">
-                  <p16:designElem xmlns:p16="http://schemas.microsoft.com/office/powerpoint/2015/main" val="1"/>
-                </p:ext>
-              </p:extLst>
-            </p:nvPr>
-          </p:nvSpPr>
-          <p:spPr>
-            <a:xfrm>
-              <a:off x="10938999" y="-8467"/>
-              <a:ext cx="1249825" cy="6866467"/>
-            </a:xfrm>
-            <a:custGeom>
-              <a:avLst/>
-              <a:gdLst/>
-              <a:ahLst/>
-              <a:cxnLst/>
-              <a:rect l="l" t="t" r="r" b="b"/>
-              <a:pathLst>
-                <a:path w="1249825" h="6858000">
-                  <a:moveTo>
-                    <a:pt x="0" y="0"/>
-                  </a:moveTo>
-                  <a:lnTo>
-                    <a:pt x="1249825" y="0"/>
-                  </a:lnTo>
-                  <a:lnTo>
-                    <a:pt x="1249825" y="6858000"/>
-                  </a:lnTo>
-                  <a:lnTo>
-                    <a:pt x="1109382" y="6858000"/>
-                  </a:lnTo>
-                  <a:lnTo>
-                    <a:pt x="0" y="0"/>
-                  </a:lnTo>
-                  <a:close/>
-                </a:path>
-              </a:pathLst>
-            </a:custGeom>
-            <a:solidFill>
-              <a:schemeClr val="accent1">
-                <a:alpha val="65000"/>
-              </a:schemeClr>
-            </a:solidFill>
-            <a:ln>
-              <a:noFill/>
-            </a:ln>
-            <a:effectLst/>
-          </p:spPr>
-          <p:style>
-            <a:lnRef idx="1">
-              <a:schemeClr val="accent1"/>
-            </a:lnRef>
-            <a:fillRef idx="3">
-              <a:schemeClr val="accent1"/>
-            </a:fillRef>
-            <a:effectRef idx="2">
-              <a:schemeClr val="accent1"/>
-            </a:effectRef>
-            <a:fontRef idx="minor">
-              <a:schemeClr val="lt1"/>
-            </a:fontRef>
-          </p:style>
-        </p:sp>
-        <p:sp>
-          <p:nvSpPr>
-            <p:cNvPr id="19" name="Isosceles Triangle 18">
-              <a:extLst>
-                <a:ext uri="{FF2B5EF4-FFF2-40B4-BE49-F238E27FC236}">
-                  <a16:creationId xmlns:a16="http://schemas.microsoft.com/office/drawing/2014/main" id="{B1E84E6A-F5AE-4F4D-98F2-82FE4FCC2656}"/>
-                </a:ext>
-                <a:ext uri="{C183D7F6-B498-43B3-948B-1728B52AA6E4}">
-                  <adec:decorative xmlns:adec="http://schemas.microsoft.com/office/drawing/2017/decorative" val="1"/>
-                </a:ext>
-              </a:extLst>
-            </p:cNvPr>
-            <p:cNvSpPr/>
-            <p:nvPr>
-              <p:extLst>
-                <p:ext uri="{386F3935-93C4-4BCD-93E2-E3B085C9AB24}">
-                  <p16:designElem xmlns:p16="http://schemas.microsoft.com/office/powerpoint/2015/main" val="1"/>
-                </p:ext>
-              </p:extLst>
-            </p:nvPr>
-          </p:nvSpPr>
-          <p:spPr>
-            <a:xfrm>
-              <a:off x="10371666" y="3589867"/>
-              <a:ext cx="1817159" cy="3268133"/>
-            </a:xfrm>
-            <a:prstGeom prst="triangle">
-              <a:avLst>
-                <a:gd name="adj" fmla="val 100000"/>
-              </a:avLst>
-            </a:prstGeom>
-            <a:solidFill>
-              <a:schemeClr val="accent1">
-                <a:alpha val="80000"/>
-              </a:schemeClr>
-            </a:solidFill>
-            <a:ln>
-              <a:noFill/>
-            </a:ln>
-            <a:effectLst/>
-          </p:spPr>
-          <p:style>
-            <a:lnRef idx="1">
-              <a:schemeClr val="accent1"/>
-            </a:lnRef>
-            <a:fillRef idx="3">
-              <a:schemeClr val="accent1"/>
-            </a:fillRef>
-            <a:effectRef idx="2">
-              <a:schemeClr val="accent1"/>
-            </a:effectRef>
-            <a:fontRef idx="minor">
-              <a:schemeClr val="lt1"/>
-            </a:fontRef>
-          </p:style>
-        </p:sp>
-        <p:sp>
-          <p:nvSpPr>
-            <p:cNvPr id="20" name="Isosceles Triangle 19">
-              <a:extLst>
-                <a:ext uri="{FF2B5EF4-FFF2-40B4-BE49-F238E27FC236}">
-                  <a16:creationId xmlns:a16="http://schemas.microsoft.com/office/drawing/2014/main" id="{DDE7DDC9-17D4-4686-833D-48F8733B49EE}"/>
-                </a:ext>
-                <a:ext uri="{C183D7F6-B498-43B3-948B-1728B52AA6E4}">
-                  <adec:decorative xmlns:adec="http://schemas.microsoft.com/office/drawing/2017/decorative" val="1"/>
-                </a:ext>
-              </a:extLst>
-            </p:cNvPr>
-            <p:cNvSpPr/>
-            <p:nvPr>
-              <p:extLst>
-                <p:ext uri="{386F3935-93C4-4BCD-93E2-E3B085C9AB24}">
-                  <p16:designElem xmlns:p16="http://schemas.microsoft.com/office/powerpoint/2015/main" val="1"/>
-                </p:ext>
-              </p:extLst>
-            </p:nvPr>
-          </p:nvSpPr>
-          <p:spPr>
-            <a:xfrm>
-              <a:off x="0" y="4013200"/>
-              <a:ext cx="448733" cy="2844800"/>
-            </a:xfrm>
-            <a:prstGeom prst="triangle">
-              <a:avLst>
-                <a:gd name="adj" fmla="val 0"/>
-              </a:avLst>
-            </a:prstGeom>
-            <a:solidFill>
-              <a:schemeClr val="accent1">
-                <a:alpha val="85000"/>
-              </a:schemeClr>
-            </a:solidFill>
-            <a:ln>
-              <a:noFill/>
-            </a:ln>
-            <a:effectLst/>
-          </p:spPr>
-          <p:style>
-            <a:lnRef idx="1">
-              <a:schemeClr val="accent1"/>
-            </a:lnRef>
-            <a:fillRef idx="3">
-              <a:schemeClr val="accent1"/>
-            </a:fillRef>
-            <a:effectRef idx="2">
-              <a:schemeClr val="accent1"/>
-            </a:effectRef>
-            <a:fontRef idx="minor">
-              <a:schemeClr val="lt1"/>
-            </a:fontRef>
-          </p:style>
-        </p:sp>
-      </p:grpSp>
-      <p:sp>
-        <p:nvSpPr>
-          <p:cNvPr id="2" name="כותרת 1">
-            <a:extLst>
-              <a:ext uri="{FF2B5EF4-FFF2-40B4-BE49-F238E27FC236}">
-                <a16:creationId xmlns:a16="http://schemas.microsoft.com/office/drawing/2014/main" id="{42F357A3-B4F5-4866-B980-B4E968CAC593}"/>
-              </a:ext>
-            </a:extLst>
-          </p:cNvPr>
-          <p:cNvSpPr>
-            <a:spLocks noGrp="1"/>
-          </p:cNvSpPr>
-          <p:nvPr>
-            <p:ph type="title"/>
-          </p:nvPr>
-        </p:nvSpPr>
-        <p:spPr>
-          <a:xfrm>
-            <a:off x="199808" y="266700"/>
-            <a:ext cx="9838266" cy="1320800"/>
-          </a:xfrm>
-        </p:spPr>
-        <p:txBody>
-          <a:bodyPr>
-            <a:normAutofit fontScale="90000"/>
-          </a:bodyPr>
-          <a:lstStyle/>
-          <a:p>
-            <a:r>
-              <a:rPr lang="en-US" dirty="0"/>
-              <a:t>Improvement feature extraction and after attack (20% test-malicious, 80% train-shuffled)</a:t>
-            </a:r>
-            <a:br>
-              <a:rPr lang="en-US" dirty="0"/>
-            </a:br>
-            <a:br>
-              <a:rPr lang="en-US" dirty="0"/>
-            </a:br>
-            <a:br>
-              <a:rPr lang="en-US" dirty="0"/>
-            </a:br>
-            <a:endParaRPr lang="he-IL" dirty="0"/>
-          </a:p>
-        </p:txBody>
-      </p:sp>
-      <p:sp>
-        <p:nvSpPr>
-          <p:cNvPr id="3" name="מציין מיקום תוכן 2">
-            <a:extLst>
-              <a:ext uri="{FF2B5EF4-FFF2-40B4-BE49-F238E27FC236}">
-                <a16:creationId xmlns:a16="http://schemas.microsoft.com/office/drawing/2014/main" id="{C3BCF87B-952F-4EBA-941C-C9EE44501386}"/>
-              </a:ext>
-            </a:extLst>
-          </p:cNvPr>
-          <p:cNvSpPr>
-            <a:spLocks noGrp="1"/>
-          </p:cNvSpPr>
-          <p:nvPr>
-            <p:ph idx="1"/>
-          </p:nvPr>
-        </p:nvSpPr>
-        <p:spPr>
-          <a:xfrm>
-            <a:off x="677334" y="1600200"/>
-            <a:ext cx="8596668" cy="4962525"/>
-          </a:xfrm>
-        </p:spPr>
-        <p:txBody>
-          <a:bodyPr>
-            <a:normAutofit/>
-          </a:bodyPr>
-          <a:lstStyle/>
-          <a:p>
-            <a:pPr marL="400050" algn="l" rtl="0">
-              <a:buFont typeface="+mj-lt"/>
-              <a:buAutoNum type="arabicPeriod"/>
-            </a:pPr>
-            <a:r>
-              <a:rPr lang="en-US" dirty="0" err="1"/>
-              <a:t>accuracy_score</a:t>
-            </a:r>
-            <a:r>
-              <a:rPr lang="en-US" dirty="0"/>
-              <a:t> 0.798887859128823</a:t>
-            </a:r>
-            <a:br>
-              <a:rPr lang="en-US" dirty="0"/>
-            </a:br>
-            <a:r>
-              <a:rPr lang="en-US" dirty="0"/>
-              <a:t>processing time is  18.77930784225464  seconds</a:t>
-            </a:r>
-          </a:p>
-          <a:p>
-            <a:pPr marL="400050" algn="l" rtl="0">
-              <a:buFont typeface="+mj-lt"/>
-              <a:buAutoNum type="arabicPeriod"/>
-            </a:pPr>
-            <a:r>
-              <a:rPr lang="en-US" dirty="0" err="1"/>
-              <a:t>accuracy_score</a:t>
-            </a:r>
-            <a:r>
-              <a:rPr lang="en-US" dirty="0"/>
-              <a:t> 0.7286343612334801</a:t>
-            </a:r>
-            <a:br>
-              <a:rPr lang="en-US" dirty="0"/>
-            </a:br>
-            <a:r>
-              <a:rPr lang="en-US" dirty="0"/>
-              <a:t>processing time is  19.944028854370117  seconds</a:t>
-            </a:r>
-          </a:p>
-          <a:p>
-            <a:pPr marL="400050" algn="l" rtl="0">
-              <a:buFont typeface="+mj-lt"/>
-              <a:buAutoNum type="arabicPeriod"/>
-            </a:pPr>
-            <a:r>
-              <a:rPr lang="en-US" dirty="0" err="1"/>
-              <a:t>accuracy_score</a:t>
-            </a:r>
-            <a:r>
-              <a:rPr lang="en-US" dirty="0"/>
-              <a:t> 0.7587476979742173</a:t>
-            </a:r>
-            <a:br>
-              <a:rPr lang="en-US" dirty="0"/>
-            </a:br>
-            <a:r>
-              <a:rPr lang="en-US" dirty="0"/>
-              <a:t>processing time is  25.262887477874756  seconds</a:t>
-            </a:r>
-          </a:p>
-          <a:p>
-            <a:pPr marL="400050" algn="l" rtl="0">
-              <a:buFont typeface="+mj-lt"/>
-              <a:buAutoNum type="arabicPeriod"/>
-            </a:pPr>
-            <a:r>
-              <a:rPr lang="en-US" dirty="0" err="1"/>
-              <a:t>accuracy_score</a:t>
-            </a:r>
-            <a:r>
-              <a:rPr lang="en-US" dirty="0"/>
-              <a:t> 0.7523020257826888</a:t>
-            </a:r>
-            <a:br>
-              <a:rPr lang="en-US" dirty="0"/>
-            </a:br>
-            <a:r>
-              <a:rPr lang="en-US" dirty="0"/>
-              <a:t>processing time is  17.09636640548706  seconds</a:t>
-            </a:r>
-          </a:p>
-          <a:p>
-            <a:pPr marL="400050" algn="l" rtl="0">
-              <a:buFont typeface="+mj-lt"/>
-              <a:buAutoNum type="arabicPeriod"/>
-            </a:pPr>
-            <a:r>
-              <a:rPr lang="en-US" dirty="0" err="1"/>
-              <a:t>accuracy_score</a:t>
-            </a:r>
-            <a:r>
-              <a:rPr lang="en-US" dirty="0"/>
-              <a:t> 0.7568281938325991</a:t>
-            </a:r>
-            <a:br>
-              <a:rPr lang="en-US" dirty="0"/>
-            </a:br>
-            <a:r>
-              <a:rPr lang="en-US" dirty="0"/>
-              <a:t>processing time is  31.155601263046265  seconds</a:t>
-            </a:r>
-          </a:p>
-          <a:p>
-            <a:pPr marL="57150" indent="0" algn="l" rtl="0">
-              <a:buNone/>
-            </a:pPr>
-            <a:endParaRPr lang="en-US" dirty="0"/>
-          </a:p>
-          <a:p>
-            <a:pPr marL="400050" algn="l" rtl="0"/>
-            <a:r>
-              <a:rPr lang="en-US" sz="2400" dirty="0"/>
-              <a:t>AVG: 0.7590800275903617 </a:t>
-            </a:r>
-            <a:r>
-              <a:rPr lang="en-US" sz="2400" dirty="0" err="1"/>
-              <a:t>acc_score</a:t>
-            </a:r>
-            <a:endParaRPr lang="en-US" sz="2400" dirty="0"/>
-          </a:p>
-        </p:txBody>
-      </p:sp>
-    </p:spTree>
-    <p:extLst>
-      <p:ext uri="{BB962C8B-B14F-4D97-AF65-F5344CB8AC3E}">
-        <p14:creationId xmlns:p14="http://schemas.microsoft.com/office/powerpoint/2010/main" val="3182745442"/>
-      </p:ext>
-    </p:extLst>
-  </p:cSld>
-  <p:clrMapOvr>
-    <a:overrideClrMapping bg1="dk1" tx1="lt1" bg2="dk2" tx2="lt2" accent1="accent1" accent2="accent2" accent3="accent3" accent4="accent4" accent5="accent5" accent6="accent6" hlink="hlink" folHlink="folHlink"/>
-  </p:clrMapOvr>
-</p:sld>
-</file>
-
-<file path=ppt/slides/slide19.xml><?xml version="1.0" encoding="utf-8"?>
-<p:sld xmlns:a="http://schemas.openxmlformats.org/drawingml/2006/main" xmlns:r="http://schemas.openxmlformats.org/officeDocument/2006/relationships" xmlns:p="http://schemas.openxmlformats.org/presentationml/2006/main">
-  <p:cSld>
-    <p:bg>
-      <p:bgPr>
-        <a:solidFill>
-          <a:schemeClr val="bg2"/>
-        </a:solidFill>
-        <a:effectLst/>
-      </p:bgPr>
-    </p:bg>
-    <p:spTree>
-      <p:nvGrpSpPr>
-        <p:cNvPr id="1" name=""/>
-        <p:cNvGrpSpPr/>
-        <p:nvPr/>
-      </p:nvGrpSpPr>
-      <p:grpSpPr>
-        <a:xfrm>
-          <a:off x="0" y="0"/>
-          <a:ext cx="0" cy="0"/>
-          <a:chOff x="0" y="0"/>
-          <a:chExt cx="0" cy="0"/>
-        </a:xfrm>
-      </p:grpSpPr>
-      <p:sp useBgFill="1">
-        <p:nvSpPr>
-          <p:cNvPr id="8" name="Rectangle 7">
-            <a:extLst>
-              <a:ext uri="{FF2B5EF4-FFF2-40B4-BE49-F238E27FC236}">
-                <a16:creationId xmlns:a16="http://schemas.microsoft.com/office/drawing/2014/main" id="{86C16C40-7C29-4ACC-B851-7E08E459B596}"/>
-              </a:ext>
-              <a:ext uri="{C183D7F6-B498-43B3-948B-1728B52AA6E4}">
-                <adec:decorative xmlns:adec="http://schemas.microsoft.com/office/drawing/2017/decorative" val="1"/>
-              </a:ext>
-            </a:extLst>
-          </p:cNvPr>
-          <p:cNvSpPr>
-            <a:spLocks noGrp="1" noRot="1" noChangeAspect="1" noMove="1" noResize="1" noEditPoints="1" noAdjustHandles="1" noChangeArrowheads="1" noChangeShapeType="1" noTextEdit="1"/>
-          </p:cNvSpPr>
-          <p:nvPr>
-            <p:extLst>
-              <p:ext uri="{386F3935-93C4-4BCD-93E2-E3B085C9AB24}">
-                <p16:designElem xmlns:p16="http://schemas.microsoft.com/office/powerpoint/2015/main" val="1"/>
-              </p:ext>
-            </p:extLst>
-          </p:nvPr>
-        </p:nvSpPr>
-        <p:spPr>
-          <a:xfrm>
-            <a:off x="0" y="0"/>
-            <a:ext cx="12192000" cy="6858000"/>
-          </a:xfrm>
-          <a:prstGeom prst="rect">
-            <a:avLst/>
-          </a:prstGeom>
-          <a:ln>
-            <a:noFill/>
-          </a:ln>
-        </p:spPr>
-        <p:style>
-          <a:lnRef idx="2">
-            <a:schemeClr val="accent1">
-              <a:shade val="50000"/>
-            </a:schemeClr>
-          </a:lnRef>
-          <a:fillRef idx="1">
-            <a:schemeClr val="accent1"/>
-          </a:fillRef>
-          <a:effectRef idx="0">
-            <a:schemeClr val="accent1"/>
-          </a:effectRef>
-          <a:fontRef idx="minor">
-            <a:schemeClr val="lt1"/>
-          </a:fontRef>
-        </p:style>
-        <p:txBody>
-          <a:bodyPr rtlCol="0" anchor="ctr"/>
-          <a:lstStyle/>
-          <a:p>
-            <a:pPr algn="ctr"/>
-            <a:endParaRPr lang="en-US"/>
-          </a:p>
-        </p:txBody>
-      </p:sp>
-      <p:grpSp>
-        <p:nvGrpSpPr>
-          <p:cNvPr id="10" name="Group 9">
-            <a:extLst>
-              <a:ext uri="{FF2B5EF4-FFF2-40B4-BE49-F238E27FC236}">
-                <a16:creationId xmlns:a16="http://schemas.microsoft.com/office/drawing/2014/main" id="{CDD733AE-DD5E-4C77-8BCD-72BF12A06BB1}"/>
-              </a:ext>
-              <a:ext uri="{C183D7F6-B498-43B3-948B-1728B52AA6E4}">
-                <adec:decorative xmlns:adec="http://schemas.microsoft.com/office/drawing/2017/decorative" val="1"/>
-              </a:ext>
-            </a:extLst>
-          </p:cNvPr>
-          <p:cNvGrpSpPr>
-            <a:grpSpLocks noGrp="1" noUngrp="1" noRot="1" noChangeAspect="1" noMove="1" noResize="1"/>
-          </p:cNvGrpSpPr>
-          <p:nvPr>
-            <p:extLst>
-              <p:ext uri="{386F3935-93C4-4BCD-93E2-E3B085C9AB24}">
-                <p16:designElem xmlns:p16="http://schemas.microsoft.com/office/powerpoint/2015/main" val="1"/>
-              </p:ext>
-            </p:extLst>
-          </p:nvPr>
-        </p:nvGrpSpPr>
-        <p:grpSpPr>
-          <a:xfrm>
-            <a:off x="0" y="-8467"/>
-            <a:ext cx="12192000" cy="6866467"/>
-            <a:chOff x="0" y="-8467"/>
-            <a:chExt cx="12192000" cy="6866467"/>
-          </a:xfrm>
-        </p:grpSpPr>
-        <p:cxnSp>
-          <p:nvCxnSpPr>
-            <p:cNvPr id="11" name="Straight Connector 10">
-              <a:extLst>
-                <a:ext uri="{FF2B5EF4-FFF2-40B4-BE49-F238E27FC236}">
-                  <a16:creationId xmlns:a16="http://schemas.microsoft.com/office/drawing/2014/main" id="{51DE90A4-932E-4370-BA07-30F43254C01B}"/>
-                </a:ext>
-                <a:ext uri="{C183D7F6-B498-43B3-948B-1728B52AA6E4}">
-                  <adec:decorative xmlns:adec="http://schemas.microsoft.com/office/drawing/2017/decorative" val="1"/>
-                </a:ext>
-              </a:extLst>
-            </p:cNvPr>
-            <p:cNvCxnSpPr/>
-            <p:nvPr>
-              <p:extLst>
-                <p:ext uri="{386F3935-93C4-4BCD-93E2-E3B085C9AB24}">
-                  <p16:designElem xmlns:p16="http://schemas.microsoft.com/office/powerpoint/2015/main" val="1"/>
-                </p:ext>
-              </p:extLst>
-            </p:nvPr>
-          </p:nvCxnSpPr>
-          <p:spPr>
-            <a:xfrm>
-              <a:off x="9371012" y="0"/>
-              <a:ext cx="1219200" cy="6858000"/>
-            </a:xfrm>
-            <a:prstGeom prst="line">
-              <a:avLst/>
-            </a:prstGeom>
-            <a:ln w="9525">
-              <a:solidFill>
-                <a:srgbClr val="FFFFFF"/>
-              </a:solidFill>
-            </a:ln>
-          </p:spPr>
-          <p:style>
-            <a:lnRef idx="2">
-              <a:schemeClr val="accent1"/>
-            </a:lnRef>
-            <a:fillRef idx="0">
-              <a:schemeClr val="accent1"/>
-            </a:fillRef>
-            <a:effectRef idx="1">
-              <a:schemeClr val="accent1"/>
-            </a:effectRef>
-            <a:fontRef idx="minor">
-              <a:schemeClr val="tx1"/>
-            </a:fontRef>
-          </p:style>
-        </p:cxnSp>
-        <p:cxnSp>
-          <p:nvCxnSpPr>
-            <p:cNvPr id="12" name="Straight Connector 11">
-              <a:extLst>
-                <a:ext uri="{FF2B5EF4-FFF2-40B4-BE49-F238E27FC236}">
-                  <a16:creationId xmlns:a16="http://schemas.microsoft.com/office/drawing/2014/main" id="{6A19CA4A-B208-452A-8BE4-BC6940D33D40}"/>
-                </a:ext>
-                <a:ext uri="{C183D7F6-B498-43B3-948B-1728B52AA6E4}">
-                  <adec:decorative xmlns:adec="http://schemas.microsoft.com/office/drawing/2017/decorative" val="1"/>
-                </a:ext>
-              </a:extLst>
-            </p:cNvPr>
-            <p:cNvCxnSpPr/>
-            <p:nvPr>
-              <p:extLst>
-                <p:ext uri="{386F3935-93C4-4BCD-93E2-E3B085C9AB24}">
-                  <p16:designElem xmlns:p16="http://schemas.microsoft.com/office/powerpoint/2015/main" val="1"/>
-                </p:ext>
-              </p:extLst>
-            </p:nvPr>
-          </p:nvCxnSpPr>
-          <p:spPr>
-            <a:xfrm flipH="1">
-              <a:off x="7425267" y="3681413"/>
-              <a:ext cx="4763558" cy="3176587"/>
-            </a:xfrm>
-            <a:prstGeom prst="line">
-              <a:avLst/>
-            </a:prstGeom>
-            <a:ln w="9525">
-              <a:solidFill>
-                <a:srgbClr val="FFFFFF"/>
-              </a:solidFill>
-            </a:ln>
-          </p:spPr>
-          <p:style>
-            <a:lnRef idx="2">
-              <a:schemeClr val="accent1"/>
-            </a:lnRef>
-            <a:fillRef idx="0">
-              <a:schemeClr val="accent1"/>
-            </a:fillRef>
-            <a:effectRef idx="1">
-              <a:schemeClr val="accent1"/>
-            </a:effectRef>
-            <a:fontRef idx="minor">
-              <a:schemeClr val="tx1"/>
-            </a:fontRef>
-          </p:style>
-        </p:cxnSp>
-        <p:sp>
-          <p:nvSpPr>
-            <p:cNvPr id="13" name="Rectangle 23">
-              <a:extLst>
-                <a:ext uri="{FF2B5EF4-FFF2-40B4-BE49-F238E27FC236}">
-                  <a16:creationId xmlns:a16="http://schemas.microsoft.com/office/drawing/2014/main" id="{B74F8D3E-E618-4DE3-A0CC-B4904BB5D5AB}"/>
-                </a:ext>
-                <a:ext uri="{C183D7F6-B498-43B3-948B-1728B52AA6E4}">
-                  <adec:decorative xmlns:adec="http://schemas.microsoft.com/office/drawing/2017/decorative" val="1"/>
-                </a:ext>
-              </a:extLst>
-            </p:cNvPr>
-            <p:cNvSpPr/>
-            <p:nvPr>
-              <p:extLst>
-                <p:ext uri="{386F3935-93C4-4BCD-93E2-E3B085C9AB24}">
-                  <p16:designElem xmlns:p16="http://schemas.microsoft.com/office/powerpoint/2015/main" val="1"/>
-                </p:ext>
-              </p:extLst>
-            </p:nvPr>
-          </p:nvSpPr>
-          <p:spPr>
-            <a:xfrm>
-              <a:off x="9181476" y="-8467"/>
-              <a:ext cx="3007349" cy="6866467"/>
-            </a:xfrm>
-            <a:custGeom>
-              <a:avLst/>
-              <a:gdLst/>
-              <a:ahLst/>
-              <a:cxnLst/>
-              <a:rect l="l" t="t" r="r" b="b"/>
-              <a:pathLst>
-                <a:path w="3007349" h="6866467">
-                  <a:moveTo>
-                    <a:pt x="2045532" y="0"/>
-                  </a:moveTo>
-                  <a:lnTo>
-                    <a:pt x="3007349" y="0"/>
-                  </a:lnTo>
-                  <a:lnTo>
-                    <a:pt x="3007349" y="6866467"/>
-                  </a:lnTo>
-                  <a:lnTo>
-                    <a:pt x="0" y="6866467"/>
-                  </a:lnTo>
-                  <a:lnTo>
-                    <a:pt x="2045532" y="0"/>
-                  </a:lnTo>
-                  <a:close/>
-                </a:path>
-              </a:pathLst>
-            </a:custGeom>
-            <a:solidFill>
-              <a:schemeClr val="accent1">
-                <a:alpha val="30000"/>
-              </a:schemeClr>
-            </a:solidFill>
-            <a:ln>
-              <a:noFill/>
-            </a:ln>
-            <a:effectLst/>
-          </p:spPr>
-          <p:style>
-            <a:lnRef idx="1">
-              <a:schemeClr val="accent1"/>
-            </a:lnRef>
-            <a:fillRef idx="3">
-              <a:schemeClr val="accent1"/>
-            </a:fillRef>
-            <a:effectRef idx="2">
-              <a:schemeClr val="accent1"/>
-            </a:effectRef>
-            <a:fontRef idx="minor">
-              <a:schemeClr val="lt1"/>
-            </a:fontRef>
-          </p:style>
-        </p:sp>
-        <p:sp>
-          <p:nvSpPr>
-            <p:cNvPr id="14" name="Rectangle 25">
-              <a:extLst>
-                <a:ext uri="{FF2B5EF4-FFF2-40B4-BE49-F238E27FC236}">
-                  <a16:creationId xmlns:a16="http://schemas.microsoft.com/office/drawing/2014/main" id="{299DA406-C54B-4E31-867D-FAF8DCE7045F}"/>
-                </a:ext>
-                <a:ext uri="{C183D7F6-B498-43B3-948B-1728B52AA6E4}">
-                  <adec:decorative xmlns:adec="http://schemas.microsoft.com/office/drawing/2017/decorative" val="1"/>
-                </a:ext>
-              </a:extLst>
-            </p:cNvPr>
-            <p:cNvSpPr/>
-            <p:nvPr>
-              <p:extLst>
-                <p:ext uri="{386F3935-93C4-4BCD-93E2-E3B085C9AB24}">
-                  <p16:designElem xmlns:p16="http://schemas.microsoft.com/office/powerpoint/2015/main" val="1"/>
-                </p:ext>
-              </p:extLst>
-            </p:nvPr>
-          </p:nvSpPr>
-          <p:spPr>
-            <a:xfrm>
-              <a:off x="9603442" y="-8467"/>
-              <a:ext cx="2588558" cy="6866467"/>
-            </a:xfrm>
-            <a:custGeom>
-              <a:avLst/>
-              <a:gdLst/>
-              <a:ahLst/>
-              <a:cxnLst/>
-              <a:rect l="l" t="t" r="r" b="b"/>
-              <a:pathLst>
-                <a:path w="2573311" h="6866467">
-                  <a:moveTo>
-                    <a:pt x="0" y="0"/>
-                  </a:moveTo>
-                  <a:lnTo>
-                    <a:pt x="2573311" y="0"/>
-                  </a:lnTo>
-                  <a:lnTo>
-                    <a:pt x="2573311" y="6866467"/>
-                  </a:lnTo>
-                  <a:lnTo>
-                    <a:pt x="1202336" y="6866467"/>
-                  </a:lnTo>
-                  <a:lnTo>
-                    <a:pt x="0" y="0"/>
-                  </a:lnTo>
-                  <a:close/>
-                </a:path>
-              </a:pathLst>
-            </a:custGeom>
-            <a:solidFill>
-              <a:schemeClr val="accent1">
-                <a:alpha val="20000"/>
-              </a:schemeClr>
-            </a:solidFill>
-            <a:ln>
-              <a:noFill/>
-            </a:ln>
-            <a:effectLst/>
-          </p:spPr>
-          <p:style>
-            <a:lnRef idx="1">
-              <a:schemeClr val="accent1"/>
-            </a:lnRef>
-            <a:fillRef idx="3">
-              <a:schemeClr val="accent1"/>
-            </a:fillRef>
-            <a:effectRef idx="2">
-              <a:schemeClr val="accent1"/>
-            </a:effectRef>
-            <a:fontRef idx="minor">
-              <a:schemeClr val="lt1"/>
-            </a:fontRef>
-          </p:style>
-        </p:sp>
-        <p:sp>
-          <p:nvSpPr>
-            <p:cNvPr id="15" name="Isosceles Triangle 14">
-              <a:extLst>
-                <a:ext uri="{FF2B5EF4-FFF2-40B4-BE49-F238E27FC236}">
-                  <a16:creationId xmlns:a16="http://schemas.microsoft.com/office/drawing/2014/main" id="{A1E16883-5140-47C4-A9AD-AD6598AC3EE6}"/>
-                </a:ext>
-                <a:ext uri="{C183D7F6-B498-43B3-948B-1728B52AA6E4}">
-                  <adec:decorative xmlns:adec="http://schemas.microsoft.com/office/drawing/2017/decorative" val="1"/>
-                </a:ext>
-              </a:extLst>
-            </p:cNvPr>
-            <p:cNvSpPr/>
-            <p:nvPr>
-              <p:extLst>
-                <p:ext uri="{386F3935-93C4-4BCD-93E2-E3B085C9AB24}">
-                  <p16:designElem xmlns:p16="http://schemas.microsoft.com/office/powerpoint/2015/main" val="1"/>
-                </p:ext>
-              </p:extLst>
-            </p:nvPr>
-          </p:nvSpPr>
-          <p:spPr>
-            <a:xfrm>
-              <a:off x="8932333" y="3048000"/>
-              <a:ext cx="3259667" cy="3810000"/>
-            </a:xfrm>
-            <a:prstGeom prst="triangle">
-              <a:avLst>
-                <a:gd name="adj" fmla="val 100000"/>
-              </a:avLst>
-            </a:prstGeom>
-            <a:solidFill>
-              <a:schemeClr val="accent2">
-                <a:alpha val="72000"/>
-              </a:schemeClr>
-            </a:solidFill>
-            <a:ln>
-              <a:noFill/>
-            </a:ln>
-            <a:effectLst/>
-          </p:spPr>
-          <p:style>
-            <a:lnRef idx="1">
-              <a:schemeClr val="accent1"/>
-            </a:lnRef>
-            <a:fillRef idx="3">
-              <a:schemeClr val="accent1"/>
-            </a:fillRef>
-            <a:effectRef idx="2">
-              <a:schemeClr val="accent1"/>
-            </a:effectRef>
-            <a:fontRef idx="minor">
-              <a:schemeClr val="lt1"/>
-            </a:fontRef>
-          </p:style>
-        </p:sp>
-        <p:sp>
-          <p:nvSpPr>
-            <p:cNvPr id="16" name="Rectangle 27">
-              <a:extLst>
-                <a:ext uri="{FF2B5EF4-FFF2-40B4-BE49-F238E27FC236}">
-                  <a16:creationId xmlns:a16="http://schemas.microsoft.com/office/drawing/2014/main" id="{4CD848DC-8A2A-4093-9BDD-7AF4B6A27814}"/>
-                </a:ext>
-                <a:ext uri="{C183D7F6-B498-43B3-948B-1728B52AA6E4}">
-                  <adec:decorative xmlns:adec="http://schemas.microsoft.com/office/drawing/2017/decorative" val="1"/>
-                </a:ext>
-              </a:extLst>
-            </p:cNvPr>
-            <p:cNvSpPr/>
-            <p:nvPr>
-              <p:extLst>
-                <p:ext uri="{386F3935-93C4-4BCD-93E2-E3B085C9AB24}">
-                  <p16:designElem xmlns:p16="http://schemas.microsoft.com/office/powerpoint/2015/main" val="1"/>
-                </p:ext>
-              </p:extLst>
-            </p:nvPr>
-          </p:nvSpPr>
-          <p:spPr>
-            <a:xfrm>
-              <a:off x="9334500" y="-8467"/>
-              <a:ext cx="2854326" cy="6866467"/>
-            </a:xfrm>
-            <a:custGeom>
-              <a:avLst/>
-              <a:gdLst/>
-              <a:ahLst/>
-              <a:cxnLst/>
-              <a:rect l="l" t="t" r="r" b="b"/>
-              <a:pathLst>
-                <a:path w="2858013" h="6866467">
-                  <a:moveTo>
-                    <a:pt x="0" y="0"/>
-                  </a:moveTo>
-                  <a:lnTo>
-                    <a:pt x="2858013" y="0"/>
-                  </a:lnTo>
-                  <a:lnTo>
-                    <a:pt x="2858013" y="6866467"/>
-                  </a:lnTo>
-                  <a:lnTo>
-                    <a:pt x="2473942" y="6866467"/>
-                  </a:lnTo>
-                  <a:lnTo>
-                    <a:pt x="0" y="0"/>
-                  </a:lnTo>
-                  <a:close/>
-                </a:path>
-              </a:pathLst>
-            </a:custGeom>
-            <a:solidFill>
-              <a:schemeClr val="accent2">
-                <a:lumMod val="75000"/>
-                <a:alpha val="70000"/>
-              </a:schemeClr>
-            </a:solidFill>
-            <a:ln>
-              <a:noFill/>
-            </a:ln>
-            <a:effectLst/>
-          </p:spPr>
-          <p:style>
-            <a:lnRef idx="1">
-              <a:schemeClr val="accent1"/>
-            </a:lnRef>
-            <a:fillRef idx="3">
-              <a:schemeClr val="accent1"/>
-            </a:fillRef>
-            <a:effectRef idx="2">
-              <a:schemeClr val="accent1"/>
-            </a:effectRef>
-            <a:fontRef idx="minor">
-              <a:schemeClr val="lt1"/>
-            </a:fontRef>
-          </p:style>
-        </p:sp>
-        <p:sp>
-          <p:nvSpPr>
-            <p:cNvPr id="17" name="Rectangle 28">
-              <a:extLst>
-                <a:ext uri="{FF2B5EF4-FFF2-40B4-BE49-F238E27FC236}">
-                  <a16:creationId xmlns:a16="http://schemas.microsoft.com/office/drawing/2014/main" id="{34635A4D-E9CE-4B78-912A-479EA4512B14}"/>
-                </a:ext>
-                <a:ext uri="{C183D7F6-B498-43B3-948B-1728B52AA6E4}">
-                  <adec:decorative xmlns:adec="http://schemas.microsoft.com/office/drawing/2017/decorative" val="1"/>
-                </a:ext>
-              </a:extLst>
-            </p:cNvPr>
-            <p:cNvSpPr/>
-            <p:nvPr>
-              <p:extLst>
-                <p:ext uri="{386F3935-93C4-4BCD-93E2-E3B085C9AB24}">
-                  <p16:designElem xmlns:p16="http://schemas.microsoft.com/office/powerpoint/2015/main" val="1"/>
-                </p:ext>
-              </p:extLst>
-            </p:nvPr>
-          </p:nvSpPr>
-          <p:spPr>
-            <a:xfrm>
-              <a:off x="10898730" y="-8467"/>
-              <a:ext cx="1290094" cy="6866467"/>
-            </a:xfrm>
-            <a:custGeom>
-              <a:avLst/>
-              <a:gdLst/>
-              <a:ahLst/>
-              <a:cxnLst/>
-              <a:rect l="l" t="t" r="r" b="b"/>
-              <a:pathLst>
-                <a:path w="1290094" h="6858000">
-                  <a:moveTo>
-                    <a:pt x="1019735" y="0"/>
-                  </a:moveTo>
-                  <a:lnTo>
-                    <a:pt x="1290094" y="0"/>
-                  </a:lnTo>
-                  <a:lnTo>
-                    <a:pt x="1290094" y="6858000"/>
-                  </a:lnTo>
-                  <a:lnTo>
-                    <a:pt x="0" y="6858000"/>
-                  </a:lnTo>
-                  <a:lnTo>
-                    <a:pt x="1019735" y="0"/>
-                  </a:lnTo>
-                  <a:close/>
-                </a:path>
-              </a:pathLst>
-            </a:custGeom>
-            <a:solidFill>
-              <a:schemeClr val="accent1">
-                <a:lumMod val="60000"/>
-                <a:lumOff val="40000"/>
-                <a:alpha val="70000"/>
-              </a:schemeClr>
-            </a:solidFill>
-            <a:ln>
-              <a:noFill/>
-            </a:ln>
-            <a:effectLst/>
-          </p:spPr>
-          <p:style>
-            <a:lnRef idx="1">
-              <a:schemeClr val="accent1"/>
-            </a:lnRef>
-            <a:fillRef idx="3">
-              <a:schemeClr val="accent1"/>
-            </a:fillRef>
-            <a:effectRef idx="2">
-              <a:schemeClr val="accent1"/>
-            </a:effectRef>
-            <a:fontRef idx="minor">
-              <a:schemeClr val="lt1"/>
-            </a:fontRef>
-          </p:style>
-        </p:sp>
-        <p:sp>
-          <p:nvSpPr>
-            <p:cNvPr id="18" name="Rectangle 29">
-              <a:extLst>
-                <a:ext uri="{FF2B5EF4-FFF2-40B4-BE49-F238E27FC236}">
-                  <a16:creationId xmlns:a16="http://schemas.microsoft.com/office/drawing/2014/main" id="{D663A5EE-5581-44F3-8F98-688755F63EA2}"/>
-                </a:ext>
-                <a:ext uri="{C183D7F6-B498-43B3-948B-1728B52AA6E4}">
-                  <adec:decorative xmlns:adec="http://schemas.microsoft.com/office/drawing/2017/decorative" val="1"/>
-                </a:ext>
-              </a:extLst>
-            </p:cNvPr>
-            <p:cNvSpPr/>
-            <p:nvPr>
-              <p:extLst>
-                <p:ext uri="{386F3935-93C4-4BCD-93E2-E3B085C9AB24}">
-                  <p16:designElem xmlns:p16="http://schemas.microsoft.com/office/powerpoint/2015/main" val="1"/>
-                </p:ext>
-              </p:extLst>
-            </p:nvPr>
-          </p:nvSpPr>
-          <p:spPr>
-            <a:xfrm>
-              <a:off x="10938999" y="-8467"/>
-              <a:ext cx="1249825" cy="6866467"/>
-            </a:xfrm>
-            <a:custGeom>
-              <a:avLst/>
-              <a:gdLst/>
-              <a:ahLst/>
-              <a:cxnLst/>
-              <a:rect l="l" t="t" r="r" b="b"/>
-              <a:pathLst>
-                <a:path w="1249825" h="6858000">
-                  <a:moveTo>
-                    <a:pt x="0" y="0"/>
-                  </a:moveTo>
-                  <a:lnTo>
-                    <a:pt x="1249825" y="0"/>
-                  </a:lnTo>
-                  <a:lnTo>
-                    <a:pt x="1249825" y="6858000"/>
-                  </a:lnTo>
-                  <a:lnTo>
-                    <a:pt x="1109382" y="6858000"/>
-                  </a:lnTo>
-                  <a:lnTo>
-                    <a:pt x="0" y="0"/>
-                  </a:lnTo>
-                  <a:close/>
-                </a:path>
-              </a:pathLst>
-            </a:custGeom>
-            <a:solidFill>
-              <a:schemeClr val="accent1">
-                <a:alpha val="65000"/>
-              </a:schemeClr>
-            </a:solidFill>
-            <a:ln>
-              <a:noFill/>
-            </a:ln>
-            <a:effectLst/>
-          </p:spPr>
-          <p:style>
-            <a:lnRef idx="1">
-              <a:schemeClr val="accent1"/>
-            </a:lnRef>
-            <a:fillRef idx="3">
-              <a:schemeClr val="accent1"/>
-            </a:fillRef>
-            <a:effectRef idx="2">
-              <a:schemeClr val="accent1"/>
-            </a:effectRef>
-            <a:fontRef idx="minor">
-              <a:schemeClr val="lt1"/>
-            </a:fontRef>
-          </p:style>
-        </p:sp>
-        <p:sp>
-          <p:nvSpPr>
-            <p:cNvPr id="19" name="Isosceles Triangle 18">
-              <a:extLst>
-                <a:ext uri="{FF2B5EF4-FFF2-40B4-BE49-F238E27FC236}">
-                  <a16:creationId xmlns:a16="http://schemas.microsoft.com/office/drawing/2014/main" id="{B1E84E6A-F5AE-4F4D-98F2-82FE4FCC2656}"/>
-                </a:ext>
-                <a:ext uri="{C183D7F6-B498-43B3-948B-1728B52AA6E4}">
-                  <adec:decorative xmlns:adec="http://schemas.microsoft.com/office/drawing/2017/decorative" val="1"/>
-                </a:ext>
-              </a:extLst>
-            </p:cNvPr>
-            <p:cNvSpPr/>
-            <p:nvPr>
-              <p:extLst>
-                <p:ext uri="{386F3935-93C4-4BCD-93E2-E3B085C9AB24}">
-                  <p16:designElem xmlns:p16="http://schemas.microsoft.com/office/powerpoint/2015/main" val="1"/>
-                </p:ext>
-              </p:extLst>
-            </p:nvPr>
-          </p:nvSpPr>
-          <p:spPr>
-            <a:xfrm>
-              <a:off x="10371666" y="3589867"/>
-              <a:ext cx="1817159" cy="3268133"/>
-            </a:xfrm>
-            <a:prstGeom prst="triangle">
-              <a:avLst>
-                <a:gd name="adj" fmla="val 100000"/>
-              </a:avLst>
-            </a:prstGeom>
-            <a:solidFill>
-              <a:schemeClr val="accent1">
-                <a:alpha val="80000"/>
-              </a:schemeClr>
-            </a:solidFill>
-            <a:ln>
-              <a:noFill/>
-            </a:ln>
-            <a:effectLst/>
-          </p:spPr>
-          <p:style>
-            <a:lnRef idx="1">
-              <a:schemeClr val="accent1"/>
-            </a:lnRef>
-            <a:fillRef idx="3">
-              <a:schemeClr val="accent1"/>
-            </a:fillRef>
-            <a:effectRef idx="2">
-              <a:schemeClr val="accent1"/>
-            </a:effectRef>
-            <a:fontRef idx="minor">
-              <a:schemeClr val="lt1"/>
-            </a:fontRef>
-          </p:style>
-        </p:sp>
-        <p:sp>
-          <p:nvSpPr>
-            <p:cNvPr id="20" name="Isosceles Triangle 19">
-              <a:extLst>
-                <a:ext uri="{FF2B5EF4-FFF2-40B4-BE49-F238E27FC236}">
-                  <a16:creationId xmlns:a16="http://schemas.microsoft.com/office/drawing/2014/main" id="{DDE7DDC9-17D4-4686-833D-48F8733B49EE}"/>
-                </a:ext>
-                <a:ext uri="{C183D7F6-B498-43B3-948B-1728B52AA6E4}">
-                  <adec:decorative xmlns:adec="http://schemas.microsoft.com/office/drawing/2017/decorative" val="1"/>
-                </a:ext>
-              </a:extLst>
-            </p:cNvPr>
-            <p:cNvSpPr/>
-            <p:nvPr>
-              <p:extLst>
-                <p:ext uri="{386F3935-93C4-4BCD-93E2-E3B085C9AB24}">
-                  <p16:designElem xmlns:p16="http://schemas.microsoft.com/office/powerpoint/2015/main" val="1"/>
-                </p:ext>
-              </p:extLst>
-            </p:nvPr>
-          </p:nvSpPr>
-          <p:spPr>
-            <a:xfrm>
-              <a:off x="0" y="4013200"/>
-              <a:ext cx="448733" cy="2844800"/>
-            </a:xfrm>
-            <a:prstGeom prst="triangle">
-              <a:avLst>
-                <a:gd name="adj" fmla="val 0"/>
-              </a:avLst>
-            </a:prstGeom>
-            <a:solidFill>
-              <a:schemeClr val="accent1">
-                <a:alpha val="85000"/>
-              </a:schemeClr>
-            </a:solidFill>
-            <a:ln>
-              <a:noFill/>
-            </a:ln>
-            <a:effectLst/>
-          </p:spPr>
-          <p:style>
-            <a:lnRef idx="1">
-              <a:schemeClr val="accent1"/>
-            </a:lnRef>
-            <a:fillRef idx="3">
-              <a:schemeClr val="accent1"/>
-            </a:fillRef>
-            <a:effectRef idx="2">
-              <a:schemeClr val="accent1"/>
-            </a:effectRef>
-            <a:fontRef idx="minor">
-              <a:schemeClr val="lt1"/>
-            </a:fontRef>
-          </p:style>
-        </p:sp>
-      </p:grpSp>
-      <p:sp>
-        <p:nvSpPr>
-          <p:cNvPr id="2" name="כותרת 1">
-            <a:extLst>
-              <a:ext uri="{FF2B5EF4-FFF2-40B4-BE49-F238E27FC236}">
-                <a16:creationId xmlns:a16="http://schemas.microsoft.com/office/drawing/2014/main" id="{42F357A3-B4F5-4866-B980-B4E968CAC593}"/>
-              </a:ext>
-            </a:extLst>
-          </p:cNvPr>
-          <p:cNvSpPr>
-            <a:spLocks noGrp="1"/>
-          </p:cNvSpPr>
-          <p:nvPr>
-            <p:ph type="title"/>
-          </p:nvPr>
-        </p:nvSpPr>
-        <p:spPr>
-          <a:xfrm>
             <a:off x="677334" y="609600"/>
             <a:ext cx="8596668" cy="1320800"/>
           </a:xfrm>
@@ -16487,145 +12777,47 @@
           <a:p>
             <a:pPr algn="l" rtl="0"/>
             <a:r>
-              <a:rPr lang="en-US" dirty="0"/>
-              <a:t>As we can see by the AVG results we have several conclusions:</a:t>
+              <a:rPr lang="en-US" sz="2400" dirty="0"/>
+              <a:t>According to the previous slide results we can see that splitting and re-attaching strings in </a:t>
+            </a:r>
+            <a:r>
+              <a:rPr lang="en-US" sz="2400" dirty="0" err="1"/>
+              <a:t>smali</a:t>
+            </a:r>
+            <a:r>
+              <a:rPr lang="en-US" sz="2400" dirty="0"/>
+              <a:t> files within the application code can cause the Sec-svm model to be consistently less accurate and miss out some malicious applications.</a:t>
             </a:r>
           </a:p>
           <a:p>
             <a:pPr algn="l" rtl="0"/>
             <a:r>
-              <a:rPr lang="en-US" dirty="0"/>
-              <a:t>If we compare the shuffled dataset before and after attack with original feature extraction (1 and 2) we can see a downgrade because of our attack </a:t>
-            </a:r>
-            <a:br>
-              <a:rPr lang="en-US" dirty="0"/>
-            </a:br>
-            <a:r>
-              <a:rPr lang="en-US" dirty="0"/>
-              <a:t>[</a:t>
-            </a:r>
-            <a:r>
-              <a:rPr lang="en-US" sz="1800" dirty="0"/>
-              <a:t>0.9817417332322785 </a:t>
-            </a:r>
-            <a:r>
-              <a:rPr lang="en-US" dirty="0">
-                <a:sym typeface="Wingdings" panose="05000000000000000000" pitchFamily="2" charset="2"/>
-              </a:rPr>
-              <a:t>&lt;--&gt; </a:t>
-            </a:r>
-            <a:r>
-              <a:rPr lang="en-US" sz="1800" dirty="0"/>
-              <a:t>0.9324917746674831</a:t>
-            </a:r>
-            <a:r>
-              <a:rPr lang="en-US" dirty="0"/>
-              <a:t>]</a:t>
+              <a:rPr lang="en-US" sz="2400" dirty="0"/>
+              <a:t>Also, we can see that if we add our attack to the families that Sec-svm model refers to, an upgrade to the accuracy is occurring because of the attack detection.</a:t>
             </a:r>
           </a:p>
           <a:p>
             <a:pPr algn="l" rtl="0"/>
             <a:r>
-              <a:rPr lang="en-US" dirty="0"/>
-              <a:t>If we compare the 20-test malicious dataset before and after attack with original feature extraction (3 and 4) we can see a downgrade again, because of our attack.</a:t>
-            </a:r>
-            <a:br>
-              <a:rPr lang="en-US" dirty="0"/>
-            </a:br>
-            <a:r>
-              <a:rPr lang="en-US" dirty="0"/>
-              <a:t>[</a:t>
-            </a:r>
-            <a:r>
-              <a:rPr lang="en-US" sz="1800" dirty="0"/>
-              <a:t>0.7596068075209216 </a:t>
-            </a:r>
-            <a:r>
-              <a:rPr lang="en-US" dirty="0">
-                <a:sym typeface="Wingdings" panose="05000000000000000000" pitchFamily="2" charset="2"/>
-              </a:rPr>
-              <a:t>&lt;--&gt; </a:t>
-            </a:r>
-            <a:r>
-              <a:rPr lang="en-US" sz="1800" dirty="0"/>
-              <a:t>0.716718878732844</a:t>
-            </a:r>
-            <a:r>
-              <a:rPr lang="en-US" dirty="0"/>
-              <a:t>]</a:t>
-            </a:r>
-          </a:p>
-          <a:p>
-            <a:pPr algn="l" rtl="0"/>
-            <a:r>
-              <a:rPr lang="en-US" dirty="0"/>
-              <a:t>If we compare the shuffled dataset after attack with and without improvement feature extraction (2 and 5) we can see an upgrade because of our attack detection.</a:t>
-            </a:r>
-            <a:br>
-              <a:rPr lang="en-US" dirty="0"/>
-            </a:br>
-            <a:r>
-              <a:rPr lang="en-US" dirty="0"/>
-              <a:t>[</a:t>
-            </a:r>
-            <a:r>
-              <a:rPr lang="en-US" sz="1800" dirty="0"/>
-              <a:t>0.9324917746674831 </a:t>
-            </a:r>
-            <a:r>
-              <a:rPr lang="en-US" dirty="0">
-                <a:sym typeface="Wingdings" panose="05000000000000000000" pitchFamily="2" charset="2"/>
-              </a:rPr>
-              <a:t>&lt;--&gt; </a:t>
-            </a:r>
-            <a:r>
-              <a:rPr lang="en-US" sz="1800" dirty="0"/>
-              <a:t>0.9513135279950091</a:t>
-            </a:r>
-            <a:r>
-              <a:rPr lang="en-US" dirty="0"/>
-              <a:t>]</a:t>
-            </a:r>
-          </a:p>
-          <a:p>
-            <a:pPr algn="l" rtl="0"/>
-            <a:r>
-              <a:rPr lang="en-US" dirty="0"/>
-              <a:t>If we compare the 20-test malicious dataset after attack with and without improvement feature extraction (4 and 6) we can see an upgrade because of our attack detection.</a:t>
-            </a:r>
-            <a:br>
-              <a:rPr lang="en-US" dirty="0"/>
-            </a:br>
-            <a:r>
-              <a:rPr lang="en-US" dirty="0"/>
-              <a:t>[</a:t>
-            </a:r>
-            <a:r>
-              <a:rPr lang="en-US" sz="1800" dirty="0"/>
-              <a:t>0.716718878732844 </a:t>
-            </a:r>
-            <a:r>
-              <a:rPr lang="en-US" dirty="0">
-                <a:sym typeface="Wingdings" panose="05000000000000000000" pitchFamily="2" charset="2"/>
-              </a:rPr>
-              <a:t>&lt;--&gt; </a:t>
-            </a:r>
-            <a:r>
-              <a:rPr lang="en-US" sz="1800" dirty="0"/>
-              <a:t>0.7590800275903617</a:t>
-            </a:r>
-            <a:r>
-              <a:rPr lang="en-US" dirty="0"/>
-              <a:t>]</a:t>
-            </a:r>
-          </a:p>
-          <a:p>
-            <a:pPr algn="l" rtl="0"/>
-            <a:endParaRPr lang="en-US" dirty="0"/>
-          </a:p>
-          <a:p>
-            <a:pPr algn="l" rtl="0"/>
-            <a:endParaRPr lang="en-US" dirty="0"/>
+              <a:rPr lang="en-US" sz="2400" dirty="0"/>
+              <a:t>In conclusion, Sec-</a:t>
+            </a:r>
+            <a:r>
+              <a:rPr lang="en-US" sz="2400" dirty="0" err="1"/>
+              <a:t>svm</a:t>
+            </a:r>
+            <a:r>
+              <a:rPr lang="en-US" sz="2400" dirty="0"/>
+              <a:t> model is a big improvement from the </a:t>
+            </a:r>
+            <a:r>
+              <a:rPr lang="en-US" sz="2400" dirty="0" err="1"/>
+              <a:t>Drebin</a:t>
+            </a:r>
+            <a:r>
+              <a:rPr lang="en-US" sz="2400" dirty="0"/>
+              <a:t> detection system within the detection process, but it also has breaches like we just presented.</a:t>
+            </a:r>
           </a:p>
           <a:p>
             <a:pPr algn="l" rtl="0"/>
@@ -16636,7 +12828,7 @@
     </p:spTree>
     <p:extLst>
       <p:ext uri="{BB962C8B-B14F-4D97-AF65-F5344CB8AC3E}">
-        <p14:creationId xmlns:p14="http://schemas.microsoft.com/office/powerpoint/2010/main" val="1907848444"/>
+        <p14:creationId xmlns:p14="http://schemas.microsoft.com/office/powerpoint/2010/main" val="2318210575"/>
       </p:ext>
     </p:extLst>
   </p:cSld>
@@ -17491,25 +13683,50 @@
             <a:pPr algn="l" rtl="0"/>
             <a:r>
               <a:rPr lang="en-US" dirty="0"/>
-              <a:t>Malware in application is a crucial part in malware detection, each person have a personal device and/or work devices which uses android OS.</a:t>
+              <a:t>Malware in an application is a crucial part of malware detection, almost every person has a personal device and/or work device which uses Android OS.</a:t>
             </a:r>
           </a:p>
           <a:p>
             <a:pPr algn="l" rtl="0"/>
             <a:r>
+              <a:rPr lang="en-US" dirty="0" err="1"/>
+              <a:t>Drebin</a:t>
+            </a:r>
+            <a:r>
               <a:rPr lang="en-US" dirty="0"/>
-              <a:t>Drebin is a tool for malware detection which analysis the application code and uses weights to divide the categories in the shape of malware patterns.</a:t>
+              <a:t> is a tool for malware detection that analysis the application code and uses weights to divide the categories in the shape of malware patterns.</a:t>
             </a:r>
           </a:p>
           <a:p>
             <a:pPr algn="l" rtl="0"/>
             <a:r>
               <a:rPr lang="en-US" dirty="0"/>
-              <a:t>Sec-svm is an improvement to Drebin. This model give more efficient weights (even to benign categories!) to the divided categories where Drebin is excluding them from the final analyzation.</a:t>
-            </a:r>
-          </a:p>
-          <a:p>
-            <a:pPr algn="l" rtl="0"/>
+              <a:t>Sec-</a:t>
+            </a:r>
+            <a:r>
+              <a:rPr lang="en-US" dirty="0" err="1"/>
+              <a:t>svm</a:t>
+            </a:r>
+            <a:r>
+              <a:rPr lang="en-US" dirty="0"/>
+              <a:t> is an improvement to </a:t>
+            </a:r>
+            <a:r>
+              <a:rPr lang="en-US" dirty="0" err="1"/>
+              <a:t>Drebin</a:t>
+            </a:r>
+            <a:r>
+              <a:rPr lang="en-US" dirty="0"/>
+              <a:t>. This model gives more efficient weights (even to benign categories!) to the divided categories where </a:t>
+            </a:r>
+            <a:r>
+              <a:rPr lang="en-US" dirty="0" err="1"/>
+              <a:t>Drebin</a:t>
+            </a:r>
+            <a:r>
+              <a:rPr lang="en-US" dirty="0"/>
+              <a:t> is excluding them from the final analysis.</a:t>
+            </a:r>
             <a:endParaRPr lang="he-IL" dirty="0"/>
           </a:p>
         </p:txBody>
@@ -17518,899 +13735,6 @@
     <p:extLst>
       <p:ext uri="{BB962C8B-B14F-4D97-AF65-F5344CB8AC3E}">
         <p14:creationId xmlns:p14="http://schemas.microsoft.com/office/powerpoint/2010/main" val="4021741085"/>
-      </p:ext>
-    </p:extLst>
-  </p:cSld>
-  <p:clrMapOvr>
-    <a:overrideClrMapping bg1="dk1" tx1="lt1" bg2="dk2" tx2="lt2" accent1="accent1" accent2="accent2" accent3="accent3" accent4="accent4" accent5="accent5" accent6="accent6" hlink="hlink" folHlink="folHlink"/>
-  </p:clrMapOvr>
-</p:sld>
-</file>
-
-<file path=ppt/slides/slide20.xml><?xml version="1.0" encoding="utf-8"?>
-<p:sld xmlns:a="http://schemas.openxmlformats.org/drawingml/2006/main" xmlns:r="http://schemas.openxmlformats.org/officeDocument/2006/relationships" xmlns:p="http://schemas.openxmlformats.org/presentationml/2006/main">
-  <p:cSld>
-    <p:bg>
-      <p:bgPr>
-        <a:solidFill>
-          <a:schemeClr val="bg2"/>
-        </a:solidFill>
-        <a:effectLst/>
-      </p:bgPr>
-    </p:bg>
-    <p:spTree>
-      <p:nvGrpSpPr>
-        <p:cNvPr id="1" name=""/>
-        <p:cNvGrpSpPr/>
-        <p:nvPr/>
-      </p:nvGrpSpPr>
-      <p:grpSpPr>
-        <a:xfrm>
-          <a:off x="0" y="0"/>
-          <a:ext cx="0" cy="0"/>
-          <a:chOff x="0" y="0"/>
-          <a:chExt cx="0" cy="0"/>
-        </a:xfrm>
-      </p:grpSpPr>
-      <p:sp useBgFill="1">
-        <p:nvSpPr>
-          <p:cNvPr id="8" name="Rectangle 7">
-            <a:extLst>
-              <a:ext uri="{FF2B5EF4-FFF2-40B4-BE49-F238E27FC236}">
-                <a16:creationId xmlns:a16="http://schemas.microsoft.com/office/drawing/2014/main" id="{86C16C40-7C29-4ACC-B851-7E08E459B596}"/>
-              </a:ext>
-              <a:ext uri="{C183D7F6-B498-43B3-948B-1728B52AA6E4}">
-                <adec:decorative xmlns:adec="http://schemas.microsoft.com/office/drawing/2017/decorative" val="1"/>
-              </a:ext>
-            </a:extLst>
-          </p:cNvPr>
-          <p:cNvSpPr>
-            <a:spLocks noGrp="1" noRot="1" noChangeAspect="1" noMove="1" noResize="1" noEditPoints="1" noAdjustHandles="1" noChangeArrowheads="1" noChangeShapeType="1" noTextEdit="1"/>
-          </p:cNvSpPr>
-          <p:nvPr>
-            <p:extLst>
-              <p:ext uri="{386F3935-93C4-4BCD-93E2-E3B085C9AB24}">
-                <p16:designElem xmlns:p16="http://schemas.microsoft.com/office/powerpoint/2015/main" val="1"/>
-              </p:ext>
-            </p:extLst>
-          </p:nvPr>
-        </p:nvSpPr>
-        <p:spPr>
-          <a:xfrm>
-            <a:off x="0" y="0"/>
-            <a:ext cx="12192000" cy="6858000"/>
-          </a:xfrm>
-          <a:prstGeom prst="rect">
-            <a:avLst/>
-          </a:prstGeom>
-          <a:ln>
-            <a:noFill/>
-          </a:ln>
-        </p:spPr>
-        <p:style>
-          <a:lnRef idx="2">
-            <a:schemeClr val="accent1">
-              <a:shade val="50000"/>
-            </a:schemeClr>
-          </a:lnRef>
-          <a:fillRef idx="1">
-            <a:schemeClr val="accent1"/>
-          </a:fillRef>
-          <a:effectRef idx="0">
-            <a:schemeClr val="accent1"/>
-          </a:effectRef>
-          <a:fontRef idx="minor">
-            <a:schemeClr val="lt1"/>
-          </a:fontRef>
-        </p:style>
-        <p:txBody>
-          <a:bodyPr rtlCol="0" anchor="ctr"/>
-          <a:lstStyle/>
-          <a:p>
-            <a:pPr algn="ctr"/>
-            <a:endParaRPr lang="en-US"/>
-          </a:p>
-        </p:txBody>
-      </p:sp>
-      <p:grpSp>
-        <p:nvGrpSpPr>
-          <p:cNvPr id="10" name="Group 9">
-            <a:extLst>
-              <a:ext uri="{FF2B5EF4-FFF2-40B4-BE49-F238E27FC236}">
-                <a16:creationId xmlns:a16="http://schemas.microsoft.com/office/drawing/2014/main" id="{CDD733AE-DD5E-4C77-8BCD-72BF12A06BB1}"/>
-              </a:ext>
-              <a:ext uri="{C183D7F6-B498-43B3-948B-1728B52AA6E4}">
-                <adec:decorative xmlns:adec="http://schemas.microsoft.com/office/drawing/2017/decorative" val="1"/>
-              </a:ext>
-            </a:extLst>
-          </p:cNvPr>
-          <p:cNvGrpSpPr>
-            <a:grpSpLocks noGrp="1" noUngrp="1" noRot="1" noChangeAspect="1" noMove="1" noResize="1"/>
-          </p:cNvGrpSpPr>
-          <p:nvPr>
-            <p:extLst>
-              <p:ext uri="{386F3935-93C4-4BCD-93E2-E3B085C9AB24}">
-                <p16:designElem xmlns:p16="http://schemas.microsoft.com/office/powerpoint/2015/main" val="1"/>
-              </p:ext>
-            </p:extLst>
-          </p:nvPr>
-        </p:nvGrpSpPr>
-        <p:grpSpPr>
-          <a:xfrm>
-            <a:off x="0" y="-8467"/>
-            <a:ext cx="12192000" cy="6866467"/>
-            <a:chOff x="0" y="-8467"/>
-            <a:chExt cx="12192000" cy="6866467"/>
-          </a:xfrm>
-        </p:grpSpPr>
-        <p:cxnSp>
-          <p:nvCxnSpPr>
-            <p:cNvPr id="11" name="Straight Connector 10">
-              <a:extLst>
-                <a:ext uri="{FF2B5EF4-FFF2-40B4-BE49-F238E27FC236}">
-                  <a16:creationId xmlns:a16="http://schemas.microsoft.com/office/drawing/2014/main" id="{51DE90A4-932E-4370-BA07-30F43254C01B}"/>
-                </a:ext>
-                <a:ext uri="{C183D7F6-B498-43B3-948B-1728B52AA6E4}">
-                  <adec:decorative xmlns:adec="http://schemas.microsoft.com/office/drawing/2017/decorative" val="1"/>
-                </a:ext>
-              </a:extLst>
-            </p:cNvPr>
-            <p:cNvCxnSpPr/>
-            <p:nvPr>
-              <p:extLst>
-                <p:ext uri="{386F3935-93C4-4BCD-93E2-E3B085C9AB24}">
-                  <p16:designElem xmlns:p16="http://schemas.microsoft.com/office/powerpoint/2015/main" val="1"/>
-                </p:ext>
-              </p:extLst>
-            </p:nvPr>
-          </p:nvCxnSpPr>
-          <p:spPr>
-            <a:xfrm>
-              <a:off x="9371012" y="0"/>
-              <a:ext cx="1219200" cy="6858000"/>
-            </a:xfrm>
-            <a:prstGeom prst="line">
-              <a:avLst/>
-            </a:prstGeom>
-            <a:ln w="9525">
-              <a:solidFill>
-                <a:srgbClr val="FFFFFF"/>
-              </a:solidFill>
-            </a:ln>
-          </p:spPr>
-          <p:style>
-            <a:lnRef idx="2">
-              <a:schemeClr val="accent1"/>
-            </a:lnRef>
-            <a:fillRef idx="0">
-              <a:schemeClr val="accent1"/>
-            </a:fillRef>
-            <a:effectRef idx="1">
-              <a:schemeClr val="accent1"/>
-            </a:effectRef>
-            <a:fontRef idx="minor">
-              <a:schemeClr val="tx1"/>
-            </a:fontRef>
-          </p:style>
-        </p:cxnSp>
-        <p:cxnSp>
-          <p:nvCxnSpPr>
-            <p:cNvPr id="12" name="Straight Connector 11">
-              <a:extLst>
-                <a:ext uri="{FF2B5EF4-FFF2-40B4-BE49-F238E27FC236}">
-                  <a16:creationId xmlns:a16="http://schemas.microsoft.com/office/drawing/2014/main" id="{6A19CA4A-B208-452A-8BE4-BC6940D33D40}"/>
-                </a:ext>
-                <a:ext uri="{C183D7F6-B498-43B3-948B-1728B52AA6E4}">
-                  <adec:decorative xmlns:adec="http://schemas.microsoft.com/office/drawing/2017/decorative" val="1"/>
-                </a:ext>
-              </a:extLst>
-            </p:cNvPr>
-            <p:cNvCxnSpPr/>
-            <p:nvPr>
-              <p:extLst>
-                <p:ext uri="{386F3935-93C4-4BCD-93E2-E3B085C9AB24}">
-                  <p16:designElem xmlns:p16="http://schemas.microsoft.com/office/powerpoint/2015/main" val="1"/>
-                </p:ext>
-              </p:extLst>
-            </p:nvPr>
-          </p:nvCxnSpPr>
-          <p:spPr>
-            <a:xfrm flipH="1">
-              <a:off x="7425267" y="3681413"/>
-              <a:ext cx="4763558" cy="3176587"/>
-            </a:xfrm>
-            <a:prstGeom prst="line">
-              <a:avLst/>
-            </a:prstGeom>
-            <a:ln w="9525">
-              <a:solidFill>
-                <a:srgbClr val="FFFFFF"/>
-              </a:solidFill>
-            </a:ln>
-          </p:spPr>
-          <p:style>
-            <a:lnRef idx="2">
-              <a:schemeClr val="accent1"/>
-            </a:lnRef>
-            <a:fillRef idx="0">
-              <a:schemeClr val="accent1"/>
-            </a:fillRef>
-            <a:effectRef idx="1">
-              <a:schemeClr val="accent1"/>
-            </a:effectRef>
-            <a:fontRef idx="minor">
-              <a:schemeClr val="tx1"/>
-            </a:fontRef>
-          </p:style>
-        </p:cxnSp>
-        <p:sp>
-          <p:nvSpPr>
-            <p:cNvPr id="13" name="Rectangle 23">
-              <a:extLst>
-                <a:ext uri="{FF2B5EF4-FFF2-40B4-BE49-F238E27FC236}">
-                  <a16:creationId xmlns:a16="http://schemas.microsoft.com/office/drawing/2014/main" id="{B74F8D3E-E618-4DE3-A0CC-B4904BB5D5AB}"/>
-                </a:ext>
-                <a:ext uri="{C183D7F6-B498-43B3-948B-1728B52AA6E4}">
-                  <adec:decorative xmlns:adec="http://schemas.microsoft.com/office/drawing/2017/decorative" val="1"/>
-                </a:ext>
-              </a:extLst>
-            </p:cNvPr>
-            <p:cNvSpPr/>
-            <p:nvPr>
-              <p:extLst>
-                <p:ext uri="{386F3935-93C4-4BCD-93E2-E3B085C9AB24}">
-                  <p16:designElem xmlns:p16="http://schemas.microsoft.com/office/powerpoint/2015/main" val="1"/>
-                </p:ext>
-              </p:extLst>
-            </p:nvPr>
-          </p:nvSpPr>
-          <p:spPr>
-            <a:xfrm>
-              <a:off x="9181476" y="-8467"/>
-              <a:ext cx="3007349" cy="6866467"/>
-            </a:xfrm>
-            <a:custGeom>
-              <a:avLst/>
-              <a:gdLst/>
-              <a:ahLst/>
-              <a:cxnLst/>
-              <a:rect l="l" t="t" r="r" b="b"/>
-              <a:pathLst>
-                <a:path w="3007349" h="6866467">
-                  <a:moveTo>
-                    <a:pt x="2045532" y="0"/>
-                  </a:moveTo>
-                  <a:lnTo>
-                    <a:pt x="3007349" y="0"/>
-                  </a:lnTo>
-                  <a:lnTo>
-                    <a:pt x="3007349" y="6866467"/>
-                  </a:lnTo>
-                  <a:lnTo>
-                    <a:pt x="0" y="6866467"/>
-                  </a:lnTo>
-                  <a:lnTo>
-                    <a:pt x="2045532" y="0"/>
-                  </a:lnTo>
-                  <a:close/>
-                </a:path>
-              </a:pathLst>
-            </a:custGeom>
-            <a:solidFill>
-              <a:schemeClr val="accent1">
-                <a:alpha val="30000"/>
-              </a:schemeClr>
-            </a:solidFill>
-            <a:ln>
-              <a:noFill/>
-            </a:ln>
-            <a:effectLst/>
-          </p:spPr>
-          <p:style>
-            <a:lnRef idx="1">
-              <a:schemeClr val="accent1"/>
-            </a:lnRef>
-            <a:fillRef idx="3">
-              <a:schemeClr val="accent1"/>
-            </a:fillRef>
-            <a:effectRef idx="2">
-              <a:schemeClr val="accent1"/>
-            </a:effectRef>
-            <a:fontRef idx="minor">
-              <a:schemeClr val="lt1"/>
-            </a:fontRef>
-          </p:style>
-        </p:sp>
-        <p:sp>
-          <p:nvSpPr>
-            <p:cNvPr id="14" name="Rectangle 25">
-              <a:extLst>
-                <a:ext uri="{FF2B5EF4-FFF2-40B4-BE49-F238E27FC236}">
-                  <a16:creationId xmlns:a16="http://schemas.microsoft.com/office/drawing/2014/main" id="{299DA406-C54B-4E31-867D-FAF8DCE7045F}"/>
-                </a:ext>
-                <a:ext uri="{C183D7F6-B498-43B3-948B-1728B52AA6E4}">
-                  <adec:decorative xmlns:adec="http://schemas.microsoft.com/office/drawing/2017/decorative" val="1"/>
-                </a:ext>
-              </a:extLst>
-            </p:cNvPr>
-            <p:cNvSpPr/>
-            <p:nvPr>
-              <p:extLst>
-                <p:ext uri="{386F3935-93C4-4BCD-93E2-E3B085C9AB24}">
-                  <p16:designElem xmlns:p16="http://schemas.microsoft.com/office/powerpoint/2015/main" val="1"/>
-                </p:ext>
-              </p:extLst>
-            </p:nvPr>
-          </p:nvSpPr>
-          <p:spPr>
-            <a:xfrm>
-              <a:off x="9603442" y="-8467"/>
-              <a:ext cx="2588558" cy="6866467"/>
-            </a:xfrm>
-            <a:custGeom>
-              <a:avLst/>
-              <a:gdLst/>
-              <a:ahLst/>
-              <a:cxnLst/>
-              <a:rect l="l" t="t" r="r" b="b"/>
-              <a:pathLst>
-                <a:path w="2573311" h="6866467">
-                  <a:moveTo>
-                    <a:pt x="0" y="0"/>
-                  </a:moveTo>
-                  <a:lnTo>
-                    <a:pt x="2573311" y="0"/>
-                  </a:lnTo>
-                  <a:lnTo>
-                    <a:pt x="2573311" y="6866467"/>
-                  </a:lnTo>
-                  <a:lnTo>
-                    <a:pt x="1202336" y="6866467"/>
-                  </a:lnTo>
-                  <a:lnTo>
-                    <a:pt x="0" y="0"/>
-                  </a:lnTo>
-                  <a:close/>
-                </a:path>
-              </a:pathLst>
-            </a:custGeom>
-            <a:solidFill>
-              <a:schemeClr val="accent1">
-                <a:alpha val="20000"/>
-              </a:schemeClr>
-            </a:solidFill>
-            <a:ln>
-              <a:noFill/>
-            </a:ln>
-            <a:effectLst/>
-          </p:spPr>
-          <p:style>
-            <a:lnRef idx="1">
-              <a:schemeClr val="accent1"/>
-            </a:lnRef>
-            <a:fillRef idx="3">
-              <a:schemeClr val="accent1"/>
-            </a:fillRef>
-            <a:effectRef idx="2">
-              <a:schemeClr val="accent1"/>
-            </a:effectRef>
-            <a:fontRef idx="minor">
-              <a:schemeClr val="lt1"/>
-            </a:fontRef>
-          </p:style>
-        </p:sp>
-        <p:sp>
-          <p:nvSpPr>
-            <p:cNvPr id="15" name="Isosceles Triangle 14">
-              <a:extLst>
-                <a:ext uri="{FF2B5EF4-FFF2-40B4-BE49-F238E27FC236}">
-                  <a16:creationId xmlns:a16="http://schemas.microsoft.com/office/drawing/2014/main" id="{A1E16883-5140-47C4-A9AD-AD6598AC3EE6}"/>
-                </a:ext>
-                <a:ext uri="{C183D7F6-B498-43B3-948B-1728B52AA6E4}">
-                  <adec:decorative xmlns:adec="http://schemas.microsoft.com/office/drawing/2017/decorative" val="1"/>
-                </a:ext>
-              </a:extLst>
-            </p:cNvPr>
-            <p:cNvSpPr/>
-            <p:nvPr>
-              <p:extLst>
-                <p:ext uri="{386F3935-93C4-4BCD-93E2-E3B085C9AB24}">
-                  <p16:designElem xmlns:p16="http://schemas.microsoft.com/office/powerpoint/2015/main" val="1"/>
-                </p:ext>
-              </p:extLst>
-            </p:nvPr>
-          </p:nvSpPr>
-          <p:spPr>
-            <a:xfrm>
-              <a:off x="8932333" y="3048000"/>
-              <a:ext cx="3259667" cy="3810000"/>
-            </a:xfrm>
-            <a:prstGeom prst="triangle">
-              <a:avLst>
-                <a:gd name="adj" fmla="val 100000"/>
-              </a:avLst>
-            </a:prstGeom>
-            <a:solidFill>
-              <a:schemeClr val="accent2">
-                <a:alpha val="72000"/>
-              </a:schemeClr>
-            </a:solidFill>
-            <a:ln>
-              <a:noFill/>
-            </a:ln>
-            <a:effectLst/>
-          </p:spPr>
-          <p:style>
-            <a:lnRef idx="1">
-              <a:schemeClr val="accent1"/>
-            </a:lnRef>
-            <a:fillRef idx="3">
-              <a:schemeClr val="accent1"/>
-            </a:fillRef>
-            <a:effectRef idx="2">
-              <a:schemeClr val="accent1"/>
-            </a:effectRef>
-            <a:fontRef idx="minor">
-              <a:schemeClr val="lt1"/>
-            </a:fontRef>
-          </p:style>
-        </p:sp>
-        <p:sp>
-          <p:nvSpPr>
-            <p:cNvPr id="16" name="Rectangle 27">
-              <a:extLst>
-                <a:ext uri="{FF2B5EF4-FFF2-40B4-BE49-F238E27FC236}">
-                  <a16:creationId xmlns:a16="http://schemas.microsoft.com/office/drawing/2014/main" id="{4CD848DC-8A2A-4093-9BDD-7AF4B6A27814}"/>
-                </a:ext>
-                <a:ext uri="{C183D7F6-B498-43B3-948B-1728B52AA6E4}">
-                  <adec:decorative xmlns:adec="http://schemas.microsoft.com/office/drawing/2017/decorative" val="1"/>
-                </a:ext>
-              </a:extLst>
-            </p:cNvPr>
-            <p:cNvSpPr/>
-            <p:nvPr>
-              <p:extLst>
-                <p:ext uri="{386F3935-93C4-4BCD-93E2-E3B085C9AB24}">
-                  <p16:designElem xmlns:p16="http://schemas.microsoft.com/office/powerpoint/2015/main" val="1"/>
-                </p:ext>
-              </p:extLst>
-            </p:nvPr>
-          </p:nvSpPr>
-          <p:spPr>
-            <a:xfrm>
-              <a:off x="9334500" y="-8467"/>
-              <a:ext cx="2854326" cy="6866467"/>
-            </a:xfrm>
-            <a:custGeom>
-              <a:avLst/>
-              <a:gdLst/>
-              <a:ahLst/>
-              <a:cxnLst/>
-              <a:rect l="l" t="t" r="r" b="b"/>
-              <a:pathLst>
-                <a:path w="2858013" h="6866467">
-                  <a:moveTo>
-                    <a:pt x="0" y="0"/>
-                  </a:moveTo>
-                  <a:lnTo>
-                    <a:pt x="2858013" y="0"/>
-                  </a:lnTo>
-                  <a:lnTo>
-                    <a:pt x="2858013" y="6866467"/>
-                  </a:lnTo>
-                  <a:lnTo>
-                    <a:pt x="2473942" y="6866467"/>
-                  </a:lnTo>
-                  <a:lnTo>
-                    <a:pt x="0" y="0"/>
-                  </a:lnTo>
-                  <a:close/>
-                </a:path>
-              </a:pathLst>
-            </a:custGeom>
-            <a:solidFill>
-              <a:schemeClr val="accent2">
-                <a:lumMod val="75000"/>
-                <a:alpha val="70000"/>
-              </a:schemeClr>
-            </a:solidFill>
-            <a:ln>
-              <a:noFill/>
-            </a:ln>
-            <a:effectLst/>
-          </p:spPr>
-          <p:style>
-            <a:lnRef idx="1">
-              <a:schemeClr val="accent1"/>
-            </a:lnRef>
-            <a:fillRef idx="3">
-              <a:schemeClr val="accent1"/>
-            </a:fillRef>
-            <a:effectRef idx="2">
-              <a:schemeClr val="accent1"/>
-            </a:effectRef>
-            <a:fontRef idx="minor">
-              <a:schemeClr val="lt1"/>
-            </a:fontRef>
-          </p:style>
-        </p:sp>
-        <p:sp>
-          <p:nvSpPr>
-            <p:cNvPr id="17" name="Rectangle 28">
-              <a:extLst>
-                <a:ext uri="{FF2B5EF4-FFF2-40B4-BE49-F238E27FC236}">
-                  <a16:creationId xmlns:a16="http://schemas.microsoft.com/office/drawing/2014/main" id="{34635A4D-E9CE-4B78-912A-479EA4512B14}"/>
-                </a:ext>
-                <a:ext uri="{C183D7F6-B498-43B3-948B-1728B52AA6E4}">
-                  <adec:decorative xmlns:adec="http://schemas.microsoft.com/office/drawing/2017/decorative" val="1"/>
-                </a:ext>
-              </a:extLst>
-            </p:cNvPr>
-            <p:cNvSpPr/>
-            <p:nvPr>
-              <p:extLst>
-                <p:ext uri="{386F3935-93C4-4BCD-93E2-E3B085C9AB24}">
-                  <p16:designElem xmlns:p16="http://schemas.microsoft.com/office/powerpoint/2015/main" val="1"/>
-                </p:ext>
-              </p:extLst>
-            </p:nvPr>
-          </p:nvSpPr>
-          <p:spPr>
-            <a:xfrm>
-              <a:off x="10898730" y="-8467"/>
-              <a:ext cx="1290094" cy="6866467"/>
-            </a:xfrm>
-            <a:custGeom>
-              <a:avLst/>
-              <a:gdLst/>
-              <a:ahLst/>
-              <a:cxnLst/>
-              <a:rect l="l" t="t" r="r" b="b"/>
-              <a:pathLst>
-                <a:path w="1290094" h="6858000">
-                  <a:moveTo>
-                    <a:pt x="1019735" y="0"/>
-                  </a:moveTo>
-                  <a:lnTo>
-                    <a:pt x="1290094" y="0"/>
-                  </a:lnTo>
-                  <a:lnTo>
-                    <a:pt x="1290094" y="6858000"/>
-                  </a:lnTo>
-                  <a:lnTo>
-                    <a:pt x="0" y="6858000"/>
-                  </a:lnTo>
-                  <a:lnTo>
-                    <a:pt x="1019735" y="0"/>
-                  </a:lnTo>
-                  <a:close/>
-                </a:path>
-              </a:pathLst>
-            </a:custGeom>
-            <a:solidFill>
-              <a:schemeClr val="accent1">
-                <a:lumMod val="60000"/>
-                <a:lumOff val="40000"/>
-                <a:alpha val="70000"/>
-              </a:schemeClr>
-            </a:solidFill>
-            <a:ln>
-              <a:noFill/>
-            </a:ln>
-            <a:effectLst/>
-          </p:spPr>
-          <p:style>
-            <a:lnRef idx="1">
-              <a:schemeClr val="accent1"/>
-            </a:lnRef>
-            <a:fillRef idx="3">
-              <a:schemeClr val="accent1"/>
-            </a:fillRef>
-            <a:effectRef idx="2">
-              <a:schemeClr val="accent1"/>
-            </a:effectRef>
-            <a:fontRef idx="minor">
-              <a:schemeClr val="lt1"/>
-            </a:fontRef>
-          </p:style>
-        </p:sp>
-        <p:sp>
-          <p:nvSpPr>
-            <p:cNvPr id="18" name="Rectangle 29">
-              <a:extLst>
-                <a:ext uri="{FF2B5EF4-FFF2-40B4-BE49-F238E27FC236}">
-                  <a16:creationId xmlns:a16="http://schemas.microsoft.com/office/drawing/2014/main" id="{D663A5EE-5581-44F3-8F98-688755F63EA2}"/>
-                </a:ext>
-                <a:ext uri="{C183D7F6-B498-43B3-948B-1728B52AA6E4}">
-                  <adec:decorative xmlns:adec="http://schemas.microsoft.com/office/drawing/2017/decorative" val="1"/>
-                </a:ext>
-              </a:extLst>
-            </p:cNvPr>
-            <p:cNvSpPr/>
-            <p:nvPr>
-              <p:extLst>
-                <p:ext uri="{386F3935-93C4-4BCD-93E2-E3B085C9AB24}">
-                  <p16:designElem xmlns:p16="http://schemas.microsoft.com/office/powerpoint/2015/main" val="1"/>
-                </p:ext>
-              </p:extLst>
-            </p:nvPr>
-          </p:nvSpPr>
-          <p:spPr>
-            <a:xfrm>
-              <a:off x="10938999" y="-8467"/>
-              <a:ext cx="1249825" cy="6866467"/>
-            </a:xfrm>
-            <a:custGeom>
-              <a:avLst/>
-              <a:gdLst/>
-              <a:ahLst/>
-              <a:cxnLst/>
-              <a:rect l="l" t="t" r="r" b="b"/>
-              <a:pathLst>
-                <a:path w="1249825" h="6858000">
-                  <a:moveTo>
-                    <a:pt x="0" y="0"/>
-                  </a:moveTo>
-                  <a:lnTo>
-                    <a:pt x="1249825" y="0"/>
-                  </a:lnTo>
-                  <a:lnTo>
-                    <a:pt x="1249825" y="6858000"/>
-                  </a:lnTo>
-                  <a:lnTo>
-                    <a:pt x="1109382" y="6858000"/>
-                  </a:lnTo>
-                  <a:lnTo>
-                    <a:pt x="0" y="0"/>
-                  </a:lnTo>
-                  <a:close/>
-                </a:path>
-              </a:pathLst>
-            </a:custGeom>
-            <a:solidFill>
-              <a:schemeClr val="accent1">
-                <a:alpha val="65000"/>
-              </a:schemeClr>
-            </a:solidFill>
-            <a:ln>
-              <a:noFill/>
-            </a:ln>
-            <a:effectLst/>
-          </p:spPr>
-          <p:style>
-            <a:lnRef idx="1">
-              <a:schemeClr val="accent1"/>
-            </a:lnRef>
-            <a:fillRef idx="3">
-              <a:schemeClr val="accent1"/>
-            </a:fillRef>
-            <a:effectRef idx="2">
-              <a:schemeClr val="accent1"/>
-            </a:effectRef>
-            <a:fontRef idx="minor">
-              <a:schemeClr val="lt1"/>
-            </a:fontRef>
-          </p:style>
-        </p:sp>
-        <p:sp>
-          <p:nvSpPr>
-            <p:cNvPr id="19" name="Isosceles Triangle 18">
-              <a:extLst>
-                <a:ext uri="{FF2B5EF4-FFF2-40B4-BE49-F238E27FC236}">
-                  <a16:creationId xmlns:a16="http://schemas.microsoft.com/office/drawing/2014/main" id="{B1E84E6A-F5AE-4F4D-98F2-82FE4FCC2656}"/>
-                </a:ext>
-                <a:ext uri="{C183D7F6-B498-43B3-948B-1728B52AA6E4}">
-                  <adec:decorative xmlns:adec="http://schemas.microsoft.com/office/drawing/2017/decorative" val="1"/>
-                </a:ext>
-              </a:extLst>
-            </p:cNvPr>
-            <p:cNvSpPr/>
-            <p:nvPr>
-              <p:extLst>
-                <p:ext uri="{386F3935-93C4-4BCD-93E2-E3B085C9AB24}">
-                  <p16:designElem xmlns:p16="http://schemas.microsoft.com/office/powerpoint/2015/main" val="1"/>
-                </p:ext>
-              </p:extLst>
-            </p:nvPr>
-          </p:nvSpPr>
-          <p:spPr>
-            <a:xfrm>
-              <a:off x="10371666" y="3589867"/>
-              <a:ext cx="1817159" cy="3268133"/>
-            </a:xfrm>
-            <a:prstGeom prst="triangle">
-              <a:avLst>
-                <a:gd name="adj" fmla="val 100000"/>
-              </a:avLst>
-            </a:prstGeom>
-            <a:solidFill>
-              <a:schemeClr val="accent1">
-                <a:alpha val="80000"/>
-              </a:schemeClr>
-            </a:solidFill>
-            <a:ln>
-              <a:noFill/>
-            </a:ln>
-            <a:effectLst/>
-          </p:spPr>
-          <p:style>
-            <a:lnRef idx="1">
-              <a:schemeClr val="accent1"/>
-            </a:lnRef>
-            <a:fillRef idx="3">
-              <a:schemeClr val="accent1"/>
-            </a:fillRef>
-            <a:effectRef idx="2">
-              <a:schemeClr val="accent1"/>
-            </a:effectRef>
-            <a:fontRef idx="minor">
-              <a:schemeClr val="lt1"/>
-            </a:fontRef>
-          </p:style>
-        </p:sp>
-        <p:sp>
-          <p:nvSpPr>
-            <p:cNvPr id="20" name="Isosceles Triangle 19">
-              <a:extLst>
-                <a:ext uri="{FF2B5EF4-FFF2-40B4-BE49-F238E27FC236}">
-                  <a16:creationId xmlns:a16="http://schemas.microsoft.com/office/drawing/2014/main" id="{DDE7DDC9-17D4-4686-833D-48F8733B49EE}"/>
-                </a:ext>
-                <a:ext uri="{C183D7F6-B498-43B3-948B-1728B52AA6E4}">
-                  <adec:decorative xmlns:adec="http://schemas.microsoft.com/office/drawing/2017/decorative" val="1"/>
-                </a:ext>
-              </a:extLst>
-            </p:cNvPr>
-            <p:cNvSpPr/>
-            <p:nvPr>
-              <p:extLst>
-                <p:ext uri="{386F3935-93C4-4BCD-93E2-E3B085C9AB24}">
-                  <p16:designElem xmlns:p16="http://schemas.microsoft.com/office/powerpoint/2015/main" val="1"/>
-                </p:ext>
-              </p:extLst>
-            </p:nvPr>
-          </p:nvSpPr>
-          <p:spPr>
-            <a:xfrm>
-              <a:off x="0" y="4013200"/>
-              <a:ext cx="448733" cy="2844800"/>
-            </a:xfrm>
-            <a:prstGeom prst="triangle">
-              <a:avLst>
-                <a:gd name="adj" fmla="val 0"/>
-              </a:avLst>
-            </a:prstGeom>
-            <a:solidFill>
-              <a:schemeClr val="accent1">
-                <a:alpha val="85000"/>
-              </a:schemeClr>
-            </a:solidFill>
-            <a:ln>
-              <a:noFill/>
-            </a:ln>
-            <a:effectLst/>
-          </p:spPr>
-          <p:style>
-            <a:lnRef idx="1">
-              <a:schemeClr val="accent1"/>
-            </a:lnRef>
-            <a:fillRef idx="3">
-              <a:schemeClr val="accent1"/>
-            </a:fillRef>
-            <a:effectRef idx="2">
-              <a:schemeClr val="accent1"/>
-            </a:effectRef>
-            <a:fontRef idx="minor">
-              <a:schemeClr val="lt1"/>
-            </a:fontRef>
-          </p:style>
-        </p:sp>
-      </p:grpSp>
-      <p:sp>
-        <p:nvSpPr>
-          <p:cNvPr id="2" name="כותרת 1">
-            <a:extLst>
-              <a:ext uri="{FF2B5EF4-FFF2-40B4-BE49-F238E27FC236}">
-                <a16:creationId xmlns:a16="http://schemas.microsoft.com/office/drawing/2014/main" id="{42F357A3-B4F5-4866-B980-B4E968CAC593}"/>
-              </a:ext>
-            </a:extLst>
-          </p:cNvPr>
-          <p:cNvSpPr>
-            <a:spLocks noGrp="1"/>
-          </p:cNvSpPr>
-          <p:nvPr>
-            <p:ph type="title"/>
-          </p:nvPr>
-        </p:nvSpPr>
-        <p:spPr>
-          <a:xfrm>
-            <a:off x="677334" y="609600"/>
-            <a:ext cx="8596668" cy="1320800"/>
-          </a:xfrm>
-        </p:spPr>
-        <p:txBody>
-          <a:bodyPr>
-            <a:normAutofit/>
-          </a:bodyPr>
-          <a:lstStyle/>
-          <a:p>
-            <a:r>
-              <a:rPr lang="en-US" dirty="0"/>
-              <a:t>Conclusion</a:t>
-            </a:r>
-            <a:endParaRPr lang="he-IL" dirty="0"/>
-          </a:p>
-        </p:txBody>
-      </p:sp>
-      <p:sp>
-        <p:nvSpPr>
-          <p:cNvPr id="3" name="מציין מיקום תוכן 2">
-            <a:extLst>
-              <a:ext uri="{FF2B5EF4-FFF2-40B4-BE49-F238E27FC236}">
-                <a16:creationId xmlns:a16="http://schemas.microsoft.com/office/drawing/2014/main" id="{C3BCF87B-952F-4EBA-941C-C9EE44501386}"/>
-              </a:ext>
-            </a:extLst>
-          </p:cNvPr>
-          <p:cNvSpPr>
-            <a:spLocks noGrp="1"/>
-          </p:cNvSpPr>
-          <p:nvPr>
-            <p:ph idx="1"/>
-          </p:nvPr>
-        </p:nvSpPr>
-        <p:spPr>
-          <a:xfrm>
-            <a:off x="677334" y="1258784"/>
-            <a:ext cx="8596668" cy="5303941"/>
-          </a:xfrm>
-        </p:spPr>
-        <p:txBody>
-          <a:bodyPr>
-            <a:normAutofit/>
-          </a:bodyPr>
-          <a:lstStyle/>
-          <a:p>
-            <a:pPr algn="l" rtl="0"/>
-            <a:r>
-              <a:rPr lang="en-US" sz="2400" dirty="0"/>
-              <a:t>According to the previous slide results we can see that splitting and re-attaching strings in </a:t>
-            </a:r>
-            <a:r>
-              <a:rPr lang="en-US" sz="2400" dirty="0" err="1"/>
-              <a:t>smali</a:t>
-            </a:r>
-            <a:r>
-              <a:rPr lang="en-US" sz="2400" dirty="0"/>
-              <a:t> files within the application code can cause the Sec-svm model to be consistently less accurate and miss out some malicious application.</a:t>
-            </a:r>
-          </a:p>
-          <a:p>
-            <a:pPr algn="l" rtl="0"/>
-            <a:r>
-              <a:rPr lang="en-US" sz="2400" dirty="0"/>
-              <a:t>Also, we can see that if we add our attack to the families that Sec-svm model refer to, an upgrade to the accuracy is occurring because of the attack detection.</a:t>
-            </a:r>
-          </a:p>
-          <a:p>
-            <a:pPr algn="l" rtl="0"/>
-            <a:r>
-              <a:rPr lang="en-US" sz="2400" dirty="0"/>
-              <a:t>For conclusion, Sec-svm model is a big improvement from Drebin detection system within the detection process, but it also have breaches like we just presented.</a:t>
-            </a:r>
-          </a:p>
-          <a:p>
-            <a:pPr algn="l" rtl="0"/>
-            <a:endParaRPr lang="en-US" sz="2400" dirty="0"/>
-          </a:p>
-          <a:p>
-            <a:pPr algn="l" rtl="0"/>
-            <a:endParaRPr lang="en-US" dirty="0"/>
-          </a:p>
-        </p:txBody>
-      </p:sp>
-    </p:spTree>
-    <p:extLst>
-      <p:ext uri="{BB962C8B-B14F-4D97-AF65-F5344CB8AC3E}">
-        <p14:creationId xmlns:p14="http://schemas.microsoft.com/office/powerpoint/2010/main" val="2318210575"/>
       </p:ext>
     </p:extLst>
   </p:cSld>
@@ -19269,7 +14593,7 @@
             </a:pPr>
             <a:r>
               <a:rPr lang="en-US" dirty="0"/>
-              <a:t> The goal of this project is to find breaches in Sec-svm algorithm by obfuscating the system and reviewing that Sec-svm won't recognize the application as malware. </a:t>
+              <a:t>The goal of this project is to find breaches in Sec-svm algorithm by obfuscating the system and reviewing that Sec-svm won't recognize the application as malware. </a:t>
             </a:r>
           </a:p>
           <a:p>
@@ -19280,7 +14604,15 @@
             </a:pPr>
             <a:r>
               <a:rPr lang="en-US" dirty="0"/>
-              <a:t>This Work is on an existing malware attack that Sec-svm detects as malware app. </a:t>
+              <a:t>This Work is on an existing malware apps that Sec-</a:t>
+            </a:r>
+            <a:r>
+              <a:rPr lang="en-US" dirty="0" err="1"/>
+              <a:t>svm</a:t>
+            </a:r>
+            <a:r>
+              <a:rPr lang="en-US" dirty="0"/>
+              <a:t> detects as a malware .</a:t>
             </a:r>
           </a:p>
           <a:p>
@@ -19302,7 +14634,7 @@
             </a:pPr>
             <a:r>
               <a:rPr lang="en-US" dirty="0"/>
-              <a:t>Checking that the functionality of the application won't be harm by our attack. We used droid Bot to ensure that.</a:t>
+              <a:t>Checking that the functionality of the application won't be harm by our attack.</a:t>
             </a:r>
           </a:p>
           <a:p>
@@ -20177,22 +15509,78 @@
             <a:pPr algn="l" rtl="0"/>
             <a:r>
               <a:rPr lang="en-US" dirty="0"/>
-              <a:t> After we finished Literature review</a:t>
-            </a:r>
-            <a:r>
-              <a:rPr lang="he-IL" dirty="0"/>
-              <a:t> </a:t>
+              <a:t>After we finished the Literature review on Malware detection, </a:t>
+            </a:r>
+            <a:r>
+              <a:rPr lang="en-US" dirty="0" err="1"/>
+              <a:t>Drebin</a:t>
             </a:r>
             <a:r>
               <a:rPr lang="en-US" dirty="0"/>
-              <a:t>on Malware detection, Drebin and Sec-svm, we tried to develop a code which convert from Drebin dataset to Sec-svm dataset to reduce processed running time but we recognized that Drebin won't refer to the same features as Sec-svm like we said in the introduction, so there was no improvement to run time. Also, this help us realize the difference between the models.</a:t>
+              <a:t> and Sec-</a:t>
+            </a:r>
+            <a:r>
+              <a:rPr lang="en-US" dirty="0" err="1"/>
+              <a:t>svm</a:t>
+            </a:r>
+            <a:r>
+              <a:rPr lang="en-US" dirty="0"/>
+              <a:t>, we tried to develop a code that converts from </a:t>
+            </a:r>
+            <a:r>
+              <a:rPr lang="en-US" dirty="0" err="1"/>
+              <a:t>Drebin</a:t>
+            </a:r>
+            <a:r>
+              <a:rPr lang="en-US" dirty="0"/>
+              <a:t> dataset to Sec-</a:t>
+            </a:r>
+            <a:r>
+              <a:rPr lang="en-US" dirty="0" err="1"/>
+              <a:t>svm</a:t>
+            </a:r>
+            <a:r>
+              <a:rPr lang="en-US" dirty="0"/>
+              <a:t> dataset to reduce processed running time but we recognized that </a:t>
+            </a:r>
+            <a:r>
+              <a:rPr lang="en-US" dirty="0" err="1"/>
+              <a:t>Drebin</a:t>
+            </a:r>
+            <a:r>
+              <a:rPr lang="en-US" dirty="0"/>
+              <a:t> won't refer to the same features as Sec-</a:t>
+            </a:r>
+            <a:r>
+              <a:rPr lang="en-US" dirty="0" err="1"/>
+              <a:t>svm</a:t>
+            </a:r>
+            <a:r>
+              <a:rPr lang="en-US" dirty="0"/>
+              <a:t> as we said in the introduction, so there was no improvement to run time. Also, this helped us realize the difference between the models.</a:t>
             </a:r>
           </a:p>
           <a:p>
             <a:pPr algn="l" rtl="0"/>
             <a:r>
               <a:rPr lang="en-US" dirty="0"/>
-              <a:t>we’ve been introduced to Sec-svm feature extraction code and the families that the model reference to. This tool helps to get all the features rather benign or malware from several apps to a single json file that sec-svm can use as dataset.</a:t>
+              <a:t>we’ve been introduced to Sec-</a:t>
+            </a:r>
+            <a:r>
+              <a:rPr lang="en-US" dirty="0" err="1"/>
+              <a:t>svm</a:t>
+            </a:r>
+            <a:r>
+              <a:rPr lang="en-US" dirty="0"/>
+              <a:t> feature extraction code and the families that the model reference. This tool helps to get all the features rather benign or malware from several apps to a single JSON file that Sec-</a:t>
+            </a:r>
+            <a:r>
+              <a:rPr lang="en-US" dirty="0" err="1"/>
+              <a:t>svm</a:t>
+            </a:r>
+            <a:r>
+              <a:rPr lang="en-US" dirty="0"/>
+              <a:t> can use as a dataset.</a:t>
             </a:r>
           </a:p>
           <a:p>
@@ -21078,7 +16466,7 @@
             </a:r>
             <a:r>
               <a:rPr lang="en-US" dirty="0"/>
-              <a:t> and </a:t>
+              <a:t>, and </a:t>
             </a:r>
             <a:r>
               <a:rPr lang="en-US" dirty="0" err="1"/>
@@ -21126,24 +16514,6 @@
               </a:rPr>
               <a:t>apktool</a:t>
             </a:r>
-            <a:r>
-              <a:rPr lang="en-US" dirty="0">
-                <a:latin typeface="ui-monospace"/>
-              </a:rPr>
-              <a:t> command and in particularly – a </a:t>
-            </a:r>
-            <a:r>
-              <a:rPr lang="en-US" dirty="0" err="1">
-                <a:latin typeface="ui-monospace"/>
-              </a:rPr>
-              <a:t>smali</a:t>
-            </a:r>
-            <a:r>
-              <a:rPr lang="en-US" dirty="0">
-                <a:latin typeface="ui-monospace"/>
-              </a:rPr>
-              <a:t> folder of the application</a:t>
-            </a:r>
             <a:br>
               <a:rPr lang="en-US" dirty="0">
                 <a:latin typeface="ui-monospace"/>
@@ -21165,7 +16535,7 @@
               <a:rPr lang="en-US" dirty="0">
                 <a:latin typeface="ui-monospace"/>
               </a:rPr>
-              <a:t> file and put our attack lines instead each string lines.</a:t>
+              <a:t> file and put our attack lines instead of each string line.</a:t>
             </a:r>
             <a:br>
               <a:rPr lang="en-US" dirty="0">
@@ -21176,19 +16546,7 @@
               <a:rPr lang="en-US" dirty="0">
                 <a:latin typeface="ui-monospace"/>
               </a:rPr>
-              <a:t>3. Build the application after the attack is inserted with </a:t>
-            </a:r>
-            <a:r>
-              <a:rPr lang="en-US" dirty="0" err="1">
-                <a:latin typeface="ui-monospace"/>
-              </a:rPr>
-              <a:t>apktool</a:t>
-            </a:r>
-            <a:r>
-              <a:rPr lang="en-US" dirty="0">
-                <a:latin typeface="ui-monospace"/>
-              </a:rPr>
-              <a:t> command</a:t>
+              <a:t>3. Build the application after the attack is inserted.</a:t>
             </a:r>
             <a:br>
               <a:rPr lang="en-US" dirty="0">
@@ -21223,7 +16581,7 @@
               <a:rPr lang="en-US" dirty="0">
                 <a:latin typeface="ui-monospace"/>
               </a:rPr>
-              <a:t> commands for future functionality testing and analyzing.</a:t>
+              <a:t>.</a:t>
             </a:r>
           </a:p>
         </p:txBody>
@@ -22086,14 +17444,7 @@
             <a:pPr algn="l" rtl="0"/>
             <a:r>
               <a:rPr lang="en-US" sz="1700" dirty="0"/>
-              <a:t>Started planning the attack process, within the steps:</a:t>
-            </a:r>
-            <a:br>
-              <a:rPr lang="en-US" sz="1700" dirty="0"/>
-            </a:br>
-            <a:r>
-              <a:rPr lang="en-US" sz="1700" dirty="0"/>
-              <a:t>reverse engineering on java split and append code sample to </a:t>
+              <a:t>Started planning the attack process, within the steps: reverse engineering on java split and append code sample to </a:t>
             </a:r>
             <a:r>
               <a:rPr lang="en-US" sz="1700" dirty="0" err="1"/>
@@ -22109,15 +17460,7 @@
             </a:r>
             <a:r>
               <a:rPr lang="en-US" sz="1700" dirty="0"/>
-              <a:t> string line. When we first started with append method, we observed that the application won't build and sign correctly because append used </a:t>
-            </a:r>
-            <a:r>
-              <a:rPr lang="en-US" sz="1700" dirty="0" err="1"/>
-              <a:t>stringBuilder</a:t>
-            </a:r>
-            <a:r>
-              <a:rPr lang="en-US" sz="1700" dirty="0"/>
-              <a:t> which causes problems, so we switch to </a:t>
+              <a:t> string line. When we first started with the append method, we observed that the application won't build and sign correctly because the append used StringBuilder which causes problems, so we switch to </a:t>
             </a:r>
             <a:r>
               <a:rPr lang="en-US" sz="1700" dirty="0" err="1"/>
@@ -22132,7 +17475,7 @@
             <a:pPr algn="l" rtl="0"/>
             <a:r>
               <a:rPr lang="en-US" sz="1700" dirty="0"/>
-              <a:t>Each method of the application that written in </a:t>
+              <a:t>Each method of the application that is written in </a:t>
             </a:r>
             <a:r>
               <a:rPr lang="en-US" sz="1700" dirty="0" err="1"/>
@@ -22140,14 +17483,7 @@
             </a:r>
             <a:r>
               <a:rPr lang="en-US" sz="1700" dirty="0"/>
-              <a:t> are having maximum number of registers to hold. When we tried to add +1 local register to a method that already had more then 16 local register we came across a problem that we exceed the maximum number so the next step was to overcome this with current registers that we can use just for cut proposes and without intervene the normal process of the method.</a:t>
-            </a:r>
-            <a:br>
-              <a:rPr lang="en-US" sz="1700" dirty="0"/>
-            </a:br>
-            <a:r>
-              <a:rPr lang="en-US" sz="1700" dirty="0"/>
-              <a:t>Also, some strings were problematic to change so we excludes them from the changing process. (‘/t’ ‘/r’ etc.)</a:t>
+              <a:t> is having a maximum number of registers to hold. When we tried to add +1 local register to a method that already had more than 16 local registers we came across a problem that we exceed the maximum number so the next step was to overcome this with current registers that we can use just to cut proposes and without intervening the normal process of the method. Also, some strings were problematic to change so we exclude them from the changing process. (‘/t’ ‘/r’ etc.)</a:t>
             </a:r>
           </a:p>
         </p:txBody>
@@ -23010,7 +18346,7 @@
             <a:pPr algn="l" rtl="0"/>
             <a:r>
               <a:rPr lang="en-US" dirty="0"/>
-              <a:t>Poster planning – for demonstration day at 8.6.21 we had to present a poster that summarize introduction, main goal and the process that we did so far. Poster is attached in </a:t>
+              <a:t>Poster planning – for demonstration day at 8.6.21 we had to present a poster that summarizes the introduction, main goal, and the process that we did so far. The poster is attached to </a:t>
             </a:r>
             <a:r>
               <a:rPr lang="en-US" dirty="0" err="1"/>
@@ -23025,14 +18361,15 @@
             <a:pPr algn="l" rtl="0"/>
             <a:r>
               <a:rPr lang="en-US" dirty="0"/>
-              <a:t>After that we needed to enlarge the number of apps that we worked on within sec-svm and our attack.</a:t>
-            </a:r>
-            <a:br>
+              <a:t>After that, we needed to enlarge the number of apps that we worked on within sec-</a:t>
+            </a:r>
+            <a:r>
+              <a:rPr lang="en-US" dirty="0" err="1"/>
+              <a:t>svm</a:t>
+            </a:r>
+            <a:r>
               <a:rPr lang="en-US" dirty="0"/>
-            </a:br>
-            <a:r>
-              <a:rPr lang="en-US" dirty="0"/>
-              <a:t>We got source of 4000+ malware applications that we can test out attack on. Also a sha256 text file that helps us with finding the application after feature extraction.</a:t>
+              <a:t> and our attack. We got a source of 4000+ malware applications that we can test out attacks on. Also, we got a sha256 text file that helps us with finding the application after feature extraction.</a:t>
             </a:r>
           </a:p>
         </p:txBody>
@@ -23882,8 +19219,8 @@
         </p:nvSpPr>
         <p:spPr>
           <a:xfrm>
-            <a:off x="677334" y="1552575"/>
-            <a:ext cx="8596668" cy="5133975"/>
+            <a:off x="677333" y="1552575"/>
+            <a:ext cx="8952875" cy="5133975"/>
           </a:xfrm>
         </p:spPr>
         <p:txBody>
@@ -23925,7 +19262,7 @@
             </a:pPr>
             <a:r>
               <a:rPr lang="en-US" sz="1500" dirty="0"/>
-              <a:t>We merge the dataset to one json and one label files and then splits them to 80% train and 20% test</a:t>
+              <a:t>We merge the dataset into one file and labels as well  and then split them to 80% train and 20% test.</a:t>
             </a:r>
           </a:p>
           <a:p>
@@ -23938,7 +19275,7 @@
             </a:pPr>
             <a:r>
               <a:rPr lang="en-US" sz="1500" dirty="0"/>
-              <a:t>locating applications in new test folder as malware (if the label in that spot marked by 1) and organizes them into one directory.</a:t>
+              <a:t>locating applications in the new test folder as malware (if the label in that spot is marked by 1) and organizes them into one directory.</a:t>
             </a:r>
           </a:p>
           <a:p>
@@ -23951,7 +19288,7 @@
             </a:pPr>
             <a:r>
               <a:rPr lang="en-US" sz="1500" dirty="0"/>
-              <a:t>Executes our attack on the founded application folder from previous step</a:t>
+              <a:t>Executes our attack on the founded application folder from the previous step(not always).</a:t>
             </a:r>
           </a:p>
           <a:p>
@@ -23964,7 +19301,7 @@
             </a:pPr>
             <a:r>
               <a:rPr lang="en-US" sz="1500" dirty="0"/>
-              <a:t>Feature extraction from the manipulated application from previous step to one json file.</a:t>
+              <a:t>Feature extraction from the manipulated application from the previous step to one JSON file.</a:t>
             </a:r>
           </a:p>
           <a:p>
@@ -23977,7 +19314,7 @@
             </a:pPr>
             <a:r>
               <a:rPr lang="en-US" sz="1500" dirty="0"/>
-              <a:t>Run the wanted script to work with the 20% test dataset rather if we want the results before the attack-only malicious, after the attack-only malicious or after the attack-malicious and benign shuffle, respectively with our newly created json file from previous step.</a:t>
+              <a:t>Run the wanted script to work with the 20% test dataset rather if we want the results before the attack-only malicious, after the attack-only malicious, or after the attack-malicious and benign shuffle, respectively with our newly created JSON file from the previous step.</a:t>
             </a:r>
           </a:p>
           <a:p>
@@ -23990,17 +19327,8 @@
             </a:pPr>
             <a:r>
               <a:rPr lang="en-US" sz="1500" dirty="0"/>
-              <a:t>In the final step we swap the 4 new files (train dataset and labels, test dataset and labels) with the existing 4 files in train/test.</a:t>
-            </a:r>
-          </a:p>
-          <a:p>
-            <a:pPr marL="0" indent="0" algn="l" rtl="0">
-              <a:lnSpc>
-                <a:spcPct val="90000"/>
-              </a:lnSpc>
-              <a:buNone/>
-            </a:pPr>
-            <a:endParaRPr lang="en-US" sz="1500" dirty="0"/>
+              <a:t>In the final step we swap the 4 new files (train dataset and labels, test dataset, and labels) with the existing 4 files in train/test.</a:t>
+            </a:r>
           </a:p>
         </p:txBody>
       </p:sp>
@@ -24885,64 +20213,57 @@
             </a:br>
             <a:r>
               <a:rPr lang="en-US" dirty="0"/>
-              <a:t> if the method not exceeding the maximum locals number we just add +1 the locals and continue the string change.</a:t>
+              <a:t>if the method not exceeding the maximum locals number we just add +1 the locals and continue the string change. After we checked that we can perform the string change from the perspective of locals numbers and specifically exclude of string type (‘/t’, regex pattern of computer addresses, etc.) we cut the string to 2 and then “</a:t>
+            </a:r>
+            <a:r>
+              <a:rPr lang="en-US" dirty="0" err="1"/>
+              <a:t>concat</a:t>
+            </a:r>
+            <a:r>
+              <a:rPr lang="en-US" dirty="0"/>
+              <a:t>” it together again for obfuscation.</a:t>
+            </a:r>
+          </a:p>
+          <a:p>
+            <a:pPr algn="l" rtl="0"/>
+            <a:r>
+              <a:rPr lang="en-US" b="1" dirty="0"/>
+              <a:t>merge_and_split.py</a:t>
+            </a:r>
+            <a:r>
+              <a:rPr lang="en-US" dirty="0"/>
+              <a:t> – Gets dataset of </a:t>
+            </a:r>
+            <a:r>
+              <a:rPr lang="en-US" dirty="0" err="1"/>
+              <a:t>test+labels</a:t>
+            </a:r>
+            <a:r>
+              <a:rPr lang="en-US" dirty="0"/>
+              <a:t> and dataset of </a:t>
+            </a:r>
+            <a:r>
+              <a:rPr lang="en-US" dirty="0" err="1"/>
+              <a:t>train+labels</a:t>
+            </a:r>
+            <a:r>
+              <a:rPr lang="en-US" dirty="0"/>
+              <a:t>.</a:t>
             </a:r>
             <a:br>
               <a:rPr lang="en-US" dirty="0"/>
             </a:br>
             <a:r>
               <a:rPr lang="en-US" dirty="0"/>
-              <a:t>After we checked that we can perform the string change from the perspective of locals numbers and specific exclude of string type (‘/t’, </a:t>
+              <a:t>Performs a merge to one big dataset and matching labels, then shuffles and splits (while maintaining order) to 80% train and 20% test for future Sec-</a:t>
             </a:r>
             <a:r>
               <a:rPr lang="en-US" dirty="0" err="1"/>
-              <a:t>regax</a:t>
+              <a:t>svm</a:t>
             </a:r>
             <a:r>
               <a:rPr lang="en-US" dirty="0"/>
-              <a:t> pattern of computer addresses, etc.) we cut the string to 2 and then “</a:t>
-            </a:r>
-            <a:r>
-              <a:rPr lang="en-US" dirty="0" err="1"/>
-              <a:t>concat</a:t>
-            </a:r>
-            <a:r>
-              <a:rPr lang="en-US" dirty="0"/>
-              <a:t>” it together again for obfuscation.</a:t>
-            </a:r>
-          </a:p>
-          <a:p>
-            <a:pPr algn="l" rtl="0"/>
-            <a:r>
-              <a:rPr lang="en-US" b="1" dirty="0"/>
-              <a:t>merge_and_split.py</a:t>
-            </a:r>
-            <a:r>
-              <a:rPr lang="en-US" dirty="0"/>
-              <a:t> – Gets dataset of </a:t>
-            </a:r>
-            <a:r>
-              <a:rPr lang="en-US" dirty="0" err="1"/>
-              <a:t>test+labels</a:t>
-            </a:r>
-            <a:r>
-              <a:rPr lang="en-US" dirty="0"/>
-              <a:t> and dataset of </a:t>
-            </a:r>
-            <a:r>
-              <a:rPr lang="en-US" dirty="0" err="1"/>
-              <a:t>train+labels</a:t>
-            </a:r>
-            <a:r>
-              <a:rPr lang="en-US" dirty="0"/>
-              <a:t>.</a:t>
-            </a:r>
-            <a:br>
-              <a:rPr lang="en-US" dirty="0"/>
-            </a:br>
-            <a:r>
-              <a:rPr lang="en-US" dirty="0"/>
-              <a:t>Performs a merge to one big dataset and matching labels, then shuffle and split (while maintain order) to 80% train and 20% test for future Sec-svm analyze.</a:t>
+              <a:t> analysis.</a:t>
             </a:r>
           </a:p>
         </p:txBody>

--- a/Sec-svm-demonstration.pptx
+++ b/Sec-svm-demonstration.pptx
@@ -20,6 +20,7 @@
     <p:sldId id="279" r:id="rId14"/>
     <p:sldId id="277" r:id="rId15"/>
     <p:sldId id="278" r:id="rId16"/>
+    <p:sldId id="280" r:id="rId17"/>
   </p:sldIdLst>
   <p:sldSz cx="12192000" cy="6858000"/>
   <p:notesSz cx="6858000" cy="9144000"/>
@@ -848,7 +849,7 @@
           <a:p>
             <a:fld id="{69E40285-7897-458D-9016-AEB729139BF7}" type="datetimeFigureOut">
               <a:rPr lang="he-IL" smtClean="0"/>
-              <a:t>י"ז/אלול/תשפ"א</a:t>
+              <a:t>י"ח/אלול/תשפ"א</a:t>
             </a:fld>
             <a:endParaRPr lang="he-IL"/>
           </a:p>
@@ -1099,7 +1100,7 @@
           <a:p>
             <a:fld id="{69E40285-7897-458D-9016-AEB729139BF7}" type="datetimeFigureOut">
               <a:rPr lang="he-IL" smtClean="0"/>
-              <a:t>י"ז/אלול/תשפ"א</a:t>
+              <a:t>י"ח/אלול/תשפ"א</a:t>
             </a:fld>
             <a:endParaRPr lang="he-IL"/>
           </a:p>
@@ -1413,7 +1414,7 @@
           <a:p>
             <a:fld id="{69E40285-7897-458D-9016-AEB729139BF7}" type="datetimeFigureOut">
               <a:rPr lang="he-IL" smtClean="0"/>
-              <a:t>י"ז/אלול/תשפ"א</a:t>
+              <a:t>י"ח/אלול/תשפ"א</a:t>
             </a:fld>
             <a:endParaRPr lang="he-IL"/>
           </a:p>
@@ -1754,7 +1755,7 @@
           <a:p>
             <a:fld id="{69E40285-7897-458D-9016-AEB729139BF7}" type="datetimeFigureOut">
               <a:rPr lang="he-IL" smtClean="0"/>
-              <a:t>י"ז/אלול/תשפ"א</a:t>
+              <a:t>י"ח/אלול/תשפ"א</a:t>
             </a:fld>
             <a:endParaRPr lang="he-IL"/>
           </a:p>
@@ -2068,7 +2069,7 @@
           <a:p>
             <a:fld id="{69E40285-7897-458D-9016-AEB729139BF7}" type="datetimeFigureOut">
               <a:rPr lang="he-IL" smtClean="0"/>
-              <a:t>י"ז/אלול/תשפ"א</a:t>
+              <a:t>י"ח/אלול/תשפ"א</a:t>
             </a:fld>
             <a:endParaRPr lang="he-IL"/>
           </a:p>
@@ -2461,7 +2462,7 @@
           <a:p>
             <a:fld id="{69E40285-7897-458D-9016-AEB729139BF7}" type="datetimeFigureOut">
               <a:rPr lang="he-IL" smtClean="0"/>
-              <a:t>י"ז/אלול/תשפ"א</a:t>
+              <a:t>י"ח/אלול/תשפ"א</a:t>
             </a:fld>
             <a:endParaRPr lang="he-IL"/>
           </a:p>
@@ -2631,7 +2632,7 @@
           <a:p>
             <a:fld id="{69E40285-7897-458D-9016-AEB729139BF7}" type="datetimeFigureOut">
               <a:rPr lang="he-IL" smtClean="0"/>
-              <a:t>י"ז/אלול/תשפ"א</a:t>
+              <a:t>י"ח/אלול/תשפ"א</a:t>
             </a:fld>
             <a:endParaRPr lang="he-IL"/>
           </a:p>
@@ -2811,7 +2812,7 @@
           <a:p>
             <a:fld id="{69E40285-7897-458D-9016-AEB729139BF7}" type="datetimeFigureOut">
               <a:rPr lang="he-IL" smtClean="0"/>
-              <a:t>י"ז/אלול/תשפ"א</a:t>
+              <a:t>י"ח/אלול/תשפ"א</a:t>
             </a:fld>
             <a:endParaRPr lang="he-IL"/>
           </a:p>
@@ -2987,7 +2988,7 @@
           <a:p>
             <a:fld id="{69E40285-7897-458D-9016-AEB729139BF7}" type="datetimeFigureOut">
               <a:rPr lang="he-IL" smtClean="0"/>
-              <a:t>י"ז/אלול/תשפ"א</a:t>
+              <a:t>י"ח/אלול/תשפ"א</a:t>
             </a:fld>
             <a:endParaRPr lang="he-IL"/>
           </a:p>
@@ -3234,7 +3235,7 @@
           <a:p>
             <a:fld id="{69E40285-7897-458D-9016-AEB729139BF7}" type="datetimeFigureOut">
               <a:rPr lang="he-IL" smtClean="0"/>
-              <a:t>י"ז/אלול/תשפ"א</a:t>
+              <a:t>י"ח/אלול/תשפ"א</a:t>
             </a:fld>
             <a:endParaRPr lang="he-IL"/>
           </a:p>
@@ -3466,7 +3467,7 @@
           <a:p>
             <a:fld id="{69E40285-7897-458D-9016-AEB729139BF7}" type="datetimeFigureOut">
               <a:rPr lang="he-IL" smtClean="0"/>
-              <a:t>י"ז/אלול/תשפ"א</a:t>
+              <a:t>י"ח/אלול/תשפ"א</a:t>
             </a:fld>
             <a:endParaRPr lang="he-IL"/>
           </a:p>
@@ -3840,7 +3841,7 @@
           <a:p>
             <a:fld id="{69E40285-7897-458D-9016-AEB729139BF7}" type="datetimeFigureOut">
               <a:rPr lang="he-IL" smtClean="0"/>
-              <a:t>י"ז/אלול/תשפ"א</a:t>
+              <a:t>י"ח/אלול/תשפ"א</a:t>
             </a:fld>
             <a:endParaRPr lang="he-IL"/>
           </a:p>
@@ -3963,7 +3964,7 @@
           <a:p>
             <a:fld id="{69E40285-7897-458D-9016-AEB729139BF7}" type="datetimeFigureOut">
               <a:rPr lang="he-IL" smtClean="0"/>
-              <a:t>י"ז/אלול/תשפ"א</a:t>
+              <a:t>י"ח/אלול/תשפ"א</a:t>
             </a:fld>
             <a:endParaRPr lang="he-IL"/>
           </a:p>
@@ -4058,7 +4059,7 @@
           <a:p>
             <a:fld id="{69E40285-7897-458D-9016-AEB729139BF7}" type="datetimeFigureOut">
               <a:rPr lang="he-IL" smtClean="0"/>
-              <a:t>י"ז/אלול/תשפ"א</a:t>
+              <a:t>י"ח/אלול/תשפ"א</a:t>
             </a:fld>
             <a:endParaRPr lang="he-IL"/>
           </a:p>
@@ -4313,7 +4314,7 @@
           <a:p>
             <a:fld id="{69E40285-7897-458D-9016-AEB729139BF7}" type="datetimeFigureOut">
               <a:rPr lang="he-IL" smtClean="0"/>
-              <a:t>י"ז/אלול/תשפ"א</a:t>
+              <a:t>י"ח/אלול/תשפ"א</a:t>
             </a:fld>
             <a:endParaRPr lang="he-IL"/>
           </a:p>
@@ -4576,7 +4577,7 @@
           <a:p>
             <a:fld id="{69E40285-7897-458D-9016-AEB729139BF7}" type="datetimeFigureOut">
               <a:rPr lang="he-IL" smtClean="0"/>
-              <a:t>י"ז/אלול/תשפ"א</a:t>
+              <a:t>י"ח/אלול/תשפ"א</a:t>
             </a:fld>
             <a:endParaRPr lang="he-IL"/>
           </a:p>
@@ -5319,7 +5320,7 @@
           <a:p>
             <a:fld id="{69E40285-7897-458D-9016-AEB729139BF7}" type="datetimeFigureOut">
               <a:rPr lang="he-IL" smtClean="0"/>
-              <a:t>י"ז/אלול/תשפ"א</a:t>
+              <a:t>י"ח/אלול/תשפ"א</a:t>
             </a:fld>
             <a:endParaRPr lang="he-IL"/>
           </a:p>
@@ -12838,6 +12839,421 @@
 </p:sld>
 </file>
 
+<file path=ppt/slides/slide16.xml><?xml version="1.0" encoding="utf-8"?>
+<p:sld xmlns:a="http://schemas.openxmlformats.org/drawingml/2006/main" xmlns:r="http://schemas.openxmlformats.org/officeDocument/2006/relationships" xmlns:p="http://schemas.openxmlformats.org/presentationml/2006/main">
+  <p:cSld>
+    <p:bg>
+      <p:bgPr>
+        <a:solidFill>
+          <a:schemeClr val="bg1"/>
+        </a:solidFill>
+        <a:effectLst/>
+      </p:bgPr>
+    </p:bg>
+    <p:spTree>
+      <p:nvGrpSpPr>
+        <p:cNvPr id="1" name=""/>
+        <p:cNvGrpSpPr/>
+        <p:nvPr/>
+      </p:nvGrpSpPr>
+      <p:grpSpPr>
+        <a:xfrm>
+          <a:off x="0" y="0"/>
+          <a:ext cx="0" cy="0"/>
+          <a:chOff x="0" y="0"/>
+          <a:chExt cx="0" cy="0"/>
+        </a:xfrm>
+      </p:grpSpPr>
+      <p:sp useBgFill="1">
+        <p:nvSpPr>
+          <p:cNvPr id="25" name="Rectangle 24">
+            <a:extLst>
+              <a:ext uri="{FF2B5EF4-FFF2-40B4-BE49-F238E27FC236}">
+                <a16:creationId xmlns:a16="http://schemas.microsoft.com/office/drawing/2014/main" id="{9F4444CE-BC8D-4D61-B303-4C05614E62AB}"/>
+              </a:ext>
+              <a:ext uri="{C183D7F6-B498-43B3-948B-1728B52AA6E4}">
+                <adec:decorative xmlns:adec="http://schemas.microsoft.com/office/drawing/2017/decorative" val="1"/>
+              </a:ext>
+            </a:extLst>
+          </p:cNvPr>
+          <p:cNvSpPr>
+            <a:spLocks noGrp="1" noRot="1" noChangeAspect="1" noMove="1" noResize="1" noEditPoints="1" noAdjustHandles="1" noChangeArrowheads="1" noChangeShapeType="1" noTextEdit="1"/>
+          </p:cNvSpPr>
+          <p:nvPr>
+            <p:extLst>
+              <p:ext uri="{386F3935-93C4-4BCD-93E2-E3B085C9AB24}">
+                <p16:designElem xmlns:p16="http://schemas.microsoft.com/office/powerpoint/2015/main" val="1"/>
+              </p:ext>
+            </p:extLst>
+          </p:nvPr>
+        </p:nvSpPr>
+        <p:spPr>
+          <a:xfrm>
+            <a:off x="0" y="0"/>
+            <a:ext cx="12192000" cy="6858000"/>
+          </a:xfrm>
+          <a:prstGeom prst="rect">
+            <a:avLst/>
+          </a:prstGeom>
+          <a:ln>
+            <a:noFill/>
+          </a:ln>
+        </p:spPr>
+        <p:style>
+          <a:lnRef idx="2">
+            <a:schemeClr val="accent1">
+              <a:shade val="50000"/>
+            </a:schemeClr>
+          </a:lnRef>
+          <a:fillRef idx="1">
+            <a:schemeClr val="accent1"/>
+          </a:fillRef>
+          <a:effectRef idx="0">
+            <a:schemeClr val="accent1"/>
+          </a:effectRef>
+          <a:fontRef idx="minor">
+            <a:schemeClr val="lt1"/>
+          </a:fontRef>
+        </p:style>
+        <p:txBody>
+          <a:bodyPr rtlCol="0" anchor="ctr"/>
+          <a:lstStyle/>
+          <a:p>
+            <a:pPr algn="ctr"/>
+            <a:endParaRPr lang="en-US"/>
+          </a:p>
+        </p:txBody>
+      </p:sp>
+      <p:sp>
+        <p:nvSpPr>
+          <p:cNvPr id="27" name="Rectangle 26">
+            <a:extLst>
+              <a:ext uri="{FF2B5EF4-FFF2-40B4-BE49-F238E27FC236}">
+                <a16:creationId xmlns:a16="http://schemas.microsoft.com/office/drawing/2014/main" id="{62423CA5-E2E1-4789-B759-9906C1C94063}"/>
+              </a:ext>
+              <a:ext uri="{C183D7F6-B498-43B3-948B-1728B52AA6E4}">
+                <adec:decorative xmlns:adec="http://schemas.microsoft.com/office/drawing/2017/decorative" val="1"/>
+              </a:ext>
+            </a:extLst>
+          </p:cNvPr>
+          <p:cNvSpPr>
+            <a:spLocks noGrp="1" noRot="1" noChangeAspect="1" noMove="1" noResize="1" noEditPoints="1" noAdjustHandles="1" noChangeArrowheads="1" noChangeShapeType="1" noTextEdit="1"/>
+          </p:cNvSpPr>
+          <p:nvPr>
+            <p:extLst>
+              <p:ext uri="{386F3935-93C4-4BCD-93E2-E3B085C9AB24}">
+                <p16:designElem xmlns:p16="http://schemas.microsoft.com/office/powerpoint/2015/main" val="1"/>
+              </p:ext>
+            </p:extLst>
+          </p:nvPr>
+        </p:nvSpPr>
+        <p:spPr>
+          <a:xfrm>
+            <a:off x="0" y="-3"/>
+            <a:ext cx="4660126" cy="6858000"/>
+          </a:xfrm>
+          <a:prstGeom prst="rect">
+            <a:avLst/>
+          </a:prstGeom>
+          <a:solidFill>
+            <a:schemeClr val="tx2"/>
+          </a:solidFill>
+          <a:ln>
+            <a:noFill/>
+          </a:ln>
+          <a:effectLst/>
+        </p:spPr>
+        <p:style>
+          <a:lnRef idx="1">
+            <a:schemeClr val="accent1"/>
+          </a:lnRef>
+          <a:fillRef idx="3">
+            <a:schemeClr val="accent1"/>
+          </a:fillRef>
+          <a:effectRef idx="2">
+            <a:schemeClr val="accent1"/>
+          </a:effectRef>
+          <a:fontRef idx="minor">
+            <a:schemeClr val="lt1"/>
+          </a:fontRef>
+        </p:style>
+        <p:txBody>
+          <a:bodyPr/>
+          <a:lstStyle/>
+          <a:p>
+            <a:endParaRPr lang="en-US"/>
+          </a:p>
+        </p:txBody>
+      </p:sp>
+      <p:sp>
+        <p:nvSpPr>
+          <p:cNvPr id="29" name="Isosceles Triangle 28">
+            <a:extLst>
+              <a:ext uri="{FF2B5EF4-FFF2-40B4-BE49-F238E27FC236}">
+                <a16:creationId xmlns:a16="http://schemas.microsoft.com/office/drawing/2014/main" id="{73772B81-181F-48B7-8826-4D9686D15DF5}"/>
+              </a:ext>
+              <a:ext uri="{C183D7F6-B498-43B3-948B-1728B52AA6E4}">
+                <adec:decorative xmlns:adec="http://schemas.microsoft.com/office/drawing/2017/decorative" val="1"/>
+              </a:ext>
+            </a:extLst>
+          </p:cNvPr>
+          <p:cNvSpPr>
+            <a:spLocks noGrp="1" noRot="1" noChangeAspect="1" noMove="1" noResize="1" noEditPoints="1" noAdjustHandles="1" noChangeArrowheads="1" noChangeShapeType="1" noTextEdit="1"/>
+          </p:cNvSpPr>
+          <p:nvPr>
+            <p:extLst>
+              <p:ext uri="{386F3935-93C4-4BCD-93E2-E3B085C9AB24}">
+                <p16:designElem xmlns:p16="http://schemas.microsoft.com/office/powerpoint/2015/main" val="1"/>
+              </p:ext>
+            </p:extLst>
+          </p:nvPr>
+        </p:nvSpPr>
+        <p:spPr>
+          <a:xfrm rot="10800000">
+            <a:off x="4660127" y="-3"/>
+            <a:ext cx="1056745" cy="6858001"/>
+          </a:xfrm>
+          <a:prstGeom prst="triangle">
+            <a:avLst>
+              <a:gd name="adj" fmla="val 100000"/>
+            </a:avLst>
+          </a:prstGeom>
+          <a:solidFill>
+            <a:schemeClr val="tx2"/>
+          </a:solidFill>
+          <a:ln>
+            <a:noFill/>
+          </a:ln>
+          <a:effectLst/>
+        </p:spPr>
+        <p:style>
+          <a:lnRef idx="1">
+            <a:schemeClr val="accent1"/>
+          </a:lnRef>
+          <a:fillRef idx="3">
+            <a:schemeClr val="accent1"/>
+          </a:fillRef>
+          <a:effectRef idx="2">
+            <a:schemeClr val="accent1"/>
+          </a:effectRef>
+          <a:fontRef idx="minor">
+            <a:schemeClr val="lt1"/>
+          </a:fontRef>
+        </p:style>
+        <p:txBody>
+          <a:bodyPr/>
+          <a:lstStyle/>
+          <a:p>
+            <a:endParaRPr lang="en-US" dirty="0"/>
+          </a:p>
+        </p:txBody>
+      </p:sp>
+      <p:sp>
+        <p:nvSpPr>
+          <p:cNvPr id="2" name="כותרת 1">
+            <a:extLst>
+              <a:ext uri="{FF2B5EF4-FFF2-40B4-BE49-F238E27FC236}">
+                <a16:creationId xmlns:a16="http://schemas.microsoft.com/office/drawing/2014/main" id="{42F357A3-B4F5-4866-B980-B4E968CAC593}"/>
+              </a:ext>
+            </a:extLst>
+          </p:cNvPr>
+          <p:cNvSpPr>
+            <a:spLocks noGrp="1"/>
+          </p:cNvSpPr>
+          <p:nvPr>
+            <p:ph type="title"/>
+          </p:nvPr>
+        </p:nvSpPr>
+        <p:spPr>
+          <a:xfrm>
+            <a:off x="673754" y="643467"/>
+            <a:ext cx="4203045" cy="1375608"/>
+          </a:xfrm>
+        </p:spPr>
+        <p:txBody>
+          <a:bodyPr anchor="ctr">
+            <a:normAutofit/>
+          </a:bodyPr>
+          <a:lstStyle/>
+          <a:p>
+            <a:r>
+              <a:rPr lang="en-US">
+                <a:solidFill>
+                  <a:schemeClr val="bg1"/>
+                </a:solidFill>
+              </a:rPr>
+              <a:t>Testing Functionality</a:t>
+            </a:r>
+            <a:endParaRPr lang="he-IL">
+              <a:solidFill>
+                <a:schemeClr val="bg1"/>
+              </a:solidFill>
+            </a:endParaRPr>
+          </a:p>
+        </p:txBody>
+      </p:sp>
+      <p:sp>
+        <p:nvSpPr>
+          <p:cNvPr id="3" name="מציין מיקום תוכן 2">
+            <a:extLst>
+              <a:ext uri="{FF2B5EF4-FFF2-40B4-BE49-F238E27FC236}">
+                <a16:creationId xmlns:a16="http://schemas.microsoft.com/office/drawing/2014/main" id="{C3BCF87B-952F-4EBA-941C-C9EE44501386}"/>
+              </a:ext>
+            </a:extLst>
+          </p:cNvPr>
+          <p:cNvSpPr>
+            <a:spLocks noGrp="1"/>
+          </p:cNvSpPr>
+          <p:nvPr>
+            <p:ph idx="1"/>
+          </p:nvPr>
+        </p:nvSpPr>
+        <p:spPr>
+          <a:xfrm>
+            <a:off x="673754" y="2160590"/>
+            <a:ext cx="3973943" cy="3440110"/>
+          </a:xfrm>
+        </p:spPr>
+        <p:txBody>
+          <a:bodyPr>
+            <a:normAutofit/>
+          </a:bodyPr>
+          <a:lstStyle/>
+          <a:p>
+            <a:pPr rtl="0"/>
+            <a:r>
+              <a:rPr lang="en-US">
+                <a:solidFill>
+                  <a:schemeClr val="bg1"/>
+                </a:solidFill>
+              </a:rPr>
+              <a:t>Tested application functionality after attack and before attack and compared the events between them using Droidbot. We took sample of 50 application and the functionality reserved. The testing was based on the state number and chronological order of the events created.</a:t>
+            </a:r>
+          </a:p>
+          <a:p>
+            <a:pPr rtl="0"/>
+            <a:endParaRPr lang="en-US">
+              <a:solidFill>
+                <a:schemeClr val="bg1"/>
+              </a:solidFill>
+            </a:endParaRPr>
+          </a:p>
+        </p:txBody>
+      </p:sp>
+      <p:pic>
+        <p:nvPicPr>
+          <p:cNvPr id="5" name="תמונה 4" descr="תמונה שמכילה טקסט&#10;&#10;התיאור נוצר באופן אוטומטי">
+            <a:extLst>
+              <a:ext uri="{FF2B5EF4-FFF2-40B4-BE49-F238E27FC236}">
+                <a16:creationId xmlns:a16="http://schemas.microsoft.com/office/drawing/2014/main" id="{779B06DA-D311-404F-A429-63B86DA39CE3}"/>
+              </a:ext>
+            </a:extLst>
+          </p:cNvPr>
+          <p:cNvPicPr>
+            <a:picLocks noChangeAspect="1"/>
+          </p:cNvPicPr>
+          <p:nvPr/>
+        </p:nvPicPr>
+        <p:blipFill>
+          <a:blip r:embed="rId2">
+            <a:extLst>
+              <a:ext uri="{28A0092B-C50C-407E-A947-70E740481C1C}">
+                <a14:useLocalDpi xmlns:a14="http://schemas.microsoft.com/office/drawing/2010/main" val="0"/>
+              </a:ext>
+            </a:extLst>
+          </a:blip>
+          <a:stretch>
+            <a:fillRect/>
+          </a:stretch>
+        </p:blipFill>
+        <p:spPr>
+          <a:xfrm>
+            <a:off x="5371236" y="0"/>
+            <a:ext cx="6372031" cy="6796837"/>
+          </a:xfrm>
+          <a:prstGeom prst="rect">
+            <a:avLst/>
+          </a:prstGeom>
+        </p:spPr>
+      </p:pic>
+      <p:sp>
+        <p:nvSpPr>
+          <p:cNvPr id="31" name="Isosceles Triangle 30">
+            <a:extLst>
+              <a:ext uri="{FF2B5EF4-FFF2-40B4-BE49-F238E27FC236}">
+                <a16:creationId xmlns:a16="http://schemas.microsoft.com/office/drawing/2014/main" id="{B2205F6E-03C6-4E92-877C-E2482F6599AA}"/>
+              </a:ext>
+              <a:ext uri="{C183D7F6-B498-43B3-948B-1728B52AA6E4}">
+                <adec:decorative xmlns:adec="http://schemas.microsoft.com/office/drawing/2017/decorative" val="1"/>
+              </a:ext>
+            </a:extLst>
+          </p:cNvPr>
+          <p:cNvSpPr>
+            <a:spLocks noGrp="1" noRot="1" noChangeAspect="1" noMove="1" noResize="1" noEditPoints="1" noAdjustHandles="1" noChangeArrowheads="1" noChangeShapeType="1" noTextEdit="1"/>
+          </p:cNvSpPr>
+          <p:nvPr>
+            <p:extLst>
+              <p:ext uri="{386F3935-93C4-4BCD-93E2-E3B085C9AB24}">
+                <p16:designElem xmlns:p16="http://schemas.microsoft.com/office/powerpoint/2015/main" val="1"/>
+              </p:ext>
+            </p:extLst>
+          </p:nvPr>
+        </p:nvSpPr>
+        <p:spPr>
+          <a:xfrm flipH="1">
+            <a:off x="11755696" y="4013200"/>
+            <a:ext cx="448733" cy="2844800"/>
+          </a:xfrm>
+          <a:prstGeom prst="triangle">
+            <a:avLst>
+              <a:gd name="adj" fmla="val 0"/>
+            </a:avLst>
+          </a:prstGeom>
+          <a:solidFill>
+            <a:schemeClr val="accent1">
+              <a:alpha val="85000"/>
+            </a:schemeClr>
+          </a:solidFill>
+          <a:ln>
+            <a:noFill/>
+          </a:ln>
+          <a:effectLst/>
+        </p:spPr>
+        <p:style>
+          <a:lnRef idx="1">
+            <a:schemeClr val="accent1"/>
+          </a:lnRef>
+          <a:fillRef idx="3">
+            <a:schemeClr val="accent1"/>
+          </a:fillRef>
+          <a:effectRef idx="2">
+            <a:schemeClr val="accent1"/>
+          </a:effectRef>
+          <a:fontRef idx="minor">
+            <a:schemeClr val="lt1"/>
+          </a:fontRef>
+        </p:style>
+        <p:txBody>
+          <a:bodyPr/>
+          <a:lstStyle/>
+          <a:p>
+            <a:endParaRPr lang="en-US" dirty="0"/>
+          </a:p>
+        </p:txBody>
+      </p:sp>
+    </p:spTree>
+    <p:extLst>
+      <p:ext uri="{BB962C8B-B14F-4D97-AF65-F5344CB8AC3E}">
+        <p14:creationId xmlns:p14="http://schemas.microsoft.com/office/powerpoint/2010/main" val="842270971"/>
+      </p:ext>
+    </p:extLst>
+  </p:cSld>
+  <p:clrMapOvr>
+    <a:masterClrMapping/>
+  </p:clrMapOvr>
+</p:sld>
+</file>
+
 <file path=ppt/slides/slide2.xml><?xml version="1.0" encoding="utf-8"?>
 <p:sld xmlns:a="http://schemas.openxmlformats.org/drawingml/2006/main" xmlns:r="http://schemas.openxmlformats.org/officeDocument/2006/relationships" xmlns:p="http://schemas.openxmlformats.org/presentationml/2006/main">
   <p:cSld>
